--- a/Trunk/Getting Started Material/DCAF Training/2 Demystifying LabVIEW Object Oriented.pptx
+++ b/Trunk/Getting Started Material/DCAF Training/2 Demystifying LabVIEW Object Oriented.pptx
@@ -5,61 +5,62 @@
     <p:sldMasterId id="2147483660" r:id="rId1"/>
   </p:sldMasterIdLst>
   <p:notesMasterIdLst>
-    <p:notesMasterId r:id="rId54"/>
+    <p:notesMasterId r:id="rId55"/>
   </p:notesMasterIdLst>
   <p:sldIdLst>
-    <p:sldId id="267" r:id="rId2"/>
-    <p:sldId id="256" r:id="rId3"/>
-    <p:sldId id="263" r:id="rId4"/>
-    <p:sldId id="257" r:id="rId5"/>
-    <p:sldId id="259" r:id="rId6"/>
-    <p:sldId id="314" r:id="rId7"/>
-    <p:sldId id="315" r:id="rId8"/>
-    <p:sldId id="316" r:id="rId9"/>
-    <p:sldId id="261" r:id="rId10"/>
-    <p:sldId id="268" r:id="rId11"/>
-    <p:sldId id="320" r:id="rId12"/>
-    <p:sldId id="277" r:id="rId13"/>
-    <p:sldId id="264" r:id="rId14"/>
-    <p:sldId id="265" r:id="rId15"/>
-    <p:sldId id="266" r:id="rId16"/>
-    <p:sldId id="318" r:id="rId17"/>
-    <p:sldId id="278" r:id="rId18"/>
-    <p:sldId id="271" r:id="rId19"/>
-    <p:sldId id="276" r:id="rId20"/>
-    <p:sldId id="319" r:id="rId21"/>
-    <p:sldId id="279" r:id="rId22"/>
-    <p:sldId id="280" r:id="rId23"/>
-    <p:sldId id="317" r:id="rId24"/>
-    <p:sldId id="270" r:id="rId25"/>
-    <p:sldId id="282" r:id="rId26"/>
-    <p:sldId id="283" r:id="rId27"/>
-    <p:sldId id="287" r:id="rId28"/>
-    <p:sldId id="258" r:id="rId29"/>
-    <p:sldId id="272" r:id="rId30"/>
-    <p:sldId id="284" r:id="rId31"/>
-    <p:sldId id="286" r:id="rId32"/>
-    <p:sldId id="288" r:id="rId33"/>
-    <p:sldId id="289" r:id="rId34"/>
-    <p:sldId id="292" r:id="rId35"/>
-    <p:sldId id="290" r:id="rId36"/>
-    <p:sldId id="291" r:id="rId37"/>
-    <p:sldId id="293" r:id="rId38"/>
-    <p:sldId id="294" r:id="rId39"/>
-    <p:sldId id="295" r:id="rId40"/>
-    <p:sldId id="296" r:id="rId41"/>
-    <p:sldId id="297" r:id="rId42"/>
-    <p:sldId id="285" r:id="rId43"/>
-    <p:sldId id="298" r:id="rId44"/>
-    <p:sldId id="299" r:id="rId45"/>
-    <p:sldId id="309" r:id="rId46"/>
-    <p:sldId id="300" r:id="rId47"/>
-    <p:sldId id="302" r:id="rId48"/>
-    <p:sldId id="305" r:id="rId49"/>
-    <p:sldId id="310" r:id="rId50"/>
-    <p:sldId id="311" r:id="rId51"/>
-    <p:sldId id="313" r:id="rId52"/>
-    <p:sldId id="312" r:id="rId53"/>
+    <p:sldId id="321" r:id="rId2"/>
+    <p:sldId id="322" r:id="rId3"/>
+    <p:sldId id="256" r:id="rId4"/>
+    <p:sldId id="263" r:id="rId5"/>
+    <p:sldId id="257" r:id="rId6"/>
+    <p:sldId id="259" r:id="rId7"/>
+    <p:sldId id="314" r:id="rId8"/>
+    <p:sldId id="315" r:id="rId9"/>
+    <p:sldId id="316" r:id="rId10"/>
+    <p:sldId id="261" r:id="rId11"/>
+    <p:sldId id="268" r:id="rId12"/>
+    <p:sldId id="320" r:id="rId13"/>
+    <p:sldId id="277" r:id="rId14"/>
+    <p:sldId id="264" r:id="rId15"/>
+    <p:sldId id="265" r:id="rId16"/>
+    <p:sldId id="266" r:id="rId17"/>
+    <p:sldId id="318" r:id="rId18"/>
+    <p:sldId id="278" r:id="rId19"/>
+    <p:sldId id="271" r:id="rId20"/>
+    <p:sldId id="276" r:id="rId21"/>
+    <p:sldId id="319" r:id="rId22"/>
+    <p:sldId id="279" r:id="rId23"/>
+    <p:sldId id="280" r:id="rId24"/>
+    <p:sldId id="317" r:id="rId25"/>
+    <p:sldId id="270" r:id="rId26"/>
+    <p:sldId id="282" r:id="rId27"/>
+    <p:sldId id="283" r:id="rId28"/>
+    <p:sldId id="287" r:id="rId29"/>
+    <p:sldId id="258" r:id="rId30"/>
+    <p:sldId id="272" r:id="rId31"/>
+    <p:sldId id="284" r:id="rId32"/>
+    <p:sldId id="286" r:id="rId33"/>
+    <p:sldId id="288" r:id="rId34"/>
+    <p:sldId id="289" r:id="rId35"/>
+    <p:sldId id="292" r:id="rId36"/>
+    <p:sldId id="290" r:id="rId37"/>
+    <p:sldId id="291" r:id="rId38"/>
+    <p:sldId id="293" r:id="rId39"/>
+    <p:sldId id="294" r:id="rId40"/>
+    <p:sldId id="295" r:id="rId41"/>
+    <p:sldId id="296" r:id="rId42"/>
+    <p:sldId id="297" r:id="rId43"/>
+    <p:sldId id="285" r:id="rId44"/>
+    <p:sldId id="298" r:id="rId45"/>
+    <p:sldId id="299" r:id="rId46"/>
+    <p:sldId id="309" r:id="rId47"/>
+    <p:sldId id="300" r:id="rId48"/>
+    <p:sldId id="302" r:id="rId49"/>
+    <p:sldId id="305" r:id="rId50"/>
+    <p:sldId id="310" r:id="rId51"/>
+    <p:sldId id="311" r:id="rId52"/>
+    <p:sldId id="313" r:id="rId53"/>
+    <p:sldId id="312" r:id="rId54"/>
   </p:sldIdLst>
   <p:sldSz cx="12192000" cy="6858000"/>
   <p:notesSz cx="6858000" cy="9144000"/>
@@ -5146,7 +5147,7 @@
           <a:p>
             <a:fld id="{65D47A0C-230E-40BC-9856-13A0F7404925}" type="datetimeFigureOut">
               <a:rPr lang="en-US" smtClean="0"/>
-              <a:t>6/6/2018</a:t>
+              <a:t>2018-06-14</a:t>
             </a:fld>
             <a:endParaRPr lang="en-US" dirty="0"/>
           </a:p>
@@ -5454,33 +5455,33 @@
         </p:nvSpPr>
         <p:spPr/>
         <p:txBody>
-          <a:bodyPr>
-            <a:normAutofit/>
-          </a:bodyPr>
-          <a:lstStyle/>
-          <a:p>
-            <a:endParaRPr lang="en-US" dirty="0"/>
-          </a:p>
-        </p:txBody>
-      </p:sp>
-      <p:sp>
-        <p:nvSpPr>
-          <p:cNvPr id="4" name="Slide Number Placeholder 3"/>
-          <p:cNvSpPr>
-            <a:spLocks noGrp="1"/>
-          </p:cNvSpPr>
-          <p:nvPr>
-            <p:ph type="sldNum" sz="quarter" idx="10"/>
-          </p:nvPr>
-        </p:nvSpPr>
-        <p:spPr/>
-        <p:txBody>
           <a:bodyPr/>
           <a:lstStyle/>
           <a:p>
-            <a:fld id="{4EBD0D5B-C3DF-E34A-B40F-6748B7234DFA}" type="slidenum">
+            <a:r>
+              <a:rPr lang="en-US" dirty="0"/>
+              <a:t>This content is taken from a session given at the Dev Days in 2016</a:t>
+            </a:r>
+          </a:p>
+        </p:txBody>
+      </p:sp>
+      <p:sp>
+        <p:nvSpPr>
+          <p:cNvPr id="4" name="Slide Number Placeholder 3"/>
+          <p:cNvSpPr>
+            <a:spLocks noGrp="1"/>
+          </p:cNvSpPr>
+          <p:nvPr>
+            <p:ph type="sldNum" sz="quarter" idx="10"/>
+          </p:nvPr>
+        </p:nvSpPr>
+        <p:spPr/>
+        <p:txBody>
+          <a:bodyPr/>
+          <a:lstStyle/>
+          <a:p>
+            <a:fld id="{07B2E245-D56D-43C6-BFF0-7EB1C14DD4DA}" type="slidenum">
               <a:rPr lang="en-US" smtClean="0"/>
-              <a:pPr/>
               <a:t>1</a:t>
             </a:fld>
             <a:endParaRPr lang="en-US" dirty="0"/>
@@ -5490,7 +5491,7 @@
     </p:spTree>
     <p:extLst>
       <p:ext uri="{BB962C8B-B14F-4D97-AF65-F5344CB8AC3E}">
-        <p14:creationId xmlns:p14="http://schemas.microsoft.com/office/powerpoint/2010/main" val="1970474283"/>
+        <p14:creationId xmlns:p14="http://schemas.microsoft.com/office/powerpoint/2010/main" val="267554216"/>
       </p:ext>
     </p:extLst>
   </p:cSld>
@@ -5588,7 +5589,7 @@
               <a:pPr>
                 <a:defRPr/>
               </a:pPr>
-              <a:t>13</a:t>
+              <a:t>14</a:t>
             </a:fld>
             <a:endParaRPr lang="en-US" dirty="0"/>
           </a:p>
@@ -5697,7 +5698,7 @@
               <a:pPr>
                 <a:defRPr/>
               </a:pPr>
-              <a:t>14</a:t>
+              <a:t>15</a:t>
             </a:fld>
             <a:endParaRPr lang="en-US" dirty="0"/>
           </a:p>
@@ -6132,7 +6133,7 @@
           <a:p>
             <a:fld id="{07B2E245-D56D-43C6-BFF0-7EB1C14DD4DA}" type="slidenum">
               <a:rPr lang="en-US" smtClean="0"/>
-              <a:t>17</a:t>
+              <a:t>18</a:t>
             </a:fld>
             <a:endParaRPr lang="en-US" dirty="0"/>
           </a:p>
@@ -6241,7 +6242,7 @@
           <a:p>
             <a:fld id="{07B2E245-D56D-43C6-BFF0-7EB1C14DD4DA}" type="slidenum">
               <a:rPr lang="en-US" smtClean="0"/>
-              <a:t>18</a:t>
+              <a:t>19</a:t>
             </a:fld>
             <a:endParaRPr lang="en-US" dirty="0"/>
           </a:p>
@@ -6345,7 +6346,7 @@
           <a:p>
             <a:fld id="{07B2E245-D56D-43C6-BFF0-7EB1C14DD4DA}" type="slidenum">
               <a:rPr lang="en-US" smtClean="0"/>
-              <a:t>19</a:t>
+              <a:t>20</a:t>
             </a:fld>
             <a:endParaRPr lang="en-US" dirty="0"/>
           </a:p>
@@ -6491,7 +6492,7 @@
           <a:p>
             <a:fld id="{07B2E245-D56D-43C6-BFF0-7EB1C14DD4DA}" type="slidenum">
               <a:rPr lang="en-US" smtClean="0"/>
-              <a:t>20</a:t>
+              <a:t>21</a:t>
             </a:fld>
             <a:endParaRPr lang="en-US" dirty="0"/>
           </a:p>
@@ -6699,7 +6700,7 @@
           <a:p>
             <a:fld id="{07B2E245-D56D-43C6-BFF0-7EB1C14DD4DA}" type="slidenum">
               <a:rPr lang="en-US" smtClean="0"/>
-              <a:t>21</a:t>
+              <a:t>22</a:t>
             </a:fld>
             <a:endParaRPr lang="en-US" dirty="0"/>
           </a:p>
@@ -6815,7 +6816,7 @@
           <a:p>
             <a:fld id="{07B2E245-D56D-43C6-BFF0-7EB1C14DD4DA}" type="slidenum">
               <a:rPr lang="en-US" smtClean="0"/>
-              <a:t>22</a:t>
+              <a:t>23</a:t>
             </a:fld>
             <a:endParaRPr lang="en-US" dirty="0"/>
           </a:p>
@@ -6921,7 +6922,7 @@
           <a:p>
             <a:fld id="{07B2E245-D56D-43C6-BFF0-7EB1C14DD4DA}" type="slidenum">
               <a:rPr lang="en-US" smtClean="0"/>
-              <a:t>24</a:t>
+              <a:t>25</a:t>
             </a:fld>
             <a:endParaRPr lang="en-US" dirty="0"/>
           </a:p>
@@ -7033,7 +7034,7 @@
           <a:p>
             <a:fld id="{07B2E245-D56D-43C6-BFF0-7EB1C14DD4DA}" type="slidenum">
               <a:rPr lang="en-US" smtClean="0"/>
-              <a:t>4</a:t>
+              <a:t>5</a:t>
             </a:fld>
             <a:endParaRPr lang="en-US" dirty="0"/>
           </a:p>
@@ -7139,7 +7140,7 @@
           <a:p>
             <a:fld id="{07B2E245-D56D-43C6-BFF0-7EB1C14DD4DA}" type="slidenum">
               <a:rPr lang="en-US" smtClean="0"/>
-              <a:t>25</a:t>
+              <a:t>26</a:t>
             </a:fld>
             <a:endParaRPr lang="en-US" dirty="0"/>
           </a:p>
@@ -7231,7 +7232,7 @@
           <a:p>
             <a:fld id="{07B2E245-D56D-43C6-BFF0-7EB1C14DD4DA}" type="slidenum">
               <a:rPr lang="en-US" smtClean="0"/>
-              <a:t>26</a:t>
+              <a:t>27</a:t>
             </a:fld>
             <a:endParaRPr lang="en-US" dirty="0"/>
           </a:p>
@@ -7349,7 +7350,7 @@
           <a:p>
             <a:fld id="{07B2E245-D56D-43C6-BFF0-7EB1C14DD4DA}" type="slidenum">
               <a:rPr lang="en-US" smtClean="0"/>
-              <a:t>27</a:t>
+              <a:t>28</a:t>
             </a:fld>
             <a:endParaRPr lang="en-US" dirty="0"/>
           </a:p>
@@ -7455,7 +7456,7 @@
           <a:p>
             <a:fld id="{07B2E245-D56D-43C6-BFF0-7EB1C14DD4DA}" type="slidenum">
               <a:rPr lang="en-US" smtClean="0"/>
-              <a:t>29</a:t>
+              <a:t>30</a:t>
             </a:fld>
             <a:endParaRPr lang="en-US" dirty="0"/>
           </a:p>
@@ -7555,7 +7556,7 @@
           <a:p>
             <a:fld id="{07B2E245-D56D-43C6-BFF0-7EB1C14DD4DA}" type="slidenum">
               <a:rPr lang="en-US" smtClean="0"/>
-              <a:t>32</a:t>
+              <a:t>33</a:t>
             </a:fld>
             <a:endParaRPr lang="en-US" dirty="0"/>
           </a:p>
@@ -7649,7 +7650,7 @@
           <a:p>
             <a:fld id="{07B2E245-D56D-43C6-BFF0-7EB1C14DD4DA}" type="slidenum">
               <a:rPr lang="en-US" smtClean="0"/>
-              <a:t>33</a:t>
+              <a:t>34</a:t>
             </a:fld>
             <a:endParaRPr lang="en-US" dirty="0"/>
           </a:p>
@@ -7753,7 +7754,7 @@
           <a:p>
             <a:fld id="{07B2E245-D56D-43C6-BFF0-7EB1C14DD4DA}" type="slidenum">
               <a:rPr lang="en-US" smtClean="0"/>
-              <a:t>34</a:t>
+              <a:t>35</a:t>
             </a:fld>
             <a:endParaRPr lang="en-US" dirty="0"/>
           </a:p>
@@ -7859,7 +7860,7 @@
           <a:p>
             <a:fld id="{07B2E245-D56D-43C6-BFF0-7EB1C14DD4DA}" type="slidenum">
               <a:rPr lang="en-US" smtClean="0"/>
-              <a:t>36</a:t>
+              <a:t>37</a:t>
             </a:fld>
             <a:endParaRPr lang="en-US" dirty="0"/>
           </a:p>
@@ -7957,7 +7958,7 @@
           <a:p>
             <a:fld id="{07B2E245-D56D-43C6-BFF0-7EB1C14DD4DA}" type="slidenum">
               <a:rPr lang="en-US" smtClean="0"/>
-              <a:t>37</a:t>
+              <a:t>38</a:t>
             </a:fld>
             <a:endParaRPr lang="en-US" dirty="0"/>
           </a:p>
@@ -8066,7 +8067,7 @@
           <a:p>
             <a:fld id="{07B2E245-D56D-43C6-BFF0-7EB1C14DD4DA}" type="slidenum">
               <a:rPr lang="en-US" smtClean="0"/>
-              <a:t>38</a:t>
+              <a:t>39</a:t>
             </a:fld>
             <a:endParaRPr lang="en-US" dirty="0"/>
           </a:p>
@@ -8184,7 +8185,7 @@
           <a:p>
             <a:fld id="{07B2E245-D56D-43C6-BFF0-7EB1C14DD4DA}" type="slidenum">
               <a:rPr lang="en-US" smtClean="0"/>
-              <a:t>5</a:t>
+              <a:t>6</a:t>
             </a:fld>
             <a:endParaRPr lang="en-US" dirty="0"/>
           </a:p>
@@ -8276,7 +8277,7 @@
           <a:p>
             <a:fld id="{07B2E245-D56D-43C6-BFF0-7EB1C14DD4DA}" type="slidenum">
               <a:rPr lang="en-US" smtClean="0"/>
-              <a:t>39</a:t>
+              <a:t>40</a:t>
             </a:fld>
             <a:endParaRPr lang="en-US" dirty="0"/>
           </a:p>
@@ -8360,7 +8361,7 @@
           <a:p>
             <a:fld id="{07B2E245-D56D-43C6-BFF0-7EB1C14DD4DA}" type="slidenum">
               <a:rPr lang="en-US" smtClean="0"/>
-              <a:t>41</a:t>
+              <a:t>42</a:t>
             </a:fld>
             <a:endParaRPr lang="en-US" dirty="0"/>
           </a:p>
@@ -8475,7 +8476,7 @@
           <a:p>
             <a:fld id="{07B2E245-D56D-43C6-BFF0-7EB1C14DD4DA}" type="slidenum">
               <a:rPr lang="en-US" smtClean="0"/>
-              <a:t>42</a:t>
+              <a:t>43</a:t>
             </a:fld>
             <a:endParaRPr lang="en-US" dirty="0"/>
           </a:p>
@@ -8574,7 +8575,7 @@
           <a:p>
             <a:fld id="{07B2E245-D56D-43C6-BFF0-7EB1C14DD4DA}" type="slidenum">
               <a:rPr lang="en-US" smtClean="0"/>
-              <a:t>43</a:t>
+              <a:t>44</a:t>
             </a:fld>
             <a:endParaRPr lang="en-US" dirty="0"/>
           </a:p>
@@ -8666,7 +8667,7 @@
           <a:p>
             <a:fld id="{07B2E245-D56D-43C6-BFF0-7EB1C14DD4DA}" type="slidenum">
               <a:rPr lang="en-US" smtClean="0"/>
-              <a:t>44</a:t>
+              <a:t>45</a:t>
             </a:fld>
             <a:endParaRPr lang="en-US" dirty="0"/>
           </a:p>
@@ -8784,7 +8785,7 @@
           <a:p>
             <a:fld id="{07B2E245-D56D-43C6-BFF0-7EB1C14DD4DA}" type="slidenum">
               <a:rPr lang="en-US" smtClean="0"/>
-              <a:t>45</a:t>
+              <a:t>46</a:t>
             </a:fld>
             <a:endParaRPr lang="en-US" dirty="0"/>
           </a:p>
@@ -8884,7 +8885,7 @@
           <a:p>
             <a:fld id="{07B2E245-D56D-43C6-BFF0-7EB1C14DD4DA}" type="slidenum">
               <a:rPr lang="en-US" smtClean="0"/>
-              <a:t>46</a:t>
+              <a:t>47</a:t>
             </a:fld>
             <a:endParaRPr lang="en-US" dirty="0"/>
           </a:p>
@@ -8999,7 +9000,7 @@
           <a:p>
             <a:fld id="{07B2E245-D56D-43C6-BFF0-7EB1C14DD4DA}" type="slidenum">
               <a:rPr lang="en-US" smtClean="0"/>
-              <a:t>47</a:t>
+              <a:t>48</a:t>
             </a:fld>
             <a:endParaRPr lang="en-US" dirty="0"/>
           </a:p>
@@ -9099,7 +9100,7 @@
           <a:p>
             <a:fld id="{07B2E245-D56D-43C6-BFF0-7EB1C14DD4DA}" type="slidenum">
               <a:rPr lang="en-US" smtClean="0"/>
-              <a:t>48</a:t>
+              <a:t>49</a:t>
             </a:fld>
             <a:endParaRPr lang="en-US" dirty="0"/>
           </a:p>
@@ -9193,7 +9194,7 @@
           <a:p>
             <a:fld id="{07B2E245-D56D-43C6-BFF0-7EB1C14DD4DA}" type="slidenum">
               <a:rPr lang="en-US" smtClean="0"/>
-              <a:t>49</a:t>
+              <a:t>50</a:t>
             </a:fld>
             <a:endParaRPr lang="en-US" dirty="0"/>
           </a:p>
@@ -9386,7 +9387,7 @@
           <a:p>
             <a:fld id="{07B2E245-D56D-43C6-BFF0-7EB1C14DD4DA}" type="slidenum">
               <a:rPr lang="en-US" smtClean="0"/>
-              <a:t>6</a:t>
+              <a:t>7</a:t>
             </a:fld>
             <a:endParaRPr lang="en-US" dirty="0"/>
           </a:p>
@@ -9486,7 +9487,7 @@
           <a:p>
             <a:fld id="{07B2E245-D56D-43C6-BFF0-7EB1C14DD4DA}" type="slidenum">
               <a:rPr lang="en-US" smtClean="0"/>
-              <a:t>51</a:t>
+              <a:t>52</a:t>
             </a:fld>
             <a:endParaRPr lang="en-US" dirty="0"/>
           </a:p>
@@ -9589,7 +9590,7 @@
           <a:p>
             <a:fld id="{07B2E245-D56D-43C6-BFF0-7EB1C14DD4DA}" type="slidenum">
               <a:rPr lang="en-US" smtClean="0"/>
-              <a:t>52</a:t>
+              <a:t>53</a:t>
             </a:fld>
             <a:endParaRPr lang="en-US" dirty="0"/>
           </a:p>
@@ -9753,7 +9754,7 @@
           <a:p>
             <a:fld id="{07B2E245-D56D-43C6-BFF0-7EB1C14DD4DA}" type="slidenum">
               <a:rPr lang="en-US" smtClean="0"/>
-              <a:t>7</a:t>
+              <a:t>8</a:t>
             </a:fld>
             <a:endParaRPr lang="en-US" dirty="0"/>
           </a:p>
@@ -9855,7 +9856,7 @@
           <a:p>
             <a:fld id="{07B2E245-D56D-43C6-BFF0-7EB1C14DD4DA}" type="slidenum">
               <a:rPr lang="en-US" smtClean="0"/>
-              <a:t>8</a:t>
+              <a:t>9</a:t>
             </a:fld>
             <a:endParaRPr lang="en-US" dirty="0"/>
           </a:p>
@@ -10003,7 +10004,7 @@
           <a:p>
             <a:fld id="{07B2E245-D56D-43C6-BFF0-7EB1C14DD4DA}" type="slidenum">
               <a:rPr lang="en-US" smtClean="0"/>
-              <a:t>9</a:t>
+              <a:t>10</a:t>
             </a:fld>
             <a:endParaRPr lang="en-US" dirty="0"/>
           </a:p>
@@ -10114,7 +10115,7 @@
           <a:p>
             <a:fld id="{07B2E245-D56D-43C6-BFF0-7EB1C14DD4DA}" type="slidenum">
               <a:rPr lang="en-US" smtClean="0"/>
-              <a:t>10</a:t>
+              <a:t>11</a:t>
             </a:fld>
             <a:endParaRPr lang="en-US" dirty="0"/>
           </a:p>
@@ -10232,7 +10233,7 @@
           <a:p>
             <a:fld id="{07B2E245-D56D-43C6-BFF0-7EB1C14DD4DA}" type="slidenum">
               <a:rPr lang="en-US" smtClean="0"/>
-              <a:t>12</a:t>
+              <a:t>13</a:t>
             </a:fld>
             <a:endParaRPr lang="en-US" dirty="0"/>
           </a:p>
@@ -10566,7 +10567,7 @@
           <a:p>
             <a:fld id="{6E45710A-4519-41B6-B07B-35488FDACA05}" type="datetimeFigureOut">
               <a:rPr lang="en-US" smtClean="0"/>
-              <a:t>6/6/2018</a:t>
+              <a:t>2018-06-14</a:t>
             </a:fld>
             <a:endParaRPr lang="en-US" dirty="0"/>
           </a:p>
@@ -10634,6 +10635,505 @@
     <p:extLst>
       <p:ext uri="{BB962C8B-B14F-4D97-AF65-F5344CB8AC3E}">
         <p14:creationId xmlns:p14="http://schemas.microsoft.com/office/powerpoint/2010/main" val="1689639293"/>
+      </p:ext>
+    </p:extLst>
+  </p:cSld>
+  <p:clrMapOvr>
+    <a:masterClrMapping/>
+  </p:clrMapOvr>
+</p:sldLayout>
+</file>
+
+<file path=ppt/slideLayouts/slideLayout13.xml><?xml version="1.0" encoding="utf-8"?>
+<p:sldLayout xmlns:a="http://schemas.openxmlformats.org/drawingml/2006/main" xmlns:r="http://schemas.openxmlformats.org/officeDocument/2006/relationships" xmlns:p="http://schemas.openxmlformats.org/presentationml/2006/main" showMasterSp="0">
+  <p:cSld name="External_Title Slide">
+    <p:bg>
+      <p:bgPr>
+        <a:solidFill>
+          <a:schemeClr val="bg1"/>
+        </a:solidFill>
+        <a:effectLst/>
+      </p:bgPr>
+    </p:bg>
+    <p:spTree>
+      <p:nvGrpSpPr>
+        <p:cNvPr id="1" name=""/>
+        <p:cNvGrpSpPr/>
+        <p:nvPr/>
+      </p:nvGrpSpPr>
+      <p:grpSpPr>
+        <a:xfrm>
+          <a:off x="0" y="0"/>
+          <a:ext cx="0" cy="0"/>
+          <a:chOff x="0" y="0"/>
+          <a:chExt cx="0" cy="0"/>
+        </a:xfrm>
+      </p:grpSpPr>
+      <p:sp>
+        <p:nvSpPr>
+          <p:cNvPr id="7" name="Rectangle 6"/>
+          <p:cNvSpPr/>
+          <p:nvPr/>
+        </p:nvSpPr>
+        <p:spPr>
+          <a:xfrm>
+            <a:off x="0" y="2"/>
+            <a:ext cx="12203992" cy="4375505"/>
+          </a:xfrm>
+          <a:prstGeom prst="rect">
+            <a:avLst/>
+          </a:prstGeom>
+          <a:solidFill>
+            <a:srgbClr val="0A60A3"/>
+          </a:solidFill>
+          <a:ln>
+            <a:noFill/>
+          </a:ln>
+          <a:effectLst/>
+        </p:spPr>
+        <p:style>
+          <a:lnRef idx="1">
+            <a:schemeClr val="accent1"/>
+          </a:lnRef>
+          <a:fillRef idx="3">
+            <a:schemeClr val="accent1"/>
+          </a:fillRef>
+          <a:effectRef idx="2">
+            <a:schemeClr val="accent1"/>
+          </a:effectRef>
+          <a:fontRef idx="minor">
+            <a:schemeClr val="lt1"/>
+          </a:fontRef>
+        </p:style>
+        <p:txBody>
+          <a:bodyPr lIns="0" rIns="0" rtlCol="0" anchor="ctr"/>
+          <a:lstStyle/>
+          <a:p>
+            <a:pPr algn="ctr"/>
+            <a:endParaRPr lang="en-US" sz="2400"/>
+          </a:p>
+        </p:txBody>
+      </p:sp>
+      <p:sp>
+        <p:nvSpPr>
+          <p:cNvPr id="2" name="Title 1"/>
+          <p:cNvSpPr>
+            <a:spLocks noGrp="1"/>
+          </p:cNvSpPr>
+          <p:nvPr>
+            <p:ph type="ctrTitle" hasCustomPrompt="1"/>
+          </p:nvPr>
+        </p:nvSpPr>
+        <p:spPr>
+          <a:xfrm>
+            <a:off x="605368" y="1121833"/>
+            <a:ext cx="10981265" cy="2387600"/>
+          </a:xfrm>
+        </p:spPr>
+        <p:txBody>
+          <a:bodyPr anchor="b"/>
+          <a:lstStyle>
+            <a:lvl1pPr algn="ctr">
+              <a:defRPr sz="3733" baseline="0">
+                <a:solidFill>
+                  <a:schemeClr val="bg1"/>
+                </a:solidFill>
+              </a:defRPr>
+            </a:lvl1pPr>
+          </a:lstStyle>
+          <a:p>
+            <a:r>
+              <a:rPr lang="en-US" dirty="0"/>
+              <a:t>Presentation Title</a:t>
+            </a:r>
+          </a:p>
+        </p:txBody>
+      </p:sp>
+      <p:sp>
+        <p:nvSpPr>
+          <p:cNvPr id="3" name="Subtitle 2"/>
+          <p:cNvSpPr>
+            <a:spLocks noGrp="1"/>
+          </p:cNvSpPr>
+          <p:nvPr>
+            <p:ph type="subTitle" idx="1" hasCustomPrompt="1"/>
+          </p:nvPr>
+        </p:nvSpPr>
+        <p:spPr>
+          <a:xfrm>
+            <a:off x="605367" y="3509434"/>
+            <a:ext cx="10981267" cy="757767"/>
+          </a:xfrm>
+        </p:spPr>
+        <p:txBody>
+          <a:bodyPr/>
+          <a:lstStyle>
+            <a:lvl1pPr marL="0" marR="0" indent="0" algn="ctr" defTabSz="1219170" rtl="0" eaLnBrk="1" fontAlgn="auto" latinLnBrk="0" hangingPunct="1">
+              <a:lnSpc>
+                <a:spcPts val="2133"/>
+              </a:lnSpc>
+              <a:spcBef>
+                <a:spcPts val="1333"/>
+              </a:spcBef>
+              <a:spcAft>
+                <a:spcPts val="0"/>
+              </a:spcAft>
+              <a:buClrTx/>
+              <a:buSzTx/>
+              <a:buFont typeface="Arial"/>
+              <a:buNone/>
+              <a:tabLst/>
+              <a:defRPr sz="2400" baseline="0">
+                <a:solidFill>
+                  <a:schemeClr val="bg1"/>
+                </a:solidFill>
+              </a:defRPr>
+            </a:lvl1pPr>
+            <a:lvl2pPr marL="609585" indent="0" algn="ctr">
+              <a:buNone/>
+              <a:defRPr sz="2667"/>
+            </a:lvl2pPr>
+            <a:lvl3pPr marL="1219170" indent="0" algn="ctr">
+              <a:buNone/>
+              <a:defRPr sz="2400"/>
+            </a:lvl3pPr>
+            <a:lvl4pPr marL="1828754" indent="0" algn="ctr">
+              <a:buNone/>
+              <a:defRPr sz="2133"/>
+            </a:lvl4pPr>
+            <a:lvl5pPr marL="2438339" indent="0" algn="ctr">
+              <a:buNone/>
+              <a:defRPr sz="2133"/>
+            </a:lvl5pPr>
+            <a:lvl6pPr marL="3047924" indent="0" algn="ctr">
+              <a:buNone/>
+              <a:defRPr sz="2133"/>
+            </a:lvl6pPr>
+            <a:lvl7pPr marL="3657509" indent="0" algn="ctr">
+              <a:buNone/>
+              <a:defRPr sz="2133"/>
+            </a:lvl7pPr>
+            <a:lvl8pPr marL="4267093" indent="0" algn="ctr">
+              <a:buNone/>
+              <a:defRPr sz="2133"/>
+            </a:lvl8pPr>
+            <a:lvl9pPr marL="4876678" indent="0" algn="ctr">
+              <a:buNone/>
+              <a:defRPr sz="2133"/>
+            </a:lvl9pPr>
+          </a:lstStyle>
+          <a:p>
+            <a:r>
+              <a:rPr lang="en-US" dirty="0"/>
+              <a:t>Subhead</a:t>
+            </a:r>
+          </a:p>
+        </p:txBody>
+      </p:sp>
+      <p:sp>
+        <p:nvSpPr>
+          <p:cNvPr id="17" name="Text Placeholder 16"/>
+          <p:cNvSpPr>
+            <a:spLocks noGrp="1"/>
+          </p:cNvSpPr>
+          <p:nvPr>
+            <p:ph type="body" sz="quarter" idx="12" hasCustomPrompt="1"/>
+          </p:nvPr>
+        </p:nvSpPr>
+        <p:spPr>
+          <a:xfrm>
+            <a:off x="605367" y="4631266"/>
+            <a:ext cx="10981267" cy="414868"/>
+          </a:xfrm>
+        </p:spPr>
+        <p:txBody>
+          <a:bodyPr/>
+          <a:lstStyle>
+            <a:lvl1pPr marL="0" marR="0" indent="0" algn="ctr" defTabSz="1219170" rtl="0" eaLnBrk="1" fontAlgn="auto" latinLnBrk="0" hangingPunct="1">
+              <a:lnSpc>
+                <a:spcPct val="100000"/>
+              </a:lnSpc>
+              <a:spcBef>
+                <a:spcPts val="533"/>
+              </a:spcBef>
+              <a:spcAft>
+                <a:spcPts val="800"/>
+              </a:spcAft>
+              <a:buClr>
+                <a:schemeClr val="bg2">
+                  <a:lumMod val="50000"/>
+                </a:schemeClr>
+              </a:buClr>
+              <a:buSzPct val="70000"/>
+              <a:buFont typeface="Wingdings" charset="2"/>
+              <a:buNone/>
+              <a:tabLst>
+                <a:tab pos="243411" algn="l"/>
+                <a:tab pos="4944410" algn="l"/>
+              </a:tabLst>
+              <a:defRPr sz="2133">
+                <a:solidFill>
+                  <a:schemeClr val="bg2">
+                    <a:lumMod val="50000"/>
+                  </a:schemeClr>
+                </a:solidFill>
+              </a:defRPr>
+            </a:lvl1pPr>
+          </a:lstStyle>
+          <a:p>
+            <a:pPr algn="ctr">
+              <a:spcAft>
+                <a:spcPts val="600"/>
+              </a:spcAft>
+            </a:pPr>
+            <a:r>
+              <a:rPr lang="en-US" dirty="0">
+                <a:solidFill>
+                  <a:schemeClr val="tx1">
+                    <a:lumMod val="50000"/>
+                    <a:lumOff val="50000"/>
+                  </a:schemeClr>
+                </a:solidFill>
+              </a:rPr>
+              <a:t>Speaker</a:t>
+            </a:r>
+            <a:endParaRPr lang="en-US" sz="1867" dirty="0">
+              <a:solidFill>
+                <a:schemeClr val="bg1">
+                  <a:lumMod val="65000"/>
+                </a:schemeClr>
+              </a:solidFill>
+            </a:endParaRPr>
+          </a:p>
+        </p:txBody>
+      </p:sp>
+      <p:sp>
+        <p:nvSpPr>
+          <p:cNvPr id="21" name="Text Placeholder 20"/>
+          <p:cNvSpPr>
+            <a:spLocks noGrp="1"/>
+          </p:cNvSpPr>
+          <p:nvPr>
+            <p:ph type="body" sz="quarter" idx="13" hasCustomPrompt="1"/>
+          </p:nvPr>
+        </p:nvSpPr>
+        <p:spPr>
+          <a:xfrm>
+            <a:off x="605367" y="5046134"/>
+            <a:ext cx="10981267" cy="463551"/>
+          </a:xfrm>
+        </p:spPr>
+        <p:txBody>
+          <a:bodyPr/>
+          <a:lstStyle>
+            <a:lvl1pPr marL="0" marR="0" indent="0" algn="ctr" defTabSz="1219170" rtl="0" eaLnBrk="1" fontAlgn="auto" latinLnBrk="0" hangingPunct="1">
+              <a:lnSpc>
+                <a:spcPct val="100000"/>
+              </a:lnSpc>
+              <a:spcBef>
+                <a:spcPts val="533"/>
+              </a:spcBef>
+              <a:spcAft>
+                <a:spcPts val="800"/>
+              </a:spcAft>
+              <a:buClr>
+                <a:schemeClr val="bg2">
+                  <a:lumMod val="50000"/>
+                </a:schemeClr>
+              </a:buClr>
+              <a:buSzPct val="70000"/>
+              <a:buFont typeface="Wingdings" charset="2"/>
+              <a:buNone/>
+              <a:tabLst>
+                <a:tab pos="243834" algn="l"/>
+              </a:tabLst>
+              <a:defRPr sz="1867">
+                <a:solidFill>
+                  <a:schemeClr val="bg2">
+                    <a:lumMod val="50000"/>
+                  </a:schemeClr>
+                </a:solidFill>
+              </a:defRPr>
+            </a:lvl1pPr>
+          </a:lstStyle>
+          <a:p>
+            <a:pPr>
+              <a:spcAft>
+                <a:spcPts val="600"/>
+              </a:spcAft>
+            </a:pPr>
+            <a:r>
+              <a:rPr lang="en-US" dirty="0">
+                <a:solidFill>
+                  <a:schemeClr val="bg1">
+                    <a:lumMod val="65000"/>
+                  </a:schemeClr>
+                </a:solidFill>
+              </a:rPr>
+              <a:t>Title</a:t>
+            </a:r>
+          </a:p>
+        </p:txBody>
+      </p:sp>
+      <p:pic>
+        <p:nvPicPr>
+          <p:cNvPr id="11" name="Picture 10"/>
+          <p:cNvPicPr>
+            <a:picLocks noChangeAspect="1"/>
+          </p:cNvPicPr>
+          <p:nvPr/>
+        </p:nvPicPr>
+        <p:blipFill>
+          <a:blip r:embed="rId2" cstate="screen">
+            <a:extLst>
+              <a:ext uri="{28A0092B-C50C-407E-A947-70E740481C1C}">
+                <a14:useLocalDpi xmlns:a14="http://schemas.microsoft.com/office/drawing/2010/main"/>
+              </a:ext>
+            </a:extLst>
+          </a:blip>
+          <a:stretch>
+            <a:fillRect/>
+          </a:stretch>
+        </p:blipFill>
+        <p:spPr>
+          <a:xfrm>
+            <a:off x="615165" y="6324601"/>
+            <a:ext cx="1418891" cy="343808"/>
+          </a:xfrm>
+          <a:prstGeom prst="rect">
+            <a:avLst/>
+          </a:prstGeom>
+        </p:spPr>
+      </p:pic>
+      <p:sp>
+        <p:nvSpPr>
+          <p:cNvPr id="10" name="Footer Placeholder 3"/>
+          <p:cNvSpPr txBox="1">
+            <a:spLocks/>
+          </p:cNvSpPr>
+          <p:nvPr/>
+        </p:nvSpPr>
+        <p:spPr>
+          <a:xfrm>
+            <a:off x="9593112" y="6392672"/>
+            <a:ext cx="2002985" cy="267608"/>
+          </a:xfrm>
+          <a:prstGeom prst="rect">
+            <a:avLst/>
+          </a:prstGeom>
+        </p:spPr>
+        <p:txBody>
+          <a:bodyPr vert="horz" lIns="0" tIns="60960" rIns="0" bIns="60960" rtlCol="0" anchor="ctr"/>
+          <a:lstStyle>
+            <a:defPPr>
+              <a:defRPr lang="en-US"/>
+            </a:defPPr>
+            <a:lvl1pPr marL="0" algn="r" defTabSz="457174" rtl="0" eaLnBrk="1" latinLnBrk="0" hangingPunct="1">
+              <a:defRPr sz="1200" kern="1200">
+                <a:solidFill>
+                  <a:schemeClr val="tx1">
+                    <a:tint val="75000"/>
+                  </a:schemeClr>
+                </a:solidFill>
+                <a:latin typeface="+mn-lt"/>
+                <a:ea typeface="+mn-ea"/>
+                <a:cs typeface="+mn-cs"/>
+              </a:defRPr>
+            </a:lvl1pPr>
+            <a:lvl2pPr marL="457174" algn="l" defTabSz="457174" rtl="0" eaLnBrk="1" latinLnBrk="0" hangingPunct="1">
+              <a:defRPr sz="1800" kern="1200">
+                <a:solidFill>
+                  <a:schemeClr val="tx1"/>
+                </a:solidFill>
+                <a:latin typeface="+mn-lt"/>
+                <a:ea typeface="+mn-ea"/>
+                <a:cs typeface="+mn-cs"/>
+              </a:defRPr>
+            </a:lvl2pPr>
+            <a:lvl3pPr marL="914348" algn="l" defTabSz="457174" rtl="0" eaLnBrk="1" latinLnBrk="0" hangingPunct="1">
+              <a:defRPr sz="1800" kern="1200">
+                <a:solidFill>
+                  <a:schemeClr val="tx1"/>
+                </a:solidFill>
+                <a:latin typeface="+mn-lt"/>
+                <a:ea typeface="+mn-ea"/>
+                <a:cs typeface="+mn-cs"/>
+              </a:defRPr>
+            </a:lvl3pPr>
+            <a:lvl4pPr marL="1371523" algn="l" defTabSz="457174" rtl="0" eaLnBrk="1" latinLnBrk="0" hangingPunct="1">
+              <a:defRPr sz="1800" kern="1200">
+                <a:solidFill>
+                  <a:schemeClr val="tx1"/>
+                </a:solidFill>
+                <a:latin typeface="+mn-lt"/>
+                <a:ea typeface="+mn-ea"/>
+                <a:cs typeface="+mn-cs"/>
+              </a:defRPr>
+            </a:lvl4pPr>
+            <a:lvl5pPr marL="1828698" algn="l" defTabSz="457174" rtl="0" eaLnBrk="1" latinLnBrk="0" hangingPunct="1">
+              <a:defRPr sz="1800" kern="1200">
+                <a:solidFill>
+                  <a:schemeClr val="tx1"/>
+                </a:solidFill>
+                <a:latin typeface="+mn-lt"/>
+                <a:ea typeface="+mn-ea"/>
+                <a:cs typeface="+mn-cs"/>
+              </a:defRPr>
+            </a:lvl5pPr>
+            <a:lvl6pPr marL="2285872" algn="l" defTabSz="457174" rtl="0" eaLnBrk="1" latinLnBrk="0" hangingPunct="1">
+              <a:defRPr sz="1800" kern="1200">
+                <a:solidFill>
+                  <a:schemeClr val="tx1"/>
+                </a:solidFill>
+                <a:latin typeface="+mn-lt"/>
+                <a:ea typeface="+mn-ea"/>
+                <a:cs typeface="+mn-cs"/>
+              </a:defRPr>
+            </a:lvl6pPr>
+            <a:lvl7pPr marL="2743046" algn="l" defTabSz="457174" rtl="0" eaLnBrk="1" latinLnBrk="0" hangingPunct="1">
+              <a:defRPr sz="1800" kern="1200">
+                <a:solidFill>
+                  <a:schemeClr val="tx1"/>
+                </a:solidFill>
+                <a:latin typeface="+mn-lt"/>
+                <a:ea typeface="+mn-ea"/>
+                <a:cs typeface="+mn-cs"/>
+              </a:defRPr>
+            </a:lvl7pPr>
+            <a:lvl8pPr marL="3200220" algn="l" defTabSz="457174" rtl="0" eaLnBrk="1" latinLnBrk="0" hangingPunct="1">
+              <a:defRPr sz="1800" kern="1200">
+                <a:solidFill>
+                  <a:schemeClr val="tx1"/>
+                </a:solidFill>
+                <a:latin typeface="+mn-lt"/>
+                <a:ea typeface="+mn-ea"/>
+                <a:cs typeface="+mn-cs"/>
+              </a:defRPr>
+            </a:lvl8pPr>
+            <a:lvl9pPr marL="3657394" algn="l" defTabSz="457174" rtl="0" eaLnBrk="1" latinLnBrk="0" hangingPunct="1">
+              <a:defRPr sz="1800" kern="1200">
+                <a:solidFill>
+                  <a:schemeClr val="tx1"/>
+                </a:solidFill>
+                <a:latin typeface="+mn-lt"/>
+                <a:ea typeface="+mn-ea"/>
+                <a:cs typeface="+mn-cs"/>
+              </a:defRPr>
+            </a:lvl9pPr>
+          </a:lstStyle>
+          <a:p>
+            <a:r>
+              <a:rPr lang="en-US" sz="1333" dirty="0" err="1"/>
+              <a:t>ni.com</a:t>
+            </a:r>
+            <a:endParaRPr lang="en-US" sz="1333" dirty="0"/>
+          </a:p>
+        </p:txBody>
+      </p:sp>
+    </p:spTree>
+    <p:extLst>
+      <p:ext uri="{BB962C8B-B14F-4D97-AF65-F5344CB8AC3E}">
+        <p14:creationId xmlns:p14="http://schemas.microsoft.com/office/powerpoint/2010/main" val="2517557351"/>
       </p:ext>
     </p:extLst>
   </p:cSld>
@@ -11981,7 +12481,7 @@
           <p:nvPr/>
         </p:nvPicPr>
         <p:blipFill>
-          <a:blip r:embed="rId14" cstate="print">
+          <a:blip r:embed="rId15" cstate="print">
             <a:extLst>
               <a:ext uri="{28A0092B-C50C-407E-A947-70E740481C1C}">
                 <a14:useLocalDpi xmlns:a14="http://schemas.microsoft.com/office/drawing/2010/main" val="0"/>
@@ -12195,6 +12695,7 @@
     <p:sldLayoutId id="2147483670" r:id="rId10"/>
     <p:sldLayoutId id="2147483671" r:id="rId11"/>
     <p:sldLayoutId id="2147483672" r:id="rId12"/>
+    <p:sldLayoutId id="2147483673" r:id="rId13"/>
   </p:sldLayoutIdLst>
   <p:txStyles>
     <p:titleStyle>
@@ -12506,125 +13007,95 @@
       </p:grpSpPr>
       <p:sp>
         <p:nvSpPr>
-          <p:cNvPr id="4" name="Title 3"/>
-          <p:cNvSpPr>
-            <a:spLocks noGrp="1"/>
-          </p:cNvSpPr>
-          <p:nvPr>
-            <p:ph type="title"/>
+          <p:cNvPr id="2" name="Title 1"/>
+          <p:cNvSpPr>
+            <a:spLocks noGrp="1"/>
+          </p:cNvSpPr>
+          <p:nvPr>
+            <p:ph type="ctrTitle"/>
+          </p:nvPr>
+        </p:nvSpPr>
+        <p:spPr/>
+        <p:txBody>
+          <a:bodyPr/>
+          <a:lstStyle/>
+          <a:p>
+            <a:r>
+              <a:rPr lang="en-US" dirty="0"/>
+              <a:t>Distributed Control and Automation Framework (DCAF)</a:t>
+            </a:r>
+          </a:p>
+        </p:txBody>
+      </p:sp>
+      <p:sp>
+        <p:nvSpPr>
+          <p:cNvPr id="3" name="Subtitle 2"/>
+          <p:cNvSpPr>
+            <a:spLocks noGrp="1"/>
+          </p:cNvSpPr>
+          <p:nvPr>
+            <p:ph type="subTitle" idx="1"/>
+          </p:nvPr>
+        </p:nvSpPr>
+        <p:spPr/>
+        <p:txBody>
+          <a:bodyPr/>
+          <a:lstStyle/>
+          <a:p>
+            <a:r>
+              <a:rPr lang="en-US" dirty="0"/>
+              <a:t>Demystifying LabVIEW Objects</a:t>
+            </a:r>
+          </a:p>
+        </p:txBody>
+      </p:sp>
+      <p:sp>
+        <p:nvSpPr>
+          <p:cNvPr id="4" name="Text Placeholder 3"/>
+          <p:cNvSpPr>
+            <a:spLocks noGrp="1"/>
+          </p:cNvSpPr>
+          <p:nvPr>
+            <p:ph type="body" sz="quarter" idx="12"/>
           </p:nvPr>
         </p:nvSpPr>
         <p:spPr/>
         <p:txBody>
           <a:bodyPr>
-            <a:normAutofit/>
+            <a:normAutofit lnSpcReduction="10000"/>
           </a:bodyPr>
           <a:lstStyle/>
           <a:p>
             <a:r>
               <a:rPr lang="en-US" dirty="0"/>
-              <a:t>LabVIEW Developer Day 2016</a:t>
-            </a:r>
-          </a:p>
-        </p:txBody>
-      </p:sp>
-      <p:sp>
-        <p:nvSpPr>
-          <p:cNvPr id="6" name="Content Placeholder 5"/>
-          <p:cNvSpPr>
-            <a:spLocks noGrp="1"/>
-          </p:cNvSpPr>
-          <p:nvPr>
-            <p:ph sz="half" idx="2"/>
-          </p:nvPr>
-        </p:nvSpPr>
-        <p:spPr>
-          <a:xfrm>
-            <a:off x="6172200" y="2419840"/>
-            <a:ext cx="4038600" cy="2992701"/>
-          </a:xfrm>
-        </p:spPr>
-        <p:txBody>
-          <a:bodyPr>
-            <a:normAutofit/>
-          </a:bodyPr>
+              <a:t>Benjamin Celis, Mathew Pollock, Simon Perez</a:t>
+            </a:r>
+          </a:p>
+        </p:txBody>
+      </p:sp>
+      <p:sp>
+        <p:nvSpPr>
+          <p:cNvPr id="5" name="Text Placeholder 4"/>
+          <p:cNvSpPr>
+            <a:spLocks noGrp="1"/>
+          </p:cNvSpPr>
+          <p:nvPr>
+            <p:ph type="body" sz="quarter" idx="13"/>
+          </p:nvPr>
+        </p:nvSpPr>
+        <p:spPr/>
+        <p:txBody>
+          <a:bodyPr/>
           <a:lstStyle/>
           <a:p>
-            <a:pPr>
-              <a:lnSpc>
-                <a:spcPct val="150000"/>
-              </a:lnSpc>
-              <a:buNone/>
-            </a:pPr>
-            <a:r>
-              <a:rPr lang="en-US" sz="3000" dirty="0"/>
-              <a:t>Build Code.</a:t>
-            </a:r>
-          </a:p>
-          <a:p>
-            <a:pPr>
-              <a:lnSpc>
-                <a:spcPct val="150000"/>
-              </a:lnSpc>
-              <a:buNone/>
-            </a:pPr>
-            <a:r>
-              <a:rPr lang="en-US" sz="3000" dirty="0"/>
-              <a:t>Form Communities. </a:t>
-            </a:r>
-          </a:p>
-          <a:p>
-            <a:pPr>
-              <a:lnSpc>
-                <a:spcPct val="150000"/>
-              </a:lnSpc>
-              <a:buNone/>
-            </a:pPr>
-            <a:r>
-              <a:rPr lang="en-US" sz="3000" dirty="0"/>
-              <a:t>Gain Confidence</a:t>
-            </a:r>
-            <a:r>
-              <a:rPr lang="en-US" sz="3200" dirty="0"/>
-              <a:t>.</a:t>
-            </a:r>
-          </a:p>
-        </p:txBody>
-      </p:sp>
-      <p:pic>
-        <p:nvPicPr>
-          <p:cNvPr id="8" name="Content Placeholder 7" descr="20426_efg_lv_dev_days2015.jpg"/>
-          <p:cNvPicPr>
-            <a:picLocks noGrp="1" noChangeAspect="1"/>
-          </p:cNvPicPr>
-          <p:nvPr>
-            <p:ph sz="half" idx="1"/>
-          </p:nvPr>
-        </p:nvPicPr>
-        <p:blipFill>
-          <a:blip r:embed="rId3"/>
-          <a:stretch>
-            <a:fillRect/>
-          </a:stretch>
-        </p:blipFill>
-        <p:spPr>
-          <a:xfrm>
-            <a:off x="2001840" y="2419839"/>
-            <a:ext cx="4029075" cy="2272322"/>
-          </a:xfrm>
-          <a:ln>
-            <a:solidFill>
-              <a:schemeClr val="bg2">
-                <a:lumMod val="50000"/>
-              </a:schemeClr>
-            </a:solidFill>
-          </a:ln>
-        </p:spPr>
-      </p:pic>
+            <a:endParaRPr lang="en-US" dirty="0"/>
+          </a:p>
+        </p:txBody>
+      </p:sp>
     </p:spTree>
     <p:extLst>
       <p:ext uri="{BB962C8B-B14F-4D97-AF65-F5344CB8AC3E}">
-        <p14:creationId xmlns:p14="http://schemas.microsoft.com/office/powerpoint/2010/main" val="1231123388"/>
+        <p14:creationId xmlns:p14="http://schemas.microsoft.com/office/powerpoint/2010/main" val="3695697852"/>
       </p:ext>
     </p:extLst>
   </p:cSld>
@@ -12635,6 +13106,154 @@
 </file>
 
 <file path=ppt/slides/slide10.xml><?xml version="1.0" encoding="utf-8"?>
+<p:sld xmlns:a="http://schemas.openxmlformats.org/drawingml/2006/main" xmlns:r="http://schemas.openxmlformats.org/officeDocument/2006/relationships" xmlns:p="http://schemas.openxmlformats.org/presentationml/2006/main">
+  <p:cSld>
+    <p:spTree>
+      <p:nvGrpSpPr>
+        <p:cNvPr id="1" name=""/>
+        <p:cNvGrpSpPr/>
+        <p:nvPr/>
+      </p:nvGrpSpPr>
+      <p:grpSpPr>
+        <a:xfrm>
+          <a:off x="0" y="0"/>
+          <a:ext cx="0" cy="0"/>
+          <a:chOff x="0" y="0"/>
+          <a:chExt cx="0" cy="0"/>
+        </a:xfrm>
+      </p:grpSpPr>
+      <p:sp>
+        <p:nvSpPr>
+          <p:cNvPr id="2" name="Title 1"/>
+          <p:cNvSpPr>
+            <a:spLocks noGrp="1"/>
+          </p:cNvSpPr>
+          <p:nvPr>
+            <p:ph type="title"/>
+          </p:nvPr>
+        </p:nvSpPr>
+        <p:spPr/>
+        <p:txBody>
+          <a:bodyPr/>
+          <a:lstStyle/>
+          <a:p>
+            <a:r>
+              <a:rPr lang="en-US" dirty="0"/>
+              <a:t>Cluster</a:t>
+            </a:r>
+          </a:p>
+        </p:txBody>
+      </p:sp>
+      <p:sp>
+        <p:nvSpPr>
+          <p:cNvPr id="7" name="Content Placeholder 6"/>
+          <p:cNvSpPr>
+            <a:spLocks noGrp="1"/>
+          </p:cNvSpPr>
+          <p:nvPr>
+            <p:ph sz="half" idx="2"/>
+          </p:nvPr>
+        </p:nvSpPr>
+        <p:spPr>
+          <a:xfrm>
+            <a:off x="552832" y="1106922"/>
+            <a:ext cx="5384800" cy="4949008"/>
+          </a:xfrm>
+        </p:spPr>
+        <p:txBody>
+          <a:bodyPr/>
+          <a:lstStyle/>
+          <a:p>
+            <a:r>
+              <a:rPr lang="en-US" dirty="0"/>
+              <a:t>It’s a data structure</a:t>
+            </a:r>
+          </a:p>
+          <a:p>
+            <a:r>
+              <a:rPr lang="en-US" dirty="0"/>
+              <a:t>Clusters group data elements of mixed types</a:t>
+            </a:r>
+          </a:p>
+          <a:p>
+            <a:r>
+              <a:rPr lang="en-US" dirty="0"/>
+              <a:t>Bundle and unbundle</a:t>
+            </a:r>
+          </a:p>
+          <a:p>
+            <a:r>
+              <a:rPr lang="en-US" dirty="0"/>
+              <a:t>Pink, brown or beer yellow </a:t>
+            </a:r>
+          </a:p>
+          <a:p>
+            <a:endParaRPr lang="en-US" dirty="0"/>
+          </a:p>
+        </p:txBody>
+      </p:sp>
+      <p:pic>
+        <p:nvPicPr>
+          <p:cNvPr id="8" name="Picture 7"/>
+          <p:cNvPicPr>
+            <a:picLocks noChangeAspect="1"/>
+          </p:cNvPicPr>
+          <p:nvPr/>
+        </p:nvPicPr>
+        <p:blipFill>
+          <a:blip r:embed="rId3"/>
+          <a:stretch>
+            <a:fillRect/>
+          </a:stretch>
+        </p:blipFill>
+        <p:spPr>
+          <a:xfrm>
+            <a:off x="9421508" y="1106922"/>
+            <a:ext cx="1133475" cy="2266950"/>
+          </a:xfrm>
+          <a:prstGeom prst="rect">
+            <a:avLst/>
+          </a:prstGeom>
+        </p:spPr>
+      </p:pic>
+      <p:pic>
+        <p:nvPicPr>
+          <p:cNvPr id="3" name="Picture 2"/>
+          <p:cNvPicPr>
+            <a:picLocks noChangeAspect="1"/>
+          </p:cNvPicPr>
+          <p:nvPr/>
+        </p:nvPicPr>
+        <p:blipFill>
+          <a:blip r:embed="rId4"/>
+          <a:stretch>
+            <a:fillRect/>
+          </a:stretch>
+        </p:blipFill>
+        <p:spPr>
+          <a:xfrm>
+            <a:off x="5453592" y="4301217"/>
+            <a:ext cx="6143625" cy="1390650"/>
+          </a:xfrm>
+          <a:prstGeom prst="rect">
+            <a:avLst/>
+          </a:prstGeom>
+        </p:spPr>
+      </p:pic>
+    </p:spTree>
+    <p:extLst>
+      <p:ext uri="{BB962C8B-B14F-4D97-AF65-F5344CB8AC3E}">
+        <p14:creationId xmlns:p14="http://schemas.microsoft.com/office/powerpoint/2010/main" val="3569753511"/>
+      </p:ext>
+    </p:extLst>
+  </p:cSld>
+  <p:clrMapOvr>
+    <a:masterClrMapping/>
+  </p:clrMapOvr>
+</p:sld>
+</file>
+
+<file path=ppt/slides/slide11.xml><?xml version="1.0" encoding="utf-8"?>
 <p:sld xmlns:a="http://schemas.openxmlformats.org/drawingml/2006/main" xmlns:r="http://schemas.openxmlformats.org/officeDocument/2006/relationships" xmlns:p="http://schemas.openxmlformats.org/presentationml/2006/main">
   <p:cSld>
     <p:spTree>
@@ -12814,7 +13433,7 @@
 </p:sld>
 </file>
 
-<file path=ppt/slides/slide11.xml><?xml version="1.0" encoding="utf-8"?>
+<file path=ppt/slides/slide12.xml><?xml version="1.0" encoding="utf-8"?>
 <p:sld xmlns:a="http://schemas.openxmlformats.org/drawingml/2006/main" xmlns:r="http://schemas.openxmlformats.org/officeDocument/2006/relationships" xmlns:p="http://schemas.openxmlformats.org/presentationml/2006/main">
   <p:cSld>
     <p:spTree>
@@ -12914,7 +13533,7 @@
 </p:sld>
 </file>
 
-<file path=ppt/slides/slide12.xml><?xml version="1.0" encoding="utf-8"?>
+<file path=ppt/slides/slide13.xml><?xml version="1.0" encoding="utf-8"?>
 <p:sld xmlns:a="http://schemas.openxmlformats.org/drawingml/2006/main" xmlns:r="http://schemas.openxmlformats.org/officeDocument/2006/relationships" xmlns:p="http://schemas.openxmlformats.org/presentationml/2006/main">
   <p:cSld>
     <p:spTree>
@@ -12992,7 +13611,7 @@
 </p:sld>
 </file>
 
-<file path=ppt/slides/slide13.xml><?xml version="1.0" encoding="utf-8"?>
+<file path=ppt/slides/slide14.xml><?xml version="1.0" encoding="utf-8"?>
 <p:sld xmlns:a="http://schemas.openxmlformats.org/drawingml/2006/main" xmlns:r="http://schemas.openxmlformats.org/officeDocument/2006/relationships" xmlns:p="http://schemas.openxmlformats.org/presentationml/2006/main" show="0">
   <p:cSld>
     <p:spTree>
@@ -13176,7 +13795,7 @@
 </p:sld>
 </file>
 
-<file path=ppt/slides/slide14.xml><?xml version="1.0" encoding="utf-8"?>
+<file path=ppt/slides/slide15.xml><?xml version="1.0" encoding="utf-8"?>
 <p:sld xmlns:a="http://schemas.openxmlformats.org/drawingml/2006/main" xmlns:r="http://schemas.openxmlformats.org/officeDocument/2006/relationships" xmlns:p="http://schemas.openxmlformats.org/presentationml/2006/main" show="0">
   <p:cSld>
     <p:spTree>
@@ -13356,7 +13975,7 @@
 </p:sld>
 </file>
 
-<file path=ppt/slides/slide15.xml><?xml version="1.0" encoding="utf-8"?>
+<file path=ppt/slides/slide16.xml><?xml version="1.0" encoding="utf-8"?>
 <p:sld xmlns:a="http://schemas.openxmlformats.org/drawingml/2006/main" xmlns:r="http://schemas.openxmlformats.org/officeDocument/2006/relationships" xmlns:p="http://schemas.openxmlformats.org/presentationml/2006/main">
   <p:cSld>
     <p:spTree>
@@ -13604,7 +14223,7 @@
 </p:sld>
 </file>
 
-<file path=ppt/slides/slide16.xml><?xml version="1.0" encoding="utf-8"?>
+<file path=ppt/slides/slide17.xml><?xml version="1.0" encoding="utf-8"?>
 <p:sld xmlns:a="http://schemas.openxmlformats.org/drawingml/2006/main" xmlns:r="http://schemas.openxmlformats.org/officeDocument/2006/relationships" xmlns:p="http://schemas.openxmlformats.org/presentationml/2006/main">
   <p:cSld>
     <p:spTree>
@@ -13675,7 +14294,7 @@
 </p:sld>
 </file>
 
-<file path=ppt/slides/slide17.xml><?xml version="1.0" encoding="utf-8"?>
+<file path=ppt/slides/slide18.xml><?xml version="1.0" encoding="utf-8"?>
 <p:sld xmlns:a="http://schemas.openxmlformats.org/drawingml/2006/main" xmlns:r="http://schemas.openxmlformats.org/officeDocument/2006/relationships" xmlns:p="http://schemas.openxmlformats.org/presentationml/2006/main">
   <p:cSld>
     <p:spTree>
@@ -13818,7 +14437,7 @@
 </p:sld>
 </file>
 
-<file path=ppt/slides/slide18.xml><?xml version="1.0" encoding="utf-8"?>
+<file path=ppt/slides/slide19.xml><?xml version="1.0" encoding="utf-8"?>
 <p:sld xmlns:a="http://schemas.openxmlformats.org/drawingml/2006/main" xmlns:r="http://schemas.openxmlformats.org/officeDocument/2006/relationships" xmlns:p="http://schemas.openxmlformats.org/presentationml/2006/main">
   <p:cSld>
     <p:spTree>
@@ -14022,7 +14641,89 @@
 </p:sld>
 </file>
 
-<file path=ppt/slides/slide19.xml><?xml version="1.0" encoding="utf-8"?>
+<file path=ppt/slides/slide2.xml><?xml version="1.0" encoding="utf-8"?>
+<p:sld xmlns:a="http://schemas.openxmlformats.org/drawingml/2006/main" xmlns:r="http://schemas.openxmlformats.org/officeDocument/2006/relationships" xmlns:p="http://schemas.openxmlformats.org/presentationml/2006/main" show="0">
+  <p:cSld>
+    <p:spTree>
+      <p:nvGrpSpPr>
+        <p:cNvPr id="1" name=""/>
+        <p:cNvGrpSpPr/>
+        <p:nvPr/>
+      </p:nvGrpSpPr>
+      <p:grpSpPr>
+        <a:xfrm>
+          <a:off x="0" y="0"/>
+          <a:ext cx="0" cy="0"/>
+          <a:chOff x="0" y="0"/>
+          <a:chExt cx="0" cy="0"/>
+        </a:xfrm>
+      </p:grpSpPr>
+      <p:sp>
+        <p:nvSpPr>
+          <p:cNvPr id="6" name="Title 5"/>
+          <p:cNvSpPr>
+            <a:spLocks noGrp="1"/>
+          </p:cNvSpPr>
+          <p:nvPr>
+            <p:ph type="title"/>
+          </p:nvPr>
+        </p:nvSpPr>
+        <p:spPr/>
+        <p:txBody>
+          <a:bodyPr/>
+          <a:lstStyle/>
+          <a:p>
+            <a:r>
+              <a:rPr lang="en-US" dirty="0"/>
+              <a:t>Agenda</a:t>
+            </a:r>
+          </a:p>
+        </p:txBody>
+      </p:sp>
+      <p:sp>
+        <p:nvSpPr>
+          <p:cNvPr id="7" name="Content Placeholder 6"/>
+          <p:cNvSpPr>
+            <a:spLocks noGrp="1"/>
+          </p:cNvSpPr>
+          <p:nvPr>
+            <p:ph idx="1"/>
+          </p:nvPr>
+        </p:nvSpPr>
+        <p:spPr/>
+        <p:txBody>
+          <a:bodyPr>
+            <a:normAutofit/>
+          </a:bodyPr>
+          <a:lstStyle/>
+          <a:p>
+            <a:r>
+              <a:rPr lang="en-US" sz="2000" dirty="0"/>
+              <a:t>For this session, content from Dev Days 2016 will be used. </a:t>
+            </a:r>
+          </a:p>
+          <a:p>
+            <a:endParaRPr lang="en-US" dirty="0"/>
+          </a:p>
+          <a:p>
+            <a:endParaRPr lang="en-US" dirty="0"/>
+          </a:p>
+        </p:txBody>
+      </p:sp>
+    </p:spTree>
+    <p:extLst>
+      <p:ext uri="{BB962C8B-B14F-4D97-AF65-F5344CB8AC3E}">
+        <p14:creationId xmlns:p14="http://schemas.microsoft.com/office/powerpoint/2010/main" val="353883698"/>
+      </p:ext>
+    </p:extLst>
+  </p:cSld>
+  <p:clrMapOvr>
+    <a:masterClrMapping/>
+  </p:clrMapOvr>
+</p:sld>
+</file>
+
+<file path=ppt/slides/slide20.xml><?xml version="1.0" encoding="utf-8"?>
 <p:sld xmlns:a="http://schemas.openxmlformats.org/drawingml/2006/main" xmlns:r="http://schemas.openxmlformats.org/officeDocument/2006/relationships" xmlns:p="http://schemas.openxmlformats.org/presentationml/2006/main">
   <p:cSld>
     <p:spTree>
@@ -14139,198 +14840,6 @@
 </p:sld>
 </file>
 
-<file path=ppt/slides/slide2.xml><?xml version="1.0" encoding="utf-8"?>
-<p:sld xmlns:a="http://schemas.openxmlformats.org/drawingml/2006/main" xmlns:r="http://schemas.openxmlformats.org/officeDocument/2006/relationships" xmlns:p="http://schemas.openxmlformats.org/presentationml/2006/main">
-  <p:cSld>
-    <p:spTree>
-      <p:nvGrpSpPr>
-        <p:cNvPr id="1" name=""/>
-        <p:cNvGrpSpPr/>
-        <p:nvPr/>
-      </p:nvGrpSpPr>
-      <p:grpSpPr>
-        <a:xfrm>
-          <a:off x="0" y="0"/>
-          <a:ext cx="0" cy="0"/>
-          <a:chOff x="0" y="0"/>
-          <a:chExt cx="0" cy="0"/>
-        </a:xfrm>
-      </p:grpSpPr>
-      <p:sp>
-        <p:nvSpPr>
-          <p:cNvPr id="2" name="Title 1"/>
-          <p:cNvSpPr>
-            <a:spLocks noGrp="1"/>
-          </p:cNvSpPr>
-          <p:nvPr>
-            <p:ph type="ctrTitle"/>
-          </p:nvPr>
-        </p:nvSpPr>
-        <p:spPr/>
-        <p:txBody>
-          <a:bodyPr/>
-          <a:lstStyle/>
-          <a:p>
-            <a:r>
-              <a:rPr lang="en-US" dirty="0"/>
-              <a:t>Demystifying LabVIEW Objects</a:t>
-            </a:r>
-          </a:p>
-        </p:txBody>
-      </p:sp>
-      <p:sp>
-        <p:nvSpPr>
-          <p:cNvPr id="3" name="Subtitle 2"/>
-          <p:cNvSpPr>
-            <a:spLocks noGrp="1"/>
-          </p:cNvSpPr>
-          <p:nvPr>
-            <p:ph type="subTitle" idx="1"/>
-          </p:nvPr>
-        </p:nvSpPr>
-        <p:spPr/>
-        <p:txBody>
-          <a:bodyPr/>
-          <a:lstStyle/>
-          <a:p>
-            <a:endParaRPr lang="en-US" dirty="0"/>
-          </a:p>
-        </p:txBody>
-      </p:sp>
-    </p:spTree>
-    <p:extLst>
-      <p:ext uri="{BB962C8B-B14F-4D97-AF65-F5344CB8AC3E}">
-        <p14:creationId xmlns:p14="http://schemas.microsoft.com/office/powerpoint/2010/main" val="2310096377"/>
-      </p:ext>
-    </p:extLst>
-  </p:cSld>
-  <p:clrMapOvr>
-    <a:masterClrMapping/>
-  </p:clrMapOvr>
-</p:sld>
-</file>
-
-<file path=ppt/slides/slide20.xml><?xml version="1.0" encoding="utf-8"?>
-<p:sld xmlns:a="http://schemas.openxmlformats.org/drawingml/2006/main" xmlns:r="http://schemas.openxmlformats.org/officeDocument/2006/relationships" xmlns:p="http://schemas.openxmlformats.org/presentationml/2006/main">
-  <p:cSld>
-    <p:spTree>
-      <p:nvGrpSpPr>
-        <p:cNvPr id="1" name=""/>
-        <p:cNvGrpSpPr/>
-        <p:nvPr/>
-      </p:nvGrpSpPr>
-      <p:grpSpPr>
-        <a:xfrm>
-          <a:off x="0" y="0"/>
-          <a:ext cx="0" cy="0"/>
-          <a:chOff x="0" y="0"/>
-          <a:chExt cx="0" cy="0"/>
-        </a:xfrm>
-      </p:grpSpPr>
-      <p:sp>
-        <p:nvSpPr>
-          <p:cNvPr id="2" name="Title 1"/>
-          <p:cNvSpPr>
-            <a:spLocks noGrp="1"/>
-          </p:cNvSpPr>
-          <p:nvPr>
-            <p:ph type="title"/>
-          </p:nvPr>
-        </p:nvSpPr>
-        <p:spPr/>
-        <p:txBody>
-          <a:bodyPr/>
-          <a:lstStyle/>
-          <a:p>
-            <a:r>
-              <a:rPr lang="en-US" dirty="0"/>
-              <a:t>Disadvantages</a:t>
-            </a:r>
-          </a:p>
-        </p:txBody>
-      </p:sp>
-      <p:sp>
-        <p:nvSpPr>
-          <p:cNvPr id="5" name="Content Placeholder 4"/>
-          <p:cNvSpPr>
-            <a:spLocks noGrp="1"/>
-          </p:cNvSpPr>
-          <p:nvPr>
-            <p:ph idx="1"/>
-          </p:nvPr>
-        </p:nvSpPr>
-        <p:spPr/>
-        <p:txBody>
-          <a:bodyPr/>
-          <a:lstStyle/>
-          <a:p>
-            <a:r>
-              <a:rPr lang="en-US" dirty="0"/>
-              <a:t>More VIs</a:t>
-            </a:r>
-          </a:p>
-          <a:p>
-            <a:pPr lvl="1"/>
-            <a:r>
-              <a:rPr lang="en-US" dirty="0"/>
-              <a:t>But Smaller and more modular</a:t>
-            </a:r>
-          </a:p>
-          <a:p>
-            <a:r>
-              <a:rPr lang="en-US" dirty="0"/>
-              <a:t>Have to be careful to include children classes when deploying code</a:t>
-            </a:r>
-          </a:p>
-          <a:p>
-            <a:pPr lvl="1"/>
-            <a:r>
-              <a:rPr lang="en-US" dirty="0"/>
-              <a:t>But you have dynamic dispatch</a:t>
-            </a:r>
-          </a:p>
-          <a:p>
-            <a:r>
-              <a:rPr lang="en-US" dirty="0"/>
-              <a:t>Dynamic dispatch overhead</a:t>
-            </a:r>
-          </a:p>
-          <a:p>
-            <a:pPr lvl="1"/>
-            <a:r>
-              <a:rPr lang="en-US" dirty="0"/>
-              <a:t>Cleaner code</a:t>
-            </a:r>
-          </a:p>
-          <a:p>
-            <a:pPr lvl="1"/>
-            <a:r>
-              <a:rPr lang="en-US" dirty="0"/>
-              <a:t>Easier to debug</a:t>
-            </a:r>
-          </a:p>
-          <a:p>
-            <a:pPr lvl="1"/>
-            <a:endParaRPr lang="en-US" dirty="0"/>
-          </a:p>
-          <a:p>
-            <a:endParaRPr lang="en-US" dirty="0"/>
-          </a:p>
-        </p:txBody>
-      </p:sp>
-    </p:spTree>
-    <p:extLst>
-      <p:ext uri="{BB962C8B-B14F-4D97-AF65-F5344CB8AC3E}">
-        <p14:creationId xmlns:p14="http://schemas.microsoft.com/office/powerpoint/2010/main" val="884895471"/>
-      </p:ext>
-    </p:extLst>
-  </p:cSld>
-  <p:clrMapOvr>
-    <a:masterClrMapping/>
-  </p:clrMapOvr>
-</p:sld>
-</file>
-
 <file path=ppt/slides/slide21.xml><?xml version="1.0" encoding="utf-8"?>
 <p:sld xmlns:a="http://schemas.openxmlformats.org/drawingml/2006/main" xmlns:r="http://schemas.openxmlformats.org/officeDocument/2006/relationships" xmlns:p="http://schemas.openxmlformats.org/presentationml/2006/main">
   <p:cSld>
@@ -14350,12 +14859,12 @@
       </p:grpSpPr>
       <p:sp>
         <p:nvSpPr>
-          <p:cNvPr id="5" name="Title 4"/>
-          <p:cNvSpPr>
-            <a:spLocks noGrp="1"/>
-          </p:cNvSpPr>
-          <p:nvPr>
-            <p:ph type="ctrTitle"/>
+          <p:cNvPr id="2" name="Title 1"/>
+          <p:cNvSpPr>
+            <a:spLocks noGrp="1"/>
+          </p:cNvSpPr>
+          <p:nvPr>
+            <p:ph type="title"/>
           </p:nvPr>
         </p:nvSpPr>
         <p:spPr/>
@@ -14365,19 +14874,19 @@
           <a:p>
             <a:r>
               <a:rPr lang="en-US" dirty="0"/>
-              <a:t>Working with LabVIEW OPP Architectures</a:t>
-            </a:r>
-          </a:p>
-        </p:txBody>
-      </p:sp>
-      <p:sp>
-        <p:nvSpPr>
-          <p:cNvPr id="6" name="Subtitle 5"/>
-          <p:cNvSpPr>
-            <a:spLocks noGrp="1"/>
-          </p:cNvSpPr>
-          <p:nvPr>
-            <p:ph type="subTitle" idx="1"/>
+              <a:t>Disadvantages</a:t>
+            </a:r>
+          </a:p>
+        </p:txBody>
+      </p:sp>
+      <p:sp>
+        <p:nvSpPr>
+          <p:cNvPr id="5" name="Content Placeholder 4"/>
+          <p:cNvSpPr>
+            <a:spLocks noGrp="1"/>
+          </p:cNvSpPr>
+          <p:nvPr>
+            <p:ph idx="1"/>
           </p:nvPr>
         </p:nvSpPr>
         <p:spPr/>
@@ -14387,15 +14896,62 @@
           <a:p>
             <a:r>
               <a:rPr lang="en-US" dirty="0"/>
-              <a:t>DEMO</a:t>
-            </a:r>
+              <a:t>More VIs</a:t>
+            </a:r>
+          </a:p>
+          <a:p>
+            <a:pPr lvl="1"/>
+            <a:r>
+              <a:rPr lang="en-US" dirty="0"/>
+              <a:t>But Smaller and more modular</a:t>
+            </a:r>
+          </a:p>
+          <a:p>
+            <a:r>
+              <a:rPr lang="en-US" dirty="0"/>
+              <a:t>Have to be careful to include children classes when deploying code</a:t>
+            </a:r>
+          </a:p>
+          <a:p>
+            <a:pPr lvl="1"/>
+            <a:r>
+              <a:rPr lang="en-US" dirty="0"/>
+              <a:t>But you have dynamic dispatch</a:t>
+            </a:r>
+          </a:p>
+          <a:p>
+            <a:r>
+              <a:rPr lang="en-US" dirty="0"/>
+              <a:t>Dynamic dispatch overhead</a:t>
+            </a:r>
+          </a:p>
+          <a:p>
+            <a:pPr lvl="1"/>
+            <a:r>
+              <a:rPr lang="en-US" dirty="0"/>
+              <a:t>Cleaner code</a:t>
+            </a:r>
+          </a:p>
+          <a:p>
+            <a:pPr lvl="1"/>
+            <a:r>
+              <a:rPr lang="en-US" dirty="0"/>
+              <a:t>Easier to debug</a:t>
+            </a:r>
+          </a:p>
+          <a:p>
+            <a:pPr lvl="1"/>
+            <a:endParaRPr lang="en-US" dirty="0"/>
+          </a:p>
+          <a:p>
+            <a:endParaRPr lang="en-US" dirty="0"/>
           </a:p>
         </p:txBody>
       </p:sp>
     </p:spTree>
     <p:extLst>
       <p:ext uri="{BB962C8B-B14F-4D97-AF65-F5344CB8AC3E}">
-        <p14:creationId xmlns:p14="http://schemas.microsoft.com/office/powerpoint/2010/main" val="4031604633"/>
+        <p14:creationId xmlns:p14="http://schemas.microsoft.com/office/powerpoint/2010/main" val="884895471"/>
       </p:ext>
     </p:extLst>
   </p:cSld>
@@ -14424,12 +14980,12 @@
       </p:grpSpPr>
       <p:sp>
         <p:nvSpPr>
-          <p:cNvPr id="8" name="Title 7"/>
-          <p:cNvSpPr>
-            <a:spLocks noGrp="1"/>
-          </p:cNvSpPr>
-          <p:nvPr>
-            <p:ph type="title"/>
+          <p:cNvPr id="5" name="Title 4"/>
+          <p:cNvSpPr>
+            <a:spLocks noGrp="1"/>
+          </p:cNvSpPr>
+          <p:nvPr>
+            <p:ph type="ctrTitle"/>
           </p:nvPr>
         </p:nvSpPr>
         <p:spPr/>
@@ -14439,19 +14995,19 @@
           <a:p>
             <a:r>
               <a:rPr lang="en-US" dirty="0"/>
-              <a:t>Demo Summary</a:t>
-            </a:r>
-          </a:p>
-        </p:txBody>
-      </p:sp>
-      <p:sp>
-        <p:nvSpPr>
-          <p:cNvPr id="9" name="Content Placeholder 8"/>
-          <p:cNvSpPr>
-            <a:spLocks noGrp="1"/>
-          </p:cNvSpPr>
-          <p:nvPr>
-            <p:ph idx="1"/>
+              <a:t>Working with LabVIEW OPP Architectures</a:t>
+            </a:r>
+          </a:p>
+        </p:txBody>
+      </p:sp>
+      <p:sp>
+        <p:nvSpPr>
+          <p:cNvPr id="6" name="Subtitle 5"/>
+          <p:cNvSpPr>
+            <a:spLocks noGrp="1"/>
+          </p:cNvSpPr>
+          <p:nvPr>
+            <p:ph type="subTitle" idx="1"/>
           </p:nvPr>
         </p:nvSpPr>
         <p:spPr/>
@@ -14461,55 +15017,15 @@
           <a:p>
             <a:r>
               <a:rPr lang="en-US" dirty="0"/>
-              <a:t>Create new child from the parent class</a:t>
-            </a:r>
-          </a:p>
-          <a:p>
-            <a:r>
-              <a:rPr lang="en-US" dirty="0"/>
-              <a:t>Each class should be saved in its own folder</a:t>
-            </a:r>
-          </a:p>
-          <a:p>
-            <a:r>
-              <a:rPr lang="en-US" dirty="0"/>
-              <a:t>Override methods</a:t>
-            </a:r>
-          </a:p>
-          <a:p>
-            <a:r>
-              <a:rPr lang="en-US" dirty="0"/>
-              <a:t>Add your new class to the program</a:t>
-            </a:r>
-          </a:p>
-          <a:p>
-            <a:endParaRPr lang="en-US" dirty="0"/>
-          </a:p>
-        </p:txBody>
-      </p:sp>
-      <p:sp>
-        <p:nvSpPr>
-          <p:cNvPr id="10" name="Text Placeholder 9"/>
-          <p:cNvSpPr>
-            <a:spLocks noGrp="1"/>
-          </p:cNvSpPr>
-          <p:nvPr>
-            <p:ph type="body" sz="quarter" idx="10"/>
-          </p:nvPr>
-        </p:nvSpPr>
-        <p:spPr/>
-        <p:txBody>
-          <a:bodyPr/>
-          <a:lstStyle/>
-          <a:p>
-            <a:endParaRPr lang="en-US" dirty="0"/>
+              <a:t>DEMO</a:t>
+            </a:r>
           </a:p>
         </p:txBody>
       </p:sp>
     </p:spTree>
     <p:extLst>
       <p:ext uri="{BB962C8B-B14F-4D97-AF65-F5344CB8AC3E}">
-        <p14:creationId xmlns:p14="http://schemas.microsoft.com/office/powerpoint/2010/main" val="1177446368"/>
+        <p14:creationId xmlns:p14="http://schemas.microsoft.com/office/powerpoint/2010/main" val="4031604633"/>
       </p:ext>
     </p:extLst>
   </p:cSld>
@@ -14538,6 +15054,120 @@
       </p:grpSpPr>
       <p:sp>
         <p:nvSpPr>
+          <p:cNvPr id="8" name="Title 7"/>
+          <p:cNvSpPr>
+            <a:spLocks noGrp="1"/>
+          </p:cNvSpPr>
+          <p:nvPr>
+            <p:ph type="title"/>
+          </p:nvPr>
+        </p:nvSpPr>
+        <p:spPr/>
+        <p:txBody>
+          <a:bodyPr/>
+          <a:lstStyle/>
+          <a:p>
+            <a:r>
+              <a:rPr lang="en-US" dirty="0"/>
+              <a:t>Demo Summary</a:t>
+            </a:r>
+          </a:p>
+        </p:txBody>
+      </p:sp>
+      <p:sp>
+        <p:nvSpPr>
+          <p:cNvPr id="9" name="Content Placeholder 8"/>
+          <p:cNvSpPr>
+            <a:spLocks noGrp="1"/>
+          </p:cNvSpPr>
+          <p:nvPr>
+            <p:ph idx="1"/>
+          </p:nvPr>
+        </p:nvSpPr>
+        <p:spPr/>
+        <p:txBody>
+          <a:bodyPr/>
+          <a:lstStyle/>
+          <a:p>
+            <a:r>
+              <a:rPr lang="en-US" dirty="0"/>
+              <a:t>Create new child from the parent class</a:t>
+            </a:r>
+          </a:p>
+          <a:p>
+            <a:r>
+              <a:rPr lang="en-US" dirty="0"/>
+              <a:t>Each class should be saved in its own folder</a:t>
+            </a:r>
+          </a:p>
+          <a:p>
+            <a:r>
+              <a:rPr lang="en-US" dirty="0"/>
+              <a:t>Override methods</a:t>
+            </a:r>
+          </a:p>
+          <a:p>
+            <a:r>
+              <a:rPr lang="en-US" dirty="0"/>
+              <a:t>Add your new class to the program</a:t>
+            </a:r>
+          </a:p>
+          <a:p>
+            <a:endParaRPr lang="en-US" dirty="0"/>
+          </a:p>
+        </p:txBody>
+      </p:sp>
+      <p:sp>
+        <p:nvSpPr>
+          <p:cNvPr id="10" name="Text Placeholder 9"/>
+          <p:cNvSpPr>
+            <a:spLocks noGrp="1"/>
+          </p:cNvSpPr>
+          <p:nvPr>
+            <p:ph type="body" sz="quarter" idx="10"/>
+          </p:nvPr>
+        </p:nvSpPr>
+        <p:spPr/>
+        <p:txBody>
+          <a:bodyPr/>
+          <a:lstStyle/>
+          <a:p>
+            <a:endParaRPr lang="en-US" dirty="0"/>
+          </a:p>
+        </p:txBody>
+      </p:sp>
+    </p:spTree>
+    <p:extLst>
+      <p:ext uri="{BB962C8B-B14F-4D97-AF65-F5344CB8AC3E}">
+        <p14:creationId xmlns:p14="http://schemas.microsoft.com/office/powerpoint/2010/main" val="1177446368"/>
+      </p:ext>
+    </p:extLst>
+  </p:cSld>
+  <p:clrMapOvr>
+    <a:masterClrMapping/>
+  </p:clrMapOvr>
+</p:sld>
+</file>
+
+<file path=ppt/slides/slide24.xml><?xml version="1.0" encoding="utf-8"?>
+<p:sld xmlns:a="http://schemas.openxmlformats.org/drawingml/2006/main" xmlns:r="http://schemas.openxmlformats.org/officeDocument/2006/relationships" xmlns:p="http://schemas.openxmlformats.org/presentationml/2006/main">
+  <p:cSld>
+    <p:spTree>
+      <p:nvGrpSpPr>
+        <p:cNvPr id="1" name=""/>
+        <p:cNvGrpSpPr/>
+        <p:nvPr/>
+      </p:nvGrpSpPr>
+      <p:grpSpPr>
+        <a:xfrm>
+          <a:off x="0" y="0"/>
+          <a:ext cx="0" cy="0"/>
+          <a:chOff x="0" y="0"/>
+          <a:chExt cx="0" cy="0"/>
+        </a:xfrm>
+      </p:grpSpPr>
+      <p:sp>
+        <p:nvSpPr>
           <p:cNvPr id="5" name="Title 4"/>
           <p:cNvSpPr>
             <a:spLocks noGrp="1"/>
@@ -14590,7 +15220,7 @@
 </p:sld>
 </file>
 
-<file path=ppt/slides/slide24.xml><?xml version="1.0" encoding="utf-8"?>
+<file path=ppt/slides/slide25.xml><?xml version="1.0" encoding="utf-8"?>
 <p:sld xmlns:a="http://schemas.openxmlformats.org/drawingml/2006/main" xmlns:r="http://schemas.openxmlformats.org/officeDocument/2006/relationships" xmlns:p="http://schemas.openxmlformats.org/presentationml/2006/main">
   <p:cSld>
     <p:spTree>
@@ -14694,7 +15324,7 @@
 </p:sld>
 </file>
 
-<file path=ppt/slides/slide25.xml><?xml version="1.0" encoding="utf-8"?>
+<file path=ppt/slides/slide26.xml><?xml version="1.0" encoding="utf-8"?>
 <p:sld xmlns:a="http://schemas.openxmlformats.org/drawingml/2006/main" xmlns:r="http://schemas.openxmlformats.org/officeDocument/2006/relationships" xmlns:p="http://schemas.openxmlformats.org/presentationml/2006/main">
   <p:cSld>
     <p:spTree>
@@ -14772,7 +15402,7 @@
 </p:sld>
 </file>
 
-<file path=ppt/slides/slide26.xml><?xml version="1.0" encoding="utf-8"?>
+<file path=ppt/slides/slide27.xml><?xml version="1.0" encoding="utf-8"?>
 <p:sld xmlns:a="http://schemas.openxmlformats.org/drawingml/2006/main" xmlns:r="http://schemas.openxmlformats.org/officeDocument/2006/relationships" xmlns:p="http://schemas.openxmlformats.org/presentationml/2006/main">
   <p:cSld>
     <p:spTree>
@@ -14889,7 +15519,7 @@
 </p:sld>
 </file>
 
-<file path=ppt/slides/slide27.xml><?xml version="1.0" encoding="utf-8"?>
+<file path=ppt/slides/slide28.xml><?xml version="1.0" encoding="utf-8"?>
 <p:sld xmlns:a="http://schemas.openxmlformats.org/drawingml/2006/main" xmlns:r="http://schemas.openxmlformats.org/officeDocument/2006/relationships" xmlns:p="http://schemas.openxmlformats.org/presentationml/2006/main">
   <p:cSld>
     <p:spTree>
@@ -15016,95 +15646,6 @@
 </p:sld>
 </file>
 
-<file path=ppt/slides/slide28.xml><?xml version="1.0" encoding="utf-8"?>
-<p:sld xmlns:a="http://schemas.openxmlformats.org/drawingml/2006/main" xmlns:r="http://schemas.openxmlformats.org/officeDocument/2006/relationships" xmlns:p="http://schemas.openxmlformats.org/presentationml/2006/main">
-  <p:cSld>
-    <p:spTree>
-      <p:nvGrpSpPr>
-        <p:cNvPr id="1" name=""/>
-        <p:cNvGrpSpPr/>
-        <p:nvPr/>
-      </p:nvGrpSpPr>
-      <p:grpSpPr>
-        <a:xfrm>
-          <a:off x="0" y="0"/>
-          <a:ext cx="0" cy="0"/>
-          <a:chOff x="0" y="0"/>
-          <a:chExt cx="0" cy="0"/>
-        </a:xfrm>
-      </p:grpSpPr>
-      <p:sp>
-        <p:nvSpPr>
-          <p:cNvPr id="2" name="Title 1"/>
-          <p:cNvSpPr>
-            <a:spLocks noGrp="1"/>
-          </p:cNvSpPr>
-          <p:nvPr>
-            <p:ph type="title"/>
-          </p:nvPr>
-        </p:nvSpPr>
-        <p:spPr/>
-        <p:txBody>
-          <a:bodyPr/>
-          <a:lstStyle/>
-          <a:p>
-            <a:r>
-              <a:rPr lang="en-US" dirty="0"/>
-              <a:t>Conclusions</a:t>
-            </a:r>
-          </a:p>
-        </p:txBody>
-      </p:sp>
-      <p:sp>
-        <p:nvSpPr>
-          <p:cNvPr id="3" name="Content Placeholder 2"/>
-          <p:cNvSpPr>
-            <a:spLocks noGrp="1"/>
-          </p:cNvSpPr>
-          <p:nvPr>
-            <p:ph idx="1"/>
-          </p:nvPr>
-        </p:nvSpPr>
-        <p:spPr/>
-        <p:txBody>
-          <a:bodyPr/>
-          <a:lstStyle/>
-          <a:p>
-            <a:r>
-              <a:rPr lang="en-US" dirty="0"/>
-              <a:t>LabVIEW objects could be considered a private clusters inside of a library, with VIs that can be called dynamically using dynamic dispatch</a:t>
-            </a:r>
-          </a:p>
-          <a:p>
-            <a:r>
-              <a:rPr lang="en-US" dirty="0"/>
-              <a:t>Using objects can make code easier to maintain and extend</a:t>
-            </a:r>
-          </a:p>
-          <a:p>
-            <a:r>
-              <a:rPr lang="en-US" dirty="0"/>
-              <a:t>Avoiding objects can increase the complexity of your code</a:t>
-            </a:r>
-          </a:p>
-          <a:p>
-            <a:endParaRPr lang="en-US" dirty="0"/>
-          </a:p>
-        </p:txBody>
-      </p:sp>
-    </p:spTree>
-    <p:extLst>
-      <p:ext uri="{BB962C8B-B14F-4D97-AF65-F5344CB8AC3E}">
-        <p14:creationId xmlns:p14="http://schemas.microsoft.com/office/powerpoint/2010/main" val="3829860611"/>
-      </p:ext>
-    </p:extLst>
-  </p:cSld>
-  <p:clrMapOvr>
-    <a:masterClrMapping/>
-  </p:clrMapOvr>
-</p:sld>
-</file>
-
 <file path=ppt/slides/slide29.xml><?xml version="1.0" encoding="utf-8"?>
 <p:sld xmlns:a="http://schemas.openxmlformats.org/drawingml/2006/main" xmlns:r="http://schemas.openxmlformats.org/officeDocument/2006/relationships" xmlns:p="http://schemas.openxmlformats.org/presentationml/2006/main">
   <p:cSld>
@@ -15139,6 +15680,166 @@
           <a:p>
             <a:r>
               <a:rPr lang="en-US" dirty="0"/>
+              <a:t>Conclusions</a:t>
+            </a:r>
+          </a:p>
+        </p:txBody>
+      </p:sp>
+      <p:sp>
+        <p:nvSpPr>
+          <p:cNvPr id="3" name="Content Placeholder 2"/>
+          <p:cNvSpPr>
+            <a:spLocks noGrp="1"/>
+          </p:cNvSpPr>
+          <p:nvPr>
+            <p:ph idx="1"/>
+          </p:nvPr>
+        </p:nvSpPr>
+        <p:spPr/>
+        <p:txBody>
+          <a:bodyPr/>
+          <a:lstStyle/>
+          <a:p>
+            <a:r>
+              <a:rPr lang="en-US" dirty="0"/>
+              <a:t>LabVIEW objects could be considered a private clusters inside of a library, with VIs that can be called dynamically using dynamic dispatch</a:t>
+            </a:r>
+          </a:p>
+          <a:p>
+            <a:r>
+              <a:rPr lang="en-US" dirty="0"/>
+              <a:t>Using objects can make code easier to maintain and extend</a:t>
+            </a:r>
+          </a:p>
+          <a:p>
+            <a:r>
+              <a:rPr lang="en-US" dirty="0"/>
+              <a:t>Avoiding objects can increase the complexity of your code</a:t>
+            </a:r>
+          </a:p>
+          <a:p>
+            <a:endParaRPr lang="en-US" dirty="0"/>
+          </a:p>
+        </p:txBody>
+      </p:sp>
+    </p:spTree>
+    <p:extLst>
+      <p:ext uri="{BB962C8B-B14F-4D97-AF65-F5344CB8AC3E}">
+        <p14:creationId xmlns:p14="http://schemas.microsoft.com/office/powerpoint/2010/main" val="3829860611"/>
+      </p:ext>
+    </p:extLst>
+  </p:cSld>
+  <p:clrMapOvr>
+    <a:masterClrMapping/>
+  </p:clrMapOvr>
+</p:sld>
+</file>
+
+<file path=ppt/slides/slide3.xml><?xml version="1.0" encoding="utf-8"?>
+<p:sld xmlns:a="http://schemas.openxmlformats.org/drawingml/2006/main" xmlns:r="http://schemas.openxmlformats.org/officeDocument/2006/relationships" xmlns:p="http://schemas.openxmlformats.org/presentationml/2006/main">
+  <p:cSld>
+    <p:spTree>
+      <p:nvGrpSpPr>
+        <p:cNvPr id="1" name=""/>
+        <p:cNvGrpSpPr/>
+        <p:nvPr/>
+      </p:nvGrpSpPr>
+      <p:grpSpPr>
+        <a:xfrm>
+          <a:off x="0" y="0"/>
+          <a:ext cx="0" cy="0"/>
+          <a:chOff x="0" y="0"/>
+          <a:chExt cx="0" cy="0"/>
+        </a:xfrm>
+      </p:grpSpPr>
+      <p:sp>
+        <p:nvSpPr>
+          <p:cNvPr id="2" name="Title 1"/>
+          <p:cNvSpPr>
+            <a:spLocks noGrp="1"/>
+          </p:cNvSpPr>
+          <p:nvPr>
+            <p:ph type="ctrTitle"/>
+          </p:nvPr>
+        </p:nvSpPr>
+        <p:spPr/>
+        <p:txBody>
+          <a:bodyPr/>
+          <a:lstStyle/>
+          <a:p>
+            <a:r>
+              <a:rPr lang="en-US" dirty="0"/>
+              <a:t>Demystifying LabVIEW Objects</a:t>
+            </a:r>
+          </a:p>
+        </p:txBody>
+      </p:sp>
+      <p:sp>
+        <p:nvSpPr>
+          <p:cNvPr id="3" name="Subtitle 2"/>
+          <p:cNvSpPr>
+            <a:spLocks noGrp="1"/>
+          </p:cNvSpPr>
+          <p:nvPr>
+            <p:ph type="subTitle" idx="1"/>
+          </p:nvPr>
+        </p:nvSpPr>
+        <p:spPr/>
+        <p:txBody>
+          <a:bodyPr/>
+          <a:lstStyle/>
+          <a:p>
+            <a:endParaRPr lang="en-US" dirty="0"/>
+          </a:p>
+        </p:txBody>
+      </p:sp>
+    </p:spTree>
+    <p:extLst>
+      <p:ext uri="{BB962C8B-B14F-4D97-AF65-F5344CB8AC3E}">
+        <p14:creationId xmlns:p14="http://schemas.microsoft.com/office/powerpoint/2010/main" val="2310096377"/>
+      </p:ext>
+    </p:extLst>
+  </p:cSld>
+  <p:clrMapOvr>
+    <a:masterClrMapping/>
+  </p:clrMapOvr>
+</p:sld>
+</file>
+
+<file path=ppt/slides/slide30.xml><?xml version="1.0" encoding="utf-8"?>
+<p:sld xmlns:a="http://schemas.openxmlformats.org/drawingml/2006/main" xmlns:r="http://schemas.openxmlformats.org/officeDocument/2006/relationships" xmlns:p="http://schemas.openxmlformats.org/presentationml/2006/main">
+  <p:cSld>
+    <p:spTree>
+      <p:nvGrpSpPr>
+        <p:cNvPr id="1" name=""/>
+        <p:cNvGrpSpPr/>
+        <p:nvPr/>
+      </p:nvGrpSpPr>
+      <p:grpSpPr>
+        <a:xfrm>
+          <a:off x="0" y="0"/>
+          <a:ext cx="0" cy="0"/>
+          <a:chOff x="0" y="0"/>
+          <a:chExt cx="0" cy="0"/>
+        </a:xfrm>
+      </p:grpSpPr>
+      <p:sp>
+        <p:nvSpPr>
+          <p:cNvPr id="2" name="Title 1"/>
+          <p:cNvSpPr>
+            <a:spLocks noGrp="1"/>
+          </p:cNvSpPr>
+          <p:nvPr>
+            <p:ph type="title"/>
+          </p:nvPr>
+        </p:nvSpPr>
+        <p:spPr/>
+        <p:txBody>
+          <a:bodyPr/>
+          <a:lstStyle/>
+          <a:p>
+            <a:r>
+              <a:rPr lang="en-US" dirty="0"/>
               <a:t>Next Steps</a:t>
             </a:r>
           </a:p>
@@ -15234,7 +15935,976 @@
 </p:sld>
 </file>
 
-<file path=ppt/slides/slide3.xml><?xml version="1.0" encoding="utf-8"?>
+<file path=ppt/slides/slide31.xml><?xml version="1.0" encoding="utf-8"?>
+<p:sld xmlns:a="http://schemas.openxmlformats.org/drawingml/2006/main" xmlns:r="http://schemas.openxmlformats.org/officeDocument/2006/relationships" xmlns:p="http://schemas.openxmlformats.org/presentationml/2006/main" show="0">
+  <p:cSld>
+    <p:spTree>
+      <p:nvGrpSpPr>
+        <p:cNvPr id="1" name=""/>
+        <p:cNvGrpSpPr/>
+        <p:nvPr/>
+      </p:nvGrpSpPr>
+      <p:grpSpPr>
+        <a:xfrm>
+          <a:off x="0" y="0"/>
+          <a:ext cx="0" cy="0"/>
+          <a:chOff x="0" y="0"/>
+          <a:chExt cx="0" cy="0"/>
+        </a:xfrm>
+      </p:grpSpPr>
+      <p:sp>
+        <p:nvSpPr>
+          <p:cNvPr id="2" name="Title 1"/>
+          <p:cNvSpPr>
+            <a:spLocks noGrp="1"/>
+          </p:cNvSpPr>
+          <p:nvPr>
+            <p:ph type="title"/>
+          </p:nvPr>
+        </p:nvSpPr>
+        <p:spPr/>
+        <p:txBody>
+          <a:bodyPr/>
+          <a:lstStyle/>
+          <a:p>
+            <a:r>
+              <a:rPr lang="en-US" dirty="0"/>
+              <a:t>Demo: Adding Triangle</a:t>
+            </a:r>
+          </a:p>
+        </p:txBody>
+      </p:sp>
+      <p:sp>
+        <p:nvSpPr>
+          <p:cNvPr id="3" name="Content Placeholder 2"/>
+          <p:cNvSpPr>
+            <a:spLocks noGrp="1"/>
+          </p:cNvSpPr>
+          <p:nvPr>
+            <p:ph idx="1"/>
+          </p:nvPr>
+        </p:nvSpPr>
+        <p:spPr/>
+        <p:txBody>
+          <a:bodyPr/>
+          <a:lstStyle/>
+          <a:p>
+            <a:endParaRPr lang="en-US" dirty="0"/>
+          </a:p>
+        </p:txBody>
+      </p:sp>
+    </p:spTree>
+    <p:extLst>
+      <p:ext uri="{BB962C8B-B14F-4D97-AF65-F5344CB8AC3E}">
+        <p14:creationId xmlns:p14="http://schemas.microsoft.com/office/powerpoint/2010/main" val="3302241924"/>
+      </p:ext>
+    </p:extLst>
+  </p:cSld>
+  <p:clrMapOvr>
+    <a:masterClrMapping/>
+  </p:clrMapOvr>
+</p:sld>
+</file>
+
+<file path=ppt/slides/slide32.xml><?xml version="1.0" encoding="utf-8"?>
+<p:sld xmlns:a="http://schemas.openxmlformats.org/drawingml/2006/main" xmlns:r="http://schemas.openxmlformats.org/officeDocument/2006/relationships" xmlns:p="http://schemas.openxmlformats.org/presentationml/2006/main" show="0">
+  <p:cSld>
+    <p:spTree>
+      <p:nvGrpSpPr>
+        <p:cNvPr id="1" name=""/>
+        <p:cNvGrpSpPr/>
+        <p:nvPr/>
+      </p:nvGrpSpPr>
+      <p:grpSpPr>
+        <a:xfrm>
+          <a:off x="0" y="0"/>
+          <a:ext cx="0" cy="0"/>
+          <a:chOff x="0" y="0"/>
+          <a:chExt cx="0" cy="0"/>
+        </a:xfrm>
+      </p:grpSpPr>
+      <p:sp>
+        <p:nvSpPr>
+          <p:cNvPr id="2" name="Title 1"/>
+          <p:cNvSpPr>
+            <a:spLocks noGrp="1"/>
+          </p:cNvSpPr>
+          <p:nvPr>
+            <p:ph type="title"/>
+          </p:nvPr>
+        </p:nvSpPr>
+        <p:spPr/>
+        <p:txBody>
+          <a:bodyPr/>
+          <a:lstStyle/>
+          <a:p>
+            <a:r>
+              <a:rPr lang="en-US" dirty="0"/>
+              <a:t>Top Level Application</a:t>
+            </a:r>
+          </a:p>
+        </p:txBody>
+      </p:sp>
+      <p:sp>
+        <p:nvSpPr>
+          <p:cNvPr id="4" name="Content Placeholder 3"/>
+          <p:cNvSpPr>
+            <a:spLocks noGrp="1"/>
+          </p:cNvSpPr>
+          <p:nvPr>
+            <p:ph sz="half" idx="1"/>
+          </p:nvPr>
+        </p:nvSpPr>
+        <p:spPr/>
+        <p:txBody>
+          <a:bodyPr/>
+          <a:lstStyle/>
+          <a:p>
+            <a:r>
+              <a:rPr lang="en-US" dirty="0"/>
+              <a:t>The top level doesn’t need any changes just the Init to include the triangle</a:t>
+            </a:r>
+          </a:p>
+          <a:p>
+            <a:r>
+              <a:rPr lang="en-US" dirty="0"/>
+              <a:t>This is an advantage when creating top level VI with Objects</a:t>
+            </a:r>
+          </a:p>
+          <a:p>
+            <a:r>
+              <a:rPr lang="en-US" dirty="0"/>
+              <a:t>This VI uses dynamic dispatch to get the properties of all the shapes</a:t>
+            </a:r>
+          </a:p>
+        </p:txBody>
+      </p:sp>
+      <p:pic>
+        <p:nvPicPr>
+          <p:cNvPr id="6" name="Content Placeholder 5"/>
+          <p:cNvPicPr>
+            <a:picLocks noGrp="1" noChangeAspect="1"/>
+          </p:cNvPicPr>
+          <p:nvPr>
+            <p:ph sz="half" idx="2"/>
+          </p:nvPr>
+        </p:nvPicPr>
+        <p:blipFill>
+          <a:blip r:embed="rId2"/>
+          <a:stretch>
+            <a:fillRect/>
+          </a:stretch>
+        </p:blipFill>
+        <p:spPr>
+          <a:xfrm>
+            <a:off x="6541732" y="1106922"/>
+            <a:ext cx="4436856" cy="2416380"/>
+          </a:xfrm>
+          <a:prstGeom prst="rect">
+            <a:avLst/>
+          </a:prstGeom>
+        </p:spPr>
+      </p:pic>
+    </p:spTree>
+    <p:extLst>
+      <p:ext uri="{BB962C8B-B14F-4D97-AF65-F5344CB8AC3E}">
+        <p14:creationId xmlns:p14="http://schemas.microsoft.com/office/powerpoint/2010/main" val="1609275045"/>
+      </p:ext>
+    </p:extLst>
+  </p:cSld>
+  <p:clrMapOvr>
+    <a:masterClrMapping/>
+  </p:clrMapOvr>
+</p:sld>
+</file>
+
+<file path=ppt/slides/slide33.xml><?xml version="1.0" encoding="utf-8"?>
+<p:sld xmlns:a="http://schemas.openxmlformats.org/drawingml/2006/main" xmlns:r="http://schemas.openxmlformats.org/officeDocument/2006/relationships" xmlns:p="http://schemas.openxmlformats.org/presentationml/2006/main" show="0">
+  <p:cSld>
+    <p:spTree>
+      <p:nvGrpSpPr>
+        <p:cNvPr id="1" name=""/>
+        <p:cNvGrpSpPr/>
+        <p:nvPr/>
+      </p:nvGrpSpPr>
+      <p:grpSpPr>
+        <a:xfrm>
+          <a:off x="0" y="0"/>
+          <a:ext cx="0" cy="0"/>
+          <a:chOff x="0" y="0"/>
+          <a:chExt cx="0" cy="0"/>
+        </a:xfrm>
+      </p:grpSpPr>
+      <p:sp>
+        <p:nvSpPr>
+          <p:cNvPr id="2" name="Title 1"/>
+          <p:cNvSpPr>
+            <a:spLocks noGrp="1"/>
+          </p:cNvSpPr>
+          <p:nvPr>
+            <p:ph type="title"/>
+          </p:nvPr>
+        </p:nvSpPr>
+        <p:spPr/>
+        <p:txBody>
+          <a:bodyPr/>
+          <a:lstStyle/>
+          <a:p>
+            <a:r>
+              <a:rPr lang="en-US" dirty="0"/>
+              <a:t>Creating a new Class</a:t>
+            </a:r>
+          </a:p>
+        </p:txBody>
+      </p:sp>
+      <p:sp>
+        <p:nvSpPr>
+          <p:cNvPr id="3" name="Content Placeholder 2"/>
+          <p:cNvSpPr>
+            <a:spLocks noGrp="1"/>
+          </p:cNvSpPr>
+          <p:nvPr>
+            <p:ph sz="half" idx="1"/>
+          </p:nvPr>
+        </p:nvSpPr>
+        <p:spPr/>
+        <p:txBody>
+          <a:bodyPr/>
+          <a:lstStyle/>
+          <a:p>
+            <a:r>
+              <a:rPr lang="en-US" dirty="0"/>
+              <a:t>To Create a new class Right click on the My computer</a:t>
+            </a:r>
+          </a:p>
+          <a:p>
+            <a:r>
+              <a:rPr lang="en-US" dirty="0"/>
+              <a:t>New &gt;&gt; Class</a:t>
+            </a:r>
+          </a:p>
+          <a:p>
+            <a:r>
+              <a:rPr lang="en-US" dirty="0"/>
+              <a:t>This will generate a new class. Save it to disk to a new folder</a:t>
+            </a:r>
+          </a:p>
+          <a:p>
+            <a:endParaRPr lang="en-US" dirty="0"/>
+          </a:p>
+        </p:txBody>
+      </p:sp>
+      <p:pic>
+        <p:nvPicPr>
+          <p:cNvPr id="10" name="Content Placeholder 9"/>
+          <p:cNvPicPr>
+            <a:picLocks noGrp="1" noChangeAspect="1"/>
+          </p:cNvPicPr>
+          <p:nvPr>
+            <p:ph sz="half" idx="2"/>
+          </p:nvPr>
+        </p:nvPicPr>
+        <p:blipFill>
+          <a:blip r:embed="rId3"/>
+          <a:stretch>
+            <a:fillRect/>
+          </a:stretch>
+        </p:blipFill>
+        <p:spPr>
+          <a:xfrm>
+            <a:off x="6273579" y="1202267"/>
+            <a:ext cx="5159243" cy="1424165"/>
+          </a:xfrm>
+          <a:prstGeom prst="rect">
+            <a:avLst/>
+          </a:prstGeom>
+        </p:spPr>
+      </p:pic>
+    </p:spTree>
+    <p:extLst>
+      <p:ext uri="{BB962C8B-B14F-4D97-AF65-F5344CB8AC3E}">
+        <p14:creationId xmlns:p14="http://schemas.microsoft.com/office/powerpoint/2010/main" val="3855318448"/>
+      </p:ext>
+    </p:extLst>
+  </p:cSld>
+  <p:clrMapOvr>
+    <a:masterClrMapping/>
+  </p:clrMapOvr>
+</p:sld>
+</file>
+
+<file path=ppt/slides/slide34.xml><?xml version="1.0" encoding="utf-8"?>
+<p:sld xmlns:a="http://schemas.openxmlformats.org/drawingml/2006/main" xmlns:r="http://schemas.openxmlformats.org/officeDocument/2006/relationships" xmlns:p="http://schemas.openxmlformats.org/presentationml/2006/main" show="0">
+  <p:cSld>
+    <p:spTree>
+      <p:nvGrpSpPr>
+        <p:cNvPr id="1" name=""/>
+        <p:cNvGrpSpPr/>
+        <p:nvPr/>
+      </p:nvGrpSpPr>
+      <p:grpSpPr>
+        <a:xfrm>
+          <a:off x="0" y="0"/>
+          <a:ext cx="0" cy="0"/>
+          <a:chOff x="0" y="0"/>
+          <a:chExt cx="0" cy="0"/>
+        </a:xfrm>
+      </p:grpSpPr>
+      <p:sp>
+        <p:nvSpPr>
+          <p:cNvPr id="2" name="Title 1"/>
+          <p:cNvSpPr>
+            <a:spLocks noGrp="1"/>
+          </p:cNvSpPr>
+          <p:nvPr>
+            <p:ph type="title"/>
+          </p:nvPr>
+        </p:nvSpPr>
+        <p:spPr/>
+        <p:txBody>
+          <a:bodyPr/>
+          <a:lstStyle/>
+          <a:p>
+            <a:r>
+              <a:rPr lang="en-US" dirty="0"/>
+              <a:t>Edit Icon and Wire </a:t>
+            </a:r>
+          </a:p>
+        </p:txBody>
+      </p:sp>
+      <p:pic>
+        <p:nvPicPr>
+          <p:cNvPr id="6" name="Content Placeholder 5"/>
+          <p:cNvPicPr>
+            <a:picLocks noGrp="1" noChangeAspect="1"/>
+          </p:cNvPicPr>
+          <p:nvPr>
+            <p:ph sz="half" idx="2"/>
+          </p:nvPr>
+        </p:nvPicPr>
+        <p:blipFill>
+          <a:blip r:embed="rId3"/>
+          <a:stretch>
+            <a:fillRect/>
+          </a:stretch>
+        </p:blipFill>
+        <p:spPr>
+          <a:xfrm>
+            <a:off x="6197600" y="1576057"/>
+            <a:ext cx="5384800" cy="4045611"/>
+          </a:xfrm>
+          <a:prstGeom prst="rect">
+            <a:avLst/>
+          </a:prstGeom>
+        </p:spPr>
+      </p:pic>
+      <p:pic>
+        <p:nvPicPr>
+          <p:cNvPr id="8" name="Content Placeholder 7"/>
+          <p:cNvPicPr>
+            <a:picLocks noGrp="1" noChangeAspect="1"/>
+          </p:cNvPicPr>
+          <p:nvPr>
+            <p:ph sz="half" idx="1"/>
+          </p:nvPr>
+        </p:nvPicPr>
+        <p:blipFill>
+          <a:blip r:embed="rId4"/>
+          <a:stretch>
+            <a:fillRect/>
+          </a:stretch>
+        </p:blipFill>
+        <p:spPr>
+          <a:xfrm>
+            <a:off x="638175" y="1580555"/>
+            <a:ext cx="5370513" cy="4036614"/>
+          </a:xfrm>
+          <a:prstGeom prst="rect">
+            <a:avLst/>
+          </a:prstGeom>
+        </p:spPr>
+      </p:pic>
+    </p:spTree>
+    <p:extLst>
+      <p:ext uri="{BB962C8B-B14F-4D97-AF65-F5344CB8AC3E}">
+        <p14:creationId xmlns:p14="http://schemas.microsoft.com/office/powerpoint/2010/main" val="1659113954"/>
+      </p:ext>
+    </p:extLst>
+  </p:cSld>
+  <p:clrMapOvr>
+    <a:masterClrMapping/>
+  </p:clrMapOvr>
+</p:sld>
+</file>
+
+<file path=ppt/slides/slide35.xml><?xml version="1.0" encoding="utf-8"?>
+<p:sld xmlns:a="http://schemas.openxmlformats.org/drawingml/2006/main" xmlns:r="http://schemas.openxmlformats.org/officeDocument/2006/relationships" xmlns:p="http://schemas.openxmlformats.org/presentationml/2006/main" show="0">
+  <p:cSld>
+    <p:spTree>
+      <p:nvGrpSpPr>
+        <p:cNvPr id="1" name=""/>
+        <p:cNvGrpSpPr/>
+        <p:nvPr/>
+      </p:nvGrpSpPr>
+      <p:grpSpPr>
+        <a:xfrm>
+          <a:off x="0" y="0"/>
+          <a:ext cx="0" cy="0"/>
+          <a:chOff x="0" y="0"/>
+          <a:chExt cx="0" cy="0"/>
+        </a:xfrm>
+      </p:grpSpPr>
+      <p:sp>
+        <p:nvSpPr>
+          <p:cNvPr id="2" name="Title 1"/>
+          <p:cNvSpPr>
+            <a:spLocks noGrp="1"/>
+          </p:cNvSpPr>
+          <p:nvPr>
+            <p:ph type="title"/>
+          </p:nvPr>
+        </p:nvSpPr>
+        <p:spPr/>
+        <p:txBody>
+          <a:bodyPr/>
+          <a:lstStyle/>
+          <a:p>
+            <a:r>
+              <a:rPr lang="en-US" dirty="0"/>
+              <a:t>Change Inheritance</a:t>
+            </a:r>
+          </a:p>
+        </p:txBody>
+      </p:sp>
+      <p:pic>
+        <p:nvPicPr>
+          <p:cNvPr id="5" name="Content Placeholder 4"/>
+          <p:cNvPicPr>
+            <a:picLocks noGrp="1" noChangeAspect="1"/>
+          </p:cNvPicPr>
+          <p:nvPr>
+            <p:ph sz="half" idx="1"/>
+          </p:nvPr>
+        </p:nvPicPr>
+        <p:blipFill>
+          <a:blip r:embed="rId3"/>
+          <a:stretch>
+            <a:fillRect/>
+          </a:stretch>
+        </p:blipFill>
+        <p:spPr>
+          <a:xfrm>
+            <a:off x="638175" y="1582321"/>
+            <a:ext cx="5370513" cy="4033082"/>
+          </a:xfrm>
+          <a:prstGeom prst="rect">
+            <a:avLst/>
+          </a:prstGeom>
+        </p:spPr>
+      </p:pic>
+      <p:pic>
+        <p:nvPicPr>
+          <p:cNvPr id="6" name="Content Placeholder 5"/>
+          <p:cNvPicPr>
+            <a:picLocks noGrp="1" noChangeAspect="1"/>
+          </p:cNvPicPr>
+          <p:nvPr>
+            <p:ph sz="half" idx="2"/>
+          </p:nvPr>
+        </p:nvPicPr>
+        <p:blipFill>
+          <a:blip r:embed="rId4"/>
+          <a:stretch>
+            <a:fillRect/>
+          </a:stretch>
+        </p:blipFill>
+        <p:spPr>
+          <a:xfrm>
+            <a:off x="6197600" y="1586822"/>
+            <a:ext cx="5384800" cy="4024080"/>
+          </a:xfrm>
+          <a:prstGeom prst="rect">
+            <a:avLst/>
+          </a:prstGeom>
+        </p:spPr>
+      </p:pic>
+    </p:spTree>
+    <p:extLst>
+      <p:ext uri="{BB962C8B-B14F-4D97-AF65-F5344CB8AC3E}">
+        <p14:creationId xmlns:p14="http://schemas.microsoft.com/office/powerpoint/2010/main" val="3144731004"/>
+      </p:ext>
+    </p:extLst>
+  </p:cSld>
+  <p:clrMapOvr>
+    <a:masterClrMapping/>
+  </p:clrMapOvr>
+</p:sld>
+</file>
+
+<file path=ppt/slides/slide36.xml><?xml version="1.0" encoding="utf-8"?>
+<p:sld xmlns:a="http://schemas.openxmlformats.org/drawingml/2006/main" xmlns:r="http://schemas.openxmlformats.org/officeDocument/2006/relationships" xmlns:p="http://schemas.openxmlformats.org/presentationml/2006/main" show="0">
+  <p:cSld>
+    <p:spTree>
+      <p:nvGrpSpPr>
+        <p:cNvPr id="1" name=""/>
+        <p:cNvGrpSpPr/>
+        <p:nvPr/>
+      </p:nvGrpSpPr>
+      <p:grpSpPr>
+        <a:xfrm>
+          <a:off x="0" y="0"/>
+          <a:ext cx="0" cy="0"/>
+          <a:chOff x="0" y="0"/>
+          <a:chExt cx="0" cy="0"/>
+        </a:xfrm>
+      </p:grpSpPr>
+      <p:sp>
+        <p:nvSpPr>
+          <p:cNvPr id="2" name="Title 1"/>
+          <p:cNvSpPr>
+            <a:spLocks noGrp="1"/>
+          </p:cNvSpPr>
+          <p:nvPr>
+            <p:ph type="title"/>
+          </p:nvPr>
+        </p:nvSpPr>
+        <p:spPr/>
+        <p:txBody>
+          <a:bodyPr/>
+          <a:lstStyle/>
+          <a:p>
+            <a:r>
+              <a:rPr lang="en-US" dirty="0"/>
+              <a:t>Edit the private Data</a:t>
+            </a:r>
+          </a:p>
+        </p:txBody>
+      </p:sp>
+      <p:sp>
+        <p:nvSpPr>
+          <p:cNvPr id="3" name="Content Placeholder 2"/>
+          <p:cNvSpPr>
+            <a:spLocks noGrp="1"/>
+          </p:cNvSpPr>
+          <p:nvPr>
+            <p:ph sz="half" idx="1"/>
+          </p:nvPr>
+        </p:nvSpPr>
+        <p:spPr/>
+        <p:txBody>
+          <a:bodyPr/>
+          <a:lstStyle/>
+          <a:p>
+            <a:r>
+              <a:rPr lang="en-US" dirty="0"/>
+              <a:t>For the triangle we need the base and the Height </a:t>
+            </a:r>
+          </a:p>
+        </p:txBody>
+      </p:sp>
+      <p:pic>
+        <p:nvPicPr>
+          <p:cNvPr id="5" name="Content Placeholder 4"/>
+          <p:cNvPicPr>
+            <a:picLocks noGrp="1" noChangeAspect="1"/>
+          </p:cNvPicPr>
+          <p:nvPr>
+            <p:ph sz="half" idx="2"/>
+          </p:nvPr>
+        </p:nvPicPr>
+        <p:blipFill>
+          <a:blip r:embed="rId2"/>
+          <a:stretch>
+            <a:fillRect/>
+          </a:stretch>
+        </p:blipFill>
+        <p:spPr>
+          <a:xfrm>
+            <a:off x="4538457" y="1943817"/>
+            <a:ext cx="3609975" cy="2543175"/>
+          </a:xfrm>
+          <a:prstGeom prst="rect">
+            <a:avLst/>
+          </a:prstGeom>
+        </p:spPr>
+      </p:pic>
+    </p:spTree>
+    <p:extLst>
+      <p:ext uri="{BB962C8B-B14F-4D97-AF65-F5344CB8AC3E}">
+        <p14:creationId xmlns:p14="http://schemas.microsoft.com/office/powerpoint/2010/main" val="411623896"/>
+      </p:ext>
+    </p:extLst>
+  </p:cSld>
+  <p:clrMapOvr>
+    <a:masterClrMapping/>
+  </p:clrMapOvr>
+</p:sld>
+</file>
+
+<file path=ppt/slides/slide37.xml><?xml version="1.0" encoding="utf-8"?>
+<p:sld xmlns:a="http://schemas.openxmlformats.org/drawingml/2006/main" xmlns:r="http://schemas.openxmlformats.org/officeDocument/2006/relationships" xmlns:p="http://schemas.openxmlformats.org/presentationml/2006/main" show="0">
+  <p:cSld>
+    <p:spTree>
+      <p:nvGrpSpPr>
+        <p:cNvPr id="1" name=""/>
+        <p:cNvGrpSpPr/>
+        <p:nvPr/>
+      </p:nvGrpSpPr>
+      <p:grpSpPr>
+        <a:xfrm>
+          <a:off x="0" y="0"/>
+          <a:ext cx="0" cy="0"/>
+          <a:chOff x="0" y="0"/>
+          <a:chExt cx="0" cy="0"/>
+        </a:xfrm>
+      </p:grpSpPr>
+      <p:sp>
+        <p:nvSpPr>
+          <p:cNvPr id="2" name="Title 1"/>
+          <p:cNvSpPr>
+            <a:spLocks noGrp="1"/>
+          </p:cNvSpPr>
+          <p:nvPr>
+            <p:ph type="title"/>
+          </p:nvPr>
+        </p:nvSpPr>
+        <p:spPr/>
+        <p:txBody>
+          <a:bodyPr/>
+          <a:lstStyle/>
+          <a:p>
+            <a:r>
+              <a:rPr lang="en-US" dirty="0"/>
+              <a:t>Create Access Methods</a:t>
+            </a:r>
+          </a:p>
+        </p:txBody>
+      </p:sp>
+      <p:pic>
+        <p:nvPicPr>
+          <p:cNvPr id="5" name="Content Placeholder 4"/>
+          <p:cNvPicPr>
+            <a:picLocks noGrp="1" noChangeAspect="1"/>
+          </p:cNvPicPr>
+          <p:nvPr>
+            <p:ph sz="half" idx="1"/>
+          </p:nvPr>
+        </p:nvPicPr>
+        <p:blipFill>
+          <a:blip r:embed="rId3"/>
+          <a:stretch>
+            <a:fillRect/>
+          </a:stretch>
+        </p:blipFill>
+        <p:spPr>
+          <a:xfrm>
+            <a:off x="1172901" y="1123950"/>
+            <a:ext cx="4301061" cy="4949825"/>
+          </a:xfrm>
+          <a:prstGeom prst="rect">
+            <a:avLst/>
+          </a:prstGeom>
+        </p:spPr>
+      </p:pic>
+      <p:pic>
+        <p:nvPicPr>
+          <p:cNvPr id="6" name="Content Placeholder 5"/>
+          <p:cNvPicPr>
+            <a:picLocks noGrp="1" noChangeAspect="1"/>
+          </p:cNvPicPr>
+          <p:nvPr>
+            <p:ph sz="half" idx="2"/>
+          </p:nvPr>
+        </p:nvPicPr>
+        <p:blipFill>
+          <a:blip r:embed="rId4"/>
+          <a:stretch>
+            <a:fillRect/>
+          </a:stretch>
+        </p:blipFill>
+        <p:spPr>
+          <a:xfrm>
+            <a:off x="7220012" y="1123950"/>
+            <a:ext cx="3339975" cy="4949825"/>
+          </a:xfrm>
+          <a:prstGeom prst="rect">
+            <a:avLst/>
+          </a:prstGeom>
+        </p:spPr>
+      </p:pic>
+    </p:spTree>
+    <p:extLst>
+      <p:ext uri="{BB962C8B-B14F-4D97-AF65-F5344CB8AC3E}">
+        <p14:creationId xmlns:p14="http://schemas.microsoft.com/office/powerpoint/2010/main" val="167708856"/>
+      </p:ext>
+    </p:extLst>
+  </p:cSld>
+  <p:clrMapOvr>
+    <a:masterClrMapping/>
+  </p:clrMapOvr>
+</p:sld>
+</file>
+
+<file path=ppt/slides/slide38.xml><?xml version="1.0" encoding="utf-8"?>
+<p:sld xmlns:a="http://schemas.openxmlformats.org/drawingml/2006/main" xmlns:r="http://schemas.openxmlformats.org/officeDocument/2006/relationships" xmlns:p="http://schemas.openxmlformats.org/presentationml/2006/main" show="0">
+  <p:cSld>
+    <p:spTree>
+      <p:nvGrpSpPr>
+        <p:cNvPr id="1" name=""/>
+        <p:cNvGrpSpPr/>
+        <p:nvPr/>
+      </p:nvGrpSpPr>
+      <p:grpSpPr>
+        <a:xfrm>
+          <a:off x="0" y="0"/>
+          <a:ext cx="0" cy="0"/>
+          <a:chOff x="0" y="0"/>
+          <a:chExt cx="0" cy="0"/>
+        </a:xfrm>
+      </p:grpSpPr>
+      <p:sp>
+        <p:nvSpPr>
+          <p:cNvPr id="2" name="Title 1"/>
+          <p:cNvSpPr>
+            <a:spLocks noGrp="1"/>
+          </p:cNvSpPr>
+          <p:nvPr>
+            <p:ph type="title"/>
+          </p:nvPr>
+        </p:nvSpPr>
+        <p:spPr/>
+        <p:txBody>
+          <a:bodyPr/>
+          <a:lstStyle/>
+          <a:p>
+            <a:r>
+              <a:rPr lang="en-US" dirty="0"/>
+              <a:t>Create Methods for Override</a:t>
+            </a:r>
+          </a:p>
+        </p:txBody>
+      </p:sp>
+      <p:pic>
+        <p:nvPicPr>
+          <p:cNvPr id="11" name="Content Placeholder 10"/>
+          <p:cNvPicPr>
+            <a:picLocks noGrp="1" noChangeAspect="1"/>
+          </p:cNvPicPr>
+          <p:nvPr>
+            <p:ph sz="half" idx="2"/>
+          </p:nvPr>
+        </p:nvPicPr>
+        <p:blipFill>
+          <a:blip r:embed="rId3"/>
+          <a:stretch>
+            <a:fillRect/>
+          </a:stretch>
+        </p:blipFill>
+        <p:spPr>
+          <a:xfrm>
+            <a:off x="6410633" y="1207547"/>
+            <a:ext cx="3709936" cy="4200605"/>
+          </a:xfrm>
+          <a:prstGeom prst="rect">
+            <a:avLst/>
+          </a:prstGeom>
+        </p:spPr>
+      </p:pic>
+      <p:pic>
+        <p:nvPicPr>
+          <p:cNvPr id="10" name="Content Placeholder 9"/>
+          <p:cNvPicPr>
+            <a:picLocks noGrp="1" noChangeAspect="1"/>
+          </p:cNvPicPr>
+          <p:nvPr>
+            <p:ph sz="half" idx="1"/>
+          </p:nvPr>
+        </p:nvPicPr>
+        <p:blipFill>
+          <a:blip r:embed="rId4"/>
+          <a:stretch>
+            <a:fillRect/>
+          </a:stretch>
+        </p:blipFill>
+        <p:spPr>
+          <a:xfrm>
+            <a:off x="1186519" y="1123950"/>
+            <a:ext cx="4273824" cy="4949825"/>
+          </a:xfrm>
+          <a:prstGeom prst="rect">
+            <a:avLst/>
+          </a:prstGeom>
+        </p:spPr>
+      </p:pic>
+    </p:spTree>
+    <p:extLst>
+      <p:ext uri="{BB962C8B-B14F-4D97-AF65-F5344CB8AC3E}">
+        <p14:creationId xmlns:p14="http://schemas.microsoft.com/office/powerpoint/2010/main" val="3058788072"/>
+      </p:ext>
+    </p:extLst>
+  </p:cSld>
+  <p:clrMapOvr>
+    <a:masterClrMapping/>
+  </p:clrMapOvr>
+</p:sld>
+</file>
+
+<file path=ppt/slides/slide39.xml><?xml version="1.0" encoding="utf-8"?>
+<p:sld xmlns:a="http://schemas.openxmlformats.org/drawingml/2006/main" xmlns:r="http://schemas.openxmlformats.org/officeDocument/2006/relationships" xmlns:p="http://schemas.openxmlformats.org/presentationml/2006/main" show="0">
+  <p:cSld>
+    <p:spTree>
+      <p:nvGrpSpPr>
+        <p:cNvPr id="1" name=""/>
+        <p:cNvGrpSpPr/>
+        <p:nvPr/>
+      </p:nvGrpSpPr>
+      <p:grpSpPr>
+        <a:xfrm>
+          <a:off x="0" y="0"/>
+          <a:ext cx="0" cy="0"/>
+          <a:chOff x="0" y="0"/>
+          <a:chExt cx="0" cy="0"/>
+        </a:xfrm>
+      </p:grpSpPr>
+      <p:sp>
+        <p:nvSpPr>
+          <p:cNvPr id="2" name="Title 1"/>
+          <p:cNvSpPr>
+            <a:spLocks noGrp="1"/>
+          </p:cNvSpPr>
+          <p:nvPr>
+            <p:ph type="title"/>
+          </p:nvPr>
+        </p:nvSpPr>
+        <p:spPr/>
+        <p:txBody>
+          <a:bodyPr/>
+          <a:lstStyle/>
+          <a:p>
+            <a:r>
+              <a:rPr lang="en-US" dirty="0"/>
+              <a:t>Area VI</a:t>
+            </a:r>
+          </a:p>
+        </p:txBody>
+      </p:sp>
+      <p:pic>
+        <p:nvPicPr>
+          <p:cNvPr id="5" name="Content Placeholder 4"/>
+          <p:cNvPicPr>
+            <a:picLocks noGrp="1" noChangeAspect="1"/>
+          </p:cNvPicPr>
+          <p:nvPr>
+            <p:ph sz="half" idx="1"/>
+          </p:nvPr>
+        </p:nvPicPr>
+        <p:blipFill>
+          <a:blip r:embed="rId3"/>
+          <a:stretch>
+            <a:fillRect/>
+          </a:stretch>
+        </p:blipFill>
+        <p:spPr>
+          <a:xfrm>
+            <a:off x="216880" y="1828800"/>
+            <a:ext cx="4403653" cy="2028826"/>
+          </a:xfrm>
+          <a:prstGeom prst="rect">
+            <a:avLst/>
+          </a:prstGeom>
+        </p:spPr>
+      </p:pic>
+      <p:pic>
+        <p:nvPicPr>
+          <p:cNvPr id="7" name="Content Placeholder 6"/>
+          <p:cNvPicPr>
+            <a:picLocks noGrp="1" noChangeAspect="1"/>
+          </p:cNvPicPr>
+          <p:nvPr>
+            <p:ph sz="half" idx="2"/>
+          </p:nvPr>
+        </p:nvPicPr>
+        <p:blipFill>
+          <a:blip r:embed="rId4"/>
+          <a:stretch>
+            <a:fillRect/>
+          </a:stretch>
+        </p:blipFill>
+        <p:spPr>
+          <a:xfrm>
+            <a:off x="5579920" y="2537594"/>
+            <a:ext cx="6017297" cy="1244958"/>
+          </a:xfrm>
+          <a:prstGeom prst="rect">
+            <a:avLst/>
+          </a:prstGeom>
+        </p:spPr>
+      </p:pic>
+      <p:sp>
+        <p:nvSpPr>
+          <p:cNvPr id="8" name="Right Arrow 7"/>
+          <p:cNvSpPr/>
+          <p:nvPr/>
+        </p:nvSpPr>
+        <p:spPr>
+          <a:xfrm>
+            <a:off x="4542503" y="3224981"/>
+            <a:ext cx="1037417" cy="557571"/>
+          </a:xfrm>
+          <a:prstGeom prst="rightArrow">
+            <a:avLst/>
+          </a:prstGeom>
+          <a:solidFill>
+            <a:schemeClr val="accent1"/>
+          </a:solidFill>
+          <a:ln>
+            <a:noFill/>
+          </a:ln>
+          <a:effectLst>
+            <a:outerShdw blurRad="50800" dist="38100" dir="2700000" algn="tl" rotWithShape="0">
+              <a:prstClr val="black">
+                <a:alpha val="40000"/>
+              </a:prstClr>
+            </a:outerShdw>
+          </a:effectLst>
+        </p:spPr>
+        <p:style>
+          <a:lnRef idx="1">
+            <a:schemeClr val="accent1"/>
+          </a:lnRef>
+          <a:fillRef idx="3">
+            <a:schemeClr val="accent1"/>
+          </a:fillRef>
+          <a:effectRef idx="2">
+            <a:schemeClr val="accent1"/>
+          </a:effectRef>
+          <a:fontRef idx="minor">
+            <a:schemeClr val="lt1"/>
+          </a:fontRef>
+        </p:style>
+        <p:txBody>
+          <a:bodyPr rtlCol="0" anchor="ctr"/>
+          <a:lstStyle/>
+          <a:p>
+            <a:pPr algn="ctr"/>
+            <a:endParaRPr lang="en-US"/>
+          </a:p>
+        </p:txBody>
+      </p:sp>
+    </p:spTree>
+    <p:extLst>
+      <p:ext uri="{BB962C8B-B14F-4D97-AF65-F5344CB8AC3E}">
+        <p14:creationId xmlns:p14="http://schemas.microsoft.com/office/powerpoint/2010/main" val="2083484924"/>
+      </p:ext>
+    </p:extLst>
+  </p:cSld>
+  <p:clrMapOvr>
+    <a:masterClrMapping/>
+  </p:clrMapOvr>
+</p:sld>
+</file>
+
+<file path=ppt/slides/slide4.xml><?xml version="1.0" encoding="utf-8"?>
 <p:sld xmlns:a="http://schemas.openxmlformats.org/drawingml/2006/main" xmlns:r="http://schemas.openxmlformats.org/officeDocument/2006/relationships" xmlns:p="http://schemas.openxmlformats.org/presentationml/2006/main" show="0">
   <p:cSld>
     <p:spTree>
@@ -15432,976 +17102,7 @@
 </p:sld>
 </file>
 
-<file path=ppt/slides/slide30.xml><?xml version="1.0" encoding="utf-8"?>
-<p:sld xmlns:a="http://schemas.openxmlformats.org/drawingml/2006/main" xmlns:r="http://schemas.openxmlformats.org/officeDocument/2006/relationships" xmlns:p="http://schemas.openxmlformats.org/presentationml/2006/main" show="0">
-  <p:cSld>
-    <p:spTree>
-      <p:nvGrpSpPr>
-        <p:cNvPr id="1" name=""/>
-        <p:cNvGrpSpPr/>
-        <p:nvPr/>
-      </p:nvGrpSpPr>
-      <p:grpSpPr>
-        <a:xfrm>
-          <a:off x="0" y="0"/>
-          <a:ext cx="0" cy="0"/>
-          <a:chOff x="0" y="0"/>
-          <a:chExt cx="0" cy="0"/>
-        </a:xfrm>
-      </p:grpSpPr>
-      <p:sp>
-        <p:nvSpPr>
-          <p:cNvPr id="2" name="Title 1"/>
-          <p:cNvSpPr>
-            <a:spLocks noGrp="1"/>
-          </p:cNvSpPr>
-          <p:nvPr>
-            <p:ph type="title"/>
-          </p:nvPr>
-        </p:nvSpPr>
-        <p:spPr/>
-        <p:txBody>
-          <a:bodyPr/>
-          <a:lstStyle/>
-          <a:p>
-            <a:r>
-              <a:rPr lang="en-US" dirty="0"/>
-              <a:t>Demo: Adding Triangle</a:t>
-            </a:r>
-          </a:p>
-        </p:txBody>
-      </p:sp>
-      <p:sp>
-        <p:nvSpPr>
-          <p:cNvPr id="3" name="Content Placeholder 2"/>
-          <p:cNvSpPr>
-            <a:spLocks noGrp="1"/>
-          </p:cNvSpPr>
-          <p:nvPr>
-            <p:ph idx="1"/>
-          </p:nvPr>
-        </p:nvSpPr>
-        <p:spPr/>
-        <p:txBody>
-          <a:bodyPr/>
-          <a:lstStyle/>
-          <a:p>
-            <a:endParaRPr lang="en-US" dirty="0"/>
-          </a:p>
-        </p:txBody>
-      </p:sp>
-    </p:spTree>
-    <p:extLst>
-      <p:ext uri="{BB962C8B-B14F-4D97-AF65-F5344CB8AC3E}">
-        <p14:creationId xmlns:p14="http://schemas.microsoft.com/office/powerpoint/2010/main" val="3302241924"/>
-      </p:ext>
-    </p:extLst>
-  </p:cSld>
-  <p:clrMapOvr>
-    <a:masterClrMapping/>
-  </p:clrMapOvr>
-</p:sld>
-</file>
-
-<file path=ppt/slides/slide31.xml><?xml version="1.0" encoding="utf-8"?>
-<p:sld xmlns:a="http://schemas.openxmlformats.org/drawingml/2006/main" xmlns:r="http://schemas.openxmlformats.org/officeDocument/2006/relationships" xmlns:p="http://schemas.openxmlformats.org/presentationml/2006/main" show="0">
-  <p:cSld>
-    <p:spTree>
-      <p:nvGrpSpPr>
-        <p:cNvPr id="1" name=""/>
-        <p:cNvGrpSpPr/>
-        <p:nvPr/>
-      </p:nvGrpSpPr>
-      <p:grpSpPr>
-        <a:xfrm>
-          <a:off x="0" y="0"/>
-          <a:ext cx="0" cy="0"/>
-          <a:chOff x="0" y="0"/>
-          <a:chExt cx="0" cy="0"/>
-        </a:xfrm>
-      </p:grpSpPr>
-      <p:sp>
-        <p:nvSpPr>
-          <p:cNvPr id="2" name="Title 1"/>
-          <p:cNvSpPr>
-            <a:spLocks noGrp="1"/>
-          </p:cNvSpPr>
-          <p:nvPr>
-            <p:ph type="title"/>
-          </p:nvPr>
-        </p:nvSpPr>
-        <p:spPr/>
-        <p:txBody>
-          <a:bodyPr/>
-          <a:lstStyle/>
-          <a:p>
-            <a:r>
-              <a:rPr lang="en-US" dirty="0"/>
-              <a:t>Top Level Application</a:t>
-            </a:r>
-          </a:p>
-        </p:txBody>
-      </p:sp>
-      <p:sp>
-        <p:nvSpPr>
-          <p:cNvPr id="4" name="Content Placeholder 3"/>
-          <p:cNvSpPr>
-            <a:spLocks noGrp="1"/>
-          </p:cNvSpPr>
-          <p:nvPr>
-            <p:ph sz="half" idx="1"/>
-          </p:nvPr>
-        </p:nvSpPr>
-        <p:spPr/>
-        <p:txBody>
-          <a:bodyPr/>
-          <a:lstStyle/>
-          <a:p>
-            <a:r>
-              <a:rPr lang="en-US" dirty="0"/>
-              <a:t>The top level doesn’t need any changes just the Init to include the triangle</a:t>
-            </a:r>
-          </a:p>
-          <a:p>
-            <a:r>
-              <a:rPr lang="en-US" dirty="0"/>
-              <a:t>This is an advantage when creating top level VI with Objects</a:t>
-            </a:r>
-          </a:p>
-          <a:p>
-            <a:r>
-              <a:rPr lang="en-US" dirty="0"/>
-              <a:t>This VI uses dynamic dispatch to get the properties of all the shapes</a:t>
-            </a:r>
-          </a:p>
-        </p:txBody>
-      </p:sp>
-      <p:pic>
-        <p:nvPicPr>
-          <p:cNvPr id="6" name="Content Placeholder 5"/>
-          <p:cNvPicPr>
-            <a:picLocks noGrp="1" noChangeAspect="1"/>
-          </p:cNvPicPr>
-          <p:nvPr>
-            <p:ph sz="half" idx="2"/>
-          </p:nvPr>
-        </p:nvPicPr>
-        <p:blipFill>
-          <a:blip r:embed="rId2"/>
-          <a:stretch>
-            <a:fillRect/>
-          </a:stretch>
-        </p:blipFill>
-        <p:spPr>
-          <a:xfrm>
-            <a:off x="6541732" y="1106922"/>
-            <a:ext cx="4436856" cy="2416380"/>
-          </a:xfrm>
-          <a:prstGeom prst="rect">
-            <a:avLst/>
-          </a:prstGeom>
-        </p:spPr>
-      </p:pic>
-    </p:spTree>
-    <p:extLst>
-      <p:ext uri="{BB962C8B-B14F-4D97-AF65-F5344CB8AC3E}">
-        <p14:creationId xmlns:p14="http://schemas.microsoft.com/office/powerpoint/2010/main" val="1609275045"/>
-      </p:ext>
-    </p:extLst>
-  </p:cSld>
-  <p:clrMapOvr>
-    <a:masterClrMapping/>
-  </p:clrMapOvr>
-</p:sld>
-</file>
-
-<file path=ppt/slides/slide32.xml><?xml version="1.0" encoding="utf-8"?>
-<p:sld xmlns:a="http://schemas.openxmlformats.org/drawingml/2006/main" xmlns:r="http://schemas.openxmlformats.org/officeDocument/2006/relationships" xmlns:p="http://schemas.openxmlformats.org/presentationml/2006/main" show="0">
-  <p:cSld>
-    <p:spTree>
-      <p:nvGrpSpPr>
-        <p:cNvPr id="1" name=""/>
-        <p:cNvGrpSpPr/>
-        <p:nvPr/>
-      </p:nvGrpSpPr>
-      <p:grpSpPr>
-        <a:xfrm>
-          <a:off x="0" y="0"/>
-          <a:ext cx="0" cy="0"/>
-          <a:chOff x="0" y="0"/>
-          <a:chExt cx="0" cy="0"/>
-        </a:xfrm>
-      </p:grpSpPr>
-      <p:sp>
-        <p:nvSpPr>
-          <p:cNvPr id="2" name="Title 1"/>
-          <p:cNvSpPr>
-            <a:spLocks noGrp="1"/>
-          </p:cNvSpPr>
-          <p:nvPr>
-            <p:ph type="title"/>
-          </p:nvPr>
-        </p:nvSpPr>
-        <p:spPr/>
-        <p:txBody>
-          <a:bodyPr/>
-          <a:lstStyle/>
-          <a:p>
-            <a:r>
-              <a:rPr lang="en-US" dirty="0"/>
-              <a:t>Creating a new Class</a:t>
-            </a:r>
-          </a:p>
-        </p:txBody>
-      </p:sp>
-      <p:sp>
-        <p:nvSpPr>
-          <p:cNvPr id="3" name="Content Placeholder 2"/>
-          <p:cNvSpPr>
-            <a:spLocks noGrp="1"/>
-          </p:cNvSpPr>
-          <p:nvPr>
-            <p:ph sz="half" idx="1"/>
-          </p:nvPr>
-        </p:nvSpPr>
-        <p:spPr/>
-        <p:txBody>
-          <a:bodyPr/>
-          <a:lstStyle/>
-          <a:p>
-            <a:r>
-              <a:rPr lang="en-US" dirty="0"/>
-              <a:t>To Create a new class Right click on the My computer</a:t>
-            </a:r>
-          </a:p>
-          <a:p>
-            <a:r>
-              <a:rPr lang="en-US" dirty="0"/>
-              <a:t>New &gt;&gt; Class</a:t>
-            </a:r>
-          </a:p>
-          <a:p>
-            <a:r>
-              <a:rPr lang="en-US" dirty="0"/>
-              <a:t>This will generate a new class. Save it to disk to a new folder</a:t>
-            </a:r>
-          </a:p>
-          <a:p>
-            <a:endParaRPr lang="en-US" dirty="0"/>
-          </a:p>
-        </p:txBody>
-      </p:sp>
-      <p:pic>
-        <p:nvPicPr>
-          <p:cNvPr id="10" name="Content Placeholder 9"/>
-          <p:cNvPicPr>
-            <a:picLocks noGrp="1" noChangeAspect="1"/>
-          </p:cNvPicPr>
-          <p:nvPr>
-            <p:ph sz="half" idx="2"/>
-          </p:nvPr>
-        </p:nvPicPr>
-        <p:blipFill>
-          <a:blip r:embed="rId3"/>
-          <a:stretch>
-            <a:fillRect/>
-          </a:stretch>
-        </p:blipFill>
-        <p:spPr>
-          <a:xfrm>
-            <a:off x="6273579" y="1202267"/>
-            <a:ext cx="5159243" cy="1424165"/>
-          </a:xfrm>
-          <a:prstGeom prst="rect">
-            <a:avLst/>
-          </a:prstGeom>
-        </p:spPr>
-      </p:pic>
-    </p:spTree>
-    <p:extLst>
-      <p:ext uri="{BB962C8B-B14F-4D97-AF65-F5344CB8AC3E}">
-        <p14:creationId xmlns:p14="http://schemas.microsoft.com/office/powerpoint/2010/main" val="3855318448"/>
-      </p:ext>
-    </p:extLst>
-  </p:cSld>
-  <p:clrMapOvr>
-    <a:masterClrMapping/>
-  </p:clrMapOvr>
-</p:sld>
-</file>
-
-<file path=ppt/slides/slide33.xml><?xml version="1.0" encoding="utf-8"?>
-<p:sld xmlns:a="http://schemas.openxmlformats.org/drawingml/2006/main" xmlns:r="http://schemas.openxmlformats.org/officeDocument/2006/relationships" xmlns:p="http://schemas.openxmlformats.org/presentationml/2006/main" show="0">
-  <p:cSld>
-    <p:spTree>
-      <p:nvGrpSpPr>
-        <p:cNvPr id="1" name=""/>
-        <p:cNvGrpSpPr/>
-        <p:nvPr/>
-      </p:nvGrpSpPr>
-      <p:grpSpPr>
-        <a:xfrm>
-          <a:off x="0" y="0"/>
-          <a:ext cx="0" cy="0"/>
-          <a:chOff x="0" y="0"/>
-          <a:chExt cx="0" cy="0"/>
-        </a:xfrm>
-      </p:grpSpPr>
-      <p:sp>
-        <p:nvSpPr>
-          <p:cNvPr id="2" name="Title 1"/>
-          <p:cNvSpPr>
-            <a:spLocks noGrp="1"/>
-          </p:cNvSpPr>
-          <p:nvPr>
-            <p:ph type="title"/>
-          </p:nvPr>
-        </p:nvSpPr>
-        <p:spPr/>
-        <p:txBody>
-          <a:bodyPr/>
-          <a:lstStyle/>
-          <a:p>
-            <a:r>
-              <a:rPr lang="en-US" dirty="0"/>
-              <a:t>Edit Icon and Wire </a:t>
-            </a:r>
-          </a:p>
-        </p:txBody>
-      </p:sp>
-      <p:pic>
-        <p:nvPicPr>
-          <p:cNvPr id="6" name="Content Placeholder 5"/>
-          <p:cNvPicPr>
-            <a:picLocks noGrp="1" noChangeAspect="1"/>
-          </p:cNvPicPr>
-          <p:nvPr>
-            <p:ph sz="half" idx="2"/>
-          </p:nvPr>
-        </p:nvPicPr>
-        <p:blipFill>
-          <a:blip r:embed="rId3"/>
-          <a:stretch>
-            <a:fillRect/>
-          </a:stretch>
-        </p:blipFill>
-        <p:spPr>
-          <a:xfrm>
-            <a:off x="6197600" y="1576057"/>
-            <a:ext cx="5384800" cy="4045611"/>
-          </a:xfrm>
-          <a:prstGeom prst="rect">
-            <a:avLst/>
-          </a:prstGeom>
-        </p:spPr>
-      </p:pic>
-      <p:pic>
-        <p:nvPicPr>
-          <p:cNvPr id="8" name="Content Placeholder 7"/>
-          <p:cNvPicPr>
-            <a:picLocks noGrp="1" noChangeAspect="1"/>
-          </p:cNvPicPr>
-          <p:nvPr>
-            <p:ph sz="half" idx="1"/>
-          </p:nvPr>
-        </p:nvPicPr>
-        <p:blipFill>
-          <a:blip r:embed="rId4"/>
-          <a:stretch>
-            <a:fillRect/>
-          </a:stretch>
-        </p:blipFill>
-        <p:spPr>
-          <a:xfrm>
-            <a:off x="638175" y="1580555"/>
-            <a:ext cx="5370513" cy="4036614"/>
-          </a:xfrm>
-          <a:prstGeom prst="rect">
-            <a:avLst/>
-          </a:prstGeom>
-        </p:spPr>
-      </p:pic>
-    </p:spTree>
-    <p:extLst>
-      <p:ext uri="{BB962C8B-B14F-4D97-AF65-F5344CB8AC3E}">
-        <p14:creationId xmlns:p14="http://schemas.microsoft.com/office/powerpoint/2010/main" val="1659113954"/>
-      </p:ext>
-    </p:extLst>
-  </p:cSld>
-  <p:clrMapOvr>
-    <a:masterClrMapping/>
-  </p:clrMapOvr>
-</p:sld>
-</file>
-
-<file path=ppt/slides/slide34.xml><?xml version="1.0" encoding="utf-8"?>
-<p:sld xmlns:a="http://schemas.openxmlformats.org/drawingml/2006/main" xmlns:r="http://schemas.openxmlformats.org/officeDocument/2006/relationships" xmlns:p="http://schemas.openxmlformats.org/presentationml/2006/main" show="0">
-  <p:cSld>
-    <p:spTree>
-      <p:nvGrpSpPr>
-        <p:cNvPr id="1" name=""/>
-        <p:cNvGrpSpPr/>
-        <p:nvPr/>
-      </p:nvGrpSpPr>
-      <p:grpSpPr>
-        <a:xfrm>
-          <a:off x="0" y="0"/>
-          <a:ext cx="0" cy="0"/>
-          <a:chOff x="0" y="0"/>
-          <a:chExt cx="0" cy="0"/>
-        </a:xfrm>
-      </p:grpSpPr>
-      <p:sp>
-        <p:nvSpPr>
-          <p:cNvPr id="2" name="Title 1"/>
-          <p:cNvSpPr>
-            <a:spLocks noGrp="1"/>
-          </p:cNvSpPr>
-          <p:nvPr>
-            <p:ph type="title"/>
-          </p:nvPr>
-        </p:nvSpPr>
-        <p:spPr/>
-        <p:txBody>
-          <a:bodyPr/>
-          <a:lstStyle/>
-          <a:p>
-            <a:r>
-              <a:rPr lang="en-US" dirty="0"/>
-              <a:t>Change Inheritance</a:t>
-            </a:r>
-          </a:p>
-        </p:txBody>
-      </p:sp>
-      <p:pic>
-        <p:nvPicPr>
-          <p:cNvPr id="5" name="Content Placeholder 4"/>
-          <p:cNvPicPr>
-            <a:picLocks noGrp="1" noChangeAspect="1"/>
-          </p:cNvPicPr>
-          <p:nvPr>
-            <p:ph sz="half" idx="1"/>
-          </p:nvPr>
-        </p:nvPicPr>
-        <p:blipFill>
-          <a:blip r:embed="rId3"/>
-          <a:stretch>
-            <a:fillRect/>
-          </a:stretch>
-        </p:blipFill>
-        <p:spPr>
-          <a:xfrm>
-            <a:off x="638175" y="1582321"/>
-            <a:ext cx="5370513" cy="4033082"/>
-          </a:xfrm>
-          <a:prstGeom prst="rect">
-            <a:avLst/>
-          </a:prstGeom>
-        </p:spPr>
-      </p:pic>
-      <p:pic>
-        <p:nvPicPr>
-          <p:cNvPr id="6" name="Content Placeholder 5"/>
-          <p:cNvPicPr>
-            <a:picLocks noGrp="1" noChangeAspect="1"/>
-          </p:cNvPicPr>
-          <p:nvPr>
-            <p:ph sz="half" idx="2"/>
-          </p:nvPr>
-        </p:nvPicPr>
-        <p:blipFill>
-          <a:blip r:embed="rId4"/>
-          <a:stretch>
-            <a:fillRect/>
-          </a:stretch>
-        </p:blipFill>
-        <p:spPr>
-          <a:xfrm>
-            <a:off x="6197600" y="1586822"/>
-            <a:ext cx="5384800" cy="4024080"/>
-          </a:xfrm>
-          <a:prstGeom prst="rect">
-            <a:avLst/>
-          </a:prstGeom>
-        </p:spPr>
-      </p:pic>
-    </p:spTree>
-    <p:extLst>
-      <p:ext uri="{BB962C8B-B14F-4D97-AF65-F5344CB8AC3E}">
-        <p14:creationId xmlns:p14="http://schemas.microsoft.com/office/powerpoint/2010/main" val="3144731004"/>
-      </p:ext>
-    </p:extLst>
-  </p:cSld>
-  <p:clrMapOvr>
-    <a:masterClrMapping/>
-  </p:clrMapOvr>
-</p:sld>
-</file>
-
-<file path=ppt/slides/slide35.xml><?xml version="1.0" encoding="utf-8"?>
-<p:sld xmlns:a="http://schemas.openxmlformats.org/drawingml/2006/main" xmlns:r="http://schemas.openxmlformats.org/officeDocument/2006/relationships" xmlns:p="http://schemas.openxmlformats.org/presentationml/2006/main" show="0">
-  <p:cSld>
-    <p:spTree>
-      <p:nvGrpSpPr>
-        <p:cNvPr id="1" name=""/>
-        <p:cNvGrpSpPr/>
-        <p:nvPr/>
-      </p:nvGrpSpPr>
-      <p:grpSpPr>
-        <a:xfrm>
-          <a:off x="0" y="0"/>
-          <a:ext cx="0" cy="0"/>
-          <a:chOff x="0" y="0"/>
-          <a:chExt cx="0" cy="0"/>
-        </a:xfrm>
-      </p:grpSpPr>
-      <p:sp>
-        <p:nvSpPr>
-          <p:cNvPr id="2" name="Title 1"/>
-          <p:cNvSpPr>
-            <a:spLocks noGrp="1"/>
-          </p:cNvSpPr>
-          <p:nvPr>
-            <p:ph type="title"/>
-          </p:nvPr>
-        </p:nvSpPr>
-        <p:spPr/>
-        <p:txBody>
-          <a:bodyPr/>
-          <a:lstStyle/>
-          <a:p>
-            <a:r>
-              <a:rPr lang="en-US" dirty="0"/>
-              <a:t>Edit the private Data</a:t>
-            </a:r>
-          </a:p>
-        </p:txBody>
-      </p:sp>
-      <p:sp>
-        <p:nvSpPr>
-          <p:cNvPr id="3" name="Content Placeholder 2"/>
-          <p:cNvSpPr>
-            <a:spLocks noGrp="1"/>
-          </p:cNvSpPr>
-          <p:nvPr>
-            <p:ph sz="half" idx="1"/>
-          </p:nvPr>
-        </p:nvSpPr>
-        <p:spPr/>
-        <p:txBody>
-          <a:bodyPr/>
-          <a:lstStyle/>
-          <a:p>
-            <a:r>
-              <a:rPr lang="en-US" dirty="0"/>
-              <a:t>For the triangle we need the base and the Height </a:t>
-            </a:r>
-          </a:p>
-        </p:txBody>
-      </p:sp>
-      <p:pic>
-        <p:nvPicPr>
-          <p:cNvPr id="5" name="Content Placeholder 4"/>
-          <p:cNvPicPr>
-            <a:picLocks noGrp="1" noChangeAspect="1"/>
-          </p:cNvPicPr>
-          <p:nvPr>
-            <p:ph sz="half" idx="2"/>
-          </p:nvPr>
-        </p:nvPicPr>
-        <p:blipFill>
-          <a:blip r:embed="rId2"/>
-          <a:stretch>
-            <a:fillRect/>
-          </a:stretch>
-        </p:blipFill>
-        <p:spPr>
-          <a:xfrm>
-            <a:off x="4538457" y="1943817"/>
-            <a:ext cx="3609975" cy="2543175"/>
-          </a:xfrm>
-          <a:prstGeom prst="rect">
-            <a:avLst/>
-          </a:prstGeom>
-        </p:spPr>
-      </p:pic>
-    </p:spTree>
-    <p:extLst>
-      <p:ext uri="{BB962C8B-B14F-4D97-AF65-F5344CB8AC3E}">
-        <p14:creationId xmlns:p14="http://schemas.microsoft.com/office/powerpoint/2010/main" val="411623896"/>
-      </p:ext>
-    </p:extLst>
-  </p:cSld>
-  <p:clrMapOvr>
-    <a:masterClrMapping/>
-  </p:clrMapOvr>
-</p:sld>
-</file>
-
-<file path=ppt/slides/slide36.xml><?xml version="1.0" encoding="utf-8"?>
-<p:sld xmlns:a="http://schemas.openxmlformats.org/drawingml/2006/main" xmlns:r="http://schemas.openxmlformats.org/officeDocument/2006/relationships" xmlns:p="http://schemas.openxmlformats.org/presentationml/2006/main" show="0">
-  <p:cSld>
-    <p:spTree>
-      <p:nvGrpSpPr>
-        <p:cNvPr id="1" name=""/>
-        <p:cNvGrpSpPr/>
-        <p:nvPr/>
-      </p:nvGrpSpPr>
-      <p:grpSpPr>
-        <a:xfrm>
-          <a:off x="0" y="0"/>
-          <a:ext cx="0" cy="0"/>
-          <a:chOff x="0" y="0"/>
-          <a:chExt cx="0" cy="0"/>
-        </a:xfrm>
-      </p:grpSpPr>
-      <p:sp>
-        <p:nvSpPr>
-          <p:cNvPr id="2" name="Title 1"/>
-          <p:cNvSpPr>
-            <a:spLocks noGrp="1"/>
-          </p:cNvSpPr>
-          <p:nvPr>
-            <p:ph type="title"/>
-          </p:nvPr>
-        </p:nvSpPr>
-        <p:spPr/>
-        <p:txBody>
-          <a:bodyPr/>
-          <a:lstStyle/>
-          <a:p>
-            <a:r>
-              <a:rPr lang="en-US" dirty="0"/>
-              <a:t>Create Access Methods</a:t>
-            </a:r>
-          </a:p>
-        </p:txBody>
-      </p:sp>
-      <p:pic>
-        <p:nvPicPr>
-          <p:cNvPr id="5" name="Content Placeholder 4"/>
-          <p:cNvPicPr>
-            <a:picLocks noGrp="1" noChangeAspect="1"/>
-          </p:cNvPicPr>
-          <p:nvPr>
-            <p:ph sz="half" idx="1"/>
-          </p:nvPr>
-        </p:nvPicPr>
-        <p:blipFill>
-          <a:blip r:embed="rId3"/>
-          <a:stretch>
-            <a:fillRect/>
-          </a:stretch>
-        </p:blipFill>
-        <p:spPr>
-          <a:xfrm>
-            <a:off x="1172901" y="1123950"/>
-            <a:ext cx="4301061" cy="4949825"/>
-          </a:xfrm>
-          <a:prstGeom prst="rect">
-            <a:avLst/>
-          </a:prstGeom>
-        </p:spPr>
-      </p:pic>
-      <p:pic>
-        <p:nvPicPr>
-          <p:cNvPr id="6" name="Content Placeholder 5"/>
-          <p:cNvPicPr>
-            <a:picLocks noGrp="1" noChangeAspect="1"/>
-          </p:cNvPicPr>
-          <p:nvPr>
-            <p:ph sz="half" idx="2"/>
-          </p:nvPr>
-        </p:nvPicPr>
-        <p:blipFill>
-          <a:blip r:embed="rId4"/>
-          <a:stretch>
-            <a:fillRect/>
-          </a:stretch>
-        </p:blipFill>
-        <p:spPr>
-          <a:xfrm>
-            <a:off x="7220012" y="1123950"/>
-            <a:ext cx="3339975" cy="4949825"/>
-          </a:xfrm>
-          <a:prstGeom prst="rect">
-            <a:avLst/>
-          </a:prstGeom>
-        </p:spPr>
-      </p:pic>
-    </p:spTree>
-    <p:extLst>
-      <p:ext uri="{BB962C8B-B14F-4D97-AF65-F5344CB8AC3E}">
-        <p14:creationId xmlns:p14="http://schemas.microsoft.com/office/powerpoint/2010/main" val="167708856"/>
-      </p:ext>
-    </p:extLst>
-  </p:cSld>
-  <p:clrMapOvr>
-    <a:masterClrMapping/>
-  </p:clrMapOvr>
-</p:sld>
-</file>
-
-<file path=ppt/slides/slide37.xml><?xml version="1.0" encoding="utf-8"?>
-<p:sld xmlns:a="http://schemas.openxmlformats.org/drawingml/2006/main" xmlns:r="http://schemas.openxmlformats.org/officeDocument/2006/relationships" xmlns:p="http://schemas.openxmlformats.org/presentationml/2006/main" show="0">
-  <p:cSld>
-    <p:spTree>
-      <p:nvGrpSpPr>
-        <p:cNvPr id="1" name=""/>
-        <p:cNvGrpSpPr/>
-        <p:nvPr/>
-      </p:nvGrpSpPr>
-      <p:grpSpPr>
-        <a:xfrm>
-          <a:off x="0" y="0"/>
-          <a:ext cx="0" cy="0"/>
-          <a:chOff x="0" y="0"/>
-          <a:chExt cx="0" cy="0"/>
-        </a:xfrm>
-      </p:grpSpPr>
-      <p:sp>
-        <p:nvSpPr>
-          <p:cNvPr id="2" name="Title 1"/>
-          <p:cNvSpPr>
-            <a:spLocks noGrp="1"/>
-          </p:cNvSpPr>
-          <p:nvPr>
-            <p:ph type="title"/>
-          </p:nvPr>
-        </p:nvSpPr>
-        <p:spPr/>
-        <p:txBody>
-          <a:bodyPr/>
-          <a:lstStyle/>
-          <a:p>
-            <a:r>
-              <a:rPr lang="en-US" dirty="0"/>
-              <a:t>Create Methods for Override</a:t>
-            </a:r>
-          </a:p>
-        </p:txBody>
-      </p:sp>
-      <p:pic>
-        <p:nvPicPr>
-          <p:cNvPr id="11" name="Content Placeholder 10"/>
-          <p:cNvPicPr>
-            <a:picLocks noGrp="1" noChangeAspect="1"/>
-          </p:cNvPicPr>
-          <p:nvPr>
-            <p:ph sz="half" idx="2"/>
-          </p:nvPr>
-        </p:nvPicPr>
-        <p:blipFill>
-          <a:blip r:embed="rId3"/>
-          <a:stretch>
-            <a:fillRect/>
-          </a:stretch>
-        </p:blipFill>
-        <p:spPr>
-          <a:xfrm>
-            <a:off x="6410633" y="1207547"/>
-            <a:ext cx="3709936" cy="4200605"/>
-          </a:xfrm>
-          <a:prstGeom prst="rect">
-            <a:avLst/>
-          </a:prstGeom>
-        </p:spPr>
-      </p:pic>
-      <p:pic>
-        <p:nvPicPr>
-          <p:cNvPr id="10" name="Content Placeholder 9"/>
-          <p:cNvPicPr>
-            <a:picLocks noGrp="1" noChangeAspect="1"/>
-          </p:cNvPicPr>
-          <p:nvPr>
-            <p:ph sz="half" idx="1"/>
-          </p:nvPr>
-        </p:nvPicPr>
-        <p:blipFill>
-          <a:blip r:embed="rId4"/>
-          <a:stretch>
-            <a:fillRect/>
-          </a:stretch>
-        </p:blipFill>
-        <p:spPr>
-          <a:xfrm>
-            <a:off x="1186519" y="1123950"/>
-            <a:ext cx="4273824" cy="4949825"/>
-          </a:xfrm>
-          <a:prstGeom prst="rect">
-            <a:avLst/>
-          </a:prstGeom>
-        </p:spPr>
-      </p:pic>
-    </p:spTree>
-    <p:extLst>
-      <p:ext uri="{BB962C8B-B14F-4D97-AF65-F5344CB8AC3E}">
-        <p14:creationId xmlns:p14="http://schemas.microsoft.com/office/powerpoint/2010/main" val="3058788072"/>
-      </p:ext>
-    </p:extLst>
-  </p:cSld>
-  <p:clrMapOvr>
-    <a:masterClrMapping/>
-  </p:clrMapOvr>
-</p:sld>
-</file>
-
-<file path=ppt/slides/slide38.xml><?xml version="1.0" encoding="utf-8"?>
-<p:sld xmlns:a="http://schemas.openxmlformats.org/drawingml/2006/main" xmlns:r="http://schemas.openxmlformats.org/officeDocument/2006/relationships" xmlns:p="http://schemas.openxmlformats.org/presentationml/2006/main" show="0">
-  <p:cSld>
-    <p:spTree>
-      <p:nvGrpSpPr>
-        <p:cNvPr id="1" name=""/>
-        <p:cNvGrpSpPr/>
-        <p:nvPr/>
-      </p:nvGrpSpPr>
-      <p:grpSpPr>
-        <a:xfrm>
-          <a:off x="0" y="0"/>
-          <a:ext cx="0" cy="0"/>
-          <a:chOff x="0" y="0"/>
-          <a:chExt cx="0" cy="0"/>
-        </a:xfrm>
-      </p:grpSpPr>
-      <p:sp>
-        <p:nvSpPr>
-          <p:cNvPr id="2" name="Title 1"/>
-          <p:cNvSpPr>
-            <a:spLocks noGrp="1"/>
-          </p:cNvSpPr>
-          <p:nvPr>
-            <p:ph type="title"/>
-          </p:nvPr>
-        </p:nvSpPr>
-        <p:spPr/>
-        <p:txBody>
-          <a:bodyPr/>
-          <a:lstStyle/>
-          <a:p>
-            <a:r>
-              <a:rPr lang="en-US" dirty="0"/>
-              <a:t>Area VI</a:t>
-            </a:r>
-          </a:p>
-        </p:txBody>
-      </p:sp>
-      <p:pic>
-        <p:nvPicPr>
-          <p:cNvPr id="5" name="Content Placeholder 4"/>
-          <p:cNvPicPr>
-            <a:picLocks noGrp="1" noChangeAspect="1"/>
-          </p:cNvPicPr>
-          <p:nvPr>
-            <p:ph sz="half" idx="1"/>
-          </p:nvPr>
-        </p:nvPicPr>
-        <p:blipFill>
-          <a:blip r:embed="rId3"/>
-          <a:stretch>
-            <a:fillRect/>
-          </a:stretch>
-        </p:blipFill>
-        <p:spPr>
-          <a:xfrm>
-            <a:off x="216880" y="1828800"/>
-            <a:ext cx="4403653" cy="2028826"/>
-          </a:xfrm>
-          <a:prstGeom prst="rect">
-            <a:avLst/>
-          </a:prstGeom>
-        </p:spPr>
-      </p:pic>
-      <p:pic>
-        <p:nvPicPr>
-          <p:cNvPr id="7" name="Content Placeholder 6"/>
-          <p:cNvPicPr>
-            <a:picLocks noGrp="1" noChangeAspect="1"/>
-          </p:cNvPicPr>
-          <p:nvPr>
-            <p:ph sz="half" idx="2"/>
-          </p:nvPr>
-        </p:nvPicPr>
-        <p:blipFill>
-          <a:blip r:embed="rId4"/>
-          <a:stretch>
-            <a:fillRect/>
-          </a:stretch>
-        </p:blipFill>
-        <p:spPr>
-          <a:xfrm>
-            <a:off x="5579920" y="2537594"/>
-            <a:ext cx="6017297" cy="1244958"/>
-          </a:xfrm>
-          <a:prstGeom prst="rect">
-            <a:avLst/>
-          </a:prstGeom>
-        </p:spPr>
-      </p:pic>
-      <p:sp>
-        <p:nvSpPr>
-          <p:cNvPr id="8" name="Right Arrow 7"/>
-          <p:cNvSpPr/>
-          <p:nvPr/>
-        </p:nvSpPr>
-        <p:spPr>
-          <a:xfrm>
-            <a:off x="4542503" y="3224981"/>
-            <a:ext cx="1037417" cy="557571"/>
-          </a:xfrm>
-          <a:prstGeom prst="rightArrow">
-            <a:avLst/>
-          </a:prstGeom>
-          <a:solidFill>
-            <a:schemeClr val="accent1"/>
-          </a:solidFill>
-          <a:ln>
-            <a:noFill/>
-          </a:ln>
-          <a:effectLst>
-            <a:outerShdw blurRad="50800" dist="38100" dir="2700000" algn="tl" rotWithShape="0">
-              <a:prstClr val="black">
-                <a:alpha val="40000"/>
-              </a:prstClr>
-            </a:outerShdw>
-          </a:effectLst>
-        </p:spPr>
-        <p:style>
-          <a:lnRef idx="1">
-            <a:schemeClr val="accent1"/>
-          </a:lnRef>
-          <a:fillRef idx="3">
-            <a:schemeClr val="accent1"/>
-          </a:fillRef>
-          <a:effectRef idx="2">
-            <a:schemeClr val="accent1"/>
-          </a:effectRef>
-          <a:fontRef idx="minor">
-            <a:schemeClr val="lt1"/>
-          </a:fontRef>
-        </p:style>
-        <p:txBody>
-          <a:bodyPr rtlCol="0" anchor="ctr"/>
-          <a:lstStyle/>
-          <a:p>
-            <a:pPr algn="ctr"/>
-            <a:endParaRPr lang="en-US"/>
-          </a:p>
-        </p:txBody>
-      </p:sp>
-    </p:spTree>
-    <p:extLst>
-      <p:ext uri="{BB962C8B-B14F-4D97-AF65-F5344CB8AC3E}">
-        <p14:creationId xmlns:p14="http://schemas.microsoft.com/office/powerpoint/2010/main" val="2083484924"/>
-      </p:ext>
-    </p:extLst>
-  </p:cSld>
-  <p:clrMapOvr>
-    <a:masterClrMapping/>
-  </p:clrMapOvr>
-</p:sld>
-</file>
-
-<file path=ppt/slides/slide39.xml><?xml version="1.0" encoding="utf-8"?>
+<file path=ppt/slides/slide40.xml><?xml version="1.0" encoding="utf-8"?>
 <p:sld xmlns:a="http://schemas.openxmlformats.org/drawingml/2006/main" xmlns:r="http://schemas.openxmlformats.org/officeDocument/2006/relationships" xmlns:p="http://schemas.openxmlformats.org/presentationml/2006/main" show="0">
   <p:cSld>
     <p:spTree>
@@ -16479,144 +17180,7 @@
 </p:sld>
 </file>
 
-<file path=ppt/slides/slide4.xml><?xml version="1.0" encoding="utf-8"?>
-<p:sld xmlns:a="http://schemas.openxmlformats.org/drawingml/2006/main" xmlns:r="http://schemas.openxmlformats.org/officeDocument/2006/relationships" xmlns:p="http://schemas.openxmlformats.org/presentationml/2006/main">
-  <p:cSld>
-    <p:spTree>
-      <p:nvGrpSpPr>
-        <p:cNvPr id="1" name=""/>
-        <p:cNvGrpSpPr/>
-        <p:nvPr/>
-      </p:nvGrpSpPr>
-      <p:grpSpPr>
-        <a:xfrm>
-          <a:off x="0" y="0"/>
-          <a:ext cx="0" cy="0"/>
-          <a:chOff x="0" y="0"/>
-          <a:chExt cx="0" cy="0"/>
-        </a:xfrm>
-      </p:grpSpPr>
-      <p:sp>
-        <p:nvSpPr>
-          <p:cNvPr id="2" name="Title 1"/>
-          <p:cNvSpPr>
-            <a:spLocks noGrp="1"/>
-          </p:cNvSpPr>
-          <p:nvPr>
-            <p:ph type="title"/>
-          </p:nvPr>
-        </p:nvSpPr>
-        <p:spPr/>
-        <p:txBody>
-          <a:bodyPr/>
-          <a:lstStyle/>
-          <a:p>
-            <a:r>
-              <a:rPr lang="en-US" dirty="0"/>
-              <a:t>Agenda</a:t>
-            </a:r>
-          </a:p>
-        </p:txBody>
-      </p:sp>
-      <p:sp>
-        <p:nvSpPr>
-          <p:cNvPr id="3" name="Content Placeholder 2"/>
-          <p:cNvSpPr>
-            <a:spLocks noGrp="1"/>
-          </p:cNvSpPr>
-          <p:nvPr>
-            <p:ph idx="1"/>
-          </p:nvPr>
-        </p:nvSpPr>
-        <p:spPr/>
-        <p:txBody>
-          <a:bodyPr/>
-          <a:lstStyle/>
-          <a:p>
-            <a:r>
-              <a:rPr lang="en-US" dirty="0"/>
-              <a:t>Introduction:</a:t>
-            </a:r>
-          </a:p>
-          <a:p>
-            <a:pPr lvl="1"/>
-            <a:r>
-              <a:rPr lang="en-US" dirty="0"/>
-              <a:t>Object user levels</a:t>
-            </a:r>
-          </a:p>
-          <a:p>
-            <a:pPr lvl="1"/>
-            <a:r>
-              <a:rPr lang="en-US" dirty="0"/>
-              <a:t>Libraries and scope</a:t>
-            </a:r>
-          </a:p>
-          <a:p>
-            <a:pPr lvl="1"/>
-            <a:r>
-              <a:rPr lang="en-US" dirty="0"/>
-              <a:t>Clusters</a:t>
-            </a:r>
-          </a:p>
-          <a:p>
-            <a:pPr lvl="1"/>
-            <a:r>
-              <a:rPr lang="en-US" dirty="0"/>
-              <a:t>Methods</a:t>
-            </a:r>
-          </a:p>
-          <a:p>
-            <a:r>
-              <a:rPr lang="en-US" dirty="0"/>
-              <a:t>Why to use classes?</a:t>
-            </a:r>
-          </a:p>
-          <a:p>
-            <a:pPr lvl="1"/>
-            <a:r>
-              <a:rPr lang="en-US" dirty="0"/>
-              <a:t>Dynamic dispatch</a:t>
-            </a:r>
-          </a:p>
-          <a:p>
-            <a:pPr lvl="1"/>
-            <a:r>
-              <a:rPr lang="en-US" dirty="0"/>
-              <a:t>Reuse</a:t>
-            </a:r>
-          </a:p>
-          <a:p>
-            <a:r>
-              <a:rPr lang="en-US" dirty="0"/>
-              <a:t>Using objects</a:t>
-            </a:r>
-          </a:p>
-          <a:p>
-            <a:r>
-              <a:rPr lang="en-US" dirty="0"/>
-              <a:t>Next steps</a:t>
-            </a:r>
-          </a:p>
-          <a:p>
-            <a:endParaRPr lang="en-US" dirty="0"/>
-          </a:p>
-        </p:txBody>
-      </p:sp>
-    </p:spTree>
-    <p:extLst>
-      <p:ext uri="{BB962C8B-B14F-4D97-AF65-F5344CB8AC3E}">
-        <p14:creationId xmlns:p14="http://schemas.microsoft.com/office/powerpoint/2010/main" val="3891922528"/>
-      </p:ext>
-    </p:extLst>
-  </p:cSld>
-  <p:clrMapOvr>
-    <a:masterClrMapping/>
-  </p:clrMapOvr>
-</p:sld>
-</file>
-
-<file path=ppt/slides/slide40.xml><?xml version="1.0" encoding="utf-8"?>
+<file path=ppt/slides/slide41.xml><?xml version="1.0" encoding="utf-8"?>
 <p:sld xmlns:a="http://schemas.openxmlformats.org/drawingml/2006/main" xmlns:r="http://schemas.openxmlformats.org/officeDocument/2006/relationships" xmlns:p="http://schemas.openxmlformats.org/presentationml/2006/main" show="0">
   <p:cSld>
     <p:spTree>
@@ -16694,7 +17258,7 @@
 </p:sld>
 </file>
 
-<file path=ppt/slides/slide41.xml><?xml version="1.0" encoding="utf-8"?>
+<file path=ppt/slides/slide42.xml><?xml version="1.0" encoding="utf-8"?>
 <p:sld xmlns:a="http://schemas.openxmlformats.org/drawingml/2006/main" xmlns:r="http://schemas.openxmlformats.org/officeDocument/2006/relationships" xmlns:p="http://schemas.openxmlformats.org/presentationml/2006/main" show="0">
   <p:cSld>
     <p:spTree>
@@ -16772,7 +17336,7 @@
 </p:sld>
 </file>
 
-<file path=ppt/slides/slide42.xml><?xml version="1.0" encoding="utf-8"?>
+<file path=ppt/slides/slide43.xml><?xml version="1.0" encoding="utf-8"?>
 <p:sld xmlns:a="http://schemas.openxmlformats.org/drawingml/2006/main" xmlns:r="http://schemas.openxmlformats.org/officeDocument/2006/relationships" xmlns:p="http://schemas.openxmlformats.org/presentationml/2006/main" show="0">
   <p:cSld>
     <p:spTree>
@@ -16843,7 +17407,7 @@
 </p:sld>
 </file>
 
-<file path=ppt/slides/slide43.xml><?xml version="1.0" encoding="utf-8"?>
+<file path=ppt/slides/slide44.xml><?xml version="1.0" encoding="utf-8"?>
 <p:sld xmlns:a="http://schemas.openxmlformats.org/drawingml/2006/main" xmlns:r="http://schemas.openxmlformats.org/officeDocument/2006/relationships" xmlns:p="http://schemas.openxmlformats.org/presentationml/2006/main" show="0">
   <p:cSld>
     <p:spTree>
@@ -16921,7 +17485,7 @@
 </p:sld>
 </file>
 
-<file path=ppt/slides/slide44.xml><?xml version="1.0" encoding="utf-8"?>
+<file path=ppt/slides/slide45.xml><?xml version="1.0" encoding="utf-8"?>
 <p:sld xmlns:a="http://schemas.openxmlformats.org/drawingml/2006/main" xmlns:r="http://schemas.openxmlformats.org/officeDocument/2006/relationships" xmlns:p="http://schemas.openxmlformats.org/presentationml/2006/main" show="0">
   <p:cSld>
     <p:spTree>
@@ -16996,7 +17560,7 @@
 </p:sld>
 </file>
 
-<file path=ppt/slides/slide45.xml><?xml version="1.0" encoding="utf-8"?>
+<file path=ppt/slides/slide46.xml><?xml version="1.0" encoding="utf-8"?>
 <p:sld xmlns:a="http://schemas.openxmlformats.org/drawingml/2006/main" xmlns:r="http://schemas.openxmlformats.org/officeDocument/2006/relationships" xmlns:p="http://schemas.openxmlformats.org/presentationml/2006/main" show="0">
   <p:cSld>
     <p:spTree>
@@ -17074,7 +17638,7 @@
 </p:sld>
 </file>
 
-<file path=ppt/slides/slide46.xml><?xml version="1.0" encoding="utf-8"?>
+<file path=ppt/slides/slide47.xml><?xml version="1.0" encoding="utf-8"?>
 <p:sld xmlns:a="http://schemas.openxmlformats.org/drawingml/2006/main" xmlns:r="http://schemas.openxmlformats.org/officeDocument/2006/relationships" xmlns:p="http://schemas.openxmlformats.org/presentationml/2006/main" show="0">
   <p:cSld>
     <p:spTree>
@@ -17189,7 +17753,7 @@
 </p:sld>
 </file>
 
-<file path=ppt/slides/slide47.xml><?xml version="1.0" encoding="utf-8"?>
+<file path=ppt/slides/slide48.xml><?xml version="1.0" encoding="utf-8"?>
 <p:sld xmlns:a="http://schemas.openxmlformats.org/drawingml/2006/main" xmlns:r="http://schemas.openxmlformats.org/officeDocument/2006/relationships" xmlns:p="http://schemas.openxmlformats.org/presentationml/2006/main" show="0">
   <p:cSld>
     <p:spTree>
@@ -17293,7 +17857,7 @@
 </p:sld>
 </file>
 
-<file path=ppt/slides/slide48.xml><?xml version="1.0" encoding="utf-8"?>
+<file path=ppt/slides/slide49.xml><?xml version="1.0" encoding="utf-8"?>
 <p:sld xmlns:a="http://schemas.openxmlformats.org/drawingml/2006/main" xmlns:r="http://schemas.openxmlformats.org/officeDocument/2006/relationships" xmlns:p="http://schemas.openxmlformats.org/presentationml/2006/main" show="0">
   <p:cSld>
     <p:spTree>
@@ -17397,7 +17961,144 @@
 </p:sld>
 </file>
 
-<file path=ppt/slides/slide49.xml><?xml version="1.0" encoding="utf-8"?>
+<file path=ppt/slides/slide5.xml><?xml version="1.0" encoding="utf-8"?>
+<p:sld xmlns:a="http://schemas.openxmlformats.org/drawingml/2006/main" xmlns:r="http://schemas.openxmlformats.org/officeDocument/2006/relationships" xmlns:p="http://schemas.openxmlformats.org/presentationml/2006/main">
+  <p:cSld>
+    <p:spTree>
+      <p:nvGrpSpPr>
+        <p:cNvPr id="1" name=""/>
+        <p:cNvGrpSpPr/>
+        <p:nvPr/>
+      </p:nvGrpSpPr>
+      <p:grpSpPr>
+        <a:xfrm>
+          <a:off x="0" y="0"/>
+          <a:ext cx="0" cy="0"/>
+          <a:chOff x="0" y="0"/>
+          <a:chExt cx="0" cy="0"/>
+        </a:xfrm>
+      </p:grpSpPr>
+      <p:sp>
+        <p:nvSpPr>
+          <p:cNvPr id="2" name="Title 1"/>
+          <p:cNvSpPr>
+            <a:spLocks noGrp="1"/>
+          </p:cNvSpPr>
+          <p:nvPr>
+            <p:ph type="title"/>
+          </p:nvPr>
+        </p:nvSpPr>
+        <p:spPr/>
+        <p:txBody>
+          <a:bodyPr/>
+          <a:lstStyle/>
+          <a:p>
+            <a:r>
+              <a:rPr lang="en-US" dirty="0"/>
+              <a:t>Agenda</a:t>
+            </a:r>
+          </a:p>
+        </p:txBody>
+      </p:sp>
+      <p:sp>
+        <p:nvSpPr>
+          <p:cNvPr id="3" name="Content Placeholder 2"/>
+          <p:cNvSpPr>
+            <a:spLocks noGrp="1"/>
+          </p:cNvSpPr>
+          <p:nvPr>
+            <p:ph idx="1"/>
+          </p:nvPr>
+        </p:nvSpPr>
+        <p:spPr/>
+        <p:txBody>
+          <a:bodyPr/>
+          <a:lstStyle/>
+          <a:p>
+            <a:r>
+              <a:rPr lang="en-US" dirty="0"/>
+              <a:t>Introduction:</a:t>
+            </a:r>
+          </a:p>
+          <a:p>
+            <a:pPr lvl="1"/>
+            <a:r>
+              <a:rPr lang="en-US" dirty="0"/>
+              <a:t>Object user levels</a:t>
+            </a:r>
+          </a:p>
+          <a:p>
+            <a:pPr lvl="1"/>
+            <a:r>
+              <a:rPr lang="en-US" dirty="0"/>
+              <a:t>Libraries and scope</a:t>
+            </a:r>
+          </a:p>
+          <a:p>
+            <a:pPr lvl="1"/>
+            <a:r>
+              <a:rPr lang="en-US" dirty="0"/>
+              <a:t>Clusters</a:t>
+            </a:r>
+          </a:p>
+          <a:p>
+            <a:pPr lvl="1"/>
+            <a:r>
+              <a:rPr lang="en-US" dirty="0"/>
+              <a:t>Methods</a:t>
+            </a:r>
+          </a:p>
+          <a:p>
+            <a:r>
+              <a:rPr lang="en-US" dirty="0"/>
+              <a:t>Why to use classes?</a:t>
+            </a:r>
+          </a:p>
+          <a:p>
+            <a:pPr lvl="1"/>
+            <a:r>
+              <a:rPr lang="en-US" dirty="0"/>
+              <a:t>Dynamic dispatch</a:t>
+            </a:r>
+          </a:p>
+          <a:p>
+            <a:pPr lvl="1"/>
+            <a:r>
+              <a:rPr lang="en-US" dirty="0"/>
+              <a:t>Reuse</a:t>
+            </a:r>
+          </a:p>
+          <a:p>
+            <a:r>
+              <a:rPr lang="en-US" dirty="0"/>
+              <a:t>Using objects</a:t>
+            </a:r>
+          </a:p>
+          <a:p>
+            <a:r>
+              <a:rPr lang="en-US" dirty="0"/>
+              <a:t>Next steps</a:t>
+            </a:r>
+          </a:p>
+          <a:p>
+            <a:endParaRPr lang="en-US" dirty="0"/>
+          </a:p>
+        </p:txBody>
+      </p:sp>
+    </p:spTree>
+    <p:extLst>
+      <p:ext uri="{BB962C8B-B14F-4D97-AF65-F5344CB8AC3E}">
+        <p14:creationId xmlns:p14="http://schemas.microsoft.com/office/powerpoint/2010/main" val="3891922528"/>
+      </p:ext>
+    </p:extLst>
+  </p:cSld>
+  <p:clrMapOvr>
+    <a:masterClrMapping/>
+  </p:clrMapOvr>
+</p:sld>
+</file>
+
+<file path=ppt/slides/slide50.xml><?xml version="1.0" encoding="utf-8"?>
 <p:sld xmlns:a="http://schemas.openxmlformats.org/drawingml/2006/main" xmlns:r="http://schemas.openxmlformats.org/officeDocument/2006/relationships" xmlns:p="http://schemas.openxmlformats.org/presentationml/2006/main" show="0">
   <p:cSld>
     <p:spTree>
@@ -17494,130 +18195,7 @@
 </p:sld>
 </file>
 
-<file path=ppt/slides/slide5.xml><?xml version="1.0" encoding="utf-8"?>
-<p:sld xmlns:a="http://schemas.openxmlformats.org/drawingml/2006/main" xmlns:r="http://schemas.openxmlformats.org/officeDocument/2006/relationships" xmlns:p="http://schemas.openxmlformats.org/presentationml/2006/main">
-  <p:cSld>
-    <p:spTree>
-      <p:nvGrpSpPr>
-        <p:cNvPr id="1" name=""/>
-        <p:cNvGrpSpPr/>
-        <p:nvPr/>
-      </p:nvGrpSpPr>
-      <p:grpSpPr>
-        <a:xfrm>
-          <a:off x="0" y="0"/>
-          <a:ext cx="0" cy="0"/>
-          <a:chOff x="0" y="0"/>
-          <a:chExt cx="0" cy="0"/>
-        </a:xfrm>
-      </p:grpSpPr>
-      <p:sp>
-        <p:nvSpPr>
-          <p:cNvPr id="2" name="Title 1"/>
-          <p:cNvSpPr>
-            <a:spLocks noGrp="1"/>
-          </p:cNvSpPr>
-          <p:nvPr>
-            <p:ph type="title"/>
-          </p:nvPr>
-        </p:nvSpPr>
-        <p:spPr/>
-        <p:txBody>
-          <a:bodyPr/>
-          <a:lstStyle/>
-          <a:p>
-            <a:r>
-              <a:rPr lang="en-US" dirty="0"/>
-              <a:t>Object User Levels</a:t>
-            </a:r>
-          </a:p>
-        </p:txBody>
-      </p:sp>
-      <p:sp>
-        <p:nvSpPr>
-          <p:cNvPr id="3" name="Content Placeholder 2"/>
-          <p:cNvSpPr>
-            <a:spLocks noGrp="1"/>
-          </p:cNvSpPr>
-          <p:nvPr>
-            <p:ph idx="1"/>
-          </p:nvPr>
-        </p:nvSpPr>
-        <p:spPr/>
-        <p:txBody>
-          <a:bodyPr/>
-          <a:lstStyle/>
-          <a:p>
-            <a:r>
-              <a:rPr lang="en-US" dirty="0"/>
-              <a:t>LabVIEW Object Designer</a:t>
-            </a:r>
-          </a:p>
-          <a:p>
-            <a:pPr lvl="1"/>
-            <a:r>
-              <a:rPr lang="en-US" dirty="0"/>
-              <a:t>Designs the top level application</a:t>
-            </a:r>
-          </a:p>
-          <a:p>
-            <a:pPr lvl="1"/>
-            <a:r>
-              <a:rPr lang="en-US" dirty="0"/>
-              <a:t>Defines the abstract classes </a:t>
-            </a:r>
-          </a:p>
-          <a:p>
-            <a:pPr lvl="1"/>
-            <a:r>
-              <a:rPr lang="en-US" dirty="0"/>
-              <a:t>Decides inheritance paths</a:t>
-            </a:r>
-          </a:p>
-          <a:p>
-            <a:pPr lvl="1"/>
-            <a:endParaRPr lang="en-US" dirty="0"/>
-          </a:p>
-          <a:p>
-            <a:r>
-              <a:rPr lang="en-US" dirty="0"/>
-              <a:t>LabVIEW Object User</a:t>
-            </a:r>
-          </a:p>
-          <a:p>
-            <a:pPr lvl="1"/>
-            <a:r>
-              <a:rPr lang="en-US" dirty="0"/>
-              <a:t>Uses object oriented based architectures like Actor Framework or Configurator Editor Framework (CEF)</a:t>
-            </a:r>
-          </a:p>
-          <a:p>
-            <a:pPr lvl="1"/>
-            <a:r>
-              <a:rPr lang="en-US" dirty="0"/>
-              <a:t>Creates child classes of abstract objects</a:t>
-            </a:r>
-          </a:p>
-          <a:p>
-            <a:pPr lvl="1"/>
-            <a:endParaRPr lang="en-US" dirty="0"/>
-          </a:p>
-        </p:txBody>
-      </p:sp>
-    </p:spTree>
-    <p:extLst>
-      <p:ext uri="{BB962C8B-B14F-4D97-AF65-F5344CB8AC3E}">
-        <p14:creationId xmlns:p14="http://schemas.microsoft.com/office/powerpoint/2010/main" val="3436374761"/>
-      </p:ext>
-    </p:extLst>
-  </p:cSld>
-  <p:clrMapOvr>
-    <a:masterClrMapping/>
-  </p:clrMapOvr>
-</p:sld>
-</file>
-
-<file path=ppt/slides/slide50.xml><?xml version="1.0" encoding="utf-8"?>
+<file path=ppt/slides/slide51.xml><?xml version="1.0" encoding="utf-8"?>
 <p:sld xmlns:a="http://schemas.openxmlformats.org/drawingml/2006/main" xmlns:r="http://schemas.openxmlformats.org/officeDocument/2006/relationships" xmlns:p="http://schemas.openxmlformats.org/presentationml/2006/main" show="0">
   <p:cSld>
     <p:spTree>
@@ -17695,7 +18273,7 @@
 </p:sld>
 </file>
 
-<file path=ppt/slides/slide51.xml><?xml version="1.0" encoding="utf-8"?>
+<file path=ppt/slides/slide52.xml><?xml version="1.0" encoding="utf-8"?>
 <p:sld xmlns:a="http://schemas.openxmlformats.org/drawingml/2006/main" xmlns:r="http://schemas.openxmlformats.org/officeDocument/2006/relationships" xmlns:p="http://schemas.openxmlformats.org/presentationml/2006/main" show="0">
   <p:cSld>
     <p:spTree>
@@ -17773,7 +18351,7 @@
 </p:sld>
 </file>
 
-<file path=ppt/slides/slide52.xml><?xml version="1.0" encoding="utf-8"?>
+<file path=ppt/slides/slide53.xml><?xml version="1.0" encoding="utf-8"?>
 <p:sld xmlns:a="http://schemas.openxmlformats.org/drawingml/2006/main" xmlns:r="http://schemas.openxmlformats.org/officeDocument/2006/relationships" xmlns:p="http://schemas.openxmlformats.org/presentationml/2006/main" show="0">
   <p:cSld>
     <p:spTree>
@@ -17885,6 +18463,129 @@
           <a:p>
             <a:r>
               <a:rPr lang="en-US" dirty="0"/>
+              <a:t>Object User Levels</a:t>
+            </a:r>
+          </a:p>
+        </p:txBody>
+      </p:sp>
+      <p:sp>
+        <p:nvSpPr>
+          <p:cNvPr id="3" name="Content Placeholder 2"/>
+          <p:cNvSpPr>
+            <a:spLocks noGrp="1"/>
+          </p:cNvSpPr>
+          <p:nvPr>
+            <p:ph idx="1"/>
+          </p:nvPr>
+        </p:nvSpPr>
+        <p:spPr/>
+        <p:txBody>
+          <a:bodyPr/>
+          <a:lstStyle/>
+          <a:p>
+            <a:r>
+              <a:rPr lang="en-US" dirty="0"/>
+              <a:t>LabVIEW Object Designer</a:t>
+            </a:r>
+          </a:p>
+          <a:p>
+            <a:pPr lvl="1"/>
+            <a:r>
+              <a:rPr lang="en-US" dirty="0"/>
+              <a:t>Designs the top level application</a:t>
+            </a:r>
+          </a:p>
+          <a:p>
+            <a:pPr lvl="1"/>
+            <a:r>
+              <a:rPr lang="en-US" dirty="0"/>
+              <a:t>Defines the abstract classes </a:t>
+            </a:r>
+          </a:p>
+          <a:p>
+            <a:pPr lvl="1"/>
+            <a:r>
+              <a:rPr lang="en-US" dirty="0"/>
+              <a:t>Decides inheritance paths</a:t>
+            </a:r>
+          </a:p>
+          <a:p>
+            <a:pPr lvl="1"/>
+            <a:endParaRPr lang="en-US" dirty="0"/>
+          </a:p>
+          <a:p>
+            <a:r>
+              <a:rPr lang="en-US" dirty="0"/>
+              <a:t>LabVIEW Object User</a:t>
+            </a:r>
+          </a:p>
+          <a:p>
+            <a:pPr lvl="1"/>
+            <a:r>
+              <a:rPr lang="en-US" dirty="0"/>
+              <a:t>Uses object oriented based architectures like Actor Framework or Configurator Editor Framework (CEF)</a:t>
+            </a:r>
+          </a:p>
+          <a:p>
+            <a:pPr lvl="1"/>
+            <a:r>
+              <a:rPr lang="en-US" dirty="0"/>
+              <a:t>Creates child classes of abstract objects</a:t>
+            </a:r>
+          </a:p>
+          <a:p>
+            <a:pPr lvl="1"/>
+            <a:endParaRPr lang="en-US" dirty="0"/>
+          </a:p>
+        </p:txBody>
+      </p:sp>
+    </p:spTree>
+    <p:extLst>
+      <p:ext uri="{BB962C8B-B14F-4D97-AF65-F5344CB8AC3E}">
+        <p14:creationId xmlns:p14="http://schemas.microsoft.com/office/powerpoint/2010/main" val="3436374761"/>
+      </p:ext>
+    </p:extLst>
+  </p:cSld>
+  <p:clrMapOvr>
+    <a:masterClrMapping/>
+  </p:clrMapOvr>
+</p:sld>
+</file>
+
+<file path=ppt/slides/slide7.xml><?xml version="1.0" encoding="utf-8"?>
+<p:sld xmlns:a="http://schemas.openxmlformats.org/drawingml/2006/main" xmlns:r="http://schemas.openxmlformats.org/officeDocument/2006/relationships" xmlns:p="http://schemas.openxmlformats.org/presentationml/2006/main">
+  <p:cSld>
+    <p:spTree>
+      <p:nvGrpSpPr>
+        <p:cNvPr id="1" name=""/>
+        <p:cNvGrpSpPr/>
+        <p:nvPr/>
+      </p:nvGrpSpPr>
+      <p:grpSpPr>
+        <a:xfrm>
+          <a:off x="0" y="0"/>
+          <a:ext cx="0" cy="0"/>
+          <a:chOff x="0" y="0"/>
+          <a:chExt cx="0" cy="0"/>
+        </a:xfrm>
+      </p:grpSpPr>
+      <p:sp>
+        <p:nvSpPr>
+          <p:cNvPr id="2" name="Title 1"/>
+          <p:cNvSpPr>
+            <a:spLocks noGrp="1"/>
+          </p:cNvSpPr>
+          <p:nvPr>
+            <p:ph type="title"/>
+          </p:nvPr>
+        </p:nvSpPr>
+        <p:spPr/>
+        <p:txBody>
+          <a:bodyPr/>
+          <a:lstStyle/>
+          <a:p>
+            <a:r>
+              <a:rPr lang="en-US" dirty="0"/>
               <a:t>Libraries</a:t>
             </a:r>
           </a:p>
@@ -17986,7 +18687,7 @@
 </p:sld>
 </file>
 
-<file path=ppt/slides/slide7.xml><?xml version="1.0" encoding="utf-8"?>
+<file path=ppt/slides/slide8.xml><?xml version="1.0" encoding="utf-8"?>
 <p:sld xmlns:a="http://schemas.openxmlformats.org/drawingml/2006/main" xmlns:r="http://schemas.openxmlformats.org/officeDocument/2006/relationships" xmlns:p="http://schemas.openxmlformats.org/presentationml/2006/main">
   <p:cSld>
     <p:spTree>
@@ -18140,7 +18841,7 @@
 </p:sld>
 </file>
 
-<file path=ppt/slides/slide8.xml><?xml version="1.0" encoding="utf-8"?>
+<file path=ppt/slides/slide9.xml><?xml version="1.0" encoding="utf-8"?>
 <p:sld xmlns:a="http://schemas.openxmlformats.org/drawingml/2006/main" xmlns:r="http://schemas.openxmlformats.org/officeDocument/2006/relationships" xmlns:p="http://schemas.openxmlformats.org/presentationml/2006/main">
   <p:cSld>
     <p:spTree>
@@ -18286,154 +18987,6 @@
     <p:extLst>
       <p:ext uri="{BB962C8B-B14F-4D97-AF65-F5344CB8AC3E}">
         <p14:creationId xmlns:p14="http://schemas.microsoft.com/office/powerpoint/2010/main" val="3968389606"/>
-      </p:ext>
-    </p:extLst>
-  </p:cSld>
-  <p:clrMapOvr>
-    <a:masterClrMapping/>
-  </p:clrMapOvr>
-</p:sld>
-</file>
-
-<file path=ppt/slides/slide9.xml><?xml version="1.0" encoding="utf-8"?>
-<p:sld xmlns:a="http://schemas.openxmlformats.org/drawingml/2006/main" xmlns:r="http://schemas.openxmlformats.org/officeDocument/2006/relationships" xmlns:p="http://schemas.openxmlformats.org/presentationml/2006/main">
-  <p:cSld>
-    <p:spTree>
-      <p:nvGrpSpPr>
-        <p:cNvPr id="1" name=""/>
-        <p:cNvGrpSpPr/>
-        <p:nvPr/>
-      </p:nvGrpSpPr>
-      <p:grpSpPr>
-        <a:xfrm>
-          <a:off x="0" y="0"/>
-          <a:ext cx="0" cy="0"/>
-          <a:chOff x="0" y="0"/>
-          <a:chExt cx="0" cy="0"/>
-        </a:xfrm>
-      </p:grpSpPr>
-      <p:sp>
-        <p:nvSpPr>
-          <p:cNvPr id="2" name="Title 1"/>
-          <p:cNvSpPr>
-            <a:spLocks noGrp="1"/>
-          </p:cNvSpPr>
-          <p:nvPr>
-            <p:ph type="title"/>
-          </p:nvPr>
-        </p:nvSpPr>
-        <p:spPr/>
-        <p:txBody>
-          <a:bodyPr/>
-          <a:lstStyle/>
-          <a:p>
-            <a:r>
-              <a:rPr lang="en-US" dirty="0"/>
-              <a:t>Cluster</a:t>
-            </a:r>
-          </a:p>
-        </p:txBody>
-      </p:sp>
-      <p:sp>
-        <p:nvSpPr>
-          <p:cNvPr id="7" name="Content Placeholder 6"/>
-          <p:cNvSpPr>
-            <a:spLocks noGrp="1"/>
-          </p:cNvSpPr>
-          <p:nvPr>
-            <p:ph sz="half" idx="2"/>
-          </p:nvPr>
-        </p:nvSpPr>
-        <p:spPr>
-          <a:xfrm>
-            <a:off x="552832" y="1106922"/>
-            <a:ext cx="5384800" cy="4949008"/>
-          </a:xfrm>
-        </p:spPr>
-        <p:txBody>
-          <a:bodyPr/>
-          <a:lstStyle/>
-          <a:p>
-            <a:r>
-              <a:rPr lang="en-US" dirty="0"/>
-              <a:t>It’s a data structure</a:t>
-            </a:r>
-          </a:p>
-          <a:p>
-            <a:r>
-              <a:rPr lang="en-US" dirty="0"/>
-              <a:t>Clusters group data elements of mixed types</a:t>
-            </a:r>
-          </a:p>
-          <a:p>
-            <a:r>
-              <a:rPr lang="en-US" dirty="0"/>
-              <a:t>Bundle and unbundle</a:t>
-            </a:r>
-          </a:p>
-          <a:p>
-            <a:r>
-              <a:rPr lang="en-US" dirty="0"/>
-              <a:t>Pink, brown or beer yellow </a:t>
-            </a:r>
-          </a:p>
-          <a:p>
-            <a:endParaRPr lang="en-US" dirty="0"/>
-          </a:p>
-        </p:txBody>
-      </p:sp>
-      <p:pic>
-        <p:nvPicPr>
-          <p:cNvPr id="8" name="Picture 7"/>
-          <p:cNvPicPr>
-            <a:picLocks noChangeAspect="1"/>
-          </p:cNvPicPr>
-          <p:nvPr/>
-        </p:nvPicPr>
-        <p:blipFill>
-          <a:blip r:embed="rId3"/>
-          <a:stretch>
-            <a:fillRect/>
-          </a:stretch>
-        </p:blipFill>
-        <p:spPr>
-          <a:xfrm>
-            <a:off x="9421508" y="1106922"/>
-            <a:ext cx="1133475" cy="2266950"/>
-          </a:xfrm>
-          <a:prstGeom prst="rect">
-            <a:avLst/>
-          </a:prstGeom>
-        </p:spPr>
-      </p:pic>
-      <p:pic>
-        <p:nvPicPr>
-          <p:cNvPr id="3" name="Picture 2"/>
-          <p:cNvPicPr>
-            <a:picLocks noChangeAspect="1"/>
-          </p:cNvPicPr>
-          <p:nvPr/>
-        </p:nvPicPr>
-        <p:blipFill>
-          <a:blip r:embed="rId4"/>
-          <a:stretch>
-            <a:fillRect/>
-          </a:stretch>
-        </p:blipFill>
-        <p:spPr>
-          <a:xfrm>
-            <a:off x="5453592" y="4301217"/>
-            <a:ext cx="6143625" cy="1390650"/>
-          </a:xfrm>
-          <a:prstGeom prst="rect">
-            <a:avLst/>
-          </a:prstGeom>
-        </p:spPr>
-      </p:pic>
-    </p:spTree>
-    <p:extLst>
-      <p:ext uri="{BB962C8B-B14F-4D97-AF65-F5344CB8AC3E}">
-        <p14:creationId xmlns:p14="http://schemas.microsoft.com/office/powerpoint/2010/main" val="3569753511"/>
       </p:ext>
     </p:extLst>
   </p:cSld>

--- a/Trunk/Getting Started Material/DCAF Training/2 Demystifying LabVIEW Object Oriented.pptx
+++ b/Trunk/Getting Started Material/DCAF Training/2 Demystifying LabVIEW Object Oriented.pptx
@@ -2,7 +2,7 @@
 <file path=ppt/presentation.xml><?xml version="1.0" encoding="utf-8"?>
 <p:presentation xmlns:a="http://schemas.openxmlformats.org/drawingml/2006/main" xmlns:r="http://schemas.openxmlformats.org/officeDocument/2006/relationships" xmlns:p="http://schemas.openxmlformats.org/presentationml/2006/main" saveSubsetFonts="1">
   <p:sldMasterIdLst>
-    <p:sldMasterId id="2147483660" r:id="rId1"/>
+    <p:sldMasterId id="2147483674" r:id="rId1"/>
   </p:sldMasterIdLst>
   <p:notesMasterIdLst>
     <p:notesMasterId r:id="rId55"/>
@@ -2113,12 +2113,12 @@
         <a:fontRef idx="minor"/>
       </dsp:style>
       <dsp:txBody>
-        <a:bodyPr spcFirstLastPara="0" vert="horz" wrap="square" lIns="167640" tIns="167640" rIns="167640" bIns="167640" numCol="1" spcCol="1270" anchor="ctr" anchorCtr="0">
+        <a:bodyPr spcFirstLastPara="0" vert="horz" wrap="square" lIns="156210" tIns="156210" rIns="156210" bIns="156210" numCol="1" spcCol="1270" anchor="ctr" anchorCtr="0">
           <a:noAutofit/>
         </a:bodyPr>
         <a:lstStyle/>
         <a:p>
-          <a:pPr marL="0" lvl="0" indent="0" algn="ctr" defTabSz="1955800">
+          <a:pPr marL="0" lvl="0" indent="0" algn="ctr" defTabSz="1822450">
             <a:lnSpc>
               <a:spcPct val="90000"/>
             </a:lnSpc>
@@ -2131,7 +2131,7 @@
             <a:buNone/>
           </a:pPr>
           <a:r>
-            <a:rPr lang="en-US" sz="4400" kern="1200" dirty="0"/>
+            <a:rPr lang="en-US" sz="4100" kern="1200" dirty="0"/>
             <a:t>LV Class</a:t>
           </a:r>
         </a:p>
@@ -2164,7 +2164,7 @@
             <a:alphaOff val="0"/>
           </a:schemeClr>
         </a:solidFill>
-        <a:ln w="25400" cap="flat" cmpd="sng" algn="ctr">
+        <a:ln w="12700" cap="flat" cmpd="sng" algn="ctr">
           <a:solidFill>
             <a:schemeClr val="lt1">
               <a:hueOff val="0"/>
@@ -2174,6 +2174,7 @@
             </a:schemeClr>
           </a:solidFill>
           <a:prstDash val="solid"/>
+          <a:miter lim="800000"/>
         </a:ln>
         <a:effectLst/>
       </dsp:spPr>
@@ -2243,7 +2244,7 @@
             <a:alphaOff val="0"/>
           </a:schemeClr>
         </a:solidFill>
-        <a:ln w="25400" cap="flat" cmpd="sng" algn="ctr">
+        <a:ln w="12700" cap="flat" cmpd="sng" algn="ctr">
           <a:solidFill>
             <a:schemeClr val="lt1">
               <a:hueOff val="0"/>
@@ -2253,6 +2254,7 @@
             </a:schemeClr>
           </a:solidFill>
           <a:prstDash val="solid"/>
+          <a:miter lim="800000"/>
         </a:ln>
         <a:effectLst/>
       </dsp:spPr>
@@ -2404,7 +2406,7 @@
             <a:alphaOff val="0"/>
           </a:schemeClr>
         </a:solidFill>
-        <a:ln w="25400" cap="flat" cmpd="sng" algn="ctr">
+        <a:ln w="12700" cap="flat" cmpd="sng" algn="ctr">
           <a:solidFill>
             <a:schemeClr val="lt1">
               <a:hueOff val="0"/>
@@ -2414,6 +2416,7 @@
             </a:schemeClr>
           </a:solidFill>
           <a:prstDash val="solid"/>
+          <a:miter lim="800000"/>
         </a:ln>
         <a:effectLst/>
       </dsp:spPr>
@@ -2483,7 +2486,7 @@
             <a:alphaOff val="0"/>
           </a:schemeClr>
         </a:solidFill>
-        <a:ln w="25400" cap="flat" cmpd="sng" algn="ctr">
+        <a:ln w="12700" cap="flat" cmpd="sng" algn="ctr">
           <a:solidFill>
             <a:schemeClr val="lt1">
               <a:hueOff val="0"/>
@@ -2493,6 +2496,7 @@
             </a:schemeClr>
           </a:solidFill>
           <a:prstDash val="solid"/>
+          <a:miter lim="800000"/>
         </a:ln>
         <a:effectLst/>
       </dsp:spPr>
@@ -5147,7 +5151,7 @@
           <a:p>
             <a:fld id="{65D47A0C-230E-40BC-9856-13A0F7404925}" type="datetimeFigureOut">
               <a:rPr lang="en-US" smtClean="0"/>
-              <a:t>2018-06-14</a:t>
+              <a:t>2018-07-03</a:t>
             </a:fld>
             <a:endParaRPr lang="en-US" dirty="0"/>
           </a:p>
@@ -10254,7 +10258,7 @@
 
 <file path=ppt/slideLayouts/slideLayout1.xml><?xml version="1.0" encoding="utf-8"?>
 <p:sldLayout xmlns:a="http://schemas.openxmlformats.org/drawingml/2006/main" xmlns:r="http://schemas.openxmlformats.org/officeDocument/2006/relationships" xmlns:p="http://schemas.openxmlformats.org/presentationml/2006/main" showMasterSp="0" preserve="1">
-  <p:cSld name="Intro Slide">
+  <p:cSld name="External_NI Cover Slide">
     <p:spTree>
       <p:nvGrpSpPr>
         <p:cNvPr id="1" name=""/>
@@ -10269,416 +10273,16 @@
           <a:chExt cx="0" cy="0"/>
         </a:xfrm>
       </p:grpSpPr>
-      <p:pic>
-        <p:nvPicPr>
-          <p:cNvPr id="4" name="Picture 3" descr="PPT-corporate-background-16x9_wlogo.jpg"/>
-          <p:cNvPicPr>
-            <a:picLocks noChangeAspect="1"/>
-          </p:cNvPicPr>
+      <p:sp>
+        <p:nvSpPr>
+          <p:cNvPr id="6" name="Rectangle 5"/>
+          <p:cNvSpPr/>
           <p:nvPr/>
-        </p:nvPicPr>
-        <p:blipFill>
-          <a:blip r:embed="rId2" cstate="print">
-            <a:extLst>
-              <a:ext uri="{28A0092B-C50C-407E-A947-70E740481C1C}">
-                <a14:useLocalDpi xmlns:a14="http://schemas.microsoft.com/office/drawing/2010/main" val="0"/>
-              </a:ext>
-            </a:extLst>
-          </a:blip>
-          <a:stretch>
-            <a:fillRect/>
-          </a:stretch>
-        </p:blipFill>
+        </p:nvSpPr>
         <p:spPr>
           <a:xfrm>
             <a:off x="0" y="0"/>
-            <a:ext cx="12192000" cy="6858000"/>
-          </a:xfrm>
-          <a:prstGeom prst="rect">
-            <a:avLst/>
-          </a:prstGeom>
-        </p:spPr>
-      </p:pic>
-      <p:sp>
-        <p:nvSpPr>
-          <p:cNvPr id="3" name="TextBox 2"/>
-          <p:cNvSpPr txBox="1"/>
-          <p:nvPr/>
-        </p:nvSpPr>
-        <p:spPr>
-          <a:xfrm>
-            <a:off x="467319" y="6330951"/>
-            <a:ext cx="788999" cy="338554"/>
-          </a:xfrm>
-          <a:prstGeom prst="rect">
-            <a:avLst/>
-          </a:prstGeom>
-          <a:noFill/>
-        </p:spPr>
-        <p:txBody>
-          <a:bodyPr wrap="none" rtlCol="0">
-            <a:spAutoFit/>
-          </a:bodyPr>
-          <a:lstStyle/>
-          <a:p>
-            <a:r>
-              <a:rPr lang="en-US" sz="1600" b="0" i="0" dirty="0">
-                <a:solidFill>
-                  <a:prstClr val="black"/>
-                </a:solidFill>
-                <a:latin typeface="Univers LT Std 45 Light"/>
-                <a:cs typeface="Univers LT Std 45 Light"/>
-              </a:rPr>
-              <a:t>ni.com</a:t>
-            </a:r>
-          </a:p>
-        </p:txBody>
-      </p:sp>
-    </p:spTree>
-    <p:extLst>
-      <p:ext uri="{BB962C8B-B14F-4D97-AF65-F5344CB8AC3E}">
-        <p14:creationId xmlns:p14="http://schemas.microsoft.com/office/powerpoint/2010/main" val="1456421455"/>
-      </p:ext>
-    </p:extLst>
-  </p:cSld>
-  <p:clrMapOvr>
-    <a:masterClrMapping/>
-  </p:clrMapOvr>
-</p:sldLayout>
-</file>
-
-<file path=ppt/slideLayouts/slideLayout10.xml><?xml version="1.0" encoding="utf-8"?>
-<p:sldLayout xmlns:a="http://schemas.openxmlformats.org/drawingml/2006/main" xmlns:r="http://schemas.openxmlformats.org/officeDocument/2006/relationships" xmlns:p="http://schemas.openxmlformats.org/presentationml/2006/main" preserve="1">
-  <p:cSld name="2_Custom Layout">
-    <p:spTree>
-      <p:nvGrpSpPr>
-        <p:cNvPr id="1" name=""/>
-        <p:cNvGrpSpPr/>
-        <p:nvPr/>
-      </p:nvGrpSpPr>
-      <p:grpSpPr>
-        <a:xfrm>
-          <a:off x="0" y="0"/>
-          <a:ext cx="0" cy="0"/>
-          <a:chOff x="0" y="0"/>
-          <a:chExt cx="0" cy="0"/>
-        </a:xfrm>
-      </p:grpSpPr>
-      <p:sp>
-        <p:nvSpPr>
-          <p:cNvPr id="2" name="Title 1"/>
-          <p:cNvSpPr>
-            <a:spLocks noGrp="1"/>
-          </p:cNvSpPr>
-          <p:nvPr>
-            <p:ph type="title"/>
-          </p:nvPr>
-        </p:nvSpPr>
-        <p:spPr>
-          <a:xfrm>
-            <a:off x="631916" y="2805982"/>
-            <a:ext cx="10893337" cy="964092"/>
-          </a:xfrm>
-        </p:spPr>
-        <p:txBody>
-          <a:bodyPr/>
-          <a:lstStyle>
-            <a:lvl1pPr algn="ctr">
-              <a:defRPr>
-                <a:solidFill>
-                  <a:schemeClr val="bg1"/>
-                </a:solidFill>
-              </a:defRPr>
-            </a:lvl1pPr>
-          </a:lstStyle>
-          <a:p>
-            <a:r>
-              <a:rPr lang="en-US"/>
-              <a:t>Click to edit Master title style</a:t>
-            </a:r>
-            <a:endParaRPr lang="en-US" dirty="0"/>
-          </a:p>
-        </p:txBody>
-      </p:sp>
-      <p:pic>
-        <p:nvPicPr>
-          <p:cNvPr id="3" name="Picture 2" descr="21258 NIWeek Presenter PPT_blank.png"/>
-          <p:cNvPicPr>
-            <a:picLocks noChangeAspect="1"/>
-          </p:cNvPicPr>
-          <p:nvPr/>
-        </p:nvPicPr>
-        <p:blipFill>
-          <a:blip r:embed="rId2" cstate="print">
-            <a:extLst>
-              <a:ext uri="{28A0092B-C50C-407E-A947-70E740481C1C}">
-                <a14:useLocalDpi xmlns:a14="http://schemas.microsoft.com/office/drawing/2010/main" val="0"/>
-              </a:ext>
-            </a:extLst>
-          </a:blip>
-          <a:stretch>
-            <a:fillRect/>
-          </a:stretch>
-        </p:blipFill>
-        <p:spPr>
-          <a:xfrm>
-            <a:off x="-1" y="1"/>
-            <a:ext cx="12235373" cy="6878593"/>
-          </a:xfrm>
-          <a:prstGeom prst="rect">
-            <a:avLst/>
-          </a:prstGeom>
-        </p:spPr>
-      </p:pic>
-    </p:spTree>
-    <p:extLst>
-      <p:ext uri="{BB962C8B-B14F-4D97-AF65-F5344CB8AC3E}">
-        <p14:creationId xmlns:p14="http://schemas.microsoft.com/office/powerpoint/2010/main" val="2836634976"/>
-      </p:ext>
-    </p:extLst>
-  </p:cSld>
-  <p:clrMapOvr>
-    <a:masterClrMapping/>
-  </p:clrMapOvr>
-</p:sldLayout>
-</file>
-
-<file path=ppt/slideLayouts/slideLayout11.xml><?xml version="1.0" encoding="utf-8"?>
-<p:sldLayout xmlns:a="http://schemas.openxmlformats.org/drawingml/2006/main" xmlns:r="http://schemas.openxmlformats.org/officeDocument/2006/relationships" xmlns:p="http://schemas.openxmlformats.org/presentationml/2006/main" preserve="1">
-  <p:cSld name="1_Custom Layout">
-    <p:spTree>
-      <p:nvGrpSpPr>
-        <p:cNvPr id="1" name=""/>
-        <p:cNvGrpSpPr/>
-        <p:nvPr/>
-      </p:nvGrpSpPr>
-      <p:grpSpPr>
-        <a:xfrm>
-          <a:off x="0" y="0"/>
-          <a:ext cx="0" cy="0"/>
-          <a:chOff x="0" y="0"/>
-          <a:chExt cx="0" cy="0"/>
-        </a:xfrm>
-      </p:grpSpPr>
-      <p:pic>
-        <p:nvPicPr>
-          <p:cNvPr id="2" name="Picture 1"/>
-          <p:cNvPicPr>
-            <a:picLocks noChangeAspect="1"/>
-          </p:cNvPicPr>
-          <p:nvPr/>
-        </p:nvPicPr>
-        <p:blipFill>
-          <a:blip r:embed="rId2" cstate="print">
-            <a:extLst>
-              <a:ext uri="{28A0092B-C50C-407E-A947-70E740481C1C}">
-                <a14:useLocalDpi xmlns:a14="http://schemas.microsoft.com/office/drawing/2010/main" val="0"/>
-              </a:ext>
-            </a:extLst>
-          </a:blip>
-          <a:stretch>
-            <a:fillRect/>
-          </a:stretch>
-        </p:blipFill>
-        <p:spPr>
-          <a:xfrm>
-            <a:off x="-1" y="0"/>
-            <a:ext cx="12235373" cy="6878592"/>
-          </a:xfrm>
-          <a:prstGeom prst="rect">
-            <a:avLst/>
-          </a:prstGeom>
-        </p:spPr>
-      </p:pic>
-    </p:spTree>
-    <p:extLst>
-      <p:ext uri="{BB962C8B-B14F-4D97-AF65-F5344CB8AC3E}">
-        <p14:creationId xmlns:p14="http://schemas.microsoft.com/office/powerpoint/2010/main" val="2941846706"/>
-      </p:ext>
-    </p:extLst>
-  </p:cSld>
-  <p:clrMapOvr>
-    <a:masterClrMapping/>
-  </p:clrMapOvr>
-</p:sldLayout>
-</file>
-
-<file path=ppt/slideLayouts/slideLayout12.xml><?xml version="1.0" encoding="utf-8"?>
-<p:sldLayout xmlns:a="http://schemas.openxmlformats.org/drawingml/2006/main" xmlns:r="http://schemas.openxmlformats.org/officeDocument/2006/relationships" xmlns:p="http://schemas.openxmlformats.org/presentationml/2006/main" type="titleOnly">
-  <p:cSld name="Title Only">
-    <p:spTree>
-      <p:nvGrpSpPr>
-        <p:cNvPr id="1" name=""/>
-        <p:cNvGrpSpPr/>
-        <p:nvPr/>
-      </p:nvGrpSpPr>
-      <p:grpSpPr>
-        <a:xfrm>
-          <a:off x="0" y="0"/>
-          <a:ext cx="0" cy="0"/>
-          <a:chOff x="0" y="0"/>
-          <a:chExt cx="0" cy="0"/>
-        </a:xfrm>
-      </p:grpSpPr>
-      <p:sp>
-        <p:nvSpPr>
-          <p:cNvPr id="2" name="Title 1"/>
-          <p:cNvSpPr>
-            <a:spLocks noGrp="1"/>
-          </p:cNvSpPr>
-          <p:nvPr>
-            <p:ph type="title"/>
-          </p:nvPr>
-        </p:nvSpPr>
-        <p:spPr/>
-        <p:txBody>
-          <a:bodyPr/>
-          <a:lstStyle/>
-          <a:p>
-            <a:r>
-              <a:rPr lang="en-US"/>
-              <a:t>Click to edit Master title style</a:t>
-            </a:r>
-          </a:p>
-        </p:txBody>
-      </p:sp>
-      <p:sp>
-        <p:nvSpPr>
-          <p:cNvPr id="3" name="Date Placeholder 2"/>
-          <p:cNvSpPr>
-            <a:spLocks noGrp="1"/>
-          </p:cNvSpPr>
-          <p:nvPr>
-            <p:ph type="dt" sz="half" idx="10"/>
-          </p:nvPr>
-        </p:nvSpPr>
-        <p:spPr>
-          <a:xfrm>
-            <a:off x="609600" y="6356351"/>
-            <a:ext cx="2844800" cy="365125"/>
-          </a:xfrm>
-          <a:prstGeom prst="rect">
-            <a:avLst/>
-          </a:prstGeom>
-        </p:spPr>
-        <p:txBody>
-          <a:bodyPr/>
-          <a:lstStyle/>
-          <a:p>
-            <a:fld id="{6E45710A-4519-41B6-B07B-35488FDACA05}" type="datetimeFigureOut">
-              <a:rPr lang="en-US" smtClean="0"/>
-              <a:t>2018-06-14</a:t>
-            </a:fld>
-            <a:endParaRPr lang="en-US" dirty="0"/>
-          </a:p>
-        </p:txBody>
-      </p:sp>
-      <p:sp>
-        <p:nvSpPr>
-          <p:cNvPr id="4" name="Footer Placeholder 3"/>
-          <p:cNvSpPr>
-            <a:spLocks noGrp="1"/>
-          </p:cNvSpPr>
-          <p:nvPr>
-            <p:ph type="ftr" sz="quarter" idx="11"/>
-          </p:nvPr>
-        </p:nvSpPr>
-        <p:spPr>
-          <a:xfrm>
-            <a:off x="4165600" y="6356351"/>
-            <a:ext cx="3860800" cy="365125"/>
-          </a:xfrm>
-          <a:prstGeom prst="rect">
-            <a:avLst/>
-          </a:prstGeom>
-        </p:spPr>
-        <p:txBody>
-          <a:bodyPr/>
-          <a:lstStyle/>
-          <a:p>
-            <a:endParaRPr lang="en-US" dirty="0"/>
-          </a:p>
-        </p:txBody>
-      </p:sp>
-      <p:sp>
-        <p:nvSpPr>
-          <p:cNvPr id="5" name="Slide Number Placeholder 4"/>
-          <p:cNvSpPr>
-            <a:spLocks noGrp="1"/>
-          </p:cNvSpPr>
-          <p:nvPr>
-            <p:ph type="sldNum" sz="quarter" idx="12"/>
-          </p:nvPr>
-        </p:nvSpPr>
-        <p:spPr>
-          <a:xfrm>
-            <a:off x="8737600" y="6356351"/>
-            <a:ext cx="2844800" cy="365125"/>
-          </a:xfrm>
-          <a:prstGeom prst="rect">
-            <a:avLst/>
-          </a:prstGeom>
-        </p:spPr>
-        <p:txBody>
-          <a:bodyPr/>
-          <a:lstStyle/>
-          <a:p>
-            <a:fld id="{D3F7266E-74CF-4B6F-B71E-E486F3C5BCD2}" type="slidenum">
-              <a:rPr lang="en-US" smtClean="0"/>
-              <a:t>‹#›</a:t>
-            </a:fld>
-            <a:endParaRPr lang="en-US" dirty="0"/>
-          </a:p>
-        </p:txBody>
-      </p:sp>
-    </p:spTree>
-    <p:extLst>
-      <p:ext uri="{BB962C8B-B14F-4D97-AF65-F5344CB8AC3E}">
-        <p14:creationId xmlns:p14="http://schemas.microsoft.com/office/powerpoint/2010/main" val="1689639293"/>
-      </p:ext>
-    </p:extLst>
-  </p:cSld>
-  <p:clrMapOvr>
-    <a:masterClrMapping/>
-  </p:clrMapOvr>
-</p:sldLayout>
-</file>
-
-<file path=ppt/slideLayouts/slideLayout13.xml><?xml version="1.0" encoding="utf-8"?>
-<p:sldLayout xmlns:a="http://schemas.openxmlformats.org/drawingml/2006/main" xmlns:r="http://schemas.openxmlformats.org/officeDocument/2006/relationships" xmlns:p="http://schemas.openxmlformats.org/presentationml/2006/main" showMasterSp="0">
-  <p:cSld name="External_Title Slide">
-    <p:bg>
-      <p:bgPr>
-        <a:solidFill>
-          <a:schemeClr val="bg1"/>
-        </a:solidFill>
-        <a:effectLst/>
-      </p:bgPr>
-    </p:bg>
-    <p:spTree>
-      <p:nvGrpSpPr>
-        <p:cNvPr id="1" name=""/>
-        <p:cNvGrpSpPr/>
-        <p:nvPr/>
-      </p:nvGrpSpPr>
-      <p:grpSpPr>
-        <a:xfrm>
-          <a:off x="0" y="0"/>
-          <a:ext cx="0" cy="0"/>
-          <a:chOff x="0" y="0"/>
-          <a:chExt cx="0" cy="0"/>
-        </a:xfrm>
-      </p:grpSpPr>
-      <p:sp>
-        <p:nvSpPr>
-          <p:cNvPr id="7" name="Rectangle 6"/>
-          <p:cNvSpPr/>
-          <p:nvPr/>
-        </p:nvSpPr>
-        <p:spPr>
-          <a:xfrm>
-            <a:off x="0" y="2"/>
-            <a:ext cx="12203992" cy="4375505"/>
+            <a:ext cx="12203992" cy="6858000"/>
           </a:xfrm>
           <a:prstGeom prst="rect">
             <a:avLst/>
@@ -10706,6 +10310,122 @@
           </a:fontRef>
         </p:style>
         <p:txBody>
+          <a:bodyPr rtlCol="0" anchor="ctr"/>
+          <a:lstStyle/>
+          <a:p>
+            <a:pPr algn="ctr"/>
+            <a:endParaRPr lang="en-US" sz="2400"/>
+          </a:p>
+        </p:txBody>
+      </p:sp>
+      <p:pic>
+        <p:nvPicPr>
+          <p:cNvPr id="3" name="Picture 2"/>
+          <p:cNvPicPr>
+            <a:picLocks noChangeAspect="1"/>
+          </p:cNvPicPr>
+          <p:nvPr/>
+        </p:nvPicPr>
+        <p:blipFill>
+          <a:blip r:embed="rId2">
+            <a:extLst>
+              <a:ext uri="{28A0092B-C50C-407E-A947-70E740481C1C}">
+                <a14:useLocalDpi xmlns:a14="http://schemas.microsoft.com/office/drawing/2010/main"/>
+              </a:ext>
+            </a:extLst>
+          </a:blip>
+          <a:stretch>
+            <a:fillRect/>
+          </a:stretch>
+        </p:blipFill>
+        <p:spPr>
+          <a:xfrm>
+            <a:off x="4273196" y="2985870"/>
+            <a:ext cx="3657600" cy="886263"/>
+          </a:xfrm>
+          <a:prstGeom prst="rect">
+            <a:avLst/>
+          </a:prstGeom>
+        </p:spPr>
+      </p:pic>
+    </p:spTree>
+    <p:extLst>
+      <p:ext uri="{BB962C8B-B14F-4D97-AF65-F5344CB8AC3E}">
+        <p14:creationId xmlns:p14="http://schemas.microsoft.com/office/powerpoint/2010/main" val="2740098821"/>
+      </p:ext>
+    </p:extLst>
+  </p:cSld>
+  <p:clrMapOvr>
+    <a:masterClrMapping/>
+  </p:clrMapOvr>
+  <p:extLst mod="1">
+    <p:ext uri="{DCECCB84-F9BA-43D5-87BE-67443E8EF086}">
+      <p15:sldGuideLst xmlns:p15="http://schemas.microsoft.com/office/powerpoint/2012/main">
+        <p15:guide id="2" pos="2880">
+          <p15:clr>
+            <a:srgbClr val="FBAE40"/>
+          </p15:clr>
+        </p15:guide>
+      </p15:sldGuideLst>
+    </p:ext>
+  </p:extLst>
+</p:sldLayout>
+</file>
+
+<file path=ppt/slideLayouts/slideLayout10.xml><?xml version="1.0" encoding="utf-8"?>
+<p:sldLayout xmlns:a="http://schemas.openxmlformats.org/drawingml/2006/main" xmlns:r="http://schemas.openxmlformats.org/officeDocument/2006/relationships" xmlns:p="http://schemas.openxmlformats.org/presentationml/2006/main" showMasterSp="0" preserve="1">
+  <p:cSld name="External_Text with Full Image L">
+    <p:spTree>
+      <p:nvGrpSpPr>
+        <p:cNvPr id="1" name=""/>
+        <p:cNvGrpSpPr/>
+        <p:nvPr/>
+      </p:nvGrpSpPr>
+      <p:grpSpPr>
+        <a:xfrm>
+          <a:off x="0" y="0"/>
+          <a:ext cx="0" cy="0"/>
+          <a:chOff x="0" y="0"/>
+          <a:chExt cx="0" cy="0"/>
+        </a:xfrm>
+      </p:grpSpPr>
+      <p:sp>
+        <p:nvSpPr>
+          <p:cNvPr id="6" name="Rectangle 5"/>
+          <p:cNvSpPr/>
+          <p:nvPr/>
+        </p:nvSpPr>
+        <p:spPr>
+          <a:xfrm>
+            <a:off x="0" y="0"/>
+            <a:ext cx="12192000" cy="97536"/>
+          </a:xfrm>
+          <a:prstGeom prst="rect">
+            <a:avLst/>
+          </a:prstGeom>
+          <a:solidFill>
+            <a:srgbClr val="0A60A3"/>
+          </a:solidFill>
+          <a:ln>
+            <a:noFill/>
+          </a:ln>
+          <a:effectLst/>
+        </p:spPr>
+        <p:style>
+          <a:lnRef idx="1">
+            <a:schemeClr val="accent1"/>
+          </a:lnRef>
+          <a:fillRef idx="3">
+            <a:schemeClr val="accent1"/>
+          </a:fillRef>
+          <a:effectRef idx="2">
+            <a:schemeClr val="accent1"/>
+          </a:effectRef>
+          <a:fontRef idx="minor">
+            <a:schemeClr val="lt1"/>
+          </a:fontRef>
+        </p:style>
+        <p:txBody>
           <a:bodyPr lIns="0" rIns="0" rtlCol="0" anchor="ctr"/>
           <a:lstStyle/>
           <a:p>
@@ -10716,268 +10436,173 @@
       </p:sp>
       <p:sp>
         <p:nvSpPr>
-          <p:cNvPr id="2" name="Title 1"/>
+          <p:cNvPr id="4" name="Title Placeholder 1"/>
           <p:cNvSpPr>
             <a:spLocks noGrp="1"/>
           </p:cNvSpPr>
           <p:nvPr>
-            <p:ph type="ctrTitle" hasCustomPrompt="1"/>
+            <p:ph type="title" hasCustomPrompt="1"/>
           </p:nvPr>
         </p:nvSpPr>
         <p:spPr>
           <a:xfrm>
-            <a:off x="605368" y="1121833"/>
-            <a:ext cx="10981265" cy="2387600"/>
+            <a:off x="4881032" y="390144"/>
+            <a:ext cx="6705600" cy="573024"/>
           </a:xfrm>
+          <a:prstGeom prst="rect">
+            <a:avLst/>
+          </a:prstGeom>
         </p:spPr>
         <p:txBody>
-          <a:bodyPr anchor="b"/>
+          <a:bodyPr vert="horz" lIns="0" tIns="45720" rIns="0" bIns="45720" rtlCol="0" anchor="ctr">
+            <a:noAutofit/>
+          </a:bodyPr>
           <a:lstStyle>
-            <a:lvl1pPr algn="ctr">
-              <a:defRPr sz="3733" baseline="0">
-                <a:solidFill>
-                  <a:schemeClr val="bg1"/>
-                </a:solidFill>
-              </a:defRPr>
-            </a:lvl1pPr>
-          </a:lstStyle>
-          <a:p>
-            <a:r>
-              <a:rPr lang="en-US" dirty="0"/>
-              <a:t>Presentation Title</a:t>
-            </a:r>
-          </a:p>
-        </p:txBody>
-      </p:sp>
-      <p:sp>
-        <p:nvSpPr>
-          <p:cNvPr id="3" name="Subtitle 2"/>
-          <p:cNvSpPr>
-            <a:spLocks noGrp="1"/>
-          </p:cNvSpPr>
-          <p:nvPr>
-            <p:ph type="subTitle" idx="1" hasCustomPrompt="1"/>
-          </p:nvPr>
-        </p:nvSpPr>
-        <p:spPr>
-          <a:xfrm>
-            <a:off x="605367" y="3509434"/>
-            <a:ext cx="10981267" cy="757767"/>
-          </a:xfrm>
-        </p:spPr>
-        <p:txBody>
-          <a:bodyPr/>
-          <a:lstStyle>
-            <a:lvl1pPr marL="0" marR="0" indent="0" algn="ctr" defTabSz="1219170" rtl="0" eaLnBrk="1" fontAlgn="auto" latinLnBrk="0" hangingPunct="1">
-              <a:lnSpc>
-                <a:spcPts val="2133"/>
-              </a:lnSpc>
-              <a:spcBef>
-                <a:spcPts val="1333"/>
-              </a:spcBef>
-              <a:spcAft>
-                <a:spcPts val="0"/>
-              </a:spcAft>
-              <a:buClrTx/>
-              <a:buSzTx/>
-              <a:buFont typeface="Arial"/>
-              <a:buNone/>
-              <a:tabLst/>
-              <a:defRPr sz="2400" baseline="0">
-                <a:solidFill>
-                  <a:schemeClr val="bg1"/>
-                </a:solidFill>
-              </a:defRPr>
-            </a:lvl1pPr>
-            <a:lvl2pPr marL="609585" indent="0" algn="ctr">
-              <a:buNone/>
-              <a:defRPr sz="2667"/>
-            </a:lvl2pPr>
-            <a:lvl3pPr marL="1219170" indent="0" algn="ctr">
-              <a:buNone/>
-              <a:defRPr sz="2400"/>
-            </a:lvl3pPr>
-            <a:lvl4pPr marL="1828754" indent="0" algn="ctr">
-              <a:buNone/>
-              <a:defRPr sz="2133"/>
-            </a:lvl4pPr>
-            <a:lvl5pPr marL="2438339" indent="0" algn="ctr">
-              <a:buNone/>
-              <a:defRPr sz="2133"/>
-            </a:lvl5pPr>
-            <a:lvl6pPr marL="3047924" indent="0" algn="ctr">
-              <a:buNone/>
-              <a:defRPr sz="2133"/>
-            </a:lvl6pPr>
-            <a:lvl7pPr marL="3657509" indent="0" algn="ctr">
-              <a:buNone/>
-              <a:defRPr sz="2133"/>
-            </a:lvl7pPr>
-            <a:lvl8pPr marL="4267093" indent="0" algn="ctr">
-              <a:buNone/>
-              <a:defRPr sz="2133"/>
-            </a:lvl8pPr>
-            <a:lvl9pPr marL="4876678" indent="0" algn="ctr">
-              <a:buNone/>
-              <a:defRPr sz="2133"/>
-            </a:lvl9pPr>
-          </a:lstStyle>
-          <a:p>
-            <a:r>
-              <a:rPr lang="en-US" dirty="0"/>
-              <a:t>Subhead</a:t>
-            </a:r>
-          </a:p>
-        </p:txBody>
-      </p:sp>
-      <p:sp>
-        <p:nvSpPr>
-          <p:cNvPr id="17" name="Text Placeholder 16"/>
-          <p:cNvSpPr>
-            <a:spLocks noGrp="1"/>
-          </p:cNvSpPr>
-          <p:nvPr>
-            <p:ph type="body" sz="quarter" idx="12" hasCustomPrompt="1"/>
-          </p:nvPr>
-        </p:nvSpPr>
-        <p:spPr>
-          <a:xfrm>
-            <a:off x="605367" y="4631266"/>
-            <a:ext cx="10981267" cy="414868"/>
-          </a:xfrm>
-        </p:spPr>
-        <p:txBody>
-          <a:bodyPr/>
-          <a:lstStyle>
-            <a:lvl1pPr marL="0" marR="0" indent="0" algn="ctr" defTabSz="1219170" rtl="0" eaLnBrk="1" fontAlgn="auto" latinLnBrk="0" hangingPunct="1">
-              <a:lnSpc>
-                <a:spcPct val="100000"/>
-              </a:lnSpc>
-              <a:spcBef>
-                <a:spcPts val="533"/>
-              </a:spcBef>
-              <a:spcAft>
-                <a:spcPts val="800"/>
-              </a:spcAft>
-              <a:buClr>
-                <a:schemeClr val="bg2">
-                  <a:lumMod val="50000"/>
-                </a:schemeClr>
-              </a:buClr>
-              <a:buSzPct val="70000"/>
-              <a:buFont typeface="Wingdings" charset="2"/>
-              <a:buNone/>
-              <a:tabLst>
-                <a:tab pos="243411" algn="l"/>
-                <a:tab pos="4944410" algn="l"/>
-              </a:tabLst>
-              <a:defRPr sz="2133">
+            <a:lvl1pPr>
+              <a:defRPr>
                 <a:solidFill>
                   <a:schemeClr val="bg2">
-                    <a:lumMod val="50000"/>
+                    <a:lumMod val="25000"/>
                   </a:schemeClr>
                 </a:solidFill>
               </a:defRPr>
             </a:lvl1pPr>
           </a:lstStyle>
           <a:p>
-            <a:pPr algn="ctr">
-              <a:spcAft>
-                <a:spcPts val="600"/>
-              </a:spcAft>
-            </a:pPr>
-            <a:r>
-              <a:rPr lang="en-US" dirty="0">
-                <a:solidFill>
-                  <a:schemeClr val="tx1">
-                    <a:lumMod val="50000"/>
-                    <a:lumOff val="50000"/>
-                  </a:schemeClr>
-                </a:solidFill>
-              </a:rPr>
-              <a:t>Speaker</a:t>
-            </a:r>
-            <a:endParaRPr lang="en-US" sz="1867" dirty="0">
-              <a:solidFill>
-                <a:schemeClr val="bg1">
-                  <a:lumMod val="65000"/>
-                </a:schemeClr>
-              </a:solidFill>
-            </a:endParaRPr>
-          </a:p>
-        </p:txBody>
-      </p:sp>
-      <p:sp>
-        <p:nvSpPr>
-          <p:cNvPr id="21" name="Text Placeholder 20"/>
+            <a:r>
+              <a:rPr lang="en-US" dirty="0"/>
+              <a:t>Click to Edit Master Title Style</a:t>
+            </a:r>
+          </a:p>
+        </p:txBody>
+      </p:sp>
+      <p:sp>
+        <p:nvSpPr>
+          <p:cNvPr id="5" name="Text Placeholder 2"/>
           <p:cNvSpPr>
             <a:spLocks noGrp="1"/>
           </p:cNvSpPr>
           <p:nvPr>
-            <p:ph type="body" sz="quarter" idx="13" hasCustomPrompt="1"/>
+            <p:ph idx="1" hasCustomPrompt="1"/>
           </p:nvPr>
         </p:nvSpPr>
         <p:spPr>
           <a:xfrm>
-            <a:off x="605367" y="5046134"/>
-            <a:ext cx="10981267" cy="463551"/>
+            <a:off x="4881033" y="1014208"/>
+            <a:ext cx="6705600" cy="5206977"/>
           </a:xfrm>
+          <a:prstGeom prst="rect">
+            <a:avLst/>
+          </a:prstGeom>
         </p:spPr>
         <p:txBody>
-          <a:bodyPr/>
+          <a:bodyPr vert="horz" lIns="0" tIns="45720" rIns="0" bIns="45720" rtlCol="0">
+            <a:noAutofit/>
+          </a:bodyPr>
           <a:lstStyle>
-            <a:lvl1pPr marL="0" marR="0" indent="0" algn="ctr" defTabSz="1219170" rtl="0" eaLnBrk="1" fontAlgn="auto" latinLnBrk="0" hangingPunct="1">
+            <a:lvl1pPr>
               <a:lnSpc>
-                <a:spcPct val="100000"/>
+                <a:spcPct val="90000"/>
               </a:lnSpc>
-              <a:spcBef>
-                <a:spcPts val="533"/>
-              </a:spcBef>
-              <a:spcAft>
-                <a:spcPts val="800"/>
-              </a:spcAft>
-              <a:buClr>
-                <a:schemeClr val="bg2">
-                  <a:lumMod val="50000"/>
-                </a:schemeClr>
-              </a:buClr>
-              <a:buSzPct val="70000"/>
-              <a:buFont typeface="Wingdings" charset="2"/>
-              <a:buNone/>
-              <a:tabLst>
-                <a:tab pos="243834" algn="l"/>
-              </a:tabLst>
-              <a:defRPr sz="1867">
-                <a:solidFill>
-                  <a:schemeClr val="bg2">
-                    <a:lumMod val="50000"/>
-                  </a:schemeClr>
-                </a:solidFill>
-              </a:defRPr>
+              <a:defRPr lang="en-US" dirty="0" smtClean="0"/>
             </a:lvl1pPr>
           </a:lstStyle>
           <a:p>
-            <a:pPr>
-              <a:spcAft>
-                <a:spcPts val="600"/>
-              </a:spcAft>
+            <a:pPr lvl="0">
+              <a:lnSpc>
+                <a:spcPct val="90000"/>
+              </a:lnSpc>
             </a:pPr>
             <a:r>
-              <a:rPr lang="en-US" dirty="0">
-                <a:solidFill>
-                  <a:schemeClr val="bg1">
-                    <a:lumMod val="65000"/>
-                  </a:schemeClr>
-                </a:solidFill>
-              </a:rPr>
-              <a:t>Title</a:t>
-            </a:r>
+              <a:rPr lang="en-US" dirty="0"/>
+              <a:t>Master text styles</a:t>
+            </a:r>
+          </a:p>
+          <a:p>
+            <a:pPr lvl="1"/>
+            <a:r>
+              <a:rPr lang="en-US" dirty="0"/>
+              <a:t>Second level</a:t>
+            </a:r>
+          </a:p>
+          <a:p>
+            <a:pPr lvl="2"/>
+            <a:r>
+              <a:rPr lang="en-US" dirty="0"/>
+              <a:t>Third level</a:t>
+            </a:r>
+          </a:p>
+          <a:p>
+            <a:pPr lvl="3"/>
+            <a:r>
+              <a:rPr lang="en-US" dirty="0"/>
+              <a:t>Fourth level</a:t>
+            </a:r>
+          </a:p>
+          <a:p>
+            <a:pPr lvl="3"/>
+            <a:endParaRPr lang="en-US" dirty="0"/>
+          </a:p>
+        </p:txBody>
+      </p:sp>
+      <p:sp>
+        <p:nvSpPr>
+          <p:cNvPr id="12" name="Picture Placeholder 11"/>
+          <p:cNvSpPr>
+            <a:spLocks noGrp="1"/>
+          </p:cNvSpPr>
+          <p:nvPr>
+            <p:ph type="pic" sz="quarter" idx="10" hasCustomPrompt="1"/>
+          </p:nvPr>
+        </p:nvSpPr>
+        <p:spPr>
+          <a:xfrm>
+            <a:off x="0" y="0"/>
+            <a:ext cx="4572000" cy="6858000"/>
+          </a:xfrm>
+          <a:solidFill>
+            <a:schemeClr val="bg1">
+              <a:lumMod val="95000"/>
+            </a:schemeClr>
+          </a:solidFill>
+          <a:ln>
+            <a:noFill/>
+          </a:ln>
+        </p:spPr>
+        <p:txBody>
+          <a:bodyPr vert="horz" lIns="0" tIns="45717" rIns="0" bIns="45717" rtlCol="0" anchor="ctr">
+            <a:noAutofit/>
+          </a:bodyPr>
+          <a:lstStyle>
+            <a:lvl1pPr marL="243834" indent="-243834" algn="ctr">
+              <a:buNone/>
+              <a:defRPr lang="en-US" sz="1867" spc="0" dirty="0" smtClean="0"/>
+            </a:lvl1pPr>
+          </a:lstStyle>
+          <a:p>
+            <a:pPr marL="0" lvl="0" indent="0" algn="ctr"/>
+            <a:r>
+              <a:rPr lang="en-US" dirty="0"/>
+              <a:t>Drag or insert full bleed image</a:t>
+            </a:r>
+            <a:br>
+              <a:rPr lang="en-US" dirty="0"/>
+            </a:br>
+            <a:r>
+              <a:rPr lang="en-US" dirty="0"/>
+              <a:t>Use minimum height 1690 </a:t>
+            </a:r>
+            <a:r>
+              <a:rPr lang="en-US" dirty="0" err="1"/>
+              <a:t>px</a:t>
+            </a:r>
+            <a:endParaRPr lang="en-US" dirty="0"/>
           </a:p>
         </p:txBody>
       </p:sp>
       <p:pic>
         <p:nvPicPr>
-          <p:cNvPr id="11" name="Picture 10"/>
+          <p:cNvPr id="8" name="Picture 7"/>
           <p:cNvPicPr>
             <a:picLocks noChangeAspect="1"/>
           </p:cNvPicPr>
@@ -11005,9 +10630,1831 @@
           </a:prstGeom>
         </p:spPr>
       </p:pic>
-      <p:sp>
-        <p:nvSpPr>
-          <p:cNvPr id="10" name="Footer Placeholder 3"/>
+    </p:spTree>
+    <p:extLst>
+      <p:ext uri="{BB962C8B-B14F-4D97-AF65-F5344CB8AC3E}">
+        <p14:creationId xmlns:p14="http://schemas.microsoft.com/office/powerpoint/2010/main" val="29644253"/>
+      </p:ext>
+    </p:extLst>
+  </p:cSld>
+  <p:clrMapOvr>
+    <a:masterClrMapping/>
+  </p:clrMapOvr>
+  <p:extLst mod="1">
+    <p:ext uri="{DCECCB84-F9BA-43D5-87BE-67443E8EF086}">
+      <p15:sldGuideLst xmlns:p15="http://schemas.microsoft.com/office/powerpoint/2012/main">
+        <p15:guide id="2" pos="2880">
+          <p15:clr>
+            <a:srgbClr val="FBAE40"/>
+          </p15:clr>
+        </p15:guide>
+      </p15:sldGuideLst>
+    </p:ext>
+  </p:extLst>
+</p:sldLayout>
+</file>
+
+<file path=ppt/slideLayouts/slideLayout11.xml><?xml version="1.0" encoding="utf-8"?>
+<p:sldLayout xmlns:a="http://schemas.openxmlformats.org/drawingml/2006/main" xmlns:r="http://schemas.openxmlformats.org/officeDocument/2006/relationships" xmlns:p="http://schemas.openxmlformats.org/presentationml/2006/main" showMasterSp="0" preserve="1">
+  <p:cSld name="External_Text with Full Image L white logo">
+    <p:spTree>
+      <p:nvGrpSpPr>
+        <p:cNvPr id="1" name=""/>
+        <p:cNvGrpSpPr/>
+        <p:nvPr/>
+      </p:nvGrpSpPr>
+      <p:grpSpPr>
+        <a:xfrm>
+          <a:off x="0" y="0"/>
+          <a:ext cx="0" cy="0"/>
+          <a:chOff x="0" y="0"/>
+          <a:chExt cx="0" cy="0"/>
+        </a:xfrm>
+      </p:grpSpPr>
+      <p:sp>
+        <p:nvSpPr>
+          <p:cNvPr id="6" name="Rectangle 5"/>
+          <p:cNvSpPr/>
+          <p:nvPr/>
+        </p:nvSpPr>
+        <p:spPr>
+          <a:xfrm>
+            <a:off x="0" y="0"/>
+            <a:ext cx="12192000" cy="97536"/>
+          </a:xfrm>
+          <a:prstGeom prst="rect">
+            <a:avLst/>
+          </a:prstGeom>
+          <a:solidFill>
+            <a:srgbClr val="0A60A3"/>
+          </a:solidFill>
+          <a:ln>
+            <a:noFill/>
+          </a:ln>
+          <a:effectLst/>
+        </p:spPr>
+        <p:style>
+          <a:lnRef idx="1">
+            <a:schemeClr val="accent1"/>
+          </a:lnRef>
+          <a:fillRef idx="3">
+            <a:schemeClr val="accent1"/>
+          </a:fillRef>
+          <a:effectRef idx="2">
+            <a:schemeClr val="accent1"/>
+          </a:effectRef>
+          <a:fontRef idx="minor">
+            <a:schemeClr val="lt1"/>
+          </a:fontRef>
+        </p:style>
+        <p:txBody>
+          <a:bodyPr lIns="0" rIns="0" rtlCol="0" anchor="ctr"/>
+          <a:lstStyle/>
+          <a:p>
+            <a:pPr algn="ctr"/>
+            <a:endParaRPr lang="en-US" sz="2400"/>
+          </a:p>
+        </p:txBody>
+      </p:sp>
+      <p:sp>
+        <p:nvSpPr>
+          <p:cNvPr id="4" name="Title Placeholder 1"/>
+          <p:cNvSpPr>
+            <a:spLocks noGrp="1"/>
+          </p:cNvSpPr>
+          <p:nvPr>
+            <p:ph type="title" hasCustomPrompt="1"/>
+          </p:nvPr>
+        </p:nvSpPr>
+        <p:spPr>
+          <a:xfrm>
+            <a:off x="4881032" y="390144"/>
+            <a:ext cx="6705600" cy="573024"/>
+          </a:xfrm>
+          <a:prstGeom prst="rect">
+            <a:avLst/>
+          </a:prstGeom>
+        </p:spPr>
+        <p:txBody>
+          <a:bodyPr vert="horz" lIns="0" tIns="45720" rIns="0" bIns="45720" rtlCol="0" anchor="ctr">
+            <a:noAutofit/>
+          </a:bodyPr>
+          <a:lstStyle>
+            <a:lvl1pPr>
+              <a:defRPr>
+                <a:solidFill>
+                  <a:schemeClr val="bg2">
+                    <a:lumMod val="25000"/>
+                  </a:schemeClr>
+                </a:solidFill>
+              </a:defRPr>
+            </a:lvl1pPr>
+          </a:lstStyle>
+          <a:p>
+            <a:r>
+              <a:rPr lang="en-US" dirty="0"/>
+              <a:t>Click to Edit Master Title Style</a:t>
+            </a:r>
+          </a:p>
+        </p:txBody>
+      </p:sp>
+      <p:sp>
+        <p:nvSpPr>
+          <p:cNvPr id="5" name="Text Placeholder 2"/>
+          <p:cNvSpPr>
+            <a:spLocks noGrp="1"/>
+          </p:cNvSpPr>
+          <p:nvPr>
+            <p:ph idx="1" hasCustomPrompt="1"/>
+          </p:nvPr>
+        </p:nvSpPr>
+        <p:spPr>
+          <a:xfrm>
+            <a:off x="4881033" y="976107"/>
+            <a:ext cx="6705600" cy="5206977"/>
+          </a:xfrm>
+          <a:prstGeom prst="rect">
+            <a:avLst/>
+          </a:prstGeom>
+        </p:spPr>
+        <p:txBody>
+          <a:bodyPr vert="horz" lIns="0" tIns="45720" rIns="0" bIns="45720" rtlCol="0">
+            <a:noAutofit/>
+          </a:bodyPr>
+          <a:lstStyle>
+            <a:lvl1pPr>
+              <a:lnSpc>
+                <a:spcPct val="90000"/>
+              </a:lnSpc>
+              <a:defRPr lang="en-US" dirty="0" smtClean="0"/>
+            </a:lvl1pPr>
+          </a:lstStyle>
+          <a:p>
+            <a:pPr lvl="0">
+              <a:lnSpc>
+                <a:spcPct val="90000"/>
+              </a:lnSpc>
+            </a:pPr>
+            <a:r>
+              <a:rPr lang="en-US" dirty="0"/>
+              <a:t>Master text styles</a:t>
+            </a:r>
+          </a:p>
+          <a:p>
+            <a:pPr lvl="1"/>
+            <a:r>
+              <a:rPr lang="en-US" dirty="0"/>
+              <a:t>Second level</a:t>
+            </a:r>
+          </a:p>
+          <a:p>
+            <a:pPr lvl="2"/>
+            <a:r>
+              <a:rPr lang="en-US" dirty="0"/>
+              <a:t>Third level</a:t>
+            </a:r>
+          </a:p>
+          <a:p>
+            <a:pPr lvl="3"/>
+            <a:r>
+              <a:rPr lang="en-US" dirty="0"/>
+              <a:t>Fourth level</a:t>
+            </a:r>
+          </a:p>
+          <a:p>
+            <a:pPr lvl="3"/>
+            <a:endParaRPr lang="en-US" dirty="0"/>
+          </a:p>
+        </p:txBody>
+      </p:sp>
+      <p:sp>
+        <p:nvSpPr>
+          <p:cNvPr id="12" name="Picture Placeholder 11"/>
+          <p:cNvSpPr>
+            <a:spLocks noGrp="1"/>
+          </p:cNvSpPr>
+          <p:nvPr>
+            <p:ph type="pic" sz="quarter" idx="10" hasCustomPrompt="1"/>
+          </p:nvPr>
+        </p:nvSpPr>
+        <p:spPr>
+          <a:xfrm>
+            <a:off x="0" y="0"/>
+            <a:ext cx="4572000" cy="6858000"/>
+          </a:xfrm>
+          <a:solidFill>
+            <a:schemeClr val="tx2"/>
+          </a:solidFill>
+          <a:ln>
+            <a:noFill/>
+          </a:ln>
+        </p:spPr>
+        <p:txBody>
+          <a:bodyPr vert="horz" lIns="0" tIns="45717" rIns="0" bIns="45717" rtlCol="0" anchor="ctr">
+            <a:noAutofit/>
+          </a:bodyPr>
+          <a:lstStyle>
+            <a:lvl1pPr marL="243834" indent="-243834" algn="ctr">
+              <a:buNone/>
+              <a:defRPr lang="en-US" sz="1867" spc="0" dirty="0" smtClean="0">
+                <a:solidFill>
+                  <a:schemeClr val="bg1"/>
+                </a:solidFill>
+              </a:defRPr>
+            </a:lvl1pPr>
+          </a:lstStyle>
+          <a:p>
+            <a:pPr marL="0" lvl="0" indent="0" algn="ctr"/>
+            <a:r>
+              <a:rPr lang="en-US" dirty="0"/>
+              <a:t>Drag or insert full bleed image</a:t>
+            </a:r>
+            <a:br>
+              <a:rPr lang="en-US" dirty="0"/>
+            </a:br>
+            <a:r>
+              <a:rPr lang="en-US" dirty="0"/>
+              <a:t>Use minimum height 1690 </a:t>
+            </a:r>
+            <a:r>
+              <a:rPr lang="en-US" dirty="0" err="1"/>
+              <a:t>px</a:t>
+            </a:r>
+            <a:endParaRPr lang="en-US" dirty="0"/>
+          </a:p>
+        </p:txBody>
+      </p:sp>
+      <p:pic>
+        <p:nvPicPr>
+          <p:cNvPr id="8" name="Picture 7"/>
+          <p:cNvPicPr>
+            <a:picLocks noChangeAspect="1"/>
+          </p:cNvPicPr>
+          <p:nvPr/>
+        </p:nvPicPr>
+        <p:blipFill>
+          <a:blip r:embed="rId2" cstate="print">
+            <a:extLst>
+              <a:ext uri="{28A0092B-C50C-407E-A947-70E740481C1C}">
+                <a14:useLocalDpi xmlns:a14="http://schemas.microsoft.com/office/drawing/2010/main" val="0"/>
+              </a:ext>
+            </a:extLst>
+          </a:blip>
+          <a:stretch>
+            <a:fillRect/>
+          </a:stretch>
+        </p:blipFill>
+        <p:spPr>
+          <a:xfrm>
+            <a:off x="615166" y="6324601"/>
+            <a:ext cx="1418889" cy="343808"/>
+          </a:xfrm>
+          <a:prstGeom prst="rect">
+            <a:avLst/>
+          </a:prstGeom>
+        </p:spPr>
+      </p:pic>
+    </p:spTree>
+    <p:extLst>
+      <p:ext uri="{BB962C8B-B14F-4D97-AF65-F5344CB8AC3E}">
+        <p14:creationId xmlns:p14="http://schemas.microsoft.com/office/powerpoint/2010/main" val="2932235441"/>
+      </p:ext>
+    </p:extLst>
+  </p:cSld>
+  <p:clrMapOvr>
+    <a:masterClrMapping/>
+  </p:clrMapOvr>
+  <p:extLst mod="1">
+    <p:ext uri="{DCECCB84-F9BA-43D5-87BE-67443E8EF086}">
+      <p15:sldGuideLst xmlns:p15="http://schemas.microsoft.com/office/powerpoint/2012/main">
+        <p15:guide id="2" pos="2880">
+          <p15:clr>
+            <a:srgbClr val="FBAE40"/>
+          </p15:clr>
+        </p15:guide>
+      </p15:sldGuideLst>
+    </p:ext>
+  </p:extLst>
+</p:sldLayout>
+</file>
+
+<file path=ppt/slideLayouts/slideLayout12.xml><?xml version="1.0" encoding="utf-8"?>
+<p:sldLayout xmlns:a="http://schemas.openxmlformats.org/drawingml/2006/main" xmlns:r="http://schemas.openxmlformats.org/officeDocument/2006/relationships" xmlns:p="http://schemas.openxmlformats.org/presentationml/2006/main" showMasterSp="0" preserve="1">
+  <p:cSld name="External_NI Product Focused with Image R">
+    <p:spTree>
+      <p:nvGrpSpPr>
+        <p:cNvPr id="1" name=""/>
+        <p:cNvGrpSpPr/>
+        <p:nvPr/>
+      </p:nvGrpSpPr>
+      <p:grpSpPr>
+        <a:xfrm>
+          <a:off x="0" y="0"/>
+          <a:ext cx="0" cy="0"/>
+          <a:chOff x="0" y="0"/>
+          <a:chExt cx="0" cy="0"/>
+        </a:xfrm>
+      </p:grpSpPr>
+      <p:sp>
+        <p:nvSpPr>
+          <p:cNvPr id="6" name="Rectangle 5"/>
+          <p:cNvSpPr/>
+          <p:nvPr/>
+        </p:nvSpPr>
+        <p:spPr>
+          <a:xfrm>
+            <a:off x="0" y="0"/>
+            <a:ext cx="12192000" cy="97536"/>
+          </a:xfrm>
+          <a:prstGeom prst="rect">
+            <a:avLst/>
+          </a:prstGeom>
+          <a:solidFill>
+            <a:srgbClr val="0A60A3"/>
+          </a:solidFill>
+          <a:ln>
+            <a:noFill/>
+          </a:ln>
+          <a:effectLst/>
+        </p:spPr>
+        <p:style>
+          <a:lnRef idx="1">
+            <a:schemeClr val="accent1"/>
+          </a:lnRef>
+          <a:fillRef idx="3">
+            <a:schemeClr val="accent1"/>
+          </a:fillRef>
+          <a:effectRef idx="2">
+            <a:schemeClr val="accent1"/>
+          </a:effectRef>
+          <a:fontRef idx="minor">
+            <a:schemeClr val="lt1"/>
+          </a:fontRef>
+        </p:style>
+        <p:txBody>
+          <a:bodyPr lIns="0" rIns="0" rtlCol="0" anchor="ctr"/>
+          <a:lstStyle/>
+          <a:p>
+            <a:pPr algn="ctr"/>
+            <a:endParaRPr lang="en-US" sz="2400"/>
+          </a:p>
+        </p:txBody>
+      </p:sp>
+      <p:sp>
+        <p:nvSpPr>
+          <p:cNvPr id="4" name="Title Placeholder 1"/>
+          <p:cNvSpPr>
+            <a:spLocks noGrp="1"/>
+          </p:cNvSpPr>
+          <p:nvPr>
+            <p:ph type="title" hasCustomPrompt="1"/>
+          </p:nvPr>
+        </p:nvSpPr>
+        <p:spPr>
+          <a:xfrm>
+            <a:off x="605367" y="365760"/>
+            <a:ext cx="6705600" cy="609600"/>
+          </a:xfrm>
+          <a:prstGeom prst="rect">
+            <a:avLst/>
+          </a:prstGeom>
+        </p:spPr>
+        <p:txBody>
+          <a:bodyPr vert="horz" lIns="0" tIns="45720" rIns="0" bIns="45720" rtlCol="0" anchor="ctr">
+            <a:noAutofit/>
+          </a:bodyPr>
+          <a:lstStyle>
+            <a:lvl1pPr>
+              <a:defRPr>
+                <a:solidFill>
+                  <a:schemeClr val="bg2">
+                    <a:lumMod val="25000"/>
+                  </a:schemeClr>
+                </a:solidFill>
+              </a:defRPr>
+            </a:lvl1pPr>
+          </a:lstStyle>
+          <a:p>
+            <a:r>
+              <a:rPr lang="en-US" dirty="0"/>
+              <a:t>Product Focused Slide Heading</a:t>
+            </a:r>
+          </a:p>
+        </p:txBody>
+      </p:sp>
+      <p:sp>
+        <p:nvSpPr>
+          <p:cNvPr id="5" name="Text Placeholder 2"/>
+          <p:cNvSpPr>
+            <a:spLocks noGrp="1" noChangeAspect="1"/>
+          </p:cNvSpPr>
+          <p:nvPr>
+            <p:ph idx="1" hasCustomPrompt="1"/>
+          </p:nvPr>
+        </p:nvSpPr>
+        <p:spPr>
+          <a:xfrm>
+            <a:off x="605367" y="975360"/>
+            <a:ext cx="6705600" cy="4884331"/>
+          </a:xfrm>
+          <a:prstGeom prst="rect">
+            <a:avLst/>
+          </a:prstGeom>
+        </p:spPr>
+        <p:txBody>
+          <a:bodyPr vert="horz" lIns="0" tIns="45720" rIns="0" bIns="45720" rtlCol="0">
+            <a:noAutofit/>
+          </a:bodyPr>
+          <a:lstStyle>
+            <a:lvl1pPr>
+              <a:defRPr lang="en-US" dirty="0"/>
+            </a:lvl1pPr>
+            <a:lvl2pPr>
+              <a:defRPr lang="en-US" dirty="0" smtClean="0"/>
+            </a:lvl2pPr>
+            <a:lvl3pPr>
+              <a:defRPr lang="en-US" dirty="0" smtClean="0"/>
+            </a:lvl3pPr>
+            <a:lvl4pPr>
+              <a:defRPr lang="en-US" dirty="0" smtClean="0"/>
+            </a:lvl4pPr>
+          </a:lstStyle>
+          <a:p>
+            <a:pPr lvl="0"/>
+            <a:r>
+              <a:rPr lang="en-US" dirty="0"/>
+              <a:t>Master text styles</a:t>
+            </a:r>
+          </a:p>
+          <a:p>
+            <a:pPr lvl="1"/>
+            <a:r>
+              <a:rPr lang="en-US" dirty="0"/>
+              <a:t>Second level</a:t>
+            </a:r>
+          </a:p>
+          <a:p>
+            <a:pPr lvl="2"/>
+            <a:r>
+              <a:rPr lang="en-US" dirty="0"/>
+              <a:t>Third level</a:t>
+            </a:r>
+          </a:p>
+          <a:p>
+            <a:pPr lvl="3"/>
+            <a:r>
+              <a:rPr lang="en-US" dirty="0"/>
+              <a:t>Fourth level</a:t>
+            </a:r>
+          </a:p>
+          <a:p>
+            <a:pPr lvl="3"/>
+            <a:endParaRPr lang="en-US" dirty="0"/>
+          </a:p>
+          <a:p>
+            <a:pPr lvl="0"/>
+            <a:endParaRPr lang="en-US" dirty="0"/>
+          </a:p>
+          <a:p>
+            <a:pPr lvl="0"/>
+            <a:endParaRPr lang="en-US" dirty="0"/>
+          </a:p>
+          <a:p>
+            <a:pPr lvl="0"/>
+            <a:endParaRPr lang="en-US" dirty="0"/>
+          </a:p>
+          <a:p>
+            <a:pPr lvl="0">
+              <a:lnSpc>
+                <a:spcPct val="90000"/>
+              </a:lnSpc>
+            </a:pPr>
+            <a:endParaRPr lang="en-US" dirty="0"/>
+          </a:p>
+        </p:txBody>
+      </p:sp>
+      <p:sp>
+        <p:nvSpPr>
+          <p:cNvPr id="12" name="Picture Placeholder 11"/>
+          <p:cNvSpPr>
+            <a:spLocks noGrp="1"/>
+          </p:cNvSpPr>
+          <p:nvPr>
+            <p:ph type="pic" sz="quarter" idx="10" hasCustomPrompt="1"/>
+          </p:nvPr>
+        </p:nvSpPr>
+        <p:spPr>
+          <a:xfrm>
+            <a:off x="7626219" y="365760"/>
+            <a:ext cx="3972224" cy="5493931"/>
+          </a:xfrm>
+          <a:solidFill>
+            <a:schemeClr val="bg1">
+              <a:lumMod val="95000"/>
+            </a:schemeClr>
+          </a:solidFill>
+          <a:ln>
+            <a:noFill/>
+          </a:ln>
+        </p:spPr>
+        <p:txBody>
+          <a:bodyPr anchor="ctr"/>
+          <a:lstStyle>
+            <a:lvl1pPr marL="0" indent="0" algn="ctr">
+              <a:buNone/>
+              <a:defRPr sz="1867" spc="0" baseline="0">
+                <a:solidFill>
+                  <a:schemeClr val="bg2">
+                    <a:lumMod val="25000"/>
+                  </a:schemeClr>
+                </a:solidFill>
+              </a:defRPr>
+            </a:lvl1pPr>
+          </a:lstStyle>
+          <a:p>
+            <a:r>
+              <a:rPr lang="en-US" dirty="0"/>
+              <a:t>Drag or insert image</a:t>
+            </a:r>
+            <a:br>
+              <a:rPr lang="en-US" dirty="0"/>
+            </a:br>
+            <a:r>
+              <a:rPr lang="en-US" dirty="0"/>
+              <a:t>Use minimum height 1690 </a:t>
+            </a:r>
+            <a:r>
+              <a:rPr lang="en-US" dirty="0" err="1"/>
+              <a:t>px</a:t>
+            </a:r>
+            <a:endParaRPr lang="en-US" dirty="0"/>
+          </a:p>
+        </p:txBody>
+      </p:sp>
+      <p:pic>
+        <p:nvPicPr>
+          <p:cNvPr id="7" name="Picture 6"/>
+          <p:cNvPicPr>
+            <a:picLocks noChangeAspect="1"/>
+          </p:cNvPicPr>
+          <p:nvPr/>
+        </p:nvPicPr>
+        <p:blipFill>
+          <a:blip r:embed="rId2" cstate="screen">
+            <a:extLst>
+              <a:ext uri="{28A0092B-C50C-407E-A947-70E740481C1C}">
+                <a14:useLocalDpi xmlns:a14="http://schemas.microsoft.com/office/drawing/2010/main"/>
+              </a:ext>
+            </a:extLst>
+          </a:blip>
+          <a:stretch>
+            <a:fillRect/>
+          </a:stretch>
+        </p:blipFill>
+        <p:spPr>
+          <a:xfrm>
+            <a:off x="615165" y="6324601"/>
+            <a:ext cx="1418891" cy="343808"/>
+          </a:xfrm>
+          <a:prstGeom prst="rect">
+            <a:avLst/>
+          </a:prstGeom>
+        </p:spPr>
+      </p:pic>
+    </p:spTree>
+    <p:extLst>
+      <p:ext uri="{BB962C8B-B14F-4D97-AF65-F5344CB8AC3E}">
+        <p14:creationId xmlns:p14="http://schemas.microsoft.com/office/powerpoint/2010/main" val="3484957342"/>
+      </p:ext>
+    </p:extLst>
+  </p:cSld>
+  <p:clrMapOvr>
+    <a:masterClrMapping/>
+  </p:clrMapOvr>
+  <p:extLst mod="1">
+    <p:ext uri="{DCECCB84-F9BA-43D5-87BE-67443E8EF086}">
+      <p15:sldGuideLst xmlns:p15="http://schemas.microsoft.com/office/powerpoint/2012/main">
+        <p15:guide id="2" pos="2880">
+          <p15:clr>
+            <a:srgbClr val="FBAE40"/>
+          </p15:clr>
+        </p15:guide>
+      </p15:sldGuideLst>
+    </p:ext>
+  </p:extLst>
+</p:sldLayout>
+</file>
+
+<file path=ppt/slideLayouts/slideLayout13.xml><?xml version="1.0" encoding="utf-8"?>
+<p:sldLayout xmlns:a="http://schemas.openxmlformats.org/drawingml/2006/main" xmlns:r="http://schemas.openxmlformats.org/officeDocument/2006/relationships" xmlns:p="http://schemas.openxmlformats.org/presentationml/2006/main" showMasterSp="0" preserve="1">
+  <p:cSld name="External_NI Product Focused with Image L">
+    <p:spTree>
+      <p:nvGrpSpPr>
+        <p:cNvPr id="1" name=""/>
+        <p:cNvGrpSpPr/>
+        <p:nvPr/>
+      </p:nvGrpSpPr>
+      <p:grpSpPr>
+        <a:xfrm>
+          <a:off x="0" y="0"/>
+          <a:ext cx="0" cy="0"/>
+          <a:chOff x="0" y="0"/>
+          <a:chExt cx="0" cy="0"/>
+        </a:xfrm>
+      </p:grpSpPr>
+      <p:sp>
+        <p:nvSpPr>
+          <p:cNvPr id="6" name="Rectangle 5"/>
+          <p:cNvSpPr/>
+          <p:nvPr/>
+        </p:nvSpPr>
+        <p:spPr>
+          <a:xfrm>
+            <a:off x="0" y="0"/>
+            <a:ext cx="12192000" cy="97536"/>
+          </a:xfrm>
+          <a:prstGeom prst="rect">
+            <a:avLst/>
+          </a:prstGeom>
+          <a:solidFill>
+            <a:srgbClr val="0A60A3"/>
+          </a:solidFill>
+          <a:ln>
+            <a:noFill/>
+          </a:ln>
+          <a:effectLst/>
+        </p:spPr>
+        <p:style>
+          <a:lnRef idx="1">
+            <a:schemeClr val="accent1"/>
+          </a:lnRef>
+          <a:fillRef idx="3">
+            <a:schemeClr val="accent1"/>
+          </a:fillRef>
+          <a:effectRef idx="2">
+            <a:schemeClr val="accent1"/>
+          </a:effectRef>
+          <a:fontRef idx="minor">
+            <a:schemeClr val="lt1"/>
+          </a:fontRef>
+        </p:style>
+        <p:txBody>
+          <a:bodyPr lIns="0" rIns="0" rtlCol="0" anchor="ctr"/>
+          <a:lstStyle/>
+          <a:p>
+            <a:pPr algn="ctr"/>
+            <a:endParaRPr lang="en-US" sz="2400"/>
+          </a:p>
+        </p:txBody>
+      </p:sp>
+      <p:sp>
+        <p:nvSpPr>
+          <p:cNvPr id="4" name="Title Placeholder 1"/>
+          <p:cNvSpPr>
+            <a:spLocks noGrp="1"/>
+          </p:cNvSpPr>
+          <p:nvPr>
+            <p:ph type="title" hasCustomPrompt="1"/>
+          </p:nvPr>
+        </p:nvSpPr>
+        <p:spPr>
+          <a:xfrm>
+            <a:off x="4881032" y="390144"/>
+            <a:ext cx="6705600" cy="573024"/>
+          </a:xfrm>
+          <a:prstGeom prst="rect">
+            <a:avLst/>
+          </a:prstGeom>
+        </p:spPr>
+        <p:txBody>
+          <a:bodyPr vert="horz" lIns="0" tIns="45720" rIns="0" bIns="45720" rtlCol="0" anchor="ctr">
+            <a:noAutofit/>
+          </a:bodyPr>
+          <a:lstStyle>
+            <a:lvl1pPr>
+              <a:defRPr>
+                <a:solidFill>
+                  <a:schemeClr val="bg2">
+                    <a:lumMod val="25000"/>
+                  </a:schemeClr>
+                </a:solidFill>
+              </a:defRPr>
+            </a:lvl1pPr>
+          </a:lstStyle>
+          <a:p>
+            <a:r>
+              <a:rPr lang="en-US" dirty="0"/>
+              <a:t>Product Focused Slide Heading</a:t>
+            </a:r>
+          </a:p>
+        </p:txBody>
+      </p:sp>
+      <p:sp>
+        <p:nvSpPr>
+          <p:cNvPr id="5" name="Text Placeholder 2"/>
+          <p:cNvSpPr>
+            <a:spLocks noGrp="1"/>
+          </p:cNvSpPr>
+          <p:nvPr>
+            <p:ph idx="1" hasCustomPrompt="1"/>
+          </p:nvPr>
+        </p:nvSpPr>
+        <p:spPr>
+          <a:xfrm>
+            <a:off x="4881033" y="1014208"/>
+            <a:ext cx="6705600" cy="5206977"/>
+          </a:xfrm>
+          <a:prstGeom prst="rect">
+            <a:avLst/>
+          </a:prstGeom>
+        </p:spPr>
+        <p:txBody>
+          <a:bodyPr vert="horz" lIns="0" tIns="45720" rIns="0" bIns="45720" rtlCol="0">
+            <a:noAutofit/>
+          </a:bodyPr>
+          <a:lstStyle>
+            <a:lvl1pPr>
+              <a:lnSpc>
+                <a:spcPct val="90000"/>
+              </a:lnSpc>
+              <a:defRPr lang="en-US" dirty="0" smtClean="0"/>
+            </a:lvl1pPr>
+          </a:lstStyle>
+          <a:p>
+            <a:pPr lvl="0"/>
+            <a:r>
+              <a:rPr lang="en-US" dirty="0"/>
+              <a:t>Master text styles</a:t>
+            </a:r>
+          </a:p>
+          <a:p>
+            <a:pPr lvl="1"/>
+            <a:r>
+              <a:rPr lang="en-US" dirty="0"/>
+              <a:t>Second level</a:t>
+            </a:r>
+          </a:p>
+          <a:p>
+            <a:pPr lvl="2"/>
+            <a:r>
+              <a:rPr lang="en-US" dirty="0"/>
+              <a:t>Third level</a:t>
+            </a:r>
+          </a:p>
+          <a:p>
+            <a:pPr lvl="3"/>
+            <a:r>
+              <a:rPr lang="en-US" dirty="0"/>
+              <a:t>Fourth level</a:t>
+            </a:r>
+          </a:p>
+          <a:p>
+            <a:pPr lvl="3"/>
+            <a:endParaRPr lang="en-US" dirty="0"/>
+          </a:p>
+        </p:txBody>
+      </p:sp>
+      <p:sp>
+        <p:nvSpPr>
+          <p:cNvPr id="12" name="Picture Placeholder 11"/>
+          <p:cNvSpPr>
+            <a:spLocks noGrp="1"/>
+          </p:cNvSpPr>
+          <p:nvPr>
+            <p:ph type="pic" sz="quarter" idx="10" hasCustomPrompt="1"/>
+          </p:nvPr>
+        </p:nvSpPr>
+        <p:spPr>
+          <a:xfrm>
+            <a:off x="593557" y="403084"/>
+            <a:ext cx="3978443" cy="5780000"/>
+          </a:xfrm>
+          <a:solidFill>
+            <a:schemeClr val="bg1">
+              <a:lumMod val="95000"/>
+            </a:schemeClr>
+          </a:solidFill>
+          <a:ln>
+            <a:noFill/>
+          </a:ln>
+        </p:spPr>
+        <p:txBody>
+          <a:bodyPr vert="horz" lIns="0" tIns="45717" rIns="0" bIns="45717" rtlCol="0" anchor="ctr">
+            <a:noAutofit/>
+          </a:bodyPr>
+          <a:lstStyle>
+            <a:lvl1pPr marL="380990" indent="-380990" algn="ctr">
+              <a:buFont typeface="Arial" charset="0"/>
+              <a:buNone/>
+              <a:defRPr lang="en-US" sz="1867" spc="0" dirty="0" smtClean="0"/>
+            </a:lvl1pPr>
+          </a:lstStyle>
+          <a:p>
+            <a:pPr marL="0" lvl="0" indent="0" algn="ctr"/>
+            <a:r>
+              <a:rPr lang="en-US" dirty="0"/>
+              <a:t>Drag or insert image</a:t>
+            </a:r>
+            <a:br>
+              <a:rPr lang="en-US" dirty="0"/>
+            </a:br>
+            <a:r>
+              <a:rPr lang="en-US" dirty="0"/>
+              <a:t>Use minimum height 1690 </a:t>
+            </a:r>
+            <a:r>
+              <a:rPr lang="en-US" dirty="0" err="1"/>
+              <a:t>px</a:t>
+            </a:r>
+            <a:endParaRPr lang="en-US" dirty="0"/>
+          </a:p>
+        </p:txBody>
+      </p:sp>
+      <p:pic>
+        <p:nvPicPr>
+          <p:cNvPr id="7" name="Picture 6"/>
+          <p:cNvPicPr>
+            <a:picLocks noChangeAspect="1"/>
+          </p:cNvPicPr>
+          <p:nvPr/>
+        </p:nvPicPr>
+        <p:blipFill>
+          <a:blip r:embed="rId2" cstate="screen">
+            <a:extLst>
+              <a:ext uri="{28A0092B-C50C-407E-A947-70E740481C1C}">
+                <a14:useLocalDpi xmlns:a14="http://schemas.microsoft.com/office/drawing/2010/main"/>
+              </a:ext>
+            </a:extLst>
+          </a:blip>
+          <a:stretch>
+            <a:fillRect/>
+          </a:stretch>
+        </p:blipFill>
+        <p:spPr>
+          <a:xfrm>
+            <a:off x="615165" y="6324601"/>
+            <a:ext cx="1418891" cy="343808"/>
+          </a:xfrm>
+          <a:prstGeom prst="rect">
+            <a:avLst/>
+          </a:prstGeom>
+        </p:spPr>
+      </p:pic>
+    </p:spTree>
+    <p:extLst>
+      <p:ext uri="{BB962C8B-B14F-4D97-AF65-F5344CB8AC3E}">
+        <p14:creationId xmlns:p14="http://schemas.microsoft.com/office/powerpoint/2010/main" val="1790450157"/>
+      </p:ext>
+    </p:extLst>
+  </p:cSld>
+  <p:clrMapOvr>
+    <a:masterClrMapping/>
+  </p:clrMapOvr>
+  <p:extLst mod="1">
+    <p:ext uri="{DCECCB84-F9BA-43D5-87BE-67443E8EF086}">
+      <p15:sldGuideLst xmlns:p15="http://schemas.microsoft.com/office/powerpoint/2012/main">
+        <p15:guide id="2" pos="2880">
+          <p15:clr>
+            <a:srgbClr val="FBAE40"/>
+          </p15:clr>
+        </p15:guide>
+      </p15:sldGuideLst>
+    </p:ext>
+  </p:extLst>
+</p:sldLayout>
+</file>
+
+<file path=ppt/slideLayouts/slideLayout14.xml><?xml version="1.0" encoding="utf-8"?>
+<p:sldLayout xmlns:a="http://schemas.openxmlformats.org/drawingml/2006/main" xmlns:r="http://schemas.openxmlformats.org/officeDocument/2006/relationships" xmlns:p="http://schemas.openxmlformats.org/presentationml/2006/main" showMasterSp="0" preserve="1">
+  <p:cSld name="External_Image Top">
+    <p:spTree>
+      <p:nvGrpSpPr>
+        <p:cNvPr id="1" name=""/>
+        <p:cNvGrpSpPr/>
+        <p:nvPr/>
+      </p:nvGrpSpPr>
+      <p:grpSpPr>
+        <a:xfrm>
+          <a:off x="0" y="0"/>
+          <a:ext cx="0" cy="0"/>
+          <a:chOff x="0" y="0"/>
+          <a:chExt cx="0" cy="0"/>
+        </a:xfrm>
+      </p:grpSpPr>
+      <p:sp>
+        <p:nvSpPr>
+          <p:cNvPr id="8" name="Rectangle 7"/>
+          <p:cNvSpPr/>
+          <p:nvPr/>
+        </p:nvSpPr>
+        <p:spPr>
+          <a:xfrm>
+            <a:off x="0" y="0"/>
+            <a:ext cx="12192000" cy="97536"/>
+          </a:xfrm>
+          <a:prstGeom prst="rect">
+            <a:avLst/>
+          </a:prstGeom>
+          <a:solidFill>
+            <a:srgbClr val="0A60A3"/>
+          </a:solidFill>
+          <a:ln>
+            <a:noFill/>
+          </a:ln>
+          <a:effectLst/>
+        </p:spPr>
+        <p:style>
+          <a:lnRef idx="1">
+            <a:schemeClr val="accent1"/>
+          </a:lnRef>
+          <a:fillRef idx="3">
+            <a:schemeClr val="accent1"/>
+          </a:fillRef>
+          <a:effectRef idx="2">
+            <a:schemeClr val="accent1"/>
+          </a:effectRef>
+          <a:fontRef idx="minor">
+            <a:schemeClr val="lt1"/>
+          </a:fontRef>
+        </p:style>
+        <p:txBody>
+          <a:bodyPr lIns="0" rIns="0" rtlCol="0" anchor="ctr"/>
+          <a:lstStyle/>
+          <a:p>
+            <a:pPr algn="ctr"/>
+            <a:endParaRPr lang="en-US" sz="2400"/>
+          </a:p>
+        </p:txBody>
+      </p:sp>
+      <p:sp>
+        <p:nvSpPr>
+          <p:cNvPr id="4" name="Title Placeholder 1"/>
+          <p:cNvSpPr>
+            <a:spLocks noGrp="1"/>
+          </p:cNvSpPr>
+          <p:nvPr>
+            <p:ph type="title" hasCustomPrompt="1"/>
+          </p:nvPr>
+        </p:nvSpPr>
+        <p:spPr>
+          <a:xfrm>
+            <a:off x="605368" y="2991781"/>
+            <a:ext cx="10981265" cy="576091"/>
+          </a:xfrm>
+          <a:prstGeom prst="rect">
+            <a:avLst/>
+          </a:prstGeom>
+        </p:spPr>
+        <p:txBody>
+          <a:bodyPr vert="horz" lIns="0" tIns="45720" rIns="0" bIns="45720" rtlCol="0" anchor="ctr">
+            <a:noAutofit/>
+          </a:bodyPr>
+          <a:lstStyle/>
+          <a:p>
+            <a:r>
+              <a:rPr lang="en-US" dirty="0"/>
+              <a:t>Click to Edit Master Title Style</a:t>
+            </a:r>
+          </a:p>
+        </p:txBody>
+      </p:sp>
+      <p:sp>
+        <p:nvSpPr>
+          <p:cNvPr id="5" name="Text Placeholder 2"/>
+          <p:cNvSpPr>
+            <a:spLocks noGrp="1" noChangeAspect="1"/>
+          </p:cNvSpPr>
+          <p:nvPr>
+            <p:ph idx="1" hasCustomPrompt="1"/>
+          </p:nvPr>
+        </p:nvSpPr>
+        <p:spPr>
+          <a:xfrm>
+            <a:off x="605366" y="3617299"/>
+            <a:ext cx="10981268" cy="2072872"/>
+          </a:xfrm>
+          <a:prstGeom prst="rect">
+            <a:avLst/>
+          </a:prstGeom>
+        </p:spPr>
+        <p:txBody>
+          <a:bodyPr vert="horz" lIns="0" tIns="45720" rIns="0" bIns="45720" rtlCol="0">
+            <a:noAutofit/>
+          </a:bodyPr>
+          <a:lstStyle>
+            <a:lvl1pPr>
+              <a:defRPr lang="en-US" dirty="0" smtClean="0"/>
+            </a:lvl1pPr>
+            <a:lvl2pPr>
+              <a:defRPr lang="en-US" dirty="0" smtClean="0"/>
+            </a:lvl2pPr>
+            <a:lvl3pPr>
+              <a:defRPr lang="en-US" dirty="0" smtClean="0"/>
+            </a:lvl3pPr>
+            <a:lvl4pPr>
+              <a:defRPr lang="en-US" dirty="0" smtClean="0"/>
+            </a:lvl4pPr>
+          </a:lstStyle>
+          <a:p>
+            <a:pPr lvl="0">
+              <a:lnSpc>
+                <a:spcPct val="90000"/>
+              </a:lnSpc>
+            </a:pPr>
+            <a:r>
+              <a:rPr lang="en-US" dirty="0"/>
+              <a:t>Master text styles</a:t>
+            </a:r>
+          </a:p>
+          <a:p>
+            <a:pPr lvl="1"/>
+            <a:r>
+              <a:rPr lang="en-US" dirty="0"/>
+              <a:t>Second level</a:t>
+            </a:r>
+          </a:p>
+          <a:p>
+            <a:pPr lvl="2"/>
+            <a:r>
+              <a:rPr lang="en-US" dirty="0"/>
+              <a:t>Third level</a:t>
+            </a:r>
+          </a:p>
+          <a:p>
+            <a:pPr lvl="3"/>
+            <a:r>
+              <a:rPr lang="en-US" dirty="0"/>
+              <a:t>Fourth level</a:t>
+            </a:r>
+          </a:p>
+          <a:p>
+            <a:pPr lvl="3"/>
+            <a:endParaRPr lang="en-US" dirty="0"/>
+          </a:p>
+        </p:txBody>
+      </p:sp>
+      <p:sp>
+        <p:nvSpPr>
+          <p:cNvPr id="7" name="Picture Placeholder 6"/>
+          <p:cNvSpPr>
+            <a:spLocks noGrp="1"/>
+          </p:cNvSpPr>
+          <p:nvPr>
+            <p:ph type="pic" sz="quarter" idx="10" hasCustomPrompt="1"/>
+          </p:nvPr>
+        </p:nvSpPr>
+        <p:spPr>
+          <a:xfrm>
+            <a:off x="0" y="97536"/>
+            <a:ext cx="12192000" cy="2760133"/>
+          </a:xfrm>
+          <a:solidFill>
+            <a:schemeClr val="bg1">
+              <a:lumMod val="95000"/>
+            </a:schemeClr>
+          </a:solidFill>
+          <a:ln>
+            <a:noFill/>
+          </a:ln>
+        </p:spPr>
+        <p:txBody>
+          <a:bodyPr vert="horz" lIns="0" tIns="45717" rIns="0" bIns="45717" rtlCol="0" anchor="ctr">
+            <a:noAutofit/>
+          </a:bodyPr>
+          <a:lstStyle>
+            <a:lvl1pPr marL="243834" indent="-243834" algn="ctr">
+              <a:buFontTx/>
+              <a:buNone/>
+              <a:defRPr lang="en-US" sz="1867" spc="0" dirty="0"/>
+            </a:lvl1pPr>
+          </a:lstStyle>
+          <a:p>
+            <a:pPr marL="0" lvl="0" indent="0" algn="ctr">
+              <a:buNone/>
+            </a:pPr>
+            <a:r>
+              <a:rPr lang="en-US" dirty="0"/>
+              <a:t>Drag or insert image here. Use minimum width 1500 </a:t>
+            </a:r>
+            <a:r>
+              <a:rPr lang="en-US" dirty="0" err="1"/>
+              <a:t>px</a:t>
+            </a:r>
+            <a:endParaRPr lang="en-US" dirty="0"/>
+          </a:p>
+        </p:txBody>
+      </p:sp>
+      <p:pic>
+        <p:nvPicPr>
+          <p:cNvPr id="10" name="Picture 9"/>
+          <p:cNvPicPr>
+            <a:picLocks noChangeAspect="1"/>
+          </p:cNvPicPr>
+          <p:nvPr/>
+        </p:nvPicPr>
+        <p:blipFill>
+          <a:blip r:embed="rId2" cstate="screen">
+            <a:extLst>
+              <a:ext uri="{28A0092B-C50C-407E-A947-70E740481C1C}">
+                <a14:useLocalDpi xmlns:a14="http://schemas.microsoft.com/office/drawing/2010/main"/>
+              </a:ext>
+            </a:extLst>
+          </a:blip>
+          <a:stretch>
+            <a:fillRect/>
+          </a:stretch>
+        </p:blipFill>
+        <p:spPr>
+          <a:xfrm>
+            <a:off x="615165" y="6324601"/>
+            <a:ext cx="1418891" cy="343808"/>
+          </a:xfrm>
+          <a:prstGeom prst="rect">
+            <a:avLst/>
+          </a:prstGeom>
+        </p:spPr>
+      </p:pic>
+    </p:spTree>
+    <p:extLst>
+      <p:ext uri="{BB962C8B-B14F-4D97-AF65-F5344CB8AC3E}">
+        <p14:creationId xmlns:p14="http://schemas.microsoft.com/office/powerpoint/2010/main" val="3215262562"/>
+      </p:ext>
+    </p:extLst>
+  </p:cSld>
+  <p:clrMapOvr>
+    <a:masterClrMapping/>
+  </p:clrMapOvr>
+  <p:extLst mod="1">
+    <p:ext uri="{DCECCB84-F9BA-43D5-87BE-67443E8EF086}">
+      <p15:sldGuideLst xmlns:p15="http://schemas.microsoft.com/office/powerpoint/2012/main">
+        <p15:guide id="1" orient="horz" pos="1609">
+          <p15:clr>
+            <a:srgbClr val="FBAE40"/>
+          </p15:clr>
+        </p15:guide>
+        <p15:guide id="2" orient="horz" pos="1859">
+          <p15:clr>
+            <a:srgbClr val="FBAE40"/>
+          </p15:clr>
+        </p15:guide>
+      </p15:sldGuideLst>
+    </p:ext>
+  </p:extLst>
+</p:sldLayout>
+</file>
+
+<file path=ppt/slideLayouts/slideLayout15.xml><?xml version="1.0" encoding="utf-8"?>
+<p:sldLayout xmlns:a="http://schemas.openxmlformats.org/drawingml/2006/main" xmlns:r="http://schemas.openxmlformats.org/officeDocument/2006/relationships" xmlns:p="http://schemas.openxmlformats.org/presentationml/2006/main" showMasterSp="0" preserve="1">
+  <p:cSld name="External_Image Top_white logo">
+    <p:spTree>
+      <p:nvGrpSpPr>
+        <p:cNvPr id="1" name=""/>
+        <p:cNvGrpSpPr/>
+        <p:nvPr/>
+      </p:nvGrpSpPr>
+      <p:grpSpPr>
+        <a:xfrm>
+          <a:off x="0" y="0"/>
+          <a:ext cx="0" cy="0"/>
+          <a:chOff x="0" y="0"/>
+          <a:chExt cx="0" cy="0"/>
+        </a:xfrm>
+      </p:grpSpPr>
+      <p:sp>
+        <p:nvSpPr>
+          <p:cNvPr id="7" name="Picture Placeholder 6"/>
+          <p:cNvSpPr>
+            <a:spLocks noGrp="1"/>
+          </p:cNvSpPr>
+          <p:nvPr>
+            <p:ph type="pic" sz="quarter" idx="10" hasCustomPrompt="1"/>
+          </p:nvPr>
+        </p:nvSpPr>
+        <p:spPr>
+          <a:xfrm>
+            <a:off x="0" y="1"/>
+            <a:ext cx="12192000" cy="2770651"/>
+          </a:xfrm>
+          <a:solidFill>
+            <a:schemeClr val="bg1">
+              <a:lumMod val="95000"/>
+            </a:schemeClr>
+          </a:solidFill>
+          <a:ln>
+            <a:noFill/>
+          </a:ln>
+        </p:spPr>
+        <p:txBody>
+          <a:bodyPr vert="horz" lIns="0" tIns="45717" rIns="0" bIns="45717" rtlCol="0" anchor="ctr">
+            <a:noAutofit/>
+          </a:bodyPr>
+          <a:lstStyle>
+            <a:lvl1pPr marL="243834" indent="-243834" algn="ctr">
+              <a:buNone/>
+              <a:defRPr lang="en-US" sz="1867" spc="0" dirty="0"/>
+            </a:lvl1pPr>
+          </a:lstStyle>
+          <a:p>
+            <a:pPr marL="0" lvl="0" indent="0" algn="ctr"/>
+            <a:r>
+              <a:rPr lang="en-US" dirty="0"/>
+              <a:t>Drag or insert image</a:t>
+            </a:r>
+          </a:p>
+        </p:txBody>
+      </p:sp>
+      <p:sp>
+        <p:nvSpPr>
+          <p:cNvPr id="6" name="Rectangle 5"/>
+          <p:cNvSpPr/>
+          <p:nvPr/>
+        </p:nvSpPr>
+        <p:spPr>
+          <a:xfrm>
+            <a:off x="0" y="2770652"/>
+            <a:ext cx="12192000" cy="4087349"/>
+          </a:xfrm>
+          <a:prstGeom prst="rect">
+            <a:avLst/>
+          </a:prstGeom>
+          <a:solidFill>
+            <a:srgbClr val="0A60A3"/>
+          </a:solidFill>
+          <a:ln>
+            <a:noFill/>
+          </a:ln>
+          <a:effectLst/>
+        </p:spPr>
+        <p:style>
+          <a:lnRef idx="1">
+            <a:schemeClr val="accent1"/>
+          </a:lnRef>
+          <a:fillRef idx="3">
+            <a:schemeClr val="accent1"/>
+          </a:fillRef>
+          <a:effectRef idx="2">
+            <a:schemeClr val="accent1"/>
+          </a:effectRef>
+          <a:fontRef idx="minor">
+            <a:schemeClr val="lt1"/>
+          </a:fontRef>
+        </p:style>
+        <p:txBody>
+          <a:bodyPr lIns="0" rIns="0" rtlCol="0" anchor="ctr"/>
+          <a:lstStyle/>
+          <a:p>
+            <a:pPr algn="ctr"/>
+            <a:endParaRPr lang="en-US" sz="2400"/>
+          </a:p>
+        </p:txBody>
+      </p:sp>
+      <p:sp>
+        <p:nvSpPr>
+          <p:cNvPr id="4" name="Title Placeholder 1"/>
+          <p:cNvSpPr>
+            <a:spLocks noGrp="1"/>
+          </p:cNvSpPr>
+          <p:nvPr>
+            <p:ph type="title" hasCustomPrompt="1"/>
+          </p:nvPr>
+        </p:nvSpPr>
+        <p:spPr>
+          <a:xfrm>
+            <a:off x="605368" y="2980657"/>
+            <a:ext cx="10981265" cy="576091"/>
+          </a:xfrm>
+          <a:prstGeom prst="rect">
+            <a:avLst/>
+          </a:prstGeom>
+        </p:spPr>
+        <p:txBody>
+          <a:bodyPr vert="horz" lIns="0" tIns="45720" rIns="0" bIns="45720" rtlCol="0" anchor="ctr">
+            <a:noAutofit/>
+          </a:bodyPr>
+          <a:lstStyle>
+            <a:lvl1pPr>
+              <a:defRPr baseline="0">
+                <a:solidFill>
+                  <a:schemeClr val="bg1"/>
+                </a:solidFill>
+              </a:defRPr>
+            </a:lvl1pPr>
+          </a:lstStyle>
+          <a:p>
+            <a:r>
+              <a:rPr lang="en-US" dirty="0"/>
+              <a:t>Click to Edit Master Title Style</a:t>
+            </a:r>
+          </a:p>
+        </p:txBody>
+      </p:sp>
+      <p:sp>
+        <p:nvSpPr>
+          <p:cNvPr id="5" name="Text Placeholder 2"/>
+          <p:cNvSpPr>
+            <a:spLocks noGrp="1" noChangeAspect="1"/>
+          </p:cNvSpPr>
+          <p:nvPr>
+            <p:ph idx="1" hasCustomPrompt="1"/>
+          </p:nvPr>
+        </p:nvSpPr>
+        <p:spPr>
+          <a:xfrm>
+            <a:off x="605366" y="3614643"/>
+            <a:ext cx="10981268" cy="2568443"/>
+          </a:xfrm>
+          <a:prstGeom prst="rect">
+            <a:avLst/>
+          </a:prstGeom>
+        </p:spPr>
+        <p:txBody>
+          <a:bodyPr vert="horz" lIns="0" tIns="45720" rIns="0" bIns="45720" rtlCol="0">
+            <a:noAutofit/>
+          </a:bodyPr>
+          <a:lstStyle>
+            <a:lvl1pPr>
+              <a:lnSpc>
+                <a:spcPct val="90000"/>
+              </a:lnSpc>
+              <a:buClr>
+                <a:schemeClr val="bg1"/>
+              </a:buClr>
+              <a:buSzPct val="90000"/>
+              <a:defRPr lang="en-US" dirty="0" smtClean="0">
+                <a:solidFill>
+                  <a:schemeClr val="bg1"/>
+                </a:solidFill>
+              </a:defRPr>
+            </a:lvl1pPr>
+            <a:lvl2pPr>
+              <a:buClr>
+                <a:schemeClr val="bg1"/>
+              </a:buClr>
+              <a:buSzPct val="90000"/>
+              <a:defRPr lang="en-US" dirty="0" smtClean="0">
+                <a:solidFill>
+                  <a:schemeClr val="bg1"/>
+                </a:solidFill>
+              </a:defRPr>
+            </a:lvl2pPr>
+            <a:lvl3pPr>
+              <a:buClr>
+                <a:schemeClr val="bg1"/>
+              </a:buClr>
+              <a:buSzPct val="90000"/>
+              <a:defRPr lang="en-US" dirty="0" smtClean="0">
+                <a:solidFill>
+                  <a:schemeClr val="bg1"/>
+                </a:solidFill>
+              </a:defRPr>
+            </a:lvl3pPr>
+            <a:lvl4pPr>
+              <a:buClr>
+                <a:schemeClr val="bg1"/>
+              </a:buClr>
+              <a:buSzPct val="90000"/>
+              <a:defRPr lang="en-US" dirty="0" smtClean="0">
+                <a:solidFill>
+                  <a:schemeClr val="bg1"/>
+                </a:solidFill>
+              </a:defRPr>
+            </a:lvl4pPr>
+            <a:lvl5pPr>
+              <a:buClr>
+                <a:schemeClr val="bg1"/>
+              </a:buClr>
+              <a:buSzPct val="90000"/>
+              <a:defRPr lang="en-US" dirty="0">
+                <a:solidFill>
+                  <a:schemeClr val="bg1"/>
+                </a:solidFill>
+              </a:defRPr>
+            </a:lvl5pPr>
+          </a:lstStyle>
+          <a:p>
+            <a:pPr lvl="0">
+              <a:lnSpc>
+                <a:spcPct val="90000"/>
+              </a:lnSpc>
+            </a:pPr>
+            <a:r>
+              <a:rPr lang="en-US" dirty="0"/>
+              <a:t>Master text styles</a:t>
+            </a:r>
+          </a:p>
+          <a:p>
+            <a:pPr lvl="1"/>
+            <a:r>
+              <a:rPr lang="en-US" dirty="0"/>
+              <a:t>Second level</a:t>
+            </a:r>
+          </a:p>
+          <a:p>
+            <a:pPr lvl="2"/>
+            <a:r>
+              <a:rPr lang="en-US" dirty="0"/>
+              <a:t>Third level</a:t>
+            </a:r>
+          </a:p>
+          <a:p>
+            <a:pPr lvl="3"/>
+            <a:r>
+              <a:rPr lang="en-US" dirty="0"/>
+              <a:t>Fourth level</a:t>
+            </a:r>
+          </a:p>
+          <a:p>
+            <a:pPr lvl="3"/>
+            <a:endParaRPr lang="en-US" dirty="0"/>
+          </a:p>
+        </p:txBody>
+      </p:sp>
+      <p:pic>
+        <p:nvPicPr>
+          <p:cNvPr id="10" name="Picture 9"/>
+          <p:cNvPicPr>
+            <a:picLocks noChangeAspect="1"/>
+          </p:cNvPicPr>
+          <p:nvPr/>
+        </p:nvPicPr>
+        <p:blipFill>
+          <a:blip r:embed="rId2" cstate="print">
+            <a:extLst>
+              <a:ext uri="{28A0092B-C50C-407E-A947-70E740481C1C}">
+                <a14:useLocalDpi xmlns:a14="http://schemas.microsoft.com/office/drawing/2010/main" val="0"/>
+              </a:ext>
+            </a:extLst>
+          </a:blip>
+          <a:stretch>
+            <a:fillRect/>
+          </a:stretch>
+        </p:blipFill>
+        <p:spPr>
+          <a:xfrm>
+            <a:off x="615166" y="6324601"/>
+            <a:ext cx="1418889" cy="343808"/>
+          </a:xfrm>
+          <a:prstGeom prst="rect">
+            <a:avLst/>
+          </a:prstGeom>
+        </p:spPr>
+      </p:pic>
+    </p:spTree>
+    <p:extLst>
+      <p:ext uri="{BB962C8B-B14F-4D97-AF65-F5344CB8AC3E}">
+        <p14:creationId xmlns:p14="http://schemas.microsoft.com/office/powerpoint/2010/main" val="2688509602"/>
+      </p:ext>
+    </p:extLst>
+  </p:cSld>
+  <p:clrMapOvr>
+    <a:masterClrMapping/>
+  </p:clrMapOvr>
+</p:sldLayout>
+</file>
+
+<file path=ppt/slideLayouts/slideLayout16.xml><?xml version="1.0" encoding="utf-8"?>
+<p:sldLayout xmlns:a="http://schemas.openxmlformats.org/drawingml/2006/main" xmlns:r="http://schemas.openxmlformats.org/officeDocument/2006/relationships" xmlns:p="http://schemas.openxmlformats.org/presentationml/2006/main" showMasterSp="0" preserve="1">
+  <p:cSld name="External_Quote Slide">
+    <p:spTree>
+      <p:nvGrpSpPr>
+        <p:cNvPr id="1" name=""/>
+        <p:cNvGrpSpPr/>
+        <p:nvPr/>
+      </p:nvGrpSpPr>
+      <p:grpSpPr>
+        <a:xfrm>
+          <a:off x="0" y="0"/>
+          <a:ext cx="0" cy="0"/>
+          <a:chOff x="0" y="0"/>
+          <a:chExt cx="0" cy="0"/>
+        </a:xfrm>
+      </p:grpSpPr>
+      <p:sp>
+        <p:nvSpPr>
+          <p:cNvPr id="6" name="Rectangle 5"/>
+          <p:cNvSpPr/>
+          <p:nvPr/>
+        </p:nvSpPr>
+        <p:spPr>
+          <a:xfrm>
+            <a:off x="0" y="4027056"/>
+            <a:ext cx="12192000" cy="2830944"/>
+          </a:xfrm>
+          <a:prstGeom prst="rect">
+            <a:avLst/>
+          </a:prstGeom>
+          <a:solidFill>
+            <a:srgbClr val="0A60A3"/>
+          </a:solidFill>
+          <a:ln>
+            <a:noFill/>
+          </a:ln>
+          <a:effectLst/>
+        </p:spPr>
+        <p:style>
+          <a:lnRef idx="1">
+            <a:schemeClr val="accent1"/>
+          </a:lnRef>
+          <a:fillRef idx="3">
+            <a:schemeClr val="accent1"/>
+          </a:fillRef>
+          <a:effectRef idx="2">
+            <a:schemeClr val="accent1"/>
+          </a:effectRef>
+          <a:fontRef idx="minor">
+            <a:schemeClr val="lt1"/>
+          </a:fontRef>
+        </p:style>
+        <p:txBody>
+          <a:bodyPr lIns="0" rIns="0" rtlCol="0" anchor="ctr"/>
+          <a:lstStyle/>
+          <a:p>
+            <a:pPr algn="ctr"/>
+            <a:endParaRPr lang="en-US" sz="2400"/>
+          </a:p>
+        </p:txBody>
+      </p:sp>
+      <p:sp>
+        <p:nvSpPr>
+          <p:cNvPr id="7" name="Picture Placeholder 6"/>
+          <p:cNvSpPr>
+            <a:spLocks noGrp="1"/>
+          </p:cNvSpPr>
+          <p:nvPr>
+            <p:ph type="pic" sz="quarter" idx="10" hasCustomPrompt="1"/>
+          </p:nvPr>
+        </p:nvSpPr>
+        <p:spPr>
+          <a:xfrm>
+            <a:off x="0" y="2"/>
+            <a:ext cx="12192000" cy="4027053"/>
+          </a:xfrm>
+          <a:solidFill>
+            <a:schemeClr val="bg1">
+              <a:lumMod val="95000"/>
+            </a:schemeClr>
+          </a:solidFill>
+          <a:ln>
+            <a:noFill/>
+          </a:ln>
+        </p:spPr>
+        <p:txBody>
+          <a:bodyPr vert="horz" lIns="0" tIns="45717" rIns="0" bIns="45717" rtlCol="0" anchor="ctr">
+            <a:noAutofit/>
+          </a:bodyPr>
+          <a:lstStyle>
+            <a:lvl1pPr marL="243834" indent="-243834" algn="ctr">
+              <a:buFontTx/>
+              <a:buNone/>
+              <a:defRPr lang="en-US" sz="1867" spc="0" dirty="0"/>
+            </a:lvl1pPr>
+          </a:lstStyle>
+          <a:p>
+            <a:pPr marL="0" lvl="0" indent="0" algn="ctr">
+              <a:buNone/>
+            </a:pPr>
+            <a:r>
+              <a:rPr lang="en-US" dirty="0"/>
+              <a:t>Drag or place image for supporting quote</a:t>
+            </a:r>
+          </a:p>
+        </p:txBody>
+      </p:sp>
+      <p:sp>
+        <p:nvSpPr>
+          <p:cNvPr id="5" name="Text Placeholder 2"/>
+          <p:cNvSpPr>
+            <a:spLocks noGrp="1" noChangeAspect="1"/>
+          </p:cNvSpPr>
+          <p:nvPr>
+            <p:ph idx="1" hasCustomPrompt="1"/>
+          </p:nvPr>
+        </p:nvSpPr>
+        <p:spPr>
+          <a:xfrm>
+            <a:off x="605366" y="4328160"/>
+            <a:ext cx="10981268" cy="1699491"/>
+          </a:xfrm>
+          <a:prstGeom prst="rect">
+            <a:avLst/>
+          </a:prstGeom>
+        </p:spPr>
+        <p:txBody>
+          <a:bodyPr vert="horz" lIns="0" tIns="45720" rIns="0" bIns="45720" rtlCol="0">
+            <a:noAutofit/>
+          </a:bodyPr>
+          <a:lstStyle>
+            <a:lvl1pPr marL="0" indent="0" algn="ctr">
+              <a:lnSpc>
+                <a:spcPct val="100000"/>
+              </a:lnSpc>
+              <a:buFont typeface="Arial" charset="0"/>
+              <a:buNone/>
+              <a:defRPr sz="1867">
+                <a:solidFill>
+                  <a:schemeClr val="bg1"/>
+                </a:solidFill>
+              </a:defRPr>
+            </a:lvl1pPr>
+            <a:lvl2pPr marL="609585" indent="0">
+              <a:buFont typeface="Arial" charset="0"/>
+              <a:buNone/>
+              <a:defRPr>
+                <a:solidFill>
+                  <a:schemeClr val="bg1">
+                    <a:lumMod val="95000"/>
+                  </a:schemeClr>
+                </a:solidFill>
+              </a:defRPr>
+            </a:lvl2pPr>
+            <a:lvl3pPr marL="1219170" indent="0">
+              <a:buFont typeface="Arial" charset="0"/>
+              <a:buNone/>
+              <a:defRPr>
+                <a:solidFill>
+                  <a:schemeClr val="bg1">
+                    <a:lumMod val="95000"/>
+                  </a:schemeClr>
+                </a:solidFill>
+              </a:defRPr>
+            </a:lvl3pPr>
+            <a:lvl4pPr marL="1828754" indent="0">
+              <a:buFont typeface="Arial" charset="0"/>
+              <a:buNone/>
+              <a:defRPr>
+                <a:solidFill>
+                  <a:schemeClr val="bg1">
+                    <a:lumMod val="95000"/>
+                  </a:schemeClr>
+                </a:solidFill>
+              </a:defRPr>
+            </a:lvl4pPr>
+            <a:lvl5pPr marL="2438339" indent="0">
+              <a:buFont typeface="Arial" charset="0"/>
+              <a:buNone/>
+              <a:defRPr>
+                <a:solidFill>
+                  <a:schemeClr val="bg1">
+                    <a:lumMod val="95000"/>
+                  </a:schemeClr>
+                </a:solidFill>
+              </a:defRPr>
+            </a:lvl5pPr>
+          </a:lstStyle>
+          <a:p>
+            <a:pPr algn="ctr">
+              <a:defRPr/>
+            </a:pPr>
+            <a:r>
+              <a:rPr lang="en-US" dirty="0">
+                <a:solidFill>
+                  <a:schemeClr val="bg1"/>
+                </a:solidFill>
+              </a:rPr>
+              <a:t>“Place Quote Here”</a:t>
+            </a:r>
+          </a:p>
+        </p:txBody>
+      </p:sp>
+      <p:sp>
+        <p:nvSpPr>
+          <p:cNvPr id="8" name="Text Placeholder 7"/>
+          <p:cNvSpPr>
+            <a:spLocks noGrp="1"/>
+          </p:cNvSpPr>
+          <p:nvPr>
+            <p:ph type="body" sz="quarter" idx="12" hasCustomPrompt="1"/>
+          </p:nvPr>
+        </p:nvSpPr>
+        <p:spPr>
+          <a:xfrm>
+            <a:off x="4316400" y="4788439"/>
+            <a:ext cx="3708400" cy="334564"/>
+          </a:xfrm>
+        </p:spPr>
+        <p:txBody>
+          <a:bodyPr anchor="ctr"/>
+          <a:lstStyle>
+            <a:lvl1pPr marL="0" marR="0" indent="0" algn="ctr" defTabSz="609585" rtl="0" eaLnBrk="1" fontAlgn="auto" latinLnBrk="0" hangingPunct="1">
+              <a:lnSpc>
+                <a:spcPct val="90000"/>
+              </a:lnSpc>
+              <a:spcBef>
+                <a:spcPts val="1333"/>
+              </a:spcBef>
+              <a:spcAft>
+                <a:spcPts val="0"/>
+              </a:spcAft>
+              <a:buClr>
+                <a:schemeClr val="bg2">
+                  <a:lumMod val="50000"/>
+                </a:schemeClr>
+              </a:buClr>
+              <a:buSzPct val="90000"/>
+              <a:buFontTx/>
+              <a:buNone/>
+              <a:tabLst>
+                <a:tab pos="243834" algn="l"/>
+              </a:tabLst>
+              <a:defRPr sz="1600" baseline="0">
+                <a:solidFill>
+                  <a:schemeClr val="bg1"/>
+                </a:solidFill>
+              </a:defRPr>
+            </a:lvl1pPr>
+            <a:lvl2pPr>
+              <a:defRPr>
+                <a:solidFill>
+                  <a:schemeClr val="bg1"/>
+                </a:solidFill>
+              </a:defRPr>
+            </a:lvl2pPr>
+            <a:lvl3pPr>
+              <a:defRPr>
+                <a:solidFill>
+                  <a:schemeClr val="bg1"/>
+                </a:solidFill>
+              </a:defRPr>
+            </a:lvl3pPr>
+            <a:lvl4pPr>
+              <a:defRPr>
+                <a:solidFill>
+                  <a:schemeClr val="bg1"/>
+                </a:solidFill>
+              </a:defRPr>
+            </a:lvl4pPr>
+            <a:lvl5pPr>
+              <a:defRPr>
+                <a:solidFill>
+                  <a:schemeClr val="bg1"/>
+                </a:solidFill>
+              </a:defRPr>
+            </a:lvl5pPr>
+          </a:lstStyle>
+          <a:p>
+            <a:pPr marL="0" marR="0" lvl="0" indent="0" algn="ctr" defTabSz="609585" rtl="0" eaLnBrk="1" fontAlgn="auto" latinLnBrk="0" hangingPunct="1">
+              <a:lnSpc>
+                <a:spcPct val="90000"/>
+              </a:lnSpc>
+              <a:spcBef>
+                <a:spcPts val="1333"/>
+              </a:spcBef>
+              <a:spcAft>
+                <a:spcPts val="0"/>
+              </a:spcAft>
+              <a:buClr>
+                <a:schemeClr val="bg2">
+                  <a:lumMod val="50000"/>
+                </a:schemeClr>
+              </a:buClr>
+              <a:buSzPct val="90000"/>
+              <a:buFontTx/>
+              <a:buNone/>
+              <a:tabLst>
+                <a:tab pos="243834" algn="l"/>
+              </a:tabLst>
+              <a:defRPr/>
+            </a:pPr>
+            <a:r>
+              <a:rPr lang="en-US" dirty="0"/>
+              <a:t>–First and Last Name, Title</a:t>
+            </a:r>
+          </a:p>
+        </p:txBody>
+      </p:sp>
+      <p:pic>
+        <p:nvPicPr>
+          <p:cNvPr id="10" name="Picture 9"/>
+          <p:cNvPicPr>
+            <a:picLocks noChangeAspect="1"/>
+          </p:cNvPicPr>
+          <p:nvPr/>
+        </p:nvPicPr>
+        <p:blipFill>
+          <a:blip r:embed="rId2" cstate="print">
+            <a:extLst>
+              <a:ext uri="{28A0092B-C50C-407E-A947-70E740481C1C}">
+                <a14:useLocalDpi xmlns:a14="http://schemas.microsoft.com/office/drawing/2010/main" val="0"/>
+              </a:ext>
+            </a:extLst>
+          </a:blip>
+          <a:stretch>
+            <a:fillRect/>
+          </a:stretch>
+        </p:blipFill>
+        <p:spPr>
+          <a:xfrm>
+            <a:off x="615166" y="6324601"/>
+            <a:ext cx="1418889" cy="343808"/>
+          </a:xfrm>
+          <a:prstGeom prst="rect">
+            <a:avLst/>
+          </a:prstGeom>
+        </p:spPr>
+      </p:pic>
+      <p:sp>
+        <p:nvSpPr>
+          <p:cNvPr id="11" name="Footer Placeholder 3"/>
           <p:cNvSpPr txBox="1">
             <a:spLocks/>
           </p:cNvSpPr>
@@ -11123,17 +12570,25 @@
           </a:lstStyle>
           <a:p>
             <a:r>
-              <a:rPr lang="en-US" sz="1333" dirty="0" err="1"/>
+              <a:rPr lang="en-US" sz="1333" dirty="0" err="1">
+                <a:solidFill>
+                  <a:schemeClr val="bg1"/>
+                </a:solidFill>
+              </a:rPr>
               <a:t>ni.com</a:t>
             </a:r>
-            <a:endParaRPr lang="en-US" sz="1333" dirty="0"/>
+            <a:endParaRPr lang="en-US" sz="1333" dirty="0">
+              <a:solidFill>
+                <a:schemeClr val="bg1"/>
+              </a:solidFill>
+            </a:endParaRPr>
           </a:p>
         </p:txBody>
       </p:sp>
     </p:spTree>
     <p:extLst>
       <p:ext uri="{BB962C8B-B14F-4D97-AF65-F5344CB8AC3E}">
-        <p14:creationId xmlns:p14="http://schemas.microsoft.com/office/powerpoint/2010/main" val="2517557351"/>
+        <p14:creationId xmlns:p14="http://schemas.microsoft.com/office/powerpoint/2010/main" val="939696577"/>
       </p:ext>
     </p:extLst>
   </p:cSld>
@@ -11143,9 +12598,9 @@
 </p:sldLayout>
 </file>
 
-<file path=ppt/slideLayouts/slideLayout2.xml><?xml version="1.0" encoding="utf-8"?>
-<p:sldLayout xmlns:a="http://schemas.openxmlformats.org/drawingml/2006/main" xmlns:r="http://schemas.openxmlformats.org/officeDocument/2006/relationships" xmlns:p="http://schemas.openxmlformats.org/presentationml/2006/main" showMasterSp="0" type="title" preserve="1">
-  <p:cSld name="3_External Title Slide">
+<file path=ppt/slideLayouts/slideLayout17.xml><?xml version="1.0" encoding="utf-8"?>
+<p:sldLayout xmlns:a="http://schemas.openxmlformats.org/drawingml/2006/main" xmlns:r="http://schemas.openxmlformats.org/officeDocument/2006/relationships" xmlns:p="http://schemas.openxmlformats.org/presentationml/2006/main" showMasterSp="0" preserve="1">
+  <p:cSld name="External_Divider Slide">
     <p:spTree>
       <p:nvGrpSpPr>
         <p:cNvPr id="1" name=""/>
@@ -11160,9 +12615,168 @@
           <a:chExt cx="0" cy="0"/>
         </a:xfrm>
       </p:grpSpPr>
+      <p:sp>
+        <p:nvSpPr>
+          <p:cNvPr id="6" name="Rectangle 5"/>
+          <p:cNvSpPr/>
+          <p:nvPr/>
+        </p:nvSpPr>
+        <p:spPr>
+          <a:xfrm>
+            <a:off x="0" y="0"/>
+            <a:ext cx="12203992" cy="6858000"/>
+          </a:xfrm>
+          <a:prstGeom prst="rect">
+            <a:avLst/>
+          </a:prstGeom>
+          <a:solidFill>
+            <a:srgbClr val="0A60A3"/>
+          </a:solidFill>
+          <a:ln>
+            <a:noFill/>
+          </a:ln>
+          <a:effectLst/>
+        </p:spPr>
+        <p:style>
+          <a:lnRef idx="1">
+            <a:schemeClr val="accent1"/>
+          </a:lnRef>
+          <a:fillRef idx="3">
+            <a:schemeClr val="accent1"/>
+          </a:fillRef>
+          <a:effectRef idx="2">
+            <a:schemeClr val="accent1"/>
+          </a:effectRef>
+          <a:fontRef idx="minor">
+            <a:schemeClr val="lt1"/>
+          </a:fontRef>
+        </p:style>
+        <p:txBody>
+          <a:bodyPr rtlCol="0" anchor="ctr"/>
+          <a:lstStyle/>
+          <a:p>
+            <a:pPr algn="ctr"/>
+            <a:endParaRPr lang="en-US" sz="2400"/>
+          </a:p>
+        </p:txBody>
+      </p:sp>
+      <p:sp>
+        <p:nvSpPr>
+          <p:cNvPr id="4" name="Text Placeholder 3"/>
+          <p:cNvSpPr>
+            <a:spLocks noGrp="1"/>
+          </p:cNvSpPr>
+          <p:nvPr>
+            <p:ph type="body" sz="quarter" idx="10" hasCustomPrompt="1"/>
+          </p:nvPr>
+        </p:nvSpPr>
+        <p:spPr>
+          <a:xfrm>
+            <a:off x="1" y="2766484"/>
+            <a:ext cx="12204700" cy="1109133"/>
+          </a:xfrm>
+        </p:spPr>
+        <p:txBody>
+          <a:bodyPr anchor="ctr"/>
+          <a:lstStyle>
+            <a:lvl1pPr marL="0" marR="0" indent="0" algn="ctr" defTabSz="1219170" rtl="0" eaLnBrk="1" fontAlgn="auto" latinLnBrk="0" hangingPunct="1">
+              <a:lnSpc>
+                <a:spcPct val="90000"/>
+              </a:lnSpc>
+              <a:spcBef>
+                <a:spcPts val="1333"/>
+              </a:spcBef>
+              <a:spcAft>
+                <a:spcPts val="0"/>
+              </a:spcAft>
+              <a:buClr>
+                <a:schemeClr val="bg2">
+                  <a:lumMod val="50000"/>
+                </a:schemeClr>
+              </a:buClr>
+              <a:buSzPct val="90000"/>
+              <a:buFontTx/>
+              <a:buNone/>
+              <a:tabLst>
+                <a:tab pos="243834" algn="l"/>
+              </a:tabLst>
+              <a:defRPr sz="3200">
+                <a:solidFill>
+                  <a:schemeClr val="bg1"/>
+                </a:solidFill>
+              </a:defRPr>
+            </a:lvl1pPr>
+            <a:lvl2pPr algn="ctr">
+              <a:defRPr>
+                <a:solidFill>
+                  <a:schemeClr val="bg1">
+                    <a:lumMod val="95000"/>
+                  </a:schemeClr>
+                </a:solidFill>
+              </a:defRPr>
+            </a:lvl2pPr>
+            <a:lvl3pPr algn="ctr">
+              <a:defRPr>
+                <a:solidFill>
+                  <a:schemeClr val="bg1">
+                    <a:lumMod val="95000"/>
+                  </a:schemeClr>
+                </a:solidFill>
+              </a:defRPr>
+            </a:lvl3pPr>
+            <a:lvl4pPr algn="ctr">
+              <a:defRPr>
+                <a:solidFill>
+                  <a:schemeClr val="bg1">
+                    <a:lumMod val="95000"/>
+                  </a:schemeClr>
+                </a:solidFill>
+              </a:defRPr>
+            </a:lvl4pPr>
+            <a:lvl5pPr algn="ctr">
+              <a:defRPr>
+                <a:solidFill>
+                  <a:schemeClr val="bg1">
+                    <a:lumMod val="95000"/>
+                  </a:schemeClr>
+                </a:solidFill>
+              </a:defRPr>
+            </a:lvl5pPr>
+          </a:lstStyle>
+          <a:p>
+            <a:pPr marL="0" marR="0" lvl="0" indent="0" algn="ctr" defTabSz="1219170" rtl="0" eaLnBrk="1" fontAlgn="auto" latinLnBrk="0" hangingPunct="1">
+              <a:lnSpc>
+                <a:spcPct val="90000"/>
+              </a:lnSpc>
+              <a:spcBef>
+                <a:spcPts val="1333"/>
+              </a:spcBef>
+              <a:spcAft>
+                <a:spcPts val="0"/>
+              </a:spcAft>
+              <a:buClr>
+                <a:schemeClr val="bg2">
+                  <a:lumMod val="50000"/>
+                </a:schemeClr>
+              </a:buClr>
+              <a:buSzPct val="90000"/>
+              <a:buFontTx/>
+              <a:buNone/>
+              <a:tabLst>
+                <a:tab pos="243834" algn="l"/>
+              </a:tabLst>
+              <a:defRPr/>
+            </a:pPr>
+            <a:r>
+              <a:rPr lang="en-US" dirty="0"/>
+              <a:t>Topic Divider</a:t>
+            </a:r>
+          </a:p>
+        </p:txBody>
+      </p:sp>
       <p:pic>
         <p:nvPicPr>
-          <p:cNvPr id="6" name="Picture 5" descr="PPT corporate background 16x9.jpg"/>
+          <p:cNvPr id="8" name="Picture 7"/>
           <p:cNvPicPr>
             <a:picLocks noChangeAspect="1"/>
           </p:cNvPicPr>
@@ -11182,14 +12796,1141 @@
         </p:blipFill>
         <p:spPr>
           <a:xfrm>
-            <a:off x="0" y="0"/>
-            <a:ext cx="12192000" cy="6858000"/>
+            <a:off x="615166" y="6324601"/>
+            <a:ext cx="1418889" cy="343808"/>
           </a:xfrm>
           <a:prstGeom prst="rect">
             <a:avLst/>
           </a:prstGeom>
         </p:spPr>
       </p:pic>
+      <p:sp>
+        <p:nvSpPr>
+          <p:cNvPr id="7" name="Footer Placeholder 3"/>
+          <p:cNvSpPr txBox="1">
+            <a:spLocks/>
+          </p:cNvSpPr>
+          <p:nvPr/>
+        </p:nvSpPr>
+        <p:spPr>
+          <a:xfrm>
+            <a:off x="9593112" y="6392672"/>
+            <a:ext cx="2002985" cy="267608"/>
+          </a:xfrm>
+          <a:prstGeom prst="rect">
+            <a:avLst/>
+          </a:prstGeom>
+        </p:spPr>
+        <p:txBody>
+          <a:bodyPr vert="horz" lIns="0" tIns="60960" rIns="0" bIns="60960" rtlCol="0" anchor="ctr"/>
+          <a:lstStyle>
+            <a:defPPr>
+              <a:defRPr lang="en-US"/>
+            </a:defPPr>
+            <a:lvl1pPr marL="0" algn="r" defTabSz="457174" rtl="0" eaLnBrk="1" latinLnBrk="0" hangingPunct="1">
+              <a:defRPr sz="1200" kern="1200">
+                <a:solidFill>
+                  <a:schemeClr val="tx1">
+                    <a:tint val="75000"/>
+                  </a:schemeClr>
+                </a:solidFill>
+                <a:latin typeface="+mn-lt"/>
+                <a:ea typeface="+mn-ea"/>
+                <a:cs typeface="+mn-cs"/>
+              </a:defRPr>
+            </a:lvl1pPr>
+            <a:lvl2pPr marL="457174" algn="l" defTabSz="457174" rtl="0" eaLnBrk="1" latinLnBrk="0" hangingPunct="1">
+              <a:defRPr sz="1800" kern="1200">
+                <a:solidFill>
+                  <a:schemeClr val="tx1"/>
+                </a:solidFill>
+                <a:latin typeface="+mn-lt"/>
+                <a:ea typeface="+mn-ea"/>
+                <a:cs typeface="+mn-cs"/>
+              </a:defRPr>
+            </a:lvl2pPr>
+            <a:lvl3pPr marL="914348" algn="l" defTabSz="457174" rtl="0" eaLnBrk="1" latinLnBrk="0" hangingPunct="1">
+              <a:defRPr sz="1800" kern="1200">
+                <a:solidFill>
+                  <a:schemeClr val="tx1"/>
+                </a:solidFill>
+                <a:latin typeface="+mn-lt"/>
+                <a:ea typeface="+mn-ea"/>
+                <a:cs typeface="+mn-cs"/>
+              </a:defRPr>
+            </a:lvl3pPr>
+            <a:lvl4pPr marL="1371523" algn="l" defTabSz="457174" rtl="0" eaLnBrk="1" latinLnBrk="0" hangingPunct="1">
+              <a:defRPr sz="1800" kern="1200">
+                <a:solidFill>
+                  <a:schemeClr val="tx1"/>
+                </a:solidFill>
+                <a:latin typeface="+mn-lt"/>
+                <a:ea typeface="+mn-ea"/>
+                <a:cs typeface="+mn-cs"/>
+              </a:defRPr>
+            </a:lvl4pPr>
+            <a:lvl5pPr marL="1828698" algn="l" defTabSz="457174" rtl="0" eaLnBrk="1" latinLnBrk="0" hangingPunct="1">
+              <a:defRPr sz="1800" kern="1200">
+                <a:solidFill>
+                  <a:schemeClr val="tx1"/>
+                </a:solidFill>
+                <a:latin typeface="+mn-lt"/>
+                <a:ea typeface="+mn-ea"/>
+                <a:cs typeface="+mn-cs"/>
+              </a:defRPr>
+            </a:lvl5pPr>
+            <a:lvl6pPr marL="2285872" algn="l" defTabSz="457174" rtl="0" eaLnBrk="1" latinLnBrk="0" hangingPunct="1">
+              <a:defRPr sz="1800" kern="1200">
+                <a:solidFill>
+                  <a:schemeClr val="tx1"/>
+                </a:solidFill>
+                <a:latin typeface="+mn-lt"/>
+                <a:ea typeface="+mn-ea"/>
+                <a:cs typeface="+mn-cs"/>
+              </a:defRPr>
+            </a:lvl6pPr>
+            <a:lvl7pPr marL="2743046" algn="l" defTabSz="457174" rtl="0" eaLnBrk="1" latinLnBrk="0" hangingPunct="1">
+              <a:defRPr sz="1800" kern="1200">
+                <a:solidFill>
+                  <a:schemeClr val="tx1"/>
+                </a:solidFill>
+                <a:latin typeface="+mn-lt"/>
+                <a:ea typeface="+mn-ea"/>
+                <a:cs typeface="+mn-cs"/>
+              </a:defRPr>
+            </a:lvl7pPr>
+            <a:lvl8pPr marL="3200220" algn="l" defTabSz="457174" rtl="0" eaLnBrk="1" latinLnBrk="0" hangingPunct="1">
+              <a:defRPr sz="1800" kern="1200">
+                <a:solidFill>
+                  <a:schemeClr val="tx1"/>
+                </a:solidFill>
+                <a:latin typeface="+mn-lt"/>
+                <a:ea typeface="+mn-ea"/>
+                <a:cs typeface="+mn-cs"/>
+              </a:defRPr>
+            </a:lvl8pPr>
+            <a:lvl9pPr marL="3657394" algn="l" defTabSz="457174" rtl="0" eaLnBrk="1" latinLnBrk="0" hangingPunct="1">
+              <a:defRPr sz="1800" kern="1200">
+                <a:solidFill>
+                  <a:schemeClr val="tx1"/>
+                </a:solidFill>
+                <a:latin typeface="+mn-lt"/>
+                <a:ea typeface="+mn-ea"/>
+                <a:cs typeface="+mn-cs"/>
+              </a:defRPr>
+            </a:lvl9pPr>
+          </a:lstStyle>
+          <a:p>
+            <a:r>
+              <a:rPr lang="en-US" sz="1333" dirty="0" err="1">
+                <a:solidFill>
+                  <a:schemeClr val="bg1"/>
+                </a:solidFill>
+              </a:rPr>
+              <a:t>ni.com</a:t>
+            </a:r>
+            <a:endParaRPr lang="en-US" sz="1333" dirty="0">
+              <a:solidFill>
+                <a:schemeClr val="bg1"/>
+              </a:solidFill>
+            </a:endParaRPr>
+          </a:p>
+        </p:txBody>
+      </p:sp>
+    </p:spTree>
+    <p:extLst>
+      <p:ext uri="{BB962C8B-B14F-4D97-AF65-F5344CB8AC3E}">
+        <p14:creationId xmlns:p14="http://schemas.microsoft.com/office/powerpoint/2010/main" val="3862676990"/>
+      </p:ext>
+    </p:extLst>
+  </p:cSld>
+  <p:clrMapOvr>
+    <a:masterClrMapping/>
+  </p:clrMapOvr>
+  <p:extLst mod="1">
+    <p:ext uri="{DCECCB84-F9BA-43D5-87BE-67443E8EF086}">
+      <p15:sldGuideLst xmlns:p15="http://schemas.microsoft.com/office/powerpoint/2012/main">
+        <p15:guide id="2" pos="2880">
+          <p15:clr>
+            <a:srgbClr val="FBAE40"/>
+          </p15:clr>
+        </p15:guide>
+      </p15:sldGuideLst>
+    </p:ext>
+  </p:extLst>
+</p:sldLayout>
+</file>
+
+<file path=ppt/slideLayouts/slideLayout18.xml><?xml version="1.0" encoding="utf-8"?>
+<p:sldLayout xmlns:a="http://schemas.openxmlformats.org/drawingml/2006/main" xmlns:r="http://schemas.openxmlformats.org/officeDocument/2006/relationships" xmlns:p="http://schemas.openxmlformats.org/presentationml/2006/main" showMasterSp="0" preserve="1">
+  <p:cSld name="External_Resource Link">
+    <p:spTree>
+      <p:nvGrpSpPr>
+        <p:cNvPr id="1" name=""/>
+        <p:cNvGrpSpPr/>
+        <p:nvPr/>
+      </p:nvGrpSpPr>
+      <p:grpSpPr>
+        <a:xfrm>
+          <a:off x="0" y="0"/>
+          <a:ext cx="0" cy="0"/>
+          <a:chOff x="0" y="0"/>
+          <a:chExt cx="0" cy="0"/>
+        </a:xfrm>
+      </p:grpSpPr>
+      <p:sp>
+        <p:nvSpPr>
+          <p:cNvPr id="6" name="Rectangle 5"/>
+          <p:cNvSpPr/>
+          <p:nvPr/>
+        </p:nvSpPr>
+        <p:spPr>
+          <a:xfrm>
+            <a:off x="0" y="0"/>
+            <a:ext cx="12203992" cy="6858000"/>
+          </a:xfrm>
+          <a:prstGeom prst="rect">
+            <a:avLst/>
+          </a:prstGeom>
+          <a:solidFill>
+            <a:srgbClr val="0A60A3"/>
+          </a:solidFill>
+          <a:ln>
+            <a:noFill/>
+          </a:ln>
+          <a:effectLst/>
+        </p:spPr>
+        <p:style>
+          <a:lnRef idx="1">
+            <a:schemeClr val="accent1"/>
+          </a:lnRef>
+          <a:fillRef idx="3">
+            <a:schemeClr val="accent1"/>
+          </a:fillRef>
+          <a:effectRef idx="2">
+            <a:schemeClr val="accent1"/>
+          </a:effectRef>
+          <a:fontRef idx="minor">
+            <a:schemeClr val="lt1"/>
+          </a:fontRef>
+        </p:style>
+        <p:txBody>
+          <a:bodyPr rtlCol="0" anchor="ctr"/>
+          <a:lstStyle/>
+          <a:p>
+            <a:pPr algn="ctr"/>
+            <a:endParaRPr lang="en-US" sz="2400"/>
+          </a:p>
+        </p:txBody>
+      </p:sp>
+      <p:sp>
+        <p:nvSpPr>
+          <p:cNvPr id="4" name="Text Placeholder 3"/>
+          <p:cNvSpPr>
+            <a:spLocks noGrp="1"/>
+          </p:cNvSpPr>
+          <p:nvPr>
+            <p:ph type="body" sz="quarter" idx="10" hasCustomPrompt="1"/>
+          </p:nvPr>
+        </p:nvSpPr>
+        <p:spPr>
+          <a:xfrm>
+            <a:off x="1" y="2766484"/>
+            <a:ext cx="12204700" cy="1109133"/>
+          </a:xfrm>
+        </p:spPr>
+        <p:txBody>
+          <a:bodyPr anchor="ctr"/>
+          <a:lstStyle>
+            <a:lvl1pPr marL="0" indent="0" algn="ctr">
+              <a:buFontTx/>
+              <a:buNone/>
+              <a:defRPr sz="3200">
+                <a:solidFill>
+                  <a:schemeClr val="bg1"/>
+                </a:solidFill>
+              </a:defRPr>
+            </a:lvl1pPr>
+            <a:lvl2pPr algn="ctr">
+              <a:defRPr>
+                <a:solidFill>
+                  <a:schemeClr val="bg1">
+                    <a:lumMod val="95000"/>
+                  </a:schemeClr>
+                </a:solidFill>
+              </a:defRPr>
+            </a:lvl2pPr>
+            <a:lvl3pPr algn="ctr">
+              <a:defRPr>
+                <a:solidFill>
+                  <a:schemeClr val="bg1">
+                    <a:lumMod val="95000"/>
+                  </a:schemeClr>
+                </a:solidFill>
+              </a:defRPr>
+            </a:lvl3pPr>
+            <a:lvl4pPr algn="ctr">
+              <a:defRPr>
+                <a:solidFill>
+                  <a:schemeClr val="bg1">
+                    <a:lumMod val="95000"/>
+                  </a:schemeClr>
+                </a:solidFill>
+              </a:defRPr>
+            </a:lvl4pPr>
+            <a:lvl5pPr algn="ctr">
+              <a:defRPr>
+                <a:solidFill>
+                  <a:schemeClr val="bg1">
+                    <a:lumMod val="95000"/>
+                  </a:schemeClr>
+                </a:solidFill>
+              </a:defRPr>
+            </a:lvl5pPr>
+          </a:lstStyle>
+          <a:p>
+            <a:pPr lvl="0"/>
+            <a:r>
+              <a:rPr lang="en-US" dirty="0"/>
+              <a:t>Resource Link</a:t>
+            </a:r>
+          </a:p>
+        </p:txBody>
+      </p:sp>
+      <p:pic>
+        <p:nvPicPr>
+          <p:cNvPr id="8" name="Picture 7"/>
+          <p:cNvPicPr>
+            <a:picLocks noChangeAspect="1"/>
+          </p:cNvPicPr>
+          <p:nvPr/>
+        </p:nvPicPr>
+        <p:blipFill>
+          <a:blip r:embed="rId2" cstate="print">
+            <a:extLst>
+              <a:ext uri="{28A0092B-C50C-407E-A947-70E740481C1C}">
+                <a14:useLocalDpi xmlns:a14="http://schemas.microsoft.com/office/drawing/2010/main" val="0"/>
+              </a:ext>
+            </a:extLst>
+          </a:blip>
+          <a:stretch>
+            <a:fillRect/>
+          </a:stretch>
+        </p:blipFill>
+        <p:spPr>
+          <a:xfrm>
+            <a:off x="615166" y="6324601"/>
+            <a:ext cx="1418889" cy="343808"/>
+          </a:xfrm>
+          <a:prstGeom prst="rect">
+            <a:avLst/>
+          </a:prstGeom>
+        </p:spPr>
+      </p:pic>
+      <p:sp>
+        <p:nvSpPr>
+          <p:cNvPr id="7" name="Footer Placeholder 3"/>
+          <p:cNvSpPr txBox="1">
+            <a:spLocks/>
+          </p:cNvSpPr>
+          <p:nvPr/>
+        </p:nvSpPr>
+        <p:spPr>
+          <a:xfrm>
+            <a:off x="9593112" y="6392672"/>
+            <a:ext cx="2002985" cy="267608"/>
+          </a:xfrm>
+          <a:prstGeom prst="rect">
+            <a:avLst/>
+          </a:prstGeom>
+        </p:spPr>
+        <p:txBody>
+          <a:bodyPr vert="horz" lIns="0" tIns="60960" rIns="0" bIns="60960" rtlCol="0" anchor="ctr"/>
+          <a:lstStyle>
+            <a:defPPr>
+              <a:defRPr lang="en-US"/>
+            </a:defPPr>
+            <a:lvl1pPr marL="0" algn="r" defTabSz="457174" rtl="0" eaLnBrk="1" latinLnBrk="0" hangingPunct="1">
+              <a:defRPr sz="1200" kern="1200">
+                <a:solidFill>
+                  <a:schemeClr val="tx1">
+                    <a:tint val="75000"/>
+                  </a:schemeClr>
+                </a:solidFill>
+                <a:latin typeface="+mn-lt"/>
+                <a:ea typeface="+mn-ea"/>
+                <a:cs typeface="+mn-cs"/>
+              </a:defRPr>
+            </a:lvl1pPr>
+            <a:lvl2pPr marL="457174" algn="l" defTabSz="457174" rtl="0" eaLnBrk="1" latinLnBrk="0" hangingPunct="1">
+              <a:defRPr sz="1800" kern="1200">
+                <a:solidFill>
+                  <a:schemeClr val="tx1"/>
+                </a:solidFill>
+                <a:latin typeface="+mn-lt"/>
+                <a:ea typeface="+mn-ea"/>
+                <a:cs typeface="+mn-cs"/>
+              </a:defRPr>
+            </a:lvl2pPr>
+            <a:lvl3pPr marL="914348" algn="l" defTabSz="457174" rtl="0" eaLnBrk="1" latinLnBrk="0" hangingPunct="1">
+              <a:defRPr sz="1800" kern="1200">
+                <a:solidFill>
+                  <a:schemeClr val="tx1"/>
+                </a:solidFill>
+                <a:latin typeface="+mn-lt"/>
+                <a:ea typeface="+mn-ea"/>
+                <a:cs typeface="+mn-cs"/>
+              </a:defRPr>
+            </a:lvl3pPr>
+            <a:lvl4pPr marL="1371523" algn="l" defTabSz="457174" rtl="0" eaLnBrk="1" latinLnBrk="0" hangingPunct="1">
+              <a:defRPr sz="1800" kern="1200">
+                <a:solidFill>
+                  <a:schemeClr val="tx1"/>
+                </a:solidFill>
+                <a:latin typeface="+mn-lt"/>
+                <a:ea typeface="+mn-ea"/>
+                <a:cs typeface="+mn-cs"/>
+              </a:defRPr>
+            </a:lvl4pPr>
+            <a:lvl5pPr marL="1828698" algn="l" defTabSz="457174" rtl="0" eaLnBrk="1" latinLnBrk="0" hangingPunct="1">
+              <a:defRPr sz="1800" kern="1200">
+                <a:solidFill>
+                  <a:schemeClr val="tx1"/>
+                </a:solidFill>
+                <a:latin typeface="+mn-lt"/>
+                <a:ea typeface="+mn-ea"/>
+                <a:cs typeface="+mn-cs"/>
+              </a:defRPr>
+            </a:lvl5pPr>
+            <a:lvl6pPr marL="2285872" algn="l" defTabSz="457174" rtl="0" eaLnBrk="1" latinLnBrk="0" hangingPunct="1">
+              <a:defRPr sz="1800" kern="1200">
+                <a:solidFill>
+                  <a:schemeClr val="tx1"/>
+                </a:solidFill>
+                <a:latin typeface="+mn-lt"/>
+                <a:ea typeface="+mn-ea"/>
+                <a:cs typeface="+mn-cs"/>
+              </a:defRPr>
+            </a:lvl6pPr>
+            <a:lvl7pPr marL="2743046" algn="l" defTabSz="457174" rtl="0" eaLnBrk="1" latinLnBrk="0" hangingPunct="1">
+              <a:defRPr sz="1800" kern="1200">
+                <a:solidFill>
+                  <a:schemeClr val="tx1"/>
+                </a:solidFill>
+                <a:latin typeface="+mn-lt"/>
+                <a:ea typeface="+mn-ea"/>
+                <a:cs typeface="+mn-cs"/>
+              </a:defRPr>
+            </a:lvl7pPr>
+            <a:lvl8pPr marL="3200220" algn="l" defTabSz="457174" rtl="0" eaLnBrk="1" latinLnBrk="0" hangingPunct="1">
+              <a:defRPr sz="1800" kern="1200">
+                <a:solidFill>
+                  <a:schemeClr val="tx1"/>
+                </a:solidFill>
+                <a:latin typeface="+mn-lt"/>
+                <a:ea typeface="+mn-ea"/>
+                <a:cs typeface="+mn-cs"/>
+              </a:defRPr>
+            </a:lvl8pPr>
+            <a:lvl9pPr marL="3657394" algn="l" defTabSz="457174" rtl="0" eaLnBrk="1" latinLnBrk="0" hangingPunct="1">
+              <a:defRPr sz="1800" kern="1200">
+                <a:solidFill>
+                  <a:schemeClr val="tx1"/>
+                </a:solidFill>
+                <a:latin typeface="+mn-lt"/>
+                <a:ea typeface="+mn-ea"/>
+                <a:cs typeface="+mn-cs"/>
+              </a:defRPr>
+            </a:lvl9pPr>
+          </a:lstStyle>
+          <a:p>
+            <a:r>
+              <a:rPr lang="en-US" sz="1333" dirty="0" err="1">
+                <a:solidFill>
+                  <a:schemeClr val="bg1"/>
+                </a:solidFill>
+              </a:rPr>
+              <a:t>ni.com</a:t>
+            </a:r>
+            <a:endParaRPr lang="en-US" sz="1333" dirty="0">
+              <a:solidFill>
+                <a:schemeClr val="bg1"/>
+              </a:solidFill>
+            </a:endParaRPr>
+          </a:p>
+        </p:txBody>
+      </p:sp>
+    </p:spTree>
+    <p:extLst>
+      <p:ext uri="{BB962C8B-B14F-4D97-AF65-F5344CB8AC3E}">
+        <p14:creationId xmlns:p14="http://schemas.microsoft.com/office/powerpoint/2010/main" val="3555193125"/>
+      </p:ext>
+    </p:extLst>
+  </p:cSld>
+  <p:clrMapOvr>
+    <a:masterClrMapping/>
+  </p:clrMapOvr>
+  <p:extLst mod="1">
+    <p:ext uri="{DCECCB84-F9BA-43D5-87BE-67443E8EF086}">
+      <p15:sldGuideLst xmlns:p15="http://schemas.microsoft.com/office/powerpoint/2012/main">
+        <p15:guide id="2" pos="2880">
+          <p15:clr>
+            <a:srgbClr val="FBAE40"/>
+          </p15:clr>
+        </p15:guide>
+      </p15:sldGuideLst>
+    </p:ext>
+  </p:extLst>
+</p:sldLayout>
+</file>
+
+<file path=ppt/slideLayouts/slideLayout19.xml><?xml version="1.0" encoding="utf-8"?>
+<p:sldLayout xmlns:a="http://schemas.openxmlformats.org/drawingml/2006/main" xmlns:r="http://schemas.openxmlformats.org/officeDocument/2006/relationships" xmlns:p="http://schemas.openxmlformats.org/presentationml/2006/main" type="obj">
+  <p:cSld name="External Title and Content">
+    <p:spTree>
+      <p:nvGrpSpPr>
+        <p:cNvPr id="1" name=""/>
+        <p:cNvGrpSpPr/>
+        <p:nvPr/>
+      </p:nvGrpSpPr>
+      <p:grpSpPr>
+        <a:xfrm>
+          <a:off x="0" y="0"/>
+          <a:ext cx="0" cy="0"/>
+          <a:chOff x="0" y="0"/>
+          <a:chExt cx="0" cy="0"/>
+        </a:xfrm>
+      </p:grpSpPr>
+      <p:sp>
+        <p:nvSpPr>
+          <p:cNvPr id="2" name="Title 1"/>
+          <p:cNvSpPr>
+            <a:spLocks noGrp="1"/>
+          </p:cNvSpPr>
+          <p:nvPr>
+            <p:ph type="title" hasCustomPrompt="1"/>
+          </p:nvPr>
+        </p:nvSpPr>
+        <p:spPr/>
+        <p:txBody>
+          <a:bodyPr/>
+          <a:lstStyle/>
+          <a:p>
+            <a:r>
+              <a:rPr lang="en-US" dirty="0"/>
+              <a:t>Master title style</a:t>
+            </a:r>
+          </a:p>
+        </p:txBody>
+      </p:sp>
+      <p:sp>
+        <p:nvSpPr>
+          <p:cNvPr id="3" name="Content Placeholder 2"/>
+          <p:cNvSpPr>
+            <a:spLocks noGrp="1"/>
+          </p:cNvSpPr>
+          <p:nvPr>
+            <p:ph idx="1" hasCustomPrompt="1"/>
+          </p:nvPr>
+        </p:nvSpPr>
+        <p:spPr>
+          <a:xfrm>
+            <a:off x="637778" y="1121384"/>
+            <a:ext cx="10887473" cy="4949008"/>
+          </a:xfrm>
+        </p:spPr>
+        <p:txBody>
+          <a:bodyPr/>
+          <a:lstStyle>
+            <a:lvl1pPr>
+              <a:defRPr b="0" i="0">
+                <a:latin typeface="+mn-lt"/>
+                <a:cs typeface="Univers LT Std 45 Light"/>
+              </a:defRPr>
+            </a:lvl1pPr>
+            <a:lvl2pPr>
+              <a:defRPr b="0" i="0">
+                <a:latin typeface="+mn-lt"/>
+                <a:cs typeface="Univers LT Std 45 Light"/>
+              </a:defRPr>
+            </a:lvl2pPr>
+            <a:lvl3pPr>
+              <a:defRPr b="0" i="0">
+                <a:latin typeface="+mn-lt"/>
+                <a:cs typeface="Univers LT Std 45 Light"/>
+              </a:defRPr>
+            </a:lvl3pPr>
+            <a:lvl4pPr>
+              <a:defRPr sz="1867" b="0" i="0">
+                <a:latin typeface="+mn-lt"/>
+                <a:cs typeface="Univers LT Std 45 Light"/>
+              </a:defRPr>
+            </a:lvl4pPr>
+            <a:lvl5pPr>
+              <a:defRPr sz="1867">
+                <a:latin typeface="+mn-lt"/>
+              </a:defRPr>
+            </a:lvl5pPr>
+          </a:lstStyle>
+          <a:p>
+            <a:pPr lvl="0"/>
+            <a:r>
+              <a:rPr lang="en-US" dirty="0"/>
+              <a:t>Master text styles</a:t>
+            </a:r>
+          </a:p>
+          <a:p>
+            <a:pPr lvl="1"/>
+            <a:r>
+              <a:rPr lang="en-US" dirty="0"/>
+              <a:t>Second level</a:t>
+            </a:r>
+          </a:p>
+          <a:p>
+            <a:pPr lvl="2"/>
+            <a:r>
+              <a:rPr lang="en-US" dirty="0"/>
+              <a:t>Third level</a:t>
+            </a:r>
+          </a:p>
+          <a:p>
+            <a:pPr lvl="3"/>
+            <a:r>
+              <a:rPr lang="en-US" dirty="0"/>
+              <a:t>Fourth level</a:t>
+            </a:r>
+          </a:p>
+        </p:txBody>
+      </p:sp>
+    </p:spTree>
+    <p:extLst>
+      <p:ext uri="{BB962C8B-B14F-4D97-AF65-F5344CB8AC3E}">
+        <p14:creationId xmlns:p14="http://schemas.microsoft.com/office/powerpoint/2010/main" val="884158483"/>
+      </p:ext>
+    </p:extLst>
+  </p:cSld>
+  <p:clrMapOvr>
+    <a:masterClrMapping/>
+  </p:clrMapOvr>
+</p:sldLayout>
+</file>
+
+<file path=ppt/slideLayouts/slideLayout2.xml><?xml version="1.0" encoding="utf-8"?>
+<p:sldLayout xmlns:a="http://schemas.openxmlformats.org/drawingml/2006/main" xmlns:r="http://schemas.openxmlformats.org/officeDocument/2006/relationships" xmlns:p="http://schemas.openxmlformats.org/presentationml/2006/main" showMasterSp="0" preserve="1">
+  <p:cSld name="External_Title Slide">
+    <p:bg>
+      <p:bgPr>
+        <a:solidFill>
+          <a:schemeClr val="bg1"/>
+        </a:solidFill>
+        <a:effectLst/>
+      </p:bgPr>
+    </p:bg>
+    <p:spTree>
+      <p:nvGrpSpPr>
+        <p:cNvPr id="1" name=""/>
+        <p:cNvGrpSpPr/>
+        <p:nvPr/>
+      </p:nvGrpSpPr>
+      <p:grpSpPr>
+        <a:xfrm>
+          <a:off x="0" y="0"/>
+          <a:ext cx="0" cy="0"/>
+          <a:chOff x="0" y="0"/>
+          <a:chExt cx="0" cy="0"/>
+        </a:xfrm>
+      </p:grpSpPr>
+      <p:sp>
+        <p:nvSpPr>
+          <p:cNvPr id="7" name="Rectangle 6"/>
+          <p:cNvSpPr/>
+          <p:nvPr/>
+        </p:nvSpPr>
+        <p:spPr>
+          <a:xfrm>
+            <a:off x="0" y="2"/>
+            <a:ext cx="12203992" cy="4375505"/>
+          </a:xfrm>
+          <a:prstGeom prst="rect">
+            <a:avLst/>
+          </a:prstGeom>
+          <a:solidFill>
+            <a:srgbClr val="0A60A3"/>
+          </a:solidFill>
+          <a:ln>
+            <a:noFill/>
+          </a:ln>
+          <a:effectLst/>
+        </p:spPr>
+        <p:style>
+          <a:lnRef idx="1">
+            <a:schemeClr val="accent1"/>
+          </a:lnRef>
+          <a:fillRef idx="3">
+            <a:schemeClr val="accent1"/>
+          </a:fillRef>
+          <a:effectRef idx="2">
+            <a:schemeClr val="accent1"/>
+          </a:effectRef>
+          <a:fontRef idx="minor">
+            <a:schemeClr val="lt1"/>
+          </a:fontRef>
+        </p:style>
+        <p:txBody>
+          <a:bodyPr lIns="0" rIns="0" rtlCol="0" anchor="ctr"/>
+          <a:lstStyle/>
+          <a:p>
+            <a:pPr algn="ctr"/>
+            <a:endParaRPr lang="en-US" sz="2400"/>
+          </a:p>
+        </p:txBody>
+      </p:sp>
+      <p:sp>
+        <p:nvSpPr>
+          <p:cNvPr id="2" name="Title 1"/>
+          <p:cNvSpPr>
+            <a:spLocks noGrp="1"/>
+          </p:cNvSpPr>
+          <p:nvPr>
+            <p:ph type="ctrTitle" hasCustomPrompt="1"/>
+          </p:nvPr>
+        </p:nvSpPr>
+        <p:spPr>
+          <a:xfrm>
+            <a:off x="605368" y="1121833"/>
+            <a:ext cx="10981265" cy="2387600"/>
+          </a:xfrm>
+        </p:spPr>
+        <p:txBody>
+          <a:bodyPr anchor="b"/>
+          <a:lstStyle>
+            <a:lvl1pPr algn="ctr">
+              <a:defRPr sz="3733" baseline="0">
+                <a:solidFill>
+                  <a:schemeClr val="bg1"/>
+                </a:solidFill>
+              </a:defRPr>
+            </a:lvl1pPr>
+          </a:lstStyle>
+          <a:p>
+            <a:r>
+              <a:rPr lang="en-US" dirty="0"/>
+              <a:t>Presentation Title</a:t>
+            </a:r>
+          </a:p>
+        </p:txBody>
+      </p:sp>
+      <p:sp>
+        <p:nvSpPr>
+          <p:cNvPr id="3" name="Subtitle 2"/>
+          <p:cNvSpPr>
+            <a:spLocks noGrp="1"/>
+          </p:cNvSpPr>
+          <p:nvPr>
+            <p:ph type="subTitle" idx="1" hasCustomPrompt="1"/>
+          </p:nvPr>
+        </p:nvSpPr>
+        <p:spPr>
+          <a:xfrm>
+            <a:off x="605367" y="3509434"/>
+            <a:ext cx="10981267" cy="757767"/>
+          </a:xfrm>
+        </p:spPr>
+        <p:txBody>
+          <a:bodyPr/>
+          <a:lstStyle>
+            <a:lvl1pPr marL="0" marR="0" indent="0" algn="ctr" defTabSz="1219170" rtl="0" eaLnBrk="1" fontAlgn="auto" latinLnBrk="0" hangingPunct="1">
+              <a:lnSpc>
+                <a:spcPts val="2133"/>
+              </a:lnSpc>
+              <a:spcBef>
+                <a:spcPts val="1333"/>
+              </a:spcBef>
+              <a:spcAft>
+                <a:spcPts val="0"/>
+              </a:spcAft>
+              <a:buClrTx/>
+              <a:buSzTx/>
+              <a:buFont typeface="Arial"/>
+              <a:buNone/>
+              <a:tabLst/>
+              <a:defRPr sz="2400" baseline="0">
+                <a:solidFill>
+                  <a:schemeClr val="bg1"/>
+                </a:solidFill>
+              </a:defRPr>
+            </a:lvl1pPr>
+            <a:lvl2pPr marL="609585" indent="0" algn="ctr">
+              <a:buNone/>
+              <a:defRPr sz="2667"/>
+            </a:lvl2pPr>
+            <a:lvl3pPr marL="1219170" indent="0" algn="ctr">
+              <a:buNone/>
+              <a:defRPr sz="2400"/>
+            </a:lvl3pPr>
+            <a:lvl4pPr marL="1828754" indent="0" algn="ctr">
+              <a:buNone/>
+              <a:defRPr sz="2133"/>
+            </a:lvl4pPr>
+            <a:lvl5pPr marL="2438339" indent="0" algn="ctr">
+              <a:buNone/>
+              <a:defRPr sz="2133"/>
+            </a:lvl5pPr>
+            <a:lvl6pPr marL="3047924" indent="0" algn="ctr">
+              <a:buNone/>
+              <a:defRPr sz="2133"/>
+            </a:lvl6pPr>
+            <a:lvl7pPr marL="3657509" indent="0" algn="ctr">
+              <a:buNone/>
+              <a:defRPr sz="2133"/>
+            </a:lvl7pPr>
+            <a:lvl8pPr marL="4267093" indent="0" algn="ctr">
+              <a:buNone/>
+              <a:defRPr sz="2133"/>
+            </a:lvl8pPr>
+            <a:lvl9pPr marL="4876678" indent="0" algn="ctr">
+              <a:buNone/>
+              <a:defRPr sz="2133"/>
+            </a:lvl9pPr>
+          </a:lstStyle>
+          <a:p>
+            <a:r>
+              <a:rPr lang="en-US" dirty="0"/>
+              <a:t>Subhead</a:t>
+            </a:r>
+          </a:p>
+        </p:txBody>
+      </p:sp>
+      <p:sp>
+        <p:nvSpPr>
+          <p:cNvPr id="17" name="Text Placeholder 16"/>
+          <p:cNvSpPr>
+            <a:spLocks noGrp="1"/>
+          </p:cNvSpPr>
+          <p:nvPr>
+            <p:ph type="body" sz="quarter" idx="12" hasCustomPrompt="1"/>
+          </p:nvPr>
+        </p:nvSpPr>
+        <p:spPr>
+          <a:xfrm>
+            <a:off x="605367" y="4631266"/>
+            <a:ext cx="10981267" cy="414868"/>
+          </a:xfrm>
+        </p:spPr>
+        <p:txBody>
+          <a:bodyPr/>
+          <a:lstStyle>
+            <a:lvl1pPr marL="0" marR="0" indent="0" algn="ctr" defTabSz="1219170" rtl="0" eaLnBrk="1" fontAlgn="auto" latinLnBrk="0" hangingPunct="1">
+              <a:lnSpc>
+                <a:spcPct val="100000"/>
+              </a:lnSpc>
+              <a:spcBef>
+                <a:spcPts val="533"/>
+              </a:spcBef>
+              <a:spcAft>
+                <a:spcPts val="800"/>
+              </a:spcAft>
+              <a:buClr>
+                <a:schemeClr val="bg2">
+                  <a:lumMod val="50000"/>
+                </a:schemeClr>
+              </a:buClr>
+              <a:buSzPct val="70000"/>
+              <a:buFont typeface="Wingdings" charset="2"/>
+              <a:buNone/>
+              <a:tabLst>
+                <a:tab pos="243411" algn="l"/>
+                <a:tab pos="4944410" algn="l"/>
+              </a:tabLst>
+              <a:defRPr sz="2133">
+                <a:solidFill>
+                  <a:schemeClr val="bg2">
+                    <a:lumMod val="50000"/>
+                  </a:schemeClr>
+                </a:solidFill>
+              </a:defRPr>
+            </a:lvl1pPr>
+          </a:lstStyle>
+          <a:p>
+            <a:pPr algn="ctr">
+              <a:spcAft>
+                <a:spcPts val="600"/>
+              </a:spcAft>
+            </a:pPr>
+            <a:r>
+              <a:rPr lang="en-US" dirty="0">
+                <a:solidFill>
+                  <a:schemeClr val="tx1">
+                    <a:lumMod val="50000"/>
+                    <a:lumOff val="50000"/>
+                  </a:schemeClr>
+                </a:solidFill>
+              </a:rPr>
+              <a:t>Speaker</a:t>
+            </a:r>
+            <a:endParaRPr lang="en-US" sz="1867" dirty="0">
+              <a:solidFill>
+                <a:schemeClr val="bg1">
+                  <a:lumMod val="65000"/>
+                </a:schemeClr>
+              </a:solidFill>
+            </a:endParaRPr>
+          </a:p>
+        </p:txBody>
+      </p:sp>
+      <p:sp>
+        <p:nvSpPr>
+          <p:cNvPr id="21" name="Text Placeholder 20"/>
+          <p:cNvSpPr>
+            <a:spLocks noGrp="1"/>
+          </p:cNvSpPr>
+          <p:nvPr>
+            <p:ph type="body" sz="quarter" idx="13" hasCustomPrompt="1"/>
+          </p:nvPr>
+        </p:nvSpPr>
+        <p:spPr>
+          <a:xfrm>
+            <a:off x="605367" y="5046134"/>
+            <a:ext cx="10981267" cy="463551"/>
+          </a:xfrm>
+        </p:spPr>
+        <p:txBody>
+          <a:bodyPr/>
+          <a:lstStyle>
+            <a:lvl1pPr marL="0" marR="0" indent="0" algn="ctr" defTabSz="1219170" rtl="0" eaLnBrk="1" fontAlgn="auto" latinLnBrk="0" hangingPunct="1">
+              <a:lnSpc>
+                <a:spcPct val="100000"/>
+              </a:lnSpc>
+              <a:spcBef>
+                <a:spcPts val="533"/>
+              </a:spcBef>
+              <a:spcAft>
+                <a:spcPts val="800"/>
+              </a:spcAft>
+              <a:buClr>
+                <a:schemeClr val="bg2">
+                  <a:lumMod val="50000"/>
+                </a:schemeClr>
+              </a:buClr>
+              <a:buSzPct val="70000"/>
+              <a:buFont typeface="Wingdings" charset="2"/>
+              <a:buNone/>
+              <a:tabLst>
+                <a:tab pos="243834" algn="l"/>
+              </a:tabLst>
+              <a:defRPr sz="1867">
+                <a:solidFill>
+                  <a:schemeClr val="bg2">
+                    <a:lumMod val="50000"/>
+                  </a:schemeClr>
+                </a:solidFill>
+              </a:defRPr>
+            </a:lvl1pPr>
+          </a:lstStyle>
+          <a:p>
+            <a:pPr>
+              <a:spcAft>
+                <a:spcPts val="600"/>
+              </a:spcAft>
+            </a:pPr>
+            <a:r>
+              <a:rPr lang="en-US" dirty="0">
+                <a:solidFill>
+                  <a:schemeClr val="bg1">
+                    <a:lumMod val="65000"/>
+                  </a:schemeClr>
+                </a:solidFill>
+              </a:rPr>
+              <a:t>Title</a:t>
+            </a:r>
+          </a:p>
+        </p:txBody>
+      </p:sp>
+      <p:pic>
+        <p:nvPicPr>
+          <p:cNvPr id="11" name="Picture 10"/>
+          <p:cNvPicPr>
+            <a:picLocks noChangeAspect="1"/>
+          </p:cNvPicPr>
+          <p:nvPr/>
+        </p:nvPicPr>
+        <p:blipFill>
+          <a:blip r:embed="rId2" cstate="screen">
+            <a:extLst>
+              <a:ext uri="{28A0092B-C50C-407E-A947-70E740481C1C}">
+                <a14:useLocalDpi xmlns:a14="http://schemas.microsoft.com/office/drawing/2010/main"/>
+              </a:ext>
+            </a:extLst>
+          </a:blip>
+          <a:stretch>
+            <a:fillRect/>
+          </a:stretch>
+        </p:blipFill>
+        <p:spPr>
+          <a:xfrm>
+            <a:off x="615165" y="6324601"/>
+            <a:ext cx="1418891" cy="343808"/>
+          </a:xfrm>
+          <a:prstGeom prst="rect">
+            <a:avLst/>
+          </a:prstGeom>
+        </p:spPr>
+      </p:pic>
+      <p:sp>
+        <p:nvSpPr>
+          <p:cNvPr id="10" name="Footer Placeholder 3"/>
+          <p:cNvSpPr txBox="1">
+            <a:spLocks/>
+          </p:cNvSpPr>
+          <p:nvPr/>
+        </p:nvSpPr>
+        <p:spPr>
+          <a:xfrm>
+            <a:off x="9593112" y="6392672"/>
+            <a:ext cx="2002985" cy="267608"/>
+          </a:xfrm>
+          <a:prstGeom prst="rect">
+            <a:avLst/>
+          </a:prstGeom>
+        </p:spPr>
+        <p:txBody>
+          <a:bodyPr vert="horz" lIns="0" tIns="60960" rIns="0" bIns="60960" rtlCol="0" anchor="ctr"/>
+          <a:lstStyle>
+            <a:defPPr>
+              <a:defRPr lang="en-US"/>
+            </a:defPPr>
+            <a:lvl1pPr marL="0" algn="r" defTabSz="457174" rtl="0" eaLnBrk="1" latinLnBrk="0" hangingPunct="1">
+              <a:defRPr sz="1200" kern="1200">
+                <a:solidFill>
+                  <a:schemeClr val="tx1">
+                    <a:tint val="75000"/>
+                  </a:schemeClr>
+                </a:solidFill>
+                <a:latin typeface="+mn-lt"/>
+                <a:ea typeface="+mn-ea"/>
+                <a:cs typeface="+mn-cs"/>
+              </a:defRPr>
+            </a:lvl1pPr>
+            <a:lvl2pPr marL="457174" algn="l" defTabSz="457174" rtl="0" eaLnBrk="1" latinLnBrk="0" hangingPunct="1">
+              <a:defRPr sz="1800" kern="1200">
+                <a:solidFill>
+                  <a:schemeClr val="tx1"/>
+                </a:solidFill>
+                <a:latin typeface="+mn-lt"/>
+                <a:ea typeface="+mn-ea"/>
+                <a:cs typeface="+mn-cs"/>
+              </a:defRPr>
+            </a:lvl2pPr>
+            <a:lvl3pPr marL="914348" algn="l" defTabSz="457174" rtl="0" eaLnBrk="1" latinLnBrk="0" hangingPunct="1">
+              <a:defRPr sz="1800" kern="1200">
+                <a:solidFill>
+                  <a:schemeClr val="tx1"/>
+                </a:solidFill>
+                <a:latin typeface="+mn-lt"/>
+                <a:ea typeface="+mn-ea"/>
+                <a:cs typeface="+mn-cs"/>
+              </a:defRPr>
+            </a:lvl3pPr>
+            <a:lvl4pPr marL="1371523" algn="l" defTabSz="457174" rtl="0" eaLnBrk="1" latinLnBrk="0" hangingPunct="1">
+              <a:defRPr sz="1800" kern="1200">
+                <a:solidFill>
+                  <a:schemeClr val="tx1"/>
+                </a:solidFill>
+                <a:latin typeface="+mn-lt"/>
+                <a:ea typeface="+mn-ea"/>
+                <a:cs typeface="+mn-cs"/>
+              </a:defRPr>
+            </a:lvl4pPr>
+            <a:lvl5pPr marL="1828698" algn="l" defTabSz="457174" rtl="0" eaLnBrk="1" latinLnBrk="0" hangingPunct="1">
+              <a:defRPr sz="1800" kern="1200">
+                <a:solidFill>
+                  <a:schemeClr val="tx1"/>
+                </a:solidFill>
+                <a:latin typeface="+mn-lt"/>
+                <a:ea typeface="+mn-ea"/>
+                <a:cs typeface="+mn-cs"/>
+              </a:defRPr>
+            </a:lvl5pPr>
+            <a:lvl6pPr marL="2285872" algn="l" defTabSz="457174" rtl="0" eaLnBrk="1" latinLnBrk="0" hangingPunct="1">
+              <a:defRPr sz="1800" kern="1200">
+                <a:solidFill>
+                  <a:schemeClr val="tx1"/>
+                </a:solidFill>
+                <a:latin typeface="+mn-lt"/>
+                <a:ea typeface="+mn-ea"/>
+                <a:cs typeface="+mn-cs"/>
+              </a:defRPr>
+            </a:lvl6pPr>
+            <a:lvl7pPr marL="2743046" algn="l" defTabSz="457174" rtl="0" eaLnBrk="1" latinLnBrk="0" hangingPunct="1">
+              <a:defRPr sz="1800" kern="1200">
+                <a:solidFill>
+                  <a:schemeClr val="tx1"/>
+                </a:solidFill>
+                <a:latin typeface="+mn-lt"/>
+                <a:ea typeface="+mn-ea"/>
+                <a:cs typeface="+mn-cs"/>
+              </a:defRPr>
+            </a:lvl7pPr>
+            <a:lvl8pPr marL="3200220" algn="l" defTabSz="457174" rtl="0" eaLnBrk="1" latinLnBrk="0" hangingPunct="1">
+              <a:defRPr sz="1800" kern="1200">
+                <a:solidFill>
+                  <a:schemeClr val="tx1"/>
+                </a:solidFill>
+                <a:latin typeface="+mn-lt"/>
+                <a:ea typeface="+mn-ea"/>
+                <a:cs typeface="+mn-cs"/>
+              </a:defRPr>
+            </a:lvl8pPr>
+            <a:lvl9pPr marL="3657394" algn="l" defTabSz="457174" rtl="0" eaLnBrk="1" latinLnBrk="0" hangingPunct="1">
+              <a:defRPr sz="1800" kern="1200">
+                <a:solidFill>
+                  <a:schemeClr val="tx1"/>
+                </a:solidFill>
+                <a:latin typeface="+mn-lt"/>
+                <a:ea typeface="+mn-ea"/>
+                <a:cs typeface="+mn-cs"/>
+              </a:defRPr>
+            </a:lvl9pPr>
+          </a:lstStyle>
+          <a:p>
+            <a:r>
+              <a:rPr lang="en-US" sz="1333" dirty="0" err="1"/>
+              <a:t>ni.com</a:t>
+            </a:r>
+            <a:endParaRPr lang="en-US" sz="1333" dirty="0"/>
+          </a:p>
+        </p:txBody>
+      </p:sp>
+    </p:spTree>
+    <p:extLst>
+      <p:ext uri="{BB962C8B-B14F-4D97-AF65-F5344CB8AC3E}">
+        <p14:creationId xmlns:p14="http://schemas.microsoft.com/office/powerpoint/2010/main" val="2929712916"/>
+      </p:ext>
+    </p:extLst>
+  </p:cSld>
+  <p:clrMapOvr>
+    <a:masterClrMapping/>
+  </p:clrMapOvr>
+</p:sldLayout>
+</file>
+
+<file path=ppt/slideLayouts/slideLayout20.xml><?xml version="1.0" encoding="utf-8"?>
+<p:sldLayout xmlns:a="http://schemas.openxmlformats.org/drawingml/2006/main" xmlns:r="http://schemas.openxmlformats.org/officeDocument/2006/relationships" xmlns:p="http://schemas.openxmlformats.org/presentationml/2006/main" showMasterSp="0" type="title">
+  <p:cSld name="3_External Title Slide">
+    <p:spTree>
+      <p:nvGrpSpPr>
+        <p:cNvPr id="1" name=""/>
+        <p:cNvGrpSpPr/>
+        <p:nvPr/>
+      </p:nvGrpSpPr>
+      <p:grpSpPr>
+        <a:xfrm>
+          <a:off x="0" y="0"/>
+          <a:ext cx="0" cy="0"/>
+          <a:chOff x="0" y="0"/>
+          <a:chExt cx="0" cy="0"/>
+        </a:xfrm>
+      </p:grpSpPr>
       <p:sp>
         <p:nvSpPr>
           <p:cNvPr id="2" name="Title 1"/>
@@ -11353,45 +14094,10 @@
           </a:p>
         </p:txBody>
       </p:sp>
-      <p:sp>
-        <p:nvSpPr>
-          <p:cNvPr id="5" name="TextBox 4"/>
-          <p:cNvSpPr txBox="1"/>
-          <p:nvPr/>
-        </p:nvSpPr>
-        <p:spPr>
-          <a:xfrm>
-            <a:off x="467319" y="6330951"/>
-            <a:ext cx="788999" cy="338554"/>
-          </a:xfrm>
-          <a:prstGeom prst="rect">
-            <a:avLst/>
-          </a:prstGeom>
-          <a:noFill/>
-        </p:spPr>
-        <p:txBody>
-          <a:bodyPr wrap="none" rtlCol="0">
-            <a:spAutoFit/>
-          </a:bodyPr>
-          <a:lstStyle/>
-          <a:p>
-            <a:r>
-              <a:rPr lang="en-US" sz="1600" b="0" i="0" dirty="0">
-                <a:solidFill>
-                  <a:prstClr val="black"/>
-                </a:solidFill>
-                <a:latin typeface="Univers LT Std 45 Light"/>
-                <a:cs typeface="Univers LT Std 45 Light"/>
-              </a:rPr>
-              <a:t>ni.com</a:t>
-            </a:r>
-          </a:p>
-        </p:txBody>
-      </p:sp>
     </p:spTree>
     <p:extLst>
       <p:ext uri="{BB962C8B-B14F-4D97-AF65-F5344CB8AC3E}">
-        <p14:creationId xmlns:p14="http://schemas.microsoft.com/office/powerpoint/2010/main" val="2016876077"/>
+        <p14:creationId xmlns:p14="http://schemas.microsoft.com/office/powerpoint/2010/main" val="3296172142"/>
       </p:ext>
     </p:extLst>
   </p:cSld>
@@ -11401,9 +14107,9 @@
 </p:sldLayout>
 </file>
 
-<file path=ppt/slideLayouts/slideLayout3.xml><?xml version="1.0" encoding="utf-8"?>
-<p:sldLayout xmlns:a="http://schemas.openxmlformats.org/drawingml/2006/main" xmlns:r="http://schemas.openxmlformats.org/officeDocument/2006/relationships" xmlns:p="http://schemas.openxmlformats.org/presentationml/2006/main" type="obj" preserve="1">
-  <p:cSld name="External Title and Content">
+<file path=ppt/slideLayouts/slideLayout21.xml><?xml version="1.0" encoding="utf-8"?>
+<p:sldLayout xmlns:a="http://schemas.openxmlformats.org/drawingml/2006/main" xmlns:r="http://schemas.openxmlformats.org/officeDocument/2006/relationships" xmlns:p="http://schemas.openxmlformats.org/presentationml/2006/main">
+  <p:cSld name="1_External Title and Content">
     <p:spTree>
       <p:nvGrpSpPr>
         <p:cNvPr id="1" name=""/>
@@ -11428,7 +14134,12 @@
             <p:ph type="title" hasCustomPrompt="1"/>
           </p:nvPr>
         </p:nvSpPr>
-        <p:spPr/>
+        <p:spPr>
+          <a:xfrm>
+            <a:off x="631916" y="268941"/>
+            <a:ext cx="10893337" cy="697255"/>
+          </a:xfrm>
+        </p:spPr>
         <p:txBody>
           <a:bodyPr/>
           <a:lstStyle/>
@@ -11452,8 +14163,8 @@
         </p:nvSpPr>
         <p:spPr>
           <a:xfrm>
-            <a:off x="637778" y="1121384"/>
-            <a:ext cx="10887473" cy="4949008"/>
+            <a:off x="637778" y="1749778"/>
+            <a:ext cx="10887473" cy="4320615"/>
           </a:xfrm>
         </p:spPr>
         <p:txBody>
@@ -11519,10 +14230,47 @@
           </a:p>
         </p:txBody>
       </p:sp>
+      <p:sp>
+        <p:nvSpPr>
+          <p:cNvPr id="7" name="Text Placeholder 6"/>
+          <p:cNvSpPr>
+            <a:spLocks noGrp="1"/>
+          </p:cNvSpPr>
+          <p:nvPr>
+            <p:ph type="body" sz="quarter" idx="10" hasCustomPrompt="1"/>
+          </p:nvPr>
+        </p:nvSpPr>
+        <p:spPr>
+          <a:xfrm>
+            <a:off x="629273" y="979311"/>
+            <a:ext cx="10894484" cy="658284"/>
+          </a:xfrm>
+        </p:spPr>
+        <p:txBody>
+          <a:bodyPr anchor="t"/>
+          <a:lstStyle>
+            <a:lvl1pPr marL="0" indent="0">
+              <a:buNone/>
+              <a:defRPr>
+                <a:solidFill>
+                  <a:srgbClr val="7B7B7B"/>
+                </a:solidFill>
+              </a:defRPr>
+            </a:lvl1pPr>
+          </a:lstStyle>
+          <a:p>
+            <a:pPr lvl="0"/>
+            <a:r>
+              <a:rPr lang="en-US" dirty="0"/>
+              <a:t>Subhead</a:t>
+            </a:r>
+          </a:p>
+        </p:txBody>
+      </p:sp>
     </p:spTree>
     <p:extLst>
       <p:ext uri="{BB962C8B-B14F-4D97-AF65-F5344CB8AC3E}">
-        <p14:creationId xmlns:p14="http://schemas.microsoft.com/office/powerpoint/2010/main" val="831763111"/>
+        <p14:creationId xmlns:p14="http://schemas.microsoft.com/office/powerpoint/2010/main" val="323958251"/>
       </p:ext>
     </p:extLst>
   </p:cSld>
@@ -11532,9 +14280,9 @@
 </p:sldLayout>
 </file>
 
-<file path=ppt/slideLayouts/slideLayout4.xml><?xml version="1.0" encoding="utf-8"?>
-<p:sldLayout xmlns:a="http://schemas.openxmlformats.org/drawingml/2006/main" xmlns:r="http://schemas.openxmlformats.org/officeDocument/2006/relationships" xmlns:p="http://schemas.openxmlformats.org/presentationml/2006/main" type="twoObj" preserve="1">
-  <p:cSld name="External Two Content">
+<file path=ppt/slideLayouts/slideLayout22.xml><?xml version="1.0" encoding="utf-8"?>
+<p:sldLayout xmlns:a="http://schemas.openxmlformats.org/drawingml/2006/main" xmlns:r="http://schemas.openxmlformats.org/officeDocument/2006/relationships" xmlns:p="http://schemas.openxmlformats.org/presentationml/2006/main">
+  <p:cSld name="External Title Only">
     <p:spTree>
       <p:nvGrpSpPr>
         <p:cNvPr id="1" name=""/>
@@ -11559,37 +14307,203 @@
             <p:ph type="title" hasCustomPrompt="1"/>
           </p:nvPr>
         </p:nvSpPr>
+        <p:spPr/>
+        <p:txBody>
+          <a:bodyPr/>
+          <a:lstStyle/>
+          <a:p>
+            <a:r>
+              <a:rPr lang="en-US" dirty="0"/>
+              <a:t>Master title style</a:t>
+            </a:r>
+          </a:p>
+        </p:txBody>
+      </p:sp>
+    </p:spTree>
+    <p:extLst>
+      <p:ext uri="{BB962C8B-B14F-4D97-AF65-F5344CB8AC3E}">
+        <p14:creationId xmlns:p14="http://schemas.microsoft.com/office/powerpoint/2010/main" val="3061159656"/>
+      </p:ext>
+    </p:extLst>
+  </p:cSld>
+  <p:clrMapOvr>
+    <a:masterClrMapping/>
+  </p:clrMapOvr>
+</p:sldLayout>
+</file>
+
+<file path=ppt/slideLayouts/slideLayout23.xml><?xml version="1.0" encoding="utf-8"?>
+<p:sldLayout xmlns:a="http://schemas.openxmlformats.org/drawingml/2006/main" xmlns:r="http://schemas.openxmlformats.org/officeDocument/2006/relationships" xmlns:p="http://schemas.openxmlformats.org/presentationml/2006/main" type="titleOnly">
+  <p:cSld name="Title Only">
+    <p:spTree>
+      <p:nvGrpSpPr>
+        <p:cNvPr id="1" name=""/>
+        <p:cNvGrpSpPr/>
+        <p:nvPr/>
+      </p:nvGrpSpPr>
+      <p:grpSpPr>
+        <a:xfrm>
+          <a:off x="0" y="0"/>
+          <a:ext cx="0" cy="0"/>
+          <a:chOff x="0" y="0"/>
+          <a:chExt cx="0" cy="0"/>
+        </a:xfrm>
+      </p:grpSpPr>
+      <p:sp>
+        <p:nvSpPr>
+          <p:cNvPr id="2" name="Title 1"/>
+          <p:cNvSpPr>
+            <a:spLocks noGrp="1"/>
+          </p:cNvSpPr>
+          <p:nvPr>
+            <p:ph type="title"/>
+          </p:nvPr>
+        </p:nvSpPr>
+        <p:spPr/>
+        <p:txBody>
+          <a:bodyPr/>
+          <a:lstStyle/>
+          <a:p>
+            <a:r>
+              <a:rPr lang="en-US"/>
+              <a:t>Click to edit Master title style</a:t>
+            </a:r>
+          </a:p>
+        </p:txBody>
+      </p:sp>
+      <p:sp>
+        <p:nvSpPr>
+          <p:cNvPr id="3" name="Date Placeholder 2"/>
+          <p:cNvSpPr>
+            <a:spLocks noGrp="1"/>
+          </p:cNvSpPr>
+          <p:nvPr>
+            <p:ph type="dt" sz="half" idx="10"/>
+          </p:nvPr>
+        </p:nvSpPr>
         <p:spPr>
           <a:xfrm>
-            <a:off x="631913" y="142830"/>
-            <a:ext cx="10965304" cy="964092"/>
+            <a:off x="609600" y="6356351"/>
+            <a:ext cx="2844800" cy="365125"/>
           </a:xfrm>
+          <a:prstGeom prst="rect">
+            <a:avLst/>
+          </a:prstGeom>
         </p:spPr>
         <p:txBody>
           <a:bodyPr/>
           <a:lstStyle/>
           <a:p>
-            <a:r>
-              <a:rPr lang="en-US" dirty="0"/>
-              <a:t>Master title style</a:t>
-            </a:r>
-          </a:p>
-        </p:txBody>
-      </p:sp>
-      <p:sp>
-        <p:nvSpPr>
-          <p:cNvPr id="3" name="Content Placeholder 2"/>
+            <a:fld id="{6E45710A-4519-41B6-B07B-35488FDACA05}" type="datetimeFigureOut">
+              <a:rPr lang="en-US" smtClean="0"/>
+              <a:t>2018-07-03</a:t>
+            </a:fld>
+            <a:endParaRPr lang="en-US" dirty="0"/>
+          </a:p>
+        </p:txBody>
+      </p:sp>
+      <p:sp>
+        <p:nvSpPr>
+          <p:cNvPr id="4" name="Footer Placeholder 3"/>
           <p:cNvSpPr>
             <a:spLocks noGrp="1"/>
           </p:cNvSpPr>
           <p:nvPr>
-            <p:ph sz="half" idx="1" hasCustomPrompt="1"/>
+            <p:ph type="ftr" sz="quarter" idx="11"/>
           </p:nvPr>
         </p:nvSpPr>
         <p:spPr>
           <a:xfrm>
-            <a:off x="637777" y="1124712"/>
-            <a:ext cx="5370904" cy="4949008"/>
+            <a:off x="4165600" y="6356351"/>
+            <a:ext cx="3860800" cy="365125"/>
+          </a:xfrm>
+          <a:prstGeom prst="rect">
+            <a:avLst/>
+          </a:prstGeom>
+        </p:spPr>
+        <p:txBody>
+          <a:bodyPr/>
+          <a:lstStyle/>
+          <a:p>
+            <a:endParaRPr lang="en-US" dirty="0"/>
+          </a:p>
+        </p:txBody>
+      </p:sp>
+      <p:sp>
+        <p:nvSpPr>
+          <p:cNvPr id="5" name="Slide Number Placeholder 4"/>
+          <p:cNvSpPr>
+            <a:spLocks noGrp="1"/>
+          </p:cNvSpPr>
+          <p:nvPr>
+            <p:ph type="sldNum" sz="quarter" idx="12"/>
+          </p:nvPr>
+        </p:nvSpPr>
+        <p:spPr>
+          <a:xfrm>
+            <a:off x="8737600" y="6356351"/>
+            <a:ext cx="2844800" cy="365125"/>
+          </a:xfrm>
+          <a:prstGeom prst="rect">
+            <a:avLst/>
+          </a:prstGeom>
+        </p:spPr>
+        <p:txBody>
+          <a:bodyPr/>
+          <a:lstStyle/>
+          <a:p>
+            <a:fld id="{D3F7266E-74CF-4B6F-B71E-E486F3C5BCD2}" type="slidenum">
+              <a:rPr lang="en-US" smtClean="0"/>
+              <a:t>‹#›</a:t>
+            </a:fld>
+            <a:endParaRPr lang="en-US" dirty="0"/>
+          </a:p>
+        </p:txBody>
+      </p:sp>
+    </p:spTree>
+    <p:extLst>
+      <p:ext uri="{BB962C8B-B14F-4D97-AF65-F5344CB8AC3E}">
+        <p14:creationId xmlns:p14="http://schemas.microsoft.com/office/powerpoint/2010/main" val="2688717475"/>
+      </p:ext>
+    </p:extLst>
+  </p:cSld>
+  <p:clrMapOvr>
+    <a:masterClrMapping/>
+  </p:clrMapOvr>
+</p:sldLayout>
+</file>
+
+<file path=ppt/slideLayouts/slideLayout24.xml><?xml version="1.0" encoding="utf-8"?>
+<p:sldLayout xmlns:a="http://schemas.openxmlformats.org/drawingml/2006/main" xmlns:r="http://schemas.openxmlformats.org/officeDocument/2006/relationships" xmlns:p="http://schemas.openxmlformats.org/presentationml/2006/main">
+  <p:cSld name="2_External Title and Content">
+    <p:spTree>
+      <p:nvGrpSpPr>
+        <p:cNvPr id="1" name=""/>
+        <p:cNvGrpSpPr/>
+        <p:nvPr/>
+      </p:nvGrpSpPr>
+      <p:grpSpPr>
+        <a:xfrm>
+          <a:off x="0" y="0"/>
+          <a:ext cx="0" cy="0"/>
+          <a:chOff x="0" y="0"/>
+          <a:chExt cx="0" cy="0"/>
+        </a:xfrm>
+      </p:grpSpPr>
+      <p:sp>
+        <p:nvSpPr>
+          <p:cNvPr id="8" name="Content Placeholder 2"/>
+          <p:cNvSpPr>
+            <a:spLocks noGrp="1"/>
+          </p:cNvSpPr>
+          <p:nvPr>
+            <p:ph sz="half" idx="11" hasCustomPrompt="1"/>
+          </p:nvPr>
+        </p:nvSpPr>
+        <p:spPr>
+          <a:xfrm>
+            <a:off x="637777" y="1743138"/>
+            <a:ext cx="5370904" cy="4330581"/>
           </a:xfrm>
         </p:spPr>
         <p:txBody>
@@ -11677,7 +14591,7 @@
       </p:sp>
       <p:sp>
         <p:nvSpPr>
-          <p:cNvPr id="4" name="Content Placeholder 3"/>
+          <p:cNvPr id="9" name="Content Placeholder 3"/>
           <p:cNvSpPr>
             <a:spLocks noGrp="1"/>
           </p:cNvSpPr>
@@ -11687,8 +14601,8 @@
         </p:nvSpPr>
         <p:spPr>
           <a:xfrm>
-            <a:off x="6197600" y="1124712"/>
-            <a:ext cx="5384800" cy="4949008"/>
+            <a:off x="6197600" y="1743138"/>
+            <a:ext cx="5384800" cy="4330581"/>
           </a:xfrm>
         </p:spPr>
         <p:txBody>
@@ -11774,10 +14688,74 @@
           </a:p>
         </p:txBody>
       </p:sp>
+      <p:sp>
+        <p:nvSpPr>
+          <p:cNvPr id="12" name="Title 1"/>
+          <p:cNvSpPr>
+            <a:spLocks noGrp="1"/>
+          </p:cNvSpPr>
+          <p:nvPr>
+            <p:ph type="title" hasCustomPrompt="1"/>
+          </p:nvPr>
+        </p:nvSpPr>
+        <p:spPr>
+          <a:xfrm>
+            <a:off x="631916" y="268941"/>
+            <a:ext cx="10893337" cy="697255"/>
+          </a:xfrm>
+        </p:spPr>
+        <p:txBody>
+          <a:bodyPr/>
+          <a:lstStyle/>
+          <a:p>
+            <a:r>
+              <a:rPr lang="en-US" dirty="0"/>
+              <a:t>Master title style</a:t>
+            </a:r>
+          </a:p>
+        </p:txBody>
+      </p:sp>
+      <p:sp>
+        <p:nvSpPr>
+          <p:cNvPr id="13" name="Text Placeholder 6"/>
+          <p:cNvSpPr>
+            <a:spLocks noGrp="1"/>
+          </p:cNvSpPr>
+          <p:nvPr>
+            <p:ph type="body" sz="quarter" idx="10" hasCustomPrompt="1"/>
+          </p:nvPr>
+        </p:nvSpPr>
+        <p:spPr>
+          <a:xfrm>
+            <a:off x="629273" y="979311"/>
+            <a:ext cx="10894484" cy="658284"/>
+          </a:xfrm>
+        </p:spPr>
+        <p:txBody>
+          <a:bodyPr anchor="t"/>
+          <a:lstStyle>
+            <a:lvl1pPr marL="0" indent="0">
+              <a:buNone/>
+              <a:defRPr>
+                <a:solidFill>
+                  <a:srgbClr val="7B7B7B"/>
+                </a:solidFill>
+              </a:defRPr>
+            </a:lvl1pPr>
+          </a:lstStyle>
+          <a:p>
+            <a:pPr lvl="0"/>
+            <a:r>
+              <a:rPr lang="en-US" dirty="0"/>
+              <a:t>Subhead</a:t>
+            </a:r>
+          </a:p>
+        </p:txBody>
+      </p:sp>
     </p:spTree>
     <p:extLst>
       <p:ext uri="{BB962C8B-B14F-4D97-AF65-F5344CB8AC3E}">
-        <p14:creationId xmlns:p14="http://schemas.microsoft.com/office/powerpoint/2010/main" val="2298594518"/>
+        <p14:creationId xmlns:p14="http://schemas.microsoft.com/office/powerpoint/2010/main" val="2079219186"/>
       </p:ext>
     </p:extLst>
   </p:cSld>
@@ -11787,9 +14765,17 @@
 </p:sldLayout>
 </file>
 
-<file path=ppt/slideLayouts/slideLayout5.xml><?xml version="1.0" encoding="utf-8"?>
-<p:sldLayout xmlns:a="http://schemas.openxmlformats.org/drawingml/2006/main" xmlns:r="http://schemas.openxmlformats.org/officeDocument/2006/relationships" xmlns:p="http://schemas.openxmlformats.org/presentationml/2006/main" preserve="1">
-  <p:cSld name="1_External Title and Content">
+<file path=ppt/slideLayouts/slideLayout3.xml><?xml version="1.0" encoding="utf-8"?>
+<p:sldLayout xmlns:a="http://schemas.openxmlformats.org/drawingml/2006/main" xmlns:r="http://schemas.openxmlformats.org/officeDocument/2006/relationships" xmlns:p="http://schemas.openxmlformats.org/presentationml/2006/main" showMasterSp="0" preserve="1">
+  <p:cSld name="External_Title Slide w/o Subhead">
+    <p:bg>
+      <p:bgPr>
+        <a:solidFill>
+          <a:schemeClr val="bg1"/>
+        </a:solidFill>
+        <a:effectLst/>
+      </p:bgPr>
+    </p:bg>
     <p:spTree>
       <p:nvGrpSpPr>
         <p:cNvPr id="1" name=""/>
@@ -11806,151 +14792,388 @@
       </p:grpSpPr>
       <p:sp>
         <p:nvSpPr>
-          <p:cNvPr id="2" name="Title 1"/>
-          <p:cNvSpPr>
-            <a:spLocks noGrp="1"/>
-          </p:cNvSpPr>
-          <p:nvPr>
-            <p:ph type="title" hasCustomPrompt="1"/>
-          </p:nvPr>
+          <p:cNvPr id="7" name="Rectangle 6"/>
+          <p:cNvSpPr/>
+          <p:nvPr/>
         </p:nvSpPr>
         <p:spPr>
           <a:xfrm>
-            <a:off x="631916" y="268941"/>
-            <a:ext cx="10893337" cy="697255"/>
+            <a:off x="0" y="2"/>
+            <a:ext cx="12203992" cy="4375505"/>
+          </a:xfrm>
+          <a:prstGeom prst="rect">
+            <a:avLst/>
+          </a:prstGeom>
+          <a:solidFill>
+            <a:srgbClr val="0A60A3"/>
+          </a:solidFill>
+          <a:ln>
+            <a:noFill/>
+          </a:ln>
+          <a:effectLst/>
+        </p:spPr>
+        <p:style>
+          <a:lnRef idx="1">
+            <a:schemeClr val="accent1"/>
+          </a:lnRef>
+          <a:fillRef idx="3">
+            <a:schemeClr val="accent1"/>
+          </a:fillRef>
+          <a:effectRef idx="2">
+            <a:schemeClr val="accent1"/>
+          </a:effectRef>
+          <a:fontRef idx="minor">
+            <a:schemeClr val="lt1"/>
+          </a:fontRef>
+        </p:style>
+        <p:txBody>
+          <a:bodyPr lIns="0" rIns="0" rtlCol="0" anchor="ctr"/>
+          <a:lstStyle/>
+          <a:p>
+            <a:pPr algn="ctr"/>
+            <a:endParaRPr lang="en-US" sz="2400"/>
+          </a:p>
+        </p:txBody>
+      </p:sp>
+      <p:sp>
+        <p:nvSpPr>
+          <p:cNvPr id="2" name="Title 1"/>
+          <p:cNvSpPr>
+            <a:spLocks noGrp="1"/>
+          </p:cNvSpPr>
+          <p:nvPr>
+            <p:ph type="ctrTitle" hasCustomPrompt="1"/>
+          </p:nvPr>
+        </p:nvSpPr>
+        <p:spPr>
+          <a:xfrm>
+            <a:off x="605368" y="1121833"/>
+            <a:ext cx="10981265" cy="2815167"/>
           </a:xfrm>
         </p:spPr>
         <p:txBody>
-          <a:bodyPr/>
-          <a:lstStyle/>
-          <a:p>
-            <a:r>
-              <a:rPr lang="en-US" dirty="0"/>
-              <a:t>Master title style</a:t>
-            </a:r>
-          </a:p>
-        </p:txBody>
-      </p:sp>
-      <p:sp>
-        <p:nvSpPr>
-          <p:cNvPr id="3" name="Content Placeholder 2"/>
-          <p:cNvSpPr>
-            <a:spLocks noGrp="1"/>
-          </p:cNvSpPr>
-          <p:nvPr>
-            <p:ph idx="1" hasCustomPrompt="1"/>
-          </p:nvPr>
-        </p:nvSpPr>
-        <p:spPr>
-          <a:xfrm>
-            <a:off x="637778" y="1749778"/>
-            <a:ext cx="10887473" cy="4320615"/>
-          </a:xfrm>
-        </p:spPr>
-        <p:txBody>
-          <a:bodyPr/>
+          <a:bodyPr anchor="b"/>
           <a:lstStyle>
-            <a:lvl1pPr>
-              <a:defRPr b="0" i="0">
-                <a:latin typeface="+mn-lt"/>
-                <a:cs typeface="Univers LT Std 45 Light"/>
-              </a:defRPr>
-            </a:lvl1pPr>
-            <a:lvl2pPr>
-              <a:defRPr b="0" i="0">
-                <a:latin typeface="+mn-lt"/>
-                <a:cs typeface="Univers LT Std 45 Light"/>
-              </a:defRPr>
-            </a:lvl2pPr>
-            <a:lvl3pPr>
-              <a:defRPr b="0" i="0">
-                <a:latin typeface="+mn-lt"/>
-                <a:cs typeface="Univers LT Std 45 Light"/>
-              </a:defRPr>
-            </a:lvl3pPr>
-            <a:lvl4pPr>
-              <a:defRPr sz="1867" b="0" i="0">
-                <a:latin typeface="+mn-lt"/>
-                <a:cs typeface="Univers LT Std 45 Light"/>
-              </a:defRPr>
-            </a:lvl4pPr>
-            <a:lvl5pPr>
-              <a:defRPr sz="1867">
-                <a:latin typeface="+mn-lt"/>
-              </a:defRPr>
-            </a:lvl5pPr>
-          </a:lstStyle>
-          <a:p>
-            <a:pPr lvl="0"/>
-            <a:r>
-              <a:rPr lang="en-US" dirty="0"/>
-              <a:t>Master text styles</a:t>
-            </a:r>
-          </a:p>
-          <a:p>
-            <a:pPr lvl="1"/>
-            <a:r>
-              <a:rPr lang="en-US" dirty="0"/>
-              <a:t>Second level</a:t>
-            </a:r>
-          </a:p>
-          <a:p>
-            <a:pPr lvl="2"/>
-            <a:r>
-              <a:rPr lang="en-US" dirty="0"/>
-              <a:t>Third level</a:t>
-            </a:r>
-          </a:p>
-          <a:p>
-            <a:pPr lvl="3"/>
-            <a:r>
-              <a:rPr lang="en-US" dirty="0"/>
-              <a:t>Fourth level</a:t>
-            </a:r>
-          </a:p>
-        </p:txBody>
-      </p:sp>
-      <p:sp>
-        <p:nvSpPr>
-          <p:cNvPr id="7" name="Text Placeholder 6"/>
-          <p:cNvSpPr>
-            <a:spLocks noGrp="1"/>
-          </p:cNvSpPr>
-          <p:nvPr>
-            <p:ph type="body" sz="quarter" idx="10" hasCustomPrompt="1"/>
-          </p:nvPr>
-        </p:nvSpPr>
-        <p:spPr>
-          <a:xfrm>
-            <a:off x="629273" y="979311"/>
-            <a:ext cx="10894484" cy="658284"/>
-          </a:xfrm>
-        </p:spPr>
-        <p:txBody>
-          <a:bodyPr anchor="t"/>
-          <a:lstStyle>
-            <a:lvl1pPr marL="0" indent="0">
-              <a:buNone/>
-              <a:defRPr>
+            <a:lvl1pPr algn="ctr">
+              <a:defRPr sz="3733" baseline="0">
                 <a:solidFill>
-                  <a:srgbClr val="7B7B7B"/>
+                  <a:schemeClr val="bg1"/>
                 </a:solidFill>
               </a:defRPr>
             </a:lvl1pPr>
           </a:lstStyle>
           <a:p>
-            <a:pPr lvl="0"/>
-            <a:r>
-              <a:rPr lang="en-US" dirty="0"/>
-              <a:t>Subhead</a:t>
-            </a:r>
+            <a:r>
+              <a:rPr lang="en-US" dirty="0"/>
+              <a:t>Presentation Title</a:t>
+            </a:r>
+          </a:p>
+        </p:txBody>
+      </p:sp>
+      <p:sp>
+        <p:nvSpPr>
+          <p:cNvPr id="17" name="Text Placeholder 16"/>
+          <p:cNvSpPr>
+            <a:spLocks noGrp="1"/>
+          </p:cNvSpPr>
+          <p:nvPr>
+            <p:ph type="body" sz="quarter" idx="12" hasCustomPrompt="1"/>
+          </p:nvPr>
+        </p:nvSpPr>
+        <p:spPr>
+          <a:xfrm>
+            <a:off x="605367" y="4631266"/>
+            <a:ext cx="10981267" cy="414868"/>
+          </a:xfrm>
+        </p:spPr>
+        <p:txBody>
+          <a:bodyPr/>
+          <a:lstStyle>
+            <a:lvl1pPr marL="0" marR="0" indent="0" algn="ctr" defTabSz="1219170" rtl="0" eaLnBrk="1" fontAlgn="auto" latinLnBrk="0" hangingPunct="1">
+              <a:lnSpc>
+                <a:spcPct val="100000"/>
+              </a:lnSpc>
+              <a:spcBef>
+                <a:spcPts val="533"/>
+              </a:spcBef>
+              <a:spcAft>
+                <a:spcPts val="800"/>
+              </a:spcAft>
+              <a:buClr>
+                <a:schemeClr val="bg2">
+                  <a:lumMod val="50000"/>
+                </a:schemeClr>
+              </a:buClr>
+              <a:buSzPct val="70000"/>
+              <a:buFont typeface="Wingdings" charset="2"/>
+              <a:buNone/>
+              <a:tabLst>
+                <a:tab pos="243411" algn="l"/>
+                <a:tab pos="4944410" algn="l"/>
+              </a:tabLst>
+              <a:defRPr sz="2133">
+                <a:solidFill>
+                  <a:schemeClr val="bg2">
+                    <a:lumMod val="50000"/>
+                  </a:schemeClr>
+                </a:solidFill>
+              </a:defRPr>
+            </a:lvl1pPr>
+          </a:lstStyle>
+          <a:p>
+            <a:pPr algn="ctr">
+              <a:spcAft>
+                <a:spcPts val="600"/>
+              </a:spcAft>
+            </a:pPr>
+            <a:r>
+              <a:rPr lang="en-US" dirty="0">
+                <a:solidFill>
+                  <a:schemeClr val="tx1">
+                    <a:lumMod val="50000"/>
+                    <a:lumOff val="50000"/>
+                  </a:schemeClr>
+                </a:solidFill>
+              </a:rPr>
+              <a:t>Speaker</a:t>
+            </a:r>
+            <a:endParaRPr lang="en-US" sz="1867" dirty="0">
+              <a:solidFill>
+                <a:schemeClr val="bg1">
+                  <a:lumMod val="65000"/>
+                </a:schemeClr>
+              </a:solidFill>
+            </a:endParaRPr>
+          </a:p>
+        </p:txBody>
+      </p:sp>
+      <p:sp>
+        <p:nvSpPr>
+          <p:cNvPr id="21" name="Text Placeholder 20"/>
+          <p:cNvSpPr>
+            <a:spLocks noGrp="1"/>
+          </p:cNvSpPr>
+          <p:nvPr>
+            <p:ph type="body" sz="quarter" idx="13" hasCustomPrompt="1"/>
+          </p:nvPr>
+        </p:nvSpPr>
+        <p:spPr>
+          <a:xfrm>
+            <a:off x="605367" y="5046134"/>
+            <a:ext cx="10981267" cy="463551"/>
+          </a:xfrm>
+        </p:spPr>
+        <p:txBody>
+          <a:bodyPr/>
+          <a:lstStyle>
+            <a:lvl1pPr marL="0" marR="0" indent="0" algn="ctr" defTabSz="1219170" rtl="0" eaLnBrk="1" fontAlgn="auto" latinLnBrk="0" hangingPunct="1">
+              <a:lnSpc>
+                <a:spcPct val="100000"/>
+              </a:lnSpc>
+              <a:spcBef>
+                <a:spcPts val="533"/>
+              </a:spcBef>
+              <a:spcAft>
+                <a:spcPts val="800"/>
+              </a:spcAft>
+              <a:buClr>
+                <a:schemeClr val="bg2">
+                  <a:lumMod val="50000"/>
+                </a:schemeClr>
+              </a:buClr>
+              <a:buSzPct val="70000"/>
+              <a:buFont typeface="Wingdings" charset="2"/>
+              <a:buNone/>
+              <a:tabLst>
+                <a:tab pos="243834" algn="l"/>
+              </a:tabLst>
+              <a:defRPr sz="1867">
+                <a:solidFill>
+                  <a:schemeClr val="bg2">
+                    <a:lumMod val="50000"/>
+                  </a:schemeClr>
+                </a:solidFill>
+              </a:defRPr>
+            </a:lvl1pPr>
+          </a:lstStyle>
+          <a:p>
+            <a:pPr>
+              <a:spcAft>
+                <a:spcPts val="600"/>
+              </a:spcAft>
+            </a:pPr>
+            <a:r>
+              <a:rPr lang="en-US" dirty="0">
+                <a:solidFill>
+                  <a:schemeClr val="bg1">
+                    <a:lumMod val="65000"/>
+                  </a:schemeClr>
+                </a:solidFill>
+              </a:rPr>
+              <a:t>Title</a:t>
+            </a:r>
+          </a:p>
+        </p:txBody>
+      </p:sp>
+      <p:pic>
+        <p:nvPicPr>
+          <p:cNvPr id="11" name="Picture 10"/>
+          <p:cNvPicPr>
+            <a:picLocks noChangeAspect="1"/>
+          </p:cNvPicPr>
+          <p:nvPr/>
+        </p:nvPicPr>
+        <p:blipFill>
+          <a:blip r:embed="rId2" cstate="screen">
+            <a:extLst>
+              <a:ext uri="{28A0092B-C50C-407E-A947-70E740481C1C}">
+                <a14:useLocalDpi xmlns:a14="http://schemas.microsoft.com/office/drawing/2010/main"/>
+              </a:ext>
+            </a:extLst>
+          </a:blip>
+          <a:stretch>
+            <a:fillRect/>
+          </a:stretch>
+        </p:blipFill>
+        <p:spPr>
+          <a:xfrm>
+            <a:off x="615165" y="6324601"/>
+            <a:ext cx="1418891" cy="343808"/>
+          </a:xfrm>
+          <a:prstGeom prst="rect">
+            <a:avLst/>
+          </a:prstGeom>
+        </p:spPr>
+      </p:pic>
+      <p:sp>
+        <p:nvSpPr>
+          <p:cNvPr id="8" name="Footer Placeholder 3"/>
+          <p:cNvSpPr txBox="1">
+            <a:spLocks/>
+          </p:cNvSpPr>
+          <p:nvPr/>
+        </p:nvSpPr>
+        <p:spPr>
+          <a:xfrm>
+            <a:off x="9593112" y="6392672"/>
+            <a:ext cx="2002985" cy="267608"/>
+          </a:xfrm>
+          <a:prstGeom prst="rect">
+            <a:avLst/>
+          </a:prstGeom>
+        </p:spPr>
+        <p:txBody>
+          <a:bodyPr vert="horz" lIns="0" tIns="60960" rIns="0" bIns="60960" rtlCol="0" anchor="ctr"/>
+          <a:lstStyle>
+            <a:defPPr>
+              <a:defRPr lang="en-US"/>
+            </a:defPPr>
+            <a:lvl1pPr marL="0" algn="r" defTabSz="457174" rtl="0" eaLnBrk="1" latinLnBrk="0" hangingPunct="1">
+              <a:defRPr sz="1200" kern="1200">
+                <a:solidFill>
+                  <a:schemeClr val="tx1">
+                    <a:tint val="75000"/>
+                  </a:schemeClr>
+                </a:solidFill>
+                <a:latin typeface="+mn-lt"/>
+                <a:ea typeface="+mn-ea"/>
+                <a:cs typeface="+mn-cs"/>
+              </a:defRPr>
+            </a:lvl1pPr>
+            <a:lvl2pPr marL="457174" algn="l" defTabSz="457174" rtl="0" eaLnBrk="1" latinLnBrk="0" hangingPunct="1">
+              <a:defRPr sz="1800" kern="1200">
+                <a:solidFill>
+                  <a:schemeClr val="tx1"/>
+                </a:solidFill>
+                <a:latin typeface="+mn-lt"/>
+                <a:ea typeface="+mn-ea"/>
+                <a:cs typeface="+mn-cs"/>
+              </a:defRPr>
+            </a:lvl2pPr>
+            <a:lvl3pPr marL="914348" algn="l" defTabSz="457174" rtl="0" eaLnBrk="1" latinLnBrk="0" hangingPunct="1">
+              <a:defRPr sz="1800" kern="1200">
+                <a:solidFill>
+                  <a:schemeClr val="tx1"/>
+                </a:solidFill>
+                <a:latin typeface="+mn-lt"/>
+                <a:ea typeface="+mn-ea"/>
+                <a:cs typeface="+mn-cs"/>
+              </a:defRPr>
+            </a:lvl3pPr>
+            <a:lvl4pPr marL="1371523" algn="l" defTabSz="457174" rtl="0" eaLnBrk="1" latinLnBrk="0" hangingPunct="1">
+              <a:defRPr sz="1800" kern="1200">
+                <a:solidFill>
+                  <a:schemeClr val="tx1"/>
+                </a:solidFill>
+                <a:latin typeface="+mn-lt"/>
+                <a:ea typeface="+mn-ea"/>
+                <a:cs typeface="+mn-cs"/>
+              </a:defRPr>
+            </a:lvl4pPr>
+            <a:lvl5pPr marL="1828698" algn="l" defTabSz="457174" rtl="0" eaLnBrk="1" latinLnBrk="0" hangingPunct="1">
+              <a:defRPr sz="1800" kern="1200">
+                <a:solidFill>
+                  <a:schemeClr val="tx1"/>
+                </a:solidFill>
+                <a:latin typeface="+mn-lt"/>
+                <a:ea typeface="+mn-ea"/>
+                <a:cs typeface="+mn-cs"/>
+              </a:defRPr>
+            </a:lvl5pPr>
+            <a:lvl6pPr marL="2285872" algn="l" defTabSz="457174" rtl="0" eaLnBrk="1" latinLnBrk="0" hangingPunct="1">
+              <a:defRPr sz="1800" kern="1200">
+                <a:solidFill>
+                  <a:schemeClr val="tx1"/>
+                </a:solidFill>
+                <a:latin typeface="+mn-lt"/>
+                <a:ea typeface="+mn-ea"/>
+                <a:cs typeface="+mn-cs"/>
+              </a:defRPr>
+            </a:lvl6pPr>
+            <a:lvl7pPr marL="2743046" algn="l" defTabSz="457174" rtl="0" eaLnBrk="1" latinLnBrk="0" hangingPunct="1">
+              <a:defRPr sz="1800" kern="1200">
+                <a:solidFill>
+                  <a:schemeClr val="tx1"/>
+                </a:solidFill>
+                <a:latin typeface="+mn-lt"/>
+                <a:ea typeface="+mn-ea"/>
+                <a:cs typeface="+mn-cs"/>
+              </a:defRPr>
+            </a:lvl7pPr>
+            <a:lvl8pPr marL="3200220" algn="l" defTabSz="457174" rtl="0" eaLnBrk="1" latinLnBrk="0" hangingPunct="1">
+              <a:defRPr sz="1800" kern="1200">
+                <a:solidFill>
+                  <a:schemeClr val="tx1"/>
+                </a:solidFill>
+                <a:latin typeface="+mn-lt"/>
+                <a:ea typeface="+mn-ea"/>
+                <a:cs typeface="+mn-cs"/>
+              </a:defRPr>
+            </a:lvl8pPr>
+            <a:lvl9pPr marL="3657394" algn="l" defTabSz="457174" rtl="0" eaLnBrk="1" latinLnBrk="0" hangingPunct="1">
+              <a:defRPr sz="1800" kern="1200">
+                <a:solidFill>
+                  <a:schemeClr val="tx1"/>
+                </a:solidFill>
+                <a:latin typeface="+mn-lt"/>
+                <a:ea typeface="+mn-ea"/>
+                <a:cs typeface="+mn-cs"/>
+              </a:defRPr>
+            </a:lvl9pPr>
+          </a:lstStyle>
+          <a:p>
+            <a:r>
+              <a:rPr lang="en-US" sz="1333" dirty="0" err="1"/>
+              <a:t>ni.com</a:t>
+            </a:r>
+            <a:endParaRPr lang="en-US" sz="1333" dirty="0"/>
           </a:p>
         </p:txBody>
       </p:sp>
     </p:spTree>
     <p:extLst>
       <p:ext uri="{BB962C8B-B14F-4D97-AF65-F5344CB8AC3E}">
-        <p14:creationId xmlns:p14="http://schemas.microsoft.com/office/powerpoint/2010/main" val="214430299"/>
+        <p14:creationId xmlns:p14="http://schemas.microsoft.com/office/powerpoint/2010/main" val="201079060"/>
       </p:ext>
     </p:extLst>
   </p:cSld>
@@ -11960,9 +15183,9 @@
 </p:sldLayout>
 </file>
 
-<file path=ppt/slideLayouts/slideLayout6.xml><?xml version="1.0" encoding="utf-8"?>
-<p:sldLayout xmlns:a="http://schemas.openxmlformats.org/drawingml/2006/main" xmlns:r="http://schemas.openxmlformats.org/officeDocument/2006/relationships" xmlns:p="http://schemas.openxmlformats.org/presentationml/2006/main" preserve="1">
-  <p:cSld name="2_External Title and Content">
+<file path=ppt/slideLayouts/slideLayout4.xml><?xml version="1.0" encoding="utf-8"?>
+<p:sldLayout xmlns:a="http://schemas.openxmlformats.org/drawingml/2006/main" xmlns:r="http://schemas.openxmlformats.org/officeDocument/2006/relationships" xmlns:p="http://schemas.openxmlformats.org/presentationml/2006/main" showMasterSp="0" preserve="1">
+  <p:cSld name="External_1 Line Heading">
     <p:spTree>
       <p:nvGrpSpPr>
         <p:cNvPr id="1" name=""/>
@@ -11979,65 +15202,77 @@
       </p:grpSpPr>
       <p:sp>
         <p:nvSpPr>
-          <p:cNvPr id="8" name="Content Placeholder 2"/>
+          <p:cNvPr id="4" name="Title Placeholder 1"/>
           <p:cNvSpPr>
             <a:spLocks noGrp="1"/>
           </p:cNvSpPr>
           <p:nvPr>
-            <p:ph sz="half" idx="11" hasCustomPrompt="1"/>
+            <p:ph type="title" hasCustomPrompt="1"/>
           </p:nvPr>
         </p:nvSpPr>
         <p:spPr>
           <a:xfrm>
-            <a:off x="637777" y="1743138"/>
-            <a:ext cx="5370904" cy="4330581"/>
+            <a:off x="605367" y="365760"/>
+            <a:ext cx="10972800" cy="609600"/>
           </a:xfrm>
+          <a:prstGeom prst="rect">
+            <a:avLst/>
+          </a:prstGeom>
         </p:spPr>
         <p:txBody>
-          <a:bodyPr/>
+          <a:bodyPr vert="horz" lIns="0" tIns="45720" rIns="0" bIns="45720" rtlCol="0" anchor="ctr">
+            <a:noAutofit/>
+          </a:bodyPr>
           <a:lstStyle>
             <a:lvl1pPr>
-              <a:defRPr sz="2667" b="0" i="0">
-                <a:latin typeface="+mn-lt"/>
-                <a:cs typeface="Univers LT Std 45 Light"/>
-              </a:defRPr>
+              <a:defRPr lang="en-US" dirty="0"/>
+            </a:lvl1pPr>
+          </a:lstStyle>
+          <a:p>
+            <a:pPr lvl="0"/>
+            <a:r>
+              <a:rPr lang="en-US" dirty="0"/>
+              <a:t>Click to Edit Master Title Style</a:t>
+            </a:r>
+          </a:p>
+        </p:txBody>
+      </p:sp>
+      <p:sp>
+        <p:nvSpPr>
+          <p:cNvPr id="5" name="Text Placeholder 2"/>
+          <p:cNvSpPr>
+            <a:spLocks noGrp="1"/>
+          </p:cNvSpPr>
+          <p:nvPr>
+            <p:ph idx="1" hasCustomPrompt="1"/>
+          </p:nvPr>
+        </p:nvSpPr>
+        <p:spPr>
+          <a:xfrm>
+            <a:off x="605367" y="975361"/>
+            <a:ext cx="10972800" cy="4896273"/>
+          </a:xfrm>
+          <a:prstGeom prst="rect">
+            <a:avLst/>
+          </a:prstGeom>
+        </p:spPr>
+        <p:txBody>
+          <a:bodyPr vert="horz" lIns="0" tIns="45717" rIns="0" bIns="45717" rtlCol="0">
+            <a:noAutofit/>
+          </a:bodyPr>
+          <a:lstStyle>
+            <a:lvl1pPr>
+              <a:defRPr lang="en-US" dirty="0" smtClean="0"/>
             </a:lvl1pPr>
             <a:lvl2pPr>
-              <a:defRPr sz="2400" b="0" i="0">
-                <a:latin typeface="+mn-lt"/>
-                <a:cs typeface="Univers LT Std 45 Light"/>
-              </a:defRPr>
+              <a:defRPr lang="en-US" dirty="0" smtClean="0"/>
             </a:lvl2pPr>
             <a:lvl3pPr>
-              <a:defRPr sz="2133" b="0" i="0">
-                <a:latin typeface="+mn-lt"/>
-                <a:cs typeface="Univers LT Std 45 Light"/>
-              </a:defRPr>
+              <a:defRPr lang="en-US" dirty="0" smtClean="0"/>
             </a:lvl3pPr>
             <a:lvl4pPr>
-              <a:defRPr sz="1867" b="0" i="0">
-                <a:latin typeface="+mn-lt"/>
-                <a:cs typeface="Univers LT Std 45 Light"/>
-              </a:defRPr>
+              <a:defRPr lang="en-US" dirty="0" smtClean="0"/>
             </a:lvl4pPr>
-            <a:lvl5pPr>
-              <a:defRPr sz="1867" b="0" i="0">
-                <a:latin typeface="+mn-lt"/>
-                <a:cs typeface="Univers LT Std 45 Light"/>
-              </a:defRPr>
-            </a:lvl5pPr>
-            <a:lvl6pPr>
-              <a:defRPr sz="2400"/>
-            </a:lvl6pPr>
-            <a:lvl7pPr>
-              <a:defRPr sz="2400"/>
-            </a:lvl7pPr>
-            <a:lvl8pPr>
-              <a:defRPr sz="2400"/>
-            </a:lvl8pPr>
-            <a:lvl9pPr>
-              <a:defRPr sz="2400"/>
-            </a:lvl9pPr>
           </a:lstStyle>
           <a:p>
             <a:pPr lvl="0"/>
@@ -12068,193 +15303,121 @@
             </a:r>
           </a:p>
           <a:p>
-            <a:pPr lvl="4"/>
-            <a:r>
-              <a:rPr lang="en-US" dirty="0"/>
-              <a:t>Fifth level</a:t>
-            </a:r>
-          </a:p>
-        </p:txBody>
-      </p:sp>
-      <p:sp>
-        <p:nvSpPr>
-          <p:cNvPr id="9" name="Content Placeholder 3"/>
-          <p:cNvSpPr>
-            <a:spLocks noGrp="1"/>
-          </p:cNvSpPr>
-          <p:nvPr>
-            <p:ph sz="half" idx="2" hasCustomPrompt="1"/>
-          </p:nvPr>
+            <a:pPr lvl="3"/>
+            <a:endParaRPr lang="en-US" dirty="0"/>
+          </a:p>
+          <a:p>
+            <a:pPr lvl="0"/>
+            <a:endParaRPr lang="en-US" dirty="0"/>
+          </a:p>
+          <a:p>
+            <a:pPr lvl="0"/>
+            <a:endParaRPr lang="en-US" dirty="0"/>
+          </a:p>
+        </p:txBody>
+      </p:sp>
+      <p:sp>
+        <p:nvSpPr>
+          <p:cNvPr id="16" name="Rectangle 15"/>
+          <p:cNvSpPr/>
+          <p:nvPr/>
         </p:nvSpPr>
         <p:spPr>
           <a:xfrm>
-            <a:off x="6197600" y="1743138"/>
-            <a:ext cx="5384800" cy="4330581"/>
+            <a:off x="0" y="0"/>
+            <a:ext cx="12192000" cy="97536"/>
           </a:xfrm>
+          <a:prstGeom prst="rect">
+            <a:avLst/>
+          </a:prstGeom>
+          <a:solidFill>
+            <a:srgbClr val="0A60A3"/>
+          </a:solidFill>
+          <a:ln>
+            <a:noFill/>
+          </a:ln>
+          <a:effectLst/>
         </p:spPr>
-        <p:txBody>
-          <a:bodyPr/>
-          <a:lstStyle>
-            <a:lvl1pPr>
-              <a:defRPr sz="2667" b="0" i="0">
-                <a:latin typeface="+mn-lt"/>
-                <a:cs typeface="Univers LT Std 45 Light"/>
-              </a:defRPr>
-            </a:lvl1pPr>
-            <a:lvl2pPr>
-              <a:defRPr sz="2400" b="0" i="0">
-                <a:latin typeface="+mn-lt"/>
-                <a:cs typeface="Univers LT Std 45 Light"/>
-              </a:defRPr>
-            </a:lvl2pPr>
-            <a:lvl3pPr>
-              <a:defRPr sz="2133" b="0" i="0">
-                <a:latin typeface="+mn-lt"/>
-                <a:cs typeface="Univers LT Std 45 Light"/>
-              </a:defRPr>
-            </a:lvl3pPr>
-            <a:lvl4pPr>
-              <a:defRPr sz="1867" b="0" i="0">
-                <a:latin typeface="+mn-lt"/>
-                <a:cs typeface="Univers LT Std 45 Light"/>
-              </a:defRPr>
-            </a:lvl4pPr>
-            <a:lvl5pPr>
-              <a:defRPr sz="1867" b="0" i="0">
-                <a:latin typeface="+mn-lt"/>
-                <a:cs typeface="Univers LT Std 45 Light"/>
-              </a:defRPr>
-            </a:lvl5pPr>
-            <a:lvl6pPr>
-              <a:defRPr sz="2400"/>
-            </a:lvl6pPr>
-            <a:lvl7pPr>
-              <a:defRPr sz="2400"/>
-            </a:lvl7pPr>
-            <a:lvl8pPr>
-              <a:defRPr sz="2400"/>
-            </a:lvl8pPr>
-            <a:lvl9pPr>
-              <a:defRPr sz="2400"/>
-            </a:lvl9pPr>
-          </a:lstStyle>
-          <a:p>
-            <a:pPr lvl="0"/>
-            <a:r>
-              <a:rPr lang="en-US" dirty="0"/>
-              <a:t>Master text styles</a:t>
-            </a:r>
-          </a:p>
-          <a:p>
-            <a:pPr lvl="1"/>
-            <a:r>
-              <a:rPr lang="en-US" dirty="0"/>
-              <a:t>Second level</a:t>
-            </a:r>
-          </a:p>
-          <a:p>
-            <a:pPr lvl="2"/>
-            <a:r>
-              <a:rPr lang="en-US" dirty="0"/>
-              <a:t>Third level</a:t>
-            </a:r>
-          </a:p>
-          <a:p>
-            <a:pPr lvl="3"/>
-            <a:r>
-              <a:rPr lang="en-US" dirty="0"/>
-              <a:t>Fourth level</a:t>
-            </a:r>
-          </a:p>
-          <a:p>
-            <a:pPr lvl="4"/>
-            <a:r>
-              <a:rPr lang="en-US" dirty="0"/>
-              <a:t>Fifth level</a:t>
-            </a:r>
-          </a:p>
-        </p:txBody>
-      </p:sp>
-      <p:sp>
-        <p:nvSpPr>
-          <p:cNvPr id="12" name="Title 1"/>
-          <p:cNvSpPr>
-            <a:spLocks noGrp="1"/>
-          </p:cNvSpPr>
-          <p:nvPr>
-            <p:ph type="title" hasCustomPrompt="1"/>
-          </p:nvPr>
-        </p:nvSpPr>
+        <p:style>
+          <a:lnRef idx="1">
+            <a:schemeClr val="accent1"/>
+          </a:lnRef>
+          <a:fillRef idx="3">
+            <a:schemeClr val="accent1"/>
+          </a:fillRef>
+          <a:effectRef idx="2">
+            <a:schemeClr val="accent1"/>
+          </a:effectRef>
+          <a:fontRef idx="minor">
+            <a:schemeClr val="lt1"/>
+          </a:fontRef>
+        </p:style>
+        <p:txBody>
+          <a:bodyPr lIns="0" rIns="0" rtlCol="0" anchor="ctr"/>
+          <a:lstStyle/>
+          <a:p>
+            <a:pPr algn="ctr"/>
+            <a:endParaRPr lang="en-US" sz="2400"/>
+          </a:p>
+        </p:txBody>
+      </p:sp>
+      <p:pic>
+        <p:nvPicPr>
+          <p:cNvPr id="8" name="Picture 7"/>
+          <p:cNvPicPr>
+            <a:picLocks noChangeAspect="1"/>
+          </p:cNvPicPr>
+          <p:nvPr/>
+        </p:nvPicPr>
+        <p:blipFill>
+          <a:blip r:embed="rId2" cstate="screen">
+            <a:extLst>
+              <a:ext uri="{28A0092B-C50C-407E-A947-70E740481C1C}">
+                <a14:useLocalDpi xmlns:a14="http://schemas.microsoft.com/office/drawing/2010/main"/>
+              </a:ext>
+            </a:extLst>
+          </a:blip>
+          <a:stretch>
+            <a:fillRect/>
+          </a:stretch>
+        </p:blipFill>
         <p:spPr>
           <a:xfrm>
-            <a:off x="631916" y="268941"/>
-            <a:ext cx="10893337" cy="697255"/>
+            <a:off x="615165" y="6324601"/>
+            <a:ext cx="1418891" cy="343808"/>
           </a:xfrm>
+          <a:prstGeom prst="rect">
+            <a:avLst/>
+          </a:prstGeom>
         </p:spPr>
-        <p:txBody>
-          <a:bodyPr/>
-          <a:lstStyle/>
-          <a:p>
-            <a:r>
-              <a:rPr lang="en-US" dirty="0"/>
-              <a:t>Master title style</a:t>
-            </a:r>
-          </a:p>
-        </p:txBody>
-      </p:sp>
-      <p:sp>
-        <p:nvSpPr>
-          <p:cNvPr id="13" name="Text Placeholder 6"/>
-          <p:cNvSpPr>
-            <a:spLocks noGrp="1"/>
-          </p:cNvSpPr>
-          <p:nvPr>
-            <p:ph type="body" sz="quarter" idx="10" hasCustomPrompt="1"/>
-          </p:nvPr>
-        </p:nvSpPr>
-        <p:spPr>
-          <a:xfrm>
-            <a:off x="629273" y="979311"/>
-            <a:ext cx="10894484" cy="658284"/>
-          </a:xfrm>
-        </p:spPr>
-        <p:txBody>
-          <a:bodyPr anchor="t"/>
-          <a:lstStyle>
-            <a:lvl1pPr marL="0" indent="0">
-              <a:buNone/>
-              <a:defRPr>
-                <a:solidFill>
-                  <a:srgbClr val="7B7B7B"/>
-                </a:solidFill>
-              </a:defRPr>
-            </a:lvl1pPr>
-          </a:lstStyle>
-          <a:p>
-            <a:pPr lvl="0"/>
-            <a:r>
-              <a:rPr lang="en-US" dirty="0"/>
-              <a:t>Subhead</a:t>
-            </a:r>
-          </a:p>
-        </p:txBody>
-      </p:sp>
+      </p:pic>
     </p:spTree>
     <p:extLst>
       <p:ext uri="{BB962C8B-B14F-4D97-AF65-F5344CB8AC3E}">
-        <p14:creationId xmlns:p14="http://schemas.microsoft.com/office/powerpoint/2010/main" val="1054343992"/>
+        <p14:creationId xmlns:p14="http://schemas.microsoft.com/office/powerpoint/2010/main" val="3780690847"/>
       </p:ext>
     </p:extLst>
   </p:cSld>
   <p:clrMapOvr>
     <a:masterClrMapping/>
   </p:clrMapOvr>
+  <p:extLst mod="1">
+    <p:ext uri="{DCECCB84-F9BA-43D5-87BE-67443E8EF086}">
+      <p15:sldGuideLst xmlns:p15="http://schemas.microsoft.com/office/powerpoint/2012/main">
+        <p15:guide id="2" pos="2880">
+          <p15:clr>
+            <a:srgbClr val="FBAE40"/>
+          </p15:clr>
+        </p15:guide>
+      </p15:sldGuideLst>
+    </p:ext>
+  </p:extLst>
 </p:sldLayout>
 </file>
 
-<file path=ppt/slideLayouts/slideLayout7.xml><?xml version="1.0" encoding="utf-8"?>
-<p:sldLayout xmlns:a="http://schemas.openxmlformats.org/drawingml/2006/main" xmlns:r="http://schemas.openxmlformats.org/officeDocument/2006/relationships" xmlns:p="http://schemas.openxmlformats.org/presentationml/2006/main" preserve="1">
-  <p:cSld name="External Title Only">
+<file path=ppt/slideLayouts/slideLayout5.xml><?xml version="1.0" encoding="utf-8"?>
+<p:sldLayout xmlns:a="http://schemas.openxmlformats.org/drawingml/2006/main" xmlns:r="http://schemas.openxmlformats.org/officeDocument/2006/relationships" xmlns:p="http://schemas.openxmlformats.org/presentationml/2006/main" showMasterSp="0" preserve="1">
+  <p:cSld name="External_2 Line Heading">
     <p:spTree>
       <p:nvGrpSpPr>
         <p:cNvPr id="1" name=""/>
@@ -12271,7 +15434,7 @@
       </p:grpSpPr>
       <p:sp>
         <p:nvSpPr>
-          <p:cNvPr id="2" name="Title 1"/>
+          <p:cNvPr id="4" name="Title Placeholder 1"/>
           <p:cNvSpPr>
             <a:spLocks noGrp="1"/>
           </p:cNvSpPr>
@@ -12279,34 +15442,246 @@
             <p:ph type="title" hasCustomPrompt="1"/>
           </p:nvPr>
         </p:nvSpPr>
-        <p:spPr/>
-        <p:txBody>
-          <a:bodyPr/>
+        <p:spPr>
+          <a:xfrm>
+            <a:off x="605367" y="342901"/>
+            <a:ext cx="10972800" cy="1103713"/>
+          </a:xfrm>
+          <a:prstGeom prst="rect">
+            <a:avLst/>
+          </a:prstGeom>
+        </p:spPr>
+        <p:txBody>
+          <a:bodyPr vert="horz" lIns="0" tIns="45720" rIns="0" bIns="45720" rtlCol="0" anchor="ctr">
+            <a:noAutofit/>
+          </a:bodyPr>
+          <a:lstStyle>
+            <a:lvl1pPr algn="l" defTabSz="1219170" rtl="0" eaLnBrk="1" latinLnBrk="0" hangingPunct="1">
+              <a:lnSpc>
+                <a:spcPct val="100000"/>
+              </a:lnSpc>
+              <a:spcBef>
+                <a:spcPct val="0"/>
+              </a:spcBef>
+              <a:buNone/>
+              <a:defRPr lang="en-US" sz="3200" b="0" i="0" kern="1000" spc="0" baseline="0" dirty="0">
+                <a:solidFill>
+                  <a:schemeClr val="bg2">
+                    <a:lumMod val="25000"/>
+                  </a:schemeClr>
+                </a:solidFill>
+                <a:latin typeface="+mn-lt"/>
+                <a:ea typeface="Arial" charset="0"/>
+                <a:cs typeface="Arial" charset="0"/>
+              </a:defRPr>
+            </a:lvl1pPr>
+          </a:lstStyle>
+          <a:p>
+            <a:r>
+              <a:rPr lang="en-US" dirty="0"/>
+              <a:t>Click to Edit Master Title Style</a:t>
+            </a:r>
+            <a:br>
+              <a:rPr lang="en-US" dirty="0"/>
+            </a:br>
+            <a:r>
+              <a:rPr lang="en-US" dirty="0"/>
+              <a:t>For Two Line Header</a:t>
+            </a:r>
+          </a:p>
+        </p:txBody>
+      </p:sp>
+      <p:sp>
+        <p:nvSpPr>
+          <p:cNvPr id="5" name="Text Placeholder 2"/>
+          <p:cNvSpPr>
+            <a:spLocks noGrp="1"/>
+          </p:cNvSpPr>
+          <p:nvPr>
+            <p:ph idx="1" hasCustomPrompt="1"/>
+          </p:nvPr>
+        </p:nvSpPr>
+        <p:spPr>
+          <a:xfrm>
+            <a:off x="605367" y="1463547"/>
+            <a:ext cx="10972800" cy="4433476"/>
+          </a:xfrm>
+          <a:prstGeom prst="rect">
+            <a:avLst/>
+          </a:prstGeom>
+        </p:spPr>
+        <p:txBody>
+          <a:bodyPr vert="horz" lIns="0" tIns="45717" rIns="0" bIns="45717" rtlCol="0">
+            <a:noAutofit/>
+          </a:bodyPr>
+          <a:lstStyle>
+            <a:lvl1pPr>
+              <a:defRPr lang="en-US" dirty="0" smtClean="0"/>
+            </a:lvl1pPr>
+            <a:lvl2pPr>
+              <a:defRPr lang="en-US" dirty="0" smtClean="0"/>
+            </a:lvl2pPr>
+            <a:lvl3pPr>
+              <a:defRPr lang="en-US" dirty="0" smtClean="0"/>
+            </a:lvl3pPr>
+            <a:lvl4pPr>
+              <a:defRPr lang="en-US" dirty="0" smtClean="0"/>
+            </a:lvl4pPr>
+          </a:lstStyle>
+          <a:p>
+            <a:pPr lvl="0"/>
+            <a:r>
+              <a:rPr lang="en-US" dirty="0"/>
+              <a:t>Master text styles</a:t>
+            </a:r>
+          </a:p>
+          <a:p>
+            <a:pPr lvl="1"/>
+            <a:r>
+              <a:rPr lang="en-US" dirty="0"/>
+              <a:t>Second level</a:t>
+            </a:r>
+          </a:p>
+          <a:p>
+            <a:pPr lvl="2"/>
+            <a:r>
+              <a:rPr lang="en-US" dirty="0"/>
+              <a:t>Third level</a:t>
+            </a:r>
+          </a:p>
+          <a:p>
+            <a:pPr lvl="3"/>
+            <a:r>
+              <a:rPr lang="en-US" dirty="0"/>
+              <a:t>Fourth level</a:t>
+            </a:r>
+          </a:p>
+          <a:p>
+            <a:pPr lvl="3"/>
+            <a:endParaRPr lang="en-US" dirty="0"/>
+          </a:p>
+          <a:p>
+            <a:pPr lvl="0"/>
+            <a:endParaRPr lang="en-US" dirty="0"/>
+          </a:p>
+          <a:p>
+            <a:pPr lvl="0"/>
+            <a:endParaRPr lang="en-US" dirty="0"/>
+          </a:p>
+        </p:txBody>
+      </p:sp>
+      <p:sp>
+        <p:nvSpPr>
+          <p:cNvPr id="16" name="Rectangle 15"/>
+          <p:cNvSpPr/>
+          <p:nvPr/>
+        </p:nvSpPr>
+        <p:spPr>
+          <a:xfrm>
+            <a:off x="0" y="0"/>
+            <a:ext cx="12192000" cy="97536"/>
+          </a:xfrm>
+          <a:prstGeom prst="rect">
+            <a:avLst/>
+          </a:prstGeom>
+          <a:solidFill>
+            <a:srgbClr val="0A60A3"/>
+          </a:solidFill>
+          <a:ln>
+            <a:noFill/>
+          </a:ln>
+          <a:effectLst/>
+        </p:spPr>
+        <p:style>
+          <a:lnRef idx="1">
+            <a:schemeClr val="accent1"/>
+          </a:lnRef>
+          <a:fillRef idx="3">
+            <a:schemeClr val="accent1"/>
+          </a:fillRef>
+          <a:effectRef idx="2">
+            <a:schemeClr val="accent1"/>
+          </a:effectRef>
+          <a:fontRef idx="minor">
+            <a:schemeClr val="lt1"/>
+          </a:fontRef>
+        </p:style>
+        <p:txBody>
+          <a:bodyPr lIns="0" rIns="0" rtlCol="0" anchor="ctr"/>
           <a:lstStyle/>
           <a:p>
-            <a:r>
-              <a:rPr lang="en-US" dirty="0"/>
-              <a:t>Master title style</a:t>
-            </a:r>
-          </a:p>
-        </p:txBody>
-      </p:sp>
+            <a:pPr algn="ctr"/>
+            <a:endParaRPr lang="en-US" sz="2400"/>
+          </a:p>
+        </p:txBody>
+      </p:sp>
+      <p:pic>
+        <p:nvPicPr>
+          <p:cNvPr id="8" name="Picture 7"/>
+          <p:cNvPicPr>
+            <a:picLocks noChangeAspect="1"/>
+          </p:cNvPicPr>
+          <p:nvPr/>
+        </p:nvPicPr>
+        <p:blipFill>
+          <a:blip r:embed="rId2" cstate="screen">
+            <a:extLst>
+              <a:ext uri="{28A0092B-C50C-407E-A947-70E740481C1C}">
+                <a14:useLocalDpi xmlns:a14="http://schemas.microsoft.com/office/drawing/2010/main"/>
+              </a:ext>
+            </a:extLst>
+          </a:blip>
+          <a:stretch>
+            <a:fillRect/>
+          </a:stretch>
+        </p:blipFill>
+        <p:spPr>
+          <a:xfrm>
+            <a:off x="615165" y="6324601"/>
+            <a:ext cx="1418891" cy="343808"/>
+          </a:xfrm>
+          <a:prstGeom prst="rect">
+            <a:avLst/>
+          </a:prstGeom>
+        </p:spPr>
+      </p:pic>
     </p:spTree>
     <p:extLst>
       <p:ext uri="{BB962C8B-B14F-4D97-AF65-F5344CB8AC3E}">
-        <p14:creationId xmlns:p14="http://schemas.microsoft.com/office/powerpoint/2010/main" val="4266573645"/>
+        <p14:creationId xmlns:p14="http://schemas.microsoft.com/office/powerpoint/2010/main" val="3378236668"/>
       </p:ext>
     </p:extLst>
   </p:cSld>
   <p:clrMapOvr>
     <a:masterClrMapping/>
   </p:clrMapOvr>
+  <p:extLst mod="1">
+    <p:ext uri="{DCECCB84-F9BA-43D5-87BE-67443E8EF086}">
+      <p15:sldGuideLst xmlns:p15="http://schemas.microsoft.com/office/powerpoint/2012/main">
+        <p15:guide id="2" pos="2880">
+          <p15:clr>
+            <a:srgbClr val="FBAE40"/>
+          </p15:clr>
+        </p15:guide>
+        <p15:guide id="3" orient="horz" pos="1620">
+          <p15:clr>
+            <a:srgbClr val="FBAE40"/>
+          </p15:clr>
+        </p15:guide>
+        <p15:guide id="4" orient="horz" pos="860">
+          <p15:clr>
+            <a:srgbClr val="FBAE40"/>
+          </p15:clr>
+        </p15:guide>
+      </p15:sldGuideLst>
+    </p:ext>
+  </p:extLst>
 </p:sldLayout>
 </file>
 
-<file path=ppt/slideLayouts/slideLayout8.xml><?xml version="1.0" encoding="utf-8"?>
-<p:sldLayout xmlns:a="http://schemas.openxmlformats.org/drawingml/2006/main" xmlns:r="http://schemas.openxmlformats.org/officeDocument/2006/relationships" xmlns:p="http://schemas.openxmlformats.org/presentationml/2006/main" preserve="1">
-  <p:cSld name="External No Title">
+<file path=ppt/slideLayouts/slideLayout6.xml><?xml version="1.0" encoding="utf-8"?>
+<p:sldLayout xmlns:a="http://schemas.openxmlformats.org/drawingml/2006/main" xmlns:r="http://schemas.openxmlformats.org/officeDocument/2006/relationships" xmlns:p="http://schemas.openxmlformats.org/presentationml/2006/main" showMasterSp="0" preserve="1">
+  <p:cSld name="External_1 Heading with Subhead">
     <p:spTree>
       <p:nvGrpSpPr>
         <p:cNvPr id="1" name=""/>
@@ -12323,76 +15698,285 @@
       </p:grpSpPr>
       <p:sp>
         <p:nvSpPr>
-          <p:cNvPr id="2" name="Content Placeholder 2"/>
+          <p:cNvPr id="4" name="Title Placeholder 1"/>
           <p:cNvSpPr>
             <a:spLocks noGrp="1"/>
           </p:cNvSpPr>
           <p:nvPr>
-            <p:ph idx="1"/>
+            <p:ph type="title" hasCustomPrompt="1"/>
           </p:nvPr>
         </p:nvSpPr>
         <p:spPr>
           <a:xfrm>
-            <a:off x="626262" y="448733"/>
-            <a:ext cx="10970956" cy="5621659"/>
+            <a:off x="605367" y="365760"/>
+            <a:ext cx="10972800" cy="609600"/>
+          </a:xfrm>
+          <a:prstGeom prst="rect">
+            <a:avLst/>
+          </a:prstGeom>
+        </p:spPr>
+        <p:txBody>
+          <a:bodyPr vert="horz" lIns="0" tIns="45720" rIns="0" bIns="45720" rtlCol="0" anchor="ctr">
+            <a:noAutofit/>
+          </a:bodyPr>
+          <a:lstStyle/>
+          <a:p>
+            <a:r>
+              <a:rPr lang="en-US" dirty="0"/>
+              <a:t>Click to Edit Master Title Style</a:t>
+            </a:r>
+          </a:p>
+        </p:txBody>
+      </p:sp>
+      <p:sp>
+        <p:nvSpPr>
+          <p:cNvPr id="5" name="Text Placeholder 2"/>
+          <p:cNvSpPr>
+            <a:spLocks noGrp="1"/>
+          </p:cNvSpPr>
+          <p:nvPr>
+            <p:ph idx="1" hasCustomPrompt="1"/>
+          </p:nvPr>
+        </p:nvSpPr>
+        <p:spPr>
+          <a:xfrm>
+            <a:off x="605367" y="1366520"/>
+            <a:ext cx="10972800" cy="4279208"/>
+          </a:xfrm>
+          <a:prstGeom prst="rect">
+            <a:avLst/>
+          </a:prstGeom>
+        </p:spPr>
+        <p:txBody>
+          <a:bodyPr vert="horz" lIns="0" tIns="45717" rIns="0" bIns="45717" rtlCol="0">
+            <a:noAutofit/>
+          </a:bodyPr>
+          <a:lstStyle>
+            <a:lvl1pPr>
+              <a:defRPr lang="en-US" dirty="0" smtClean="0"/>
+            </a:lvl1pPr>
+            <a:lvl2pPr>
+              <a:defRPr lang="en-US" dirty="0" smtClean="0"/>
+            </a:lvl2pPr>
+            <a:lvl3pPr>
+              <a:defRPr lang="en-US" dirty="0" smtClean="0"/>
+            </a:lvl3pPr>
+            <a:lvl4pPr>
+              <a:defRPr lang="en-US" dirty="0" smtClean="0"/>
+            </a:lvl4pPr>
+          </a:lstStyle>
+          <a:p>
+            <a:pPr lvl="0"/>
+            <a:r>
+              <a:rPr lang="en-US" dirty="0"/>
+              <a:t>Master text styles</a:t>
+            </a:r>
+          </a:p>
+          <a:p>
+            <a:pPr lvl="1"/>
+            <a:r>
+              <a:rPr lang="en-US" dirty="0"/>
+              <a:t>Second level</a:t>
+            </a:r>
+          </a:p>
+          <a:p>
+            <a:pPr lvl="2"/>
+            <a:r>
+              <a:rPr lang="en-US" dirty="0"/>
+              <a:t>Third level</a:t>
+            </a:r>
+          </a:p>
+          <a:p>
+            <a:pPr lvl="3"/>
+            <a:r>
+              <a:rPr lang="en-US" dirty="0"/>
+              <a:t>Fourth level</a:t>
+            </a:r>
+          </a:p>
+          <a:p>
+            <a:pPr lvl="3"/>
+            <a:endParaRPr lang="en-US" dirty="0"/>
+          </a:p>
+          <a:p>
+            <a:pPr lvl="0"/>
+            <a:endParaRPr lang="en-US" dirty="0"/>
+          </a:p>
+          <a:p>
+            <a:pPr lvl="0"/>
+            <a:endParaRPr lang="en-US" dirty="0"/>
+          </a:p>
+        </p:txBody>
+      </p:sp>
+      <p:sp>
+        <p:nvSpPr>
+          <p:cNvPr id="16" name="Rectangle 15"/>
+          <p:cNvSpPr/>
+          <p:nvPr/>
+        </p:nvSpPr>
+        <p:spPr>
+          <a:xfrm>
+            <a:off x="0" y="0"/>
+            <a:ext cx="12192000" cy="97536"/>
+          </a:xfrm>
+          <a:prstGeom prst="rect">
+            <a:avLst/>
+          </a:prstGeom>
+          <a:solidFill>
+            <a:srgbClr val="0A60A3"/>
+          </a:solidFill>
+          <a:ln>
+            <a:noFill/>
+          </a:ln>
+          <a:effectLst/>
+        </p:spPr>
+        <p:style>
+          <a:lnRef idx="1">
+            <a:schemeClr val="accent1"/>
+          </a:lnRef>
+          <a:fillRef idx="3">
+            <a:schemeClr val="accent1"/>
+          </a:fillRef>
+          <a:effectRef idx="2">
+            <a:schemeClr val="accent1"/>
+          </a:effectRef>
+          <a:fontRef idx="minor">
+            <a:schemeClr val="lt1"/>
+          </a:fontRef>
+        </p:style>
+        <p:txBody>
+          <a:bodyPr lIns="0" rIns="0" rtlCol="0" anchor="ctr"/>
+          <a:lstStyle/>
+          <a:p>
+            <a:pPr algn="ctr"/>
+            <a:endParaRPr lang="en-US" sz="2400"/>
+          </a:p>
+        </p:txBody>
+      </p:sp>
+      <p:sp>
+        <p:nvSpPr>
+          <p:cNvPr id="21" name="Text Placeholder 6"/>
+          <p:cNvSpPr>
+            <a:spLocks noGrp="1"/>
+          </p:cNvSpPr>
+          <p:nvPr>
+            <p:ph type="body" sz="quarter" idx="10" hasCustomPrompt="1"/>
+          </p:nvPr>
+        </p:nvSpPr>
+        <p:spPr>
+          <a:xfrm>
+            <a:off x="605368" y="975360"/>
+            <a:ext cx="10972800" cy="365760"/>
           </a:xfrm>
         </p:spPr>
         <p:txBody>
-          <a:bodyPr/>
+          <a:bodyPr anchor="ctr"/>
           <a:lstStyle>
-            <a:lvl1pPr marL="0" indent="0">
+            <a:lvl1pPr marL="0" marR="0" indent="0" algn="l" defTabSz="1219170" rtl="0" eaLnBrk="1" fontAlgn="auto" latinLnBrk="0" hangingPunct="1">
+              <a:lnSpc>
+                <a:spcPct val="90000"/>
+              </a:lnSpc>
+              <a:spcBef>
+                <a:spcPts val="1333"/>
+              </a:spcBef>
+              <a:spcAft>
+                <a:spcPts val="0"/>
+              </a:spcAft>
+              <a:buClrTx/>
+              <a:buSzTx/>
+              <a:buFont typeface="Arial"/>
               <a:buNone/>
-              <a:defRPr b="0" i="0">
-                <a:latin typeface="+mn-lt"/>
-                <a:cs typeface="Univers LT Std 45 Light"/>
+              <a:tabLst/>
+              <a:defRPr sz="2400">
+                <a:solidFill>
+                  <a:schemeClr val="bg2">
+                    <a:lumMod val="50000"/>
+                  </a:schemeClr>
+                </a:solidFill>
               </a:defRPr>
             </a:lvl1pPr>
-            <a:lvl2pPr>
-              <a:defRPr>
-                <a:latin typeface="+mn-lt"/>
-              </a:defRPr>
-            </a:lvl2pPr>
-            <a:lvl3pPr>
-              <a:defRPr>
-                <a:latin typeface="+mn-lt"/>
-              </a:defRPr>
-            </a:lvl3pPr>
-            <a:lvl4pPr>
-              <a:defRPr sz="1867">
-                <a:latin typeface="+mn-lt"/>
-              </a:defRPr>
-            </a:lvl4pPr>
-            <a:lvl5pPr>
-              <a:defRPr sz="1867">
-                <a:latin typeface="+mn-lt"/>
-              </a:defRPr>
-            </a:lvl5pPr>
           </a:lstStyle>
           <a:p>
-            <a:pPr lvl="0"/>
-            <a:r>
-              <a:rPr lang="en-US"/>
-              <a:t>Click to edit Master text styles</a:t>
-            </a:r>
-          </a:p>
-        </p:txBody>
-      </p:sp>
+            <a:pPr marL="0" marR="0" lvl="0" indent="0" algn="l" defTabSz="1219170" rtl="0" eaLnBrk="1" fontAlgn="auto" latinLnBrk="0" hangingPunct="1">
+              <a:lnSpc>
+                <a:spcPct val="90000"/>
+              </a:lnSpc>
+              <a:spcBef>
+                <a:spcPts val="1333"/>
+              </a:spcBef>
+              <a:spcAft>
+                <a:spcPts val="0"/>
+              </a:spcAft>
+              <a:buClrTx/>
+              <a:buSzTx/>
+              <a:buFont typeface="Arial"/>
+              <a:buNone/>
+              <a:tabLst/>
+              <a:defRPr/>
+            </a:pPr>
+            <a:r>
+              <a:rPr lang="en-US" dirty="0"/>
+              <a:t>Subhead Text</a:t>
+            </a:r>
+          </a:p>
+        </p:txBody>
+      </p:sp>
+      <p:pic>
+        <p:nvPicPr>
+          <p:cNvPr id="9" name="Picture 8"/>
+          <p:cNvPicPr>
+            <a:picLocks noChangeAspect="1"/>
+          </p:cNvPicPr>
+          <p:nvPr/>
+        </p:nvPicPr>
+        <p:blipFill>
+          <a:blip r:embed="rId2" cstate="screen">
+            <a:extLst>
+              <a:ext uri="{28A0092B-C50C-407E-A947-70E740481C1C}">
+                <a14:useLocalDpi xmlns:a14="http://schemas.microsoft.com/office/drawing/2010/main"/>
+              </a:ext>
+            </a:extLst>
+          </a:blip>
+          <a:stretch>
+            <a:fillRect/>
+          </a:stretch>
+        </p:blipFill>
+        <p:spPr>
+          <a:xfrm>
+            <a:off x="615165" y="6324601"/>
+            <a:ext cx="1418891" cy="343808"/>
+          </a:xfrm>
+          <a:prstGeom prst="rect">
+            <a:avLst/>
+          </a:prstGeom>
+        </p:spPr>
+      </p:pic>
     </p:spTree>
     <p:extLst>
       <p:ext uri="{BB962C8B-B14F-4D97-AF65-F5344CB8AC3E}">
-        <p14:creationId xmlns:p14="http://schemas.microsoft.com/office/powerpoint/2010/main" val="3773122033"/>
+        <p14:creationId xmlns:p14="http://schemas.microsoft.com/office/powerpoint/2010/main" val="1411650350"/>
       </p:ext>
     </p:extLst>
   </p:cSld>
   <p:clrMapOvr>
     <a:masterClrMapping/>
   </p:clrMapOvr>
+  <p:extLst mod="1">
+    <p:ext uri="{DCECCB84-F9BA-43D5-87BE-67443E8EF086}">
+      <p15:sldGuideLst xmlns:p15="http://schemas.microsoft.com/office/powerpoint/2012/main">
+        <p15:guide id="2" pos="2880">
+          <p15:clr>
+            <a:srgbClr val="FBAE40"/>
+          </p15:clr>
+        </p15:guide>
+      </p15:sldGuideLst>
+    </p:ext>
+  </p:extLst>
 </p:sldLayout>
 </file>
 
-<file path=ppt/slideLayouts/slideLayout9.xml><?xml version="1.0" encoding="utf-8"?>
-<p:sldLayout xmlns:a="http://schemas.openxmlformats.org/drawingml/2006/main" xmlns:r="http://schemas.openxmlformats.org/officeDocument/2006/relationships" xmlns:p="http://schemas.openxmlformats.org/presentationml/2006/main" preserve="1">
-  <p:cSld name="Custom Layout">
+<file path=ppt/slideLayouts/slideLayout7.xml><?xml version="1.0" encoding="utf-8"?>
+<p:sldLayout xmlns:a="http://schemas.openxmlformats.org/drawingml/2006/main" xmlns:r="http://schemas.openxmlformats.org/officeDocument/2006/relationships" xmlns:p="http://schemas.openxmlformats.org/presentationml/2006/main" showMasterSp="0" preserve="1">
+  <p:cSld name="External_2 Line Heading w Subhead">
     <p:spTree>
       <p:nvGrpSpPr>
         <p:cNvPr id="1" name=""/>
@@ -12407,19 +15991,258 @@
           <a:chExt cx="0" cy="0"/>
         </a:xfrm>
       </p:grpSpPr>
+      <p:sp>
+        <p:nvSpPr>
+          <p:cNvPr id="4" name="Title Placeholder 1"/>
+          <p:cNvSpPr>
+            <a:spLocks noGrp="1"/>
+          </p:cNvSpPr>
+          <p:nvPr>
+            <p:ph type="title" hasCustomPrompt="1"/>
+          </p:nvPr>
+        </p:nvSpPr>
+        <p:spPr>
+          <a:xfrm>
+            <a:off x="605367" y="349335"/>
+            <a:ext cx="10972800" cy="1097280"/>
+          </a:xfrm>
+          <a:prstGeom prst="rect">
+            <a:avLst/>
+          </a:prstGeom>
+        </p:spPr>
+        <p:txBody>
+          <a:bodyPr vert="horz" lIns="0" tIns="45720" rIns="0" bIns="45720" rtlCol="0" anchor="ctr">
+            <a:noAutofit/>
+          </a:bodyPr>
+          <a:lstStyle>
+            <a:lvl1pPr algn="l" defTabSz="1219170" rtl="0" eaLnBrk="1" latinLnBrk="0" hangingPunct="1">
+              <a:lnSpc>
+                <a:spcPct val="100000"/>
+              </a:lnSpc>
+              <a:spcBef>
+                <a:spcPct val="0"/>
+              </a:spcBef>
+              <a:buNone/>
+              <a:defRPr lang="en-US" sz="3200" b="0" i="0" kern="1000" spc="0" baseline="0" dirty="0">
+                <a:solidFill>
+                  <a:schemeClr val="bg2">
+                    <a:lumMod val="25000"/>
+                  </a:schemeClr>
+                </a:solidFill>
+                <a:latin typeface="+mn-lt"/>
+                <a:ea typeface="Arial" charset="0"/>
+                <a:cs typeface="Arial" charset="0"/>
+              </a:defRPr>
+            </a:lvl1pPr>
+          </a:lstStyle>
+          <a:p>
+            <a:r>
+              <a:rPr lang="en-US" dirty="0"/>
+              <a:t>Click to Edit Master Title Style</a:t>
+            </a:r>
+            <a:br>
+              <a:rPr lang="en-US" dirty="0"/>
+            </a:br>
+            <a:r>
+              <a:rPr lang="en-US" dirty="0"/>
+              <a:t>For Two Line Header</a:t>
+            </a:r>
+          </a:p>
+        </p:txBody>
+      </p:sp>
+      <p:sp>
+        <p:nvSpPr>
+          <p:cNvPr id="5" name="Text Placeholder 2"/>
+          <p:cNvSpPr>
+            <a:spLocks noGrp="1"/>
+          </p:cNvSpPr>
+          <p:nvPr>
+            <p:ph idx="1" hasCustomPrompt="1"/>
+          </p:nvPr>
+        </p:nvSpPr>
+        <p:spPr>
+          <a:xfrm>
+            <a:off x="605367" y="1833542"/>
+            <a:ext cx="10972800" cy="3998228"/>
+          </a:xfrm>
+          <a:prstGeom prst="rect">
+            <a:avLst/>
+          </a:prstGeom>
+        </p:spPr>
+        <p:txBody>
+          <a:bodyPr vert="horz" lIns="0" tIns="45717" rIns="0" bIns="45717" rtlCol="0">
+            <a:noAutofit/>
+          </a:bodyPr>
+          <a:lstStyle>
+            <a:lvl1pPr>
+              <a:defRPr lang="en-US" dirty="0" smtClean="0"/>
+            </a:lvl1pPr>
+            <a:lvl2pPr>
+              <a:defRPr lang="en-US" dirty="0" smtClean="0"/>
+            </a:lvl2pPr>
+            <a:lvl3pPr>
+              <a:defRPr lang="en-US" dirty="0" smtClean="0"/>
+            </a:lvl3pPr>
+            <a:lvl4pPr>
+              <a:defRPr lang="en-US" dirty="0" smtClean="0"/>
+            </a:lvl4pPr>
+          </a:lstStyle>
+          <a:p>
+            <a:pPr lvl="0"/>
+            <a:r>
+              <a:rPr lang="en-US" dirty="0"/>
+              <a:t>Master text styles</a:t>
+            </a:r>
+          </a:p>
+          <a:p>
+            <a:pPr lvl="1"/>
+            <a:r>
+              <a:rPr lang="en-US" dirty="0"/>
+              <a:t>Second level</a:t>
+            </a:r>
+          </a:p>
+          <a:p>
+            <a:pPr lvl="2"/>
+            <a:r>
+              <a:rPr lang="en-US" dirty="0"/>
+              <a:t>Third level</a:t>
+            </a:r>
+          </a:p>
+          <a:p>
+            <a:pPr lvl="3"/>
+            <a:r>
+              <a:rPr lang="en-US" dirty="0"/>
+              <a:t>Fourth level</a:t>
+            </a:r>
+          </a:p>
+        </p:txBody>
+      </p:sp>
+      <p:sp>
+        <p:nvSpPr>
+          <p:cNvPr id="16" name="Rectangle 15"/>
+          <p:cNvSpPr/>
+          <p:nvPr/>
+        </p:nvSpPr>
+        <p:spPr>
+          <a:xfrm>
+            <a:off x="0" y="0"/>
+            <a:ext cx="12192000" cy="97536"/>
+          </a:xfrm>
+          <a:prstGeom prst="rect">
+            <a:avLst/>
+          </a:prstGeom>
+          <a:solidFill>
+            <a:srgbClr val="0A60A3"/>
+          </a:solidFill>
+          <a:ln>
+            <a:noFill/>
+          </a:ln>
+          <a:effectLst/>
+        </p:spPr>
+        <p:style>
+          <a:lnRef idx="1">
+            <a:schemeClr val="accent1"/>
+          </a:lnRef>
+          <a:fillRef idx="3">
+            <a:schemeClr val="accent1"/>
+          </a:fillRef>
+          <a:effectRef idx="2">
+            <a:schemeClr val="accent1"/>
+          </a:effectRef>
+          <a:fontRef idx="minor">
+            <a:schemeClr val="lt1"/>
+          </a:fontRef>
+        </p:style>
+        <p:txBody>
+          <a:bodyPr lIns="0" rIns="0" rtlCol="0" anchor="ctr"/>
+          <a:lstStyle/>
+          <a:p>
+            <a:pPr algn="ctr"/>
+            <a:endParaRPr lang="en-US" sz="2400"/>
+          </a:p>
+        </p:txBody>
+      </p:sp>
+      <p:sp>
+        <p:nvSpPr>
+          <p:cNvPr id="6" name="Text Placeholder 6"/>
+          <p:cNvSpPr>
+            <a:spLocks noGrp="1"/>
+          </p:cNvSpPr>
+          <p:nvPr>
+            <p:ph type="body" sz="quarter" idx="10" hasCustomPrompt="1"/>
+          </p:nvPr>
+        </p:nvSpPr>
+        <p:spPr>
+          <a:xfrm>
+            <a:off x="605368" y="1446615"/>
+            <a:ext cx="10972800" cy="365760"/>
+          </a:xfrm>
+        </p:spPr>
+        <p:txBody>
+          <a:bodyPr anchor="ctr"/>
+          <a:lstStyle>
+            <a:lvl1pPr marL="0" marR="0" indent="0" algn="l" defTabSz="1219170" rtl="0" eaLnBrk="1" fontAlgn="auto" latinLnBrk="0" hangingPunct="1">
+              <a:lnSpc>
+                <a:spcPct val="90000"/>
+              </a:lnSpc>
+              <a:spcBef>
+                <a:spcPts val="800"/>
+              </a:spcBef>
+              <a:spcAft>
+                <a:spcPts val="0"/>
+              </a:spcAft>
+              <a:buClrTx/>
+              <a:buSzTx/>
+              <a:buFont typeface="Arial"/>
+              <a:buNone/>
+              <a:tabLst/>
+              <a:defRPr sz="2400">
+                <a:solidFill>
+                  <a:schemeClr val="bg2">
+                    <a:lumMod val="50000"/>
+                  </a:schemeClr>
+                </a:solidFill>
+              </a:defRPr>
+            </a:lvl1pPr>
+          </a:lstStyle>
+          <a:p>
+            <a:pPr marL="0" marR="0" lvl="0" indent="0" algn="l" defTabSz="1219170" rtl="0" eaLnBrk="1" fontAlgn="auto" latinLnBrk="0" hangingPunct="1">
+              <a:lnSpc>
+                <a:spcPct val="90000"/>
+              </a:lnSpc>
+              <a:spcBef>
+                <a:spcPts val="1333"/>
+              </a:spcBef>
+              <a:spcAft>
+                <a:spcPts val="0"/>
+              </a:spcAft>
+              <a:buClrTx/>
+              <a:buSzTx/>
+              <a:buFont typeface="Arial"/>
+              <a:buNone/>
+              <a:tabLst/>
+              <a:defRPr/>
+            </a:pPr>
+            <a:r>
+              <a:rPr lang="en-US" dirty="0"/>
+              <a:t>Subhead Text</a:t>
+            </a:r>
+          </a:p>
+        </p:txBody>
+      </p:sp>
       <p:pic>
         <p:nvPicPr>
-          <p:cNvPr id="3" name="Picture 2" descr="21258 NIWeek Presenter PPT_bumper.png"/>
+          <p:cNvPr id="9" name="Picture 8"/>
           <p:cNvPicPr>
             <a:picLocks noChangeAspect="1"/>
           </p:cNvPicPr>
           <p:nvPr/>
         </p:nvPicPr>
         <p:blipFill>
-          <a:blip r:embed="rId2" cstate="print">
+          <a:blip r:embed="rId2" cstate="screen">
             <a:extLst>
               <a:ext uri="{28A0092B-C50C-407E-A947-70E740481C1C}">
-                <a14:useLocalDpi xmlns:a14="http://schemas.microsoft.com/office/drawing/2010/main" val="0"/>
+                <a14:useLocalDpi xmlns:a14="http://schemas.microsoft.com/office/drawing/2010/main"/>
               </a:ext>
             </a:extLst>
           </a:blip>
@@ -12429,8 +16252,8 @@
         </p:blipFill>
         <p:spPr>
           <a:xfrm>
-            <a:off x="-1" y="1"/>
-            <a:ext cx="12235373" cy="6878593"/>
+            <a:off x="615165" y="6324601"/>
+            <a:ext cx="1418891" cy="343808"/>
           </a:xfrm>
           <a:prstGeom prst="rect">
             <a:avLst/>
@@ -12440,13 +16263,524 @@
     </p:spTree>
     <p:extLst>
       <p:ext uri="{BB962C8B-B14F-4D97-AF65-F5344CB8AC3E}">
-        <p14:creationId xmlns:p14="http://schemas.microsoft.com/office/powerpoint/2010/main" val="387671622"/>
+        <p14:creationId xmlns:p14="http://schemas.microsoft.com/office/powerpoint/2010/main" val="3076279902"/>
       </p:ext>
     </p:extLst>
   </p:cSld>
   <p:clrMapOvr>
     <a:masterClrMapping/>
   </p:clrMapOvr>
+  <p:extLst mod="1">
+    <p:ext uri="{DCECCB84-F9BA-43D5-87BE-67443E8EF086}">
+      <p15:sldGuideLst xmlns:p15="http://schemas.microsoft.com/office/powerpoint/2012/main">
+        <p15:guide id="2" pos="2880">
+          <p15:clr>
+            <a:srgbClr val="FBAE40"/>
+          </p15:clr>
+        </p15:guide>
+      </p15:sldGuideLst>
+    </p:ext>
+  </p:extLst>
+</p:sldLayout>
+</file>
+
+<file path=ppt/slideLayouts/slideLayout8.xml><?xml version="1.0" encoding="utf-8"?>
+<p:sldLayout xmlns:a="http://schemas.openxmlformats.org/drawingml/2006/main" xmlns:r="http://schemas.openxmlformats.org/officeDocument/2006/relationships" xmlns:p="http://schemas.openxmlformats.org/presentationml/2006/main" type="twoObj" preserve="1">
+  <p:cSld name="External_Two Content">
+    <p:spTree>
+      <p:nvGrpSpPr>
+        <p:cNvPr id="1" name=""/>
+        <p:cNvGrpSpPr/>
+        <p:nvPr/>
+      </p:nvGrpSpPr>
+      <p:grpSpPr>
+        <a:xfrm>
+          <a:off x="0" y="0"/>
+          <a:ext cx="0" cy="0"/>
+          <a:chOff x="0" y="0"/>
+          <a:chExt cx="0" cy="0"/>
+        </a:xfrm>
+      </p:grpSpPr>
+      <p:sp>
+        <p:nvSpPr>
+          <p:cNvPr id="2" name="Title 1"/>
+          <p:cNvSpPr>
+            <a:spLocks noGrp="1"/>
+          </p:cNvSpPr>
+          <p:nvPr>
+            <p:ph type="title" hasCustomPrompt="1"/>
+          </p:nvPr>
+        </p:nvSpPr>
+        <p:spPr/>
+        <p:txBody>
+          <a:bodyPr/>
+          <a:lstStyle/>
+          <a:p>
+            <a:r>
+              <a:rPr lang="en-US" dirty="0"/>
+              <a:t>Click to Edit Master Title Style</a:t>
+            </a:r>
+          </a:p>
+        </p:txBody>
+      </p:sp>
+      <p:sp>
+        <p:nvSpPr>
+          <p:cNvPr id="3" name="Content Placeholder 2"/>
+          <p:cNvSpPr>
+            <a:spLocks noGrp="1"/>
+          </p:cNvSpPr>
+          <p:nvPr>
+            <p:ph sz="half" idx="1" hasCustomPrompt="1"/>
+          </p:nvPr>
+        </p:nvSpPr>
+        <p:spPr>
+          <a:xfrm>
+            <a:off x="605367" y="975361"/>
+            <a:ext cx="5389033" cy="5201073"/>
+          </a:xfrm>
+        </p:spPr>
+        <p:txBody>
+          <a:bodyPr vert="horz" lIns="0" tIns="45717" rIns="0" bIns="45717" rtlCol="0">
+            <a:noAutofit/>
+          </a:bodyPr>
+          <a:lstStyle>
+            <a:lvl1pPr>
+              <a:defRPr lang="en-US" dirty="0" smtClean="0"/>
+            </a:lvl1pPr>
+          </a:lstStyle>
+          <a:p>
+            <a:pPr lvl="0"/>
+            <a:r>
+              <a:rPr lang="en-US" dirty="0"/>
+              <a:t>Master text styles</a:t>
+            </a:r>
+          </a:p>
+          <a:p>
+            <a:pPr lvl="1"/>
+            <a:r>
+              <a:rPr lang="en-US" dirty="0"/>
+              <a:t>Second level</a:t>
+            </a:r>
+          </a:p>
+          <a:p>
+            <a:pPr lvl="2"/>
+            <a:r>
+              <a:rPr lang="en-US" dirty="0"/>
+              <a:t>Third level</a:t>
+            </a:r>
+          </a:p>
+          <a:p>
+            <a:pPr lvl="3"/>
+            <a:r>
+              <a:rPr lang="en-US" dirty="0"/>
+              <a:t>Fourth level</a:t>
+            </a:r>
+          </a:p>
+          <a:p>
+            <a:pPr lvl="3"/>
+            <a:endParaRPr lang="en-US" dirty="0"/>
+          </a:p>
+          <a:p>
+            <a:pPr lvl="0"/>
+            <a:endParaRPr lang="en-US" dirty="0"/>
+          </a:p>
+          <a:p>
+            <a:pPr lvl="0"/>
+            <a:endParaRPr lang="en-US" dirty="0"/>
+          </a:p>
+          <a:p>
+            <a:pPr lvl="0"/>
+            <a:endParaRPr lang="en-US" dirty="0"/>
+          </a:p>
+        </p:txBody>
+      </p:sp>
+      <p:sp>
+        <p:nvSpPr>
+          <p:cNvPr id="4" name="Content Placeholder 3"/>
+          <p:cNvSpPr>
+            <a:spLocks noGrp="1"/>
+          </p:cNvSpPr>
+          <p:nvPr>
+            <p:ph sz="half" idx="2" hasCustomPrompt="1"/>
+          </p:nvPr>
+        </p:nvSpPr>
+        <p:spPr>
+          <a:xfrm>
+            <a:off x="6197600" y="975361"/>
+            <a:ext cx="5389033" cy="5201073"/>
+          </a:xfrm>
+        </p:spPr>
+        <p:txBody>
+          <a:bodyPr vert="horz" lIns="0" tIns="45717" rIns="0" bIns="45717" rtlCol="0">
+            <a:noAutofit/>
+          </a:bodyPr>
+          <a:lstStyle>
+            <a:lvl1pPr marL="0" indent="0">
+              <a:buNone/>
+              <a:defRPr lang="en-US" dirty="0" smtClean="0"/>
+            </a:lvl1pPr>
+            <a:lvl2pPr>
+              <a:defRPr lang="en-US" dirty="0" smtClean="0"/>
+            </a:lvl2pPr>
+            <a:lvl3pPr>
+              <a:defRPr lang="en-US" dirty="0" smtClean="0"/>
+            </a:lvl3pPr>
+            <a:lvl4pPr>
+              <a:defRPr lang="en-US" dirty="0" smtClean="0"/>
+            </a:lvl4pPr>
+          </a:lstStyle>
+          <a:p>
+            <a:pPr lvl="0"/>
+            <a:r>
+              <a:rPr lang="en-US" dirty="0"/>
+              <a:t>Master text styles</a:t>
+            </a:r>
+          </a:p>
+          <a:p>
+            <a:pPr lvl="1"/>
+            <a:r>
+              <a:rPr lang="en-US" dirty="0"/>
+              <a:t>Second level</a:t>
+            </a:r>
+          </a:p>
+          <a:p>
+            <a:pPr lvl="2"/>
+            <a:r>
+              <a:rPr lang="en-US" dirty="0"/>
+              <a:t>Third level</a:t>
+            </a:r>
+          </a:p>
+          <a:p>
+            <a:pPr lvl="3"/>
+            <a:r>
+              <a:rPr lang="en-US" dirty="0"/>
+              <a:t>Fourth level</a:t>
+            </a:r>
+          </a:p>
+          <a:p>
+            <a:pPr lvl="3"/>
+            <a:endParaRPr lang="en-US" dirty="0"/>
+          </a:p>
+          <a:p>
+            <a:pPr lvl="0"/>
+            <a:endParaRPr lang="en-US" dirty="0"/>
+          </a:p>
+          <a:p>
+            <a:pPr lvl="0"/>
+            <a:endParaRPr lang="en-US" dirty="0"/>
+          </a:p>
+          <a:p>
+            <a:pPr lvl="0"/>
+            <a:endParaRPr lang="en-US" dirty="0"/>
+          </a:p>
+          <a:p>
+            <a:pPr lvl="0"/>
+            <a:endParaRPr lang="en-US" dirty="0"/>
+          </a:p>
+        </p:txBody>
+      </p:sp>
+    </p:spTree>
+    <p:extLst>
+      <p:ext uri="{BB962C8B-B14F-4D97-AF65-F5344CB8AC3E}">
+        <p14:creationId xmlns:p14="http://schemas.microsoft.com/office/powerpoint/2010/main" val="1115135375"/>
+      </p:ext>
+    </p:extLst>
+  </p:cSld>
+  <p:clrMapOvr>
+    <a:masterClrMapping/>
+  </p:clrMapOvr>
+</p:sldLayout>
+</file>
+
+<file path=ppt/slideLayouts/slideLayout9.xml><?xml version="1.0" encoding="utf-8"?>
+<p:sldLayout xmlns:a="http://schemas.openxmlformats.org/drawingml/2006/main" xmlns:r="http://schemas.openxmlformats.org/officeDocument/2006/relationships" xmlns:p="http://schemas.openxmlformats.org/presentationml/2006/main" showMasterSp="0" preserve="1">
+  <p:cSld name="External_Text with Full Image R">
+    <p:spTree>
+      <p:nvGrpSpPr>
+        <p:cNvPr id="1" name=""/>
+        <p:cNvGrpSpPr/>
+        <p:nvPr/>
+      </p:nvGrpSpPr>
+      <p:grpSpPr>
+        <a:xfrm>
+          <a:off x="0" y="0"/>
+          <a:ext cx="0" cy="0"/>
+          <a:chOff x="0" y="0"/>
+          <a:chExt cx="0" cy="0"/>
+        </a:xfrm>
+      </p:grpSpPr>
+      <p:sp>
+        <p:nvSpPr>
+          <p:cNvPr id="6" name="Rectangle 5"/>
+          <p:cNvSpPr/>
+          <p:nvPr/>
+        </p:nvSpPr>
+        <p:spPr>
+          <a:xfrm>
+            <a:off x="0" y="0"/>
+            <a:ext cx="12192000" cy="97536"/>
+          </a:xfrm>
+          <a:prstGeom prst="rect">
+            <a:avLst/>
+          </a:prstGeom>
+          <a:solidFill>
+            <a:srgbClr val="0A60A3"/>
+          </a:solidFill>
+          <a:ln>
+            <a:noFill/>
+          </a:ln>
+          <a:effectLst/>
+        </p:spPr>
+        <p:style>
+          <a:lnRef idx="1">
+            <a:schemeClr val="accent1"/>
+          </a:lnRef>
+          <a:fillRef idx="3">
+            <a:schemeClr val="accent1"/>
+          </a:fillRef>
+          <a:effectRef idx="2">
+            <a:schemeClr val="accent1"/>
+          </a:effectRef>
+          <a:fontRef idx="minor">
+            <a:schemeClr val="lt1"/>
+          </a:fontRef>
+        </p:style>
+        <p:txBody>
+          <a:bodyPr lIns="0" rIns="0" rtlCol="0" anchor="ctr"/>
+          <a:lstStyle/>
+          <a:p>
+            <a:pPr algn="ctr"/>
+            <a:endParaRPr lang="en-US" sz="2400"/>
+          </a:p>
+        </p:txBody>
+      </p:sp>
+      <p:sp>
+        <p:nvSpPr>
+          <p:cNvPr id="4" name="Title Placeholder 1"/>
+          <p:cNvSpPr>
+            <a:spLocks noGrp="1"/>
+          </p:cNvSpPr>
+          <p:nvPr>
+            <p:ph type="title" hasCustomPrompt="1"/>
+          </p:nvPr>
+        </p:nvSpPr>
+        <p:spPr>
+          <a:xfrm>
+            <a:off x="605367" y="365760"/>
+            <a:ext cx="6705600" cy="609600"/>
+          </a:xfrm>
+          <a:prstGeom prst="rect">
+            <a:avLst/>
+          </a:prstGeom>
+        </p:spPr>
+        <p:txBody>
+          <a:bodyPr vert="horz" lIns="0" tIns="45720" rIns="0" bIns="45720" rtlCol="0" anchor="ctr">
+            <a:noAutofit/>
+          </a:bodyPr>
+          <a:lstStyle>
+            <a:lvl1pPr>
+              <a:defRPr>
+                <a:solidFill>
+                  <a:schemeClr val="bg2">
+                    <a:lumMod val="25000"/>
+                  </a:schemeClr>
+                </a:solidFill>
+              </a:defRPr>
+            </a:lvl1pPr>
+          </a:lstStyle>
+          <a:p>
+            <a:r>
+              <a:rPr lang="en-US" dirty="0"/>
+              <a:t>Click to Edit Master Title Style</a:t>
+            </a:r>
+          </a:p>
+        </p:txBody>
+      </p:sp>
+      <p:sp>
+        <p:nvSpPr>
+          <p:cNvPr id="5" name="Text Placeholder 2"/>
+          <p:cNvSpPr>
+            <a:spLocks noGrp="1" noChangeAspect="1"/>
+          </p:cNvSpPr>
+          <p:nvPr>
+            <p:ph idx="1" hasCustomPrompt="1"/>
+          </p:nvPr>
+        </p:nvSpPr>
+        <p:spPr>
+          <a:xfrm>
+            <a:off x="605367" y="1013460"/>
+            <a:ext cx="6705600" cy="4884331"/>
+          </a:xfrm>
+          <a:prstGeom prst="rect">
+            <a:avLst/>
+          </a:prstGeom>
+        </p:spPr>
+        <p:txBody>
+          <a:bodyPr vert="horz" lIns="0" tIns="45720" rIns="0" bIns="45720" rtlCol="0">
+            <a:noAutofit/>
+          </a:bodyPr>
+          <a:lstStyle>
+            <a:lvl1pPr>
+              <a:defRPr lang="en-US" dirty="0" smtClean="0"/>
+            </a:lvl1pPr>
+            <a:lvl2pPr>
+              <a:defRPr lang="en-US" dirty="0" smtClean="0"/>
+            </a:lvl2pPr>
+            <a:lvl3pPr>
+              <a:defRPr lang="en-US" dirty="0" smtClean="0"/>
+            </a:lvl3pPr>
+            <a:lvl4pPr>
+              <a:defRPr lang="en-US" dirty="0" smtClean="0"/>
+            </a:lvl4pPr>
+          </a:lstStyle>
+          <a:p>
+            <a:pPr lvl="0">
+              <a:lnSpc>
+                <a:spcPct val="90000"/>
+              </a:lnSpc>
+            </a:pPr>
+            <a:r>
+              <a:rPr lang="en-US" dirty="0"/>
+              <a:t>Master text styles</a:t>
+            </a:r>
+          </a:p>
+          <a:p>
+            <a:pPr lvl="1"/>
+            <a:r>
+              <a:rPr lang="en-US" dirty="0"/>
+              <a:t>Second level</a:t>
+            </a:r>
+          </a:p>
+          <a:p>
+            <a:pPr lvl="2"/>
+            <a:r>
+              <a:rPr lang="en-US" dirty="0"/>
+              <a:t>Third level</a:t>
+            </a:r>
+          </a:p>
+          <a:p>
+            <a:pPr lvl="3"/>
+            <a:r>
+              <a:rPr lang="en-US" dirty="0"/>
+              <a:t>Fourth level</a:t>
+            </a:r>
+          </a:p>
+          <a:p>
+            <a:pPr lvl="0">
+              <a:lnSpc>
+                <a:spcPct val="90000"/>
+              </a:lnSpc>
+            </a:pPr>
+            <a:endParaRPr lang="en-US" dirty="0"/>
+          </a:p>
+        </p:txBody>
+      </p:sp>
+      <p:sp>
+        <p:nvSpPr>
+          <p:cNvPr id="12" name="Picture Placeholder 11"/>
+          <p:cNvSpPr>
+            <a:spLocks noGrp="1"/>
+          </p:cNvSpPr>
+          <p:nvPr>
+            <p:ph type="pic" sz="quarter" idx="10" hasCustomPrompt="1"/>
+          </p:nvPr>
+        </p:nvSpPr>
+        <p:spPr>
+          <a:xfrm>
+            <a:off x="7626219" y="-11475"/>
+            <a:ext cx="4572000" cy="6869475"/>
+          </a:xfrm>
+          <a:solidFill>
+            <a:schemeClr val="bg1">
+              <a:lumMod val="95000"/>
+            </a:schemeClr>
+          </a:solidFill>
+          <a:ln>
+            <a:noFill/>
+          </a:ln>
+        </p:spPr>
+        <p:txBody>
+          <a:bodyPr vert="horz" lIns="0" tIns="45717" rIns="0" bIns="45717" rtlCol="0" anchor="ctr">
+            <a:noAutofit/>
+          </a:bodyPr>
+          <a:lstStyle>
+            <a:lvl1pPr marL="243834" indent="-243834" algn="ctr">
+              <a:buNone/>
+              <a:defRPr lang="en-US" sz="1867" spc="0" dirty="0" smtClean="0"/>
+            </a:lvl1pPr>
+          </a:lstStyle>
+          <a:p>
+            <a:pPr marL="0" lvl="0" indent="0" algn="ctr"/>
+            <a:r>
+              <a:rPr lang="en-US" dirty="0"/>
+              <a:t>Drag or insert full bleed image</a:t>
+            </a:r>
+            <a:br>
+              <a:rPr lang="en-US" dirty="0"/>
+            </a:br>
+            <a:r>
+              <a:rPr lang="en-US" dirty="0"/>
+              <a:t>Use minimum height 1690 </a:t>
+            </a:r>
+            <a:r>
+              <a:rPr lang="en-US" dirty="0" err="1"/>
+              <a:t>px</a:t>
+            </a:r>
+            <a:endParaRPr lang="en-US" dirty="0"/>
+          </a:p>
+        </p:txBody>
+      </p:sp>
+      <p:pic>
+        <p:nvPicPr>
+          <p:cNvPr id="9" name="Picture 8"/>
+          <p:cNvPicPr>
+            <a:picLocks noChangeAspect="1"/>
+          </p:cNvPicPr>
+          <p:nvPr/>
+        </p:nvPicPr>
+        <p:blipFill>
+          <a:blip r:embed="rId2" cstate="screen">
+            <a:extLst>
+              <a:ext uri="{28A0092B-C50C-407E-A947-70E740481C1C}">
+                <a14:useLocalDpi xmlns:a14="http://schemas.microsoft.com/office/drawing/2010/main"/>
+              </a:ext>
+            </a:extLst>
+          </a:blip>
+          <a:stretch>
+            <a:fillRect/>
+          </a:stretch>
+        </p:blipFill>
+        <p:spPr>
+          <a:xfrm>
+            <a:off x="615165" y="6324601"/>
+            <a:ext cx="1418891" cy="343808"/>
+          </a:xfrm>
+          <a:prstGeom prst="rect">
+            <a:avLst/>
+          </a:prstGeom>
+        </p:spPr>
+      </p:pic>
+    </p:spTree>
+    <p:extLst>
+      <p:ext uri="{BB962C8B-B14F-4D97-AF65-F5344CB8AC3E}">
+        <p14:creationId xmlns:p14="http://schemas.microsoft.com/office/powerpoint/2010/main" val="3192176490"/>
+      </p:ext>
+    </p:extLst>
+  </p:cSld>
+  <p:clrMapOvr>
+    <a:masterClrMapping/>
+  </p:clrMapOvr>
+  <p:extLst mod="1">
+    <p:ext uri="{DCECCB84-F9BA-43D5-87BE-67443E8EF086}">
+      <p15:sldGuideLst xmlns:p15="http://schemas.microsoft.com/office/powerpoint/2012/main">
+        <p15:guide id="2" pos="2904">
+          <p15:clr>
+            <a:srgbClr val="FBAE40"/>
+          </p15:clr>
+        </p15:guide>
+      </p15:sldGuideLst>
+    </p:ext>
+  </p:extLst>
 </p:sldLayout>
 </file>
 
@@ -12472,19 +16806,106 @@
           <a:chExt cx="0" cy="0"/>
         </a:xfrm>
       </p:grpSpPr>
+      <p:sp>
+        <p:nvSpPr>
+          <p:cNvPr id="2" name="Title Placeholder 1"/>
+          <p:cNvSpPr>
+            <a:spLocks noGrp="1"/>
+          </p:cNvSpPr>
+          <p:nvPr>
+            <p:ph type="title"/>
+          </p:nvPr>
+        </p:nvSpPr>
+        <p:spPr>
+          <a:xfrm>
+            <a:off x="605367" y="365760"/>
+            <a:ext cx="10972800" cy="609600"/>
+          </a:xfrm>
+          <a:prstGeom prst="rect">
+            <a:avLst/>
+          </a:prstGeom>
+        </p:spPr>
+        <p:txBody>
+          <a:bodyPr vert="horz" lIns="0" tIns="45720" rIns="0" bIns="45720" rtlCol="0" anchor="ctr">
+            <a:noAutofit/>
+          </a:bodyPr>
+          <a:lstStyle/>
+          <a:p>
+            <a:r>
+              <a:rPr lang="en-US"/>
+              <a:t>Click to edit Master title style</a:t>
+            </a:r>
+            <a:endParaRPr lang="en-US" dirty="0"/>
+          </a:p>
+        </p:txBody>
+      </p:sp>
+      <p:sp>
+        <p:nvSpPr>
+          <p:cNvPr id="3" name="Text Placeholder 2"/>
+          <p:cNvSpPr>
+            <a:spLocks noGrp="1"/>
+          </p:cNvSpPr>
+          <p:nvPr>
+            <p:ph type="body" idx="1"/>
+          </p:nvPr>
+        </p:nvSpPr>
+        <p:spPr>
+          <a:xfrm>
+            <a:off x="605367" y="975360"/>
+            <a:ext cx="10972800" cy="4896272"/>
+          </a:xfrm>
+          <a:prstGeom prst="rect">
+            <a:avLst/>
+          </a:prstGeom>
+        </p:spPr>
+        <p:txBody>
+          <a:bodyPr vert="horz" lIns="0" tIns="45717" rIns="0" bIns="45717" rtlCol="0">
+            <a:noAutofit/>
+          </a:bodyPr>
+          <a:lstStyle/>
+          <a:p>
+            <a:pPr lvl="0"/>
+            <a:r>
+              <a:rPr lang="en-US" dirty="0"/>
+              <a:t>Master text styles</a:t>
+            </a:r>
+          </a:p>
+          <a:p>
+            <a:pPr lvl="1"/>
+            <a:r>
+              <a:rPr lang="en-US" dirty="0"/>
+              <a:t>Second level</a:t>
+            </a:r>
+          </a:p>
+          <a:p>
+            <a:pPr lvl="2"/>
+            <a:r>
+              <a:rPr lang="en-US" dirty="0"/>
+              <a:t>Third level</a:t>
+            </a:r>
+          </a:p>
+          <a:p>
+            <a:pPr lvl="3"/>
+            <a:r>
+              <a:rPr lang="en-US" dirty="0"/>
+              <a:t>Fourth level</a:t>
+            </a:r>
+          </a:p>
+        </p:txBody>
+      </p:sp>
       <p:pic>
         <p:nvPicPr>
-          <p:cNvPr id="7" name="Picture 6" descr="PPT corporate background 16x9_b.jpg"/>
+          <p:cNvPr id="8" name="Picture 7"/>
           <p:cNvPicPr>
             <a:picLocks noChangeAspect="1"/>
           </p:cNvPicPr>
           <p:nvPr/>
         </p:nvPicPr>
         <p:blipFill>
-          <a:blip r:embed="rId15" cstate="print">
+          <a:blip r:embed="rId26" cstate="screen">
             <a:extLst>
               <a:ext uri="{28A0092B-C50C-407E-A947-70E740481C1C}">
-                <a14:useLocalDpi xmlns:a14="http://schemas.microsoft.com/office/drawing/2010/main" val="0"/>
+                <a14:useLocalDpi xmlns:a14="http://schemas.microsoft.com/office/drawing/2010/main"/>
               </a:ext>
             </a:extLst>
           </a:blip>
@@ -12494,8 +16915,8 @@
         </p:blipFill>
         <p:spPr>
           <a:xfrm>
-            <a:off x="0" y="0"/>
-            <a:ext cx="12192000" cy="6858000"/>
+            <a:off x="615165" y="6324601"/>
+            <a:ext cx="1418891" cy="343808"/>
           </a:xfrm>
           <a:prstGeom prst="rect">
             <a:avLst/>
@@ -12504,253 +16925,156 @@
       </p:pic>
       <p:sp>
         <p:nvSpPr>
-          <p:cNvPr id="2" name="Title Placeholder 1"/>
-          <p:cNvSpPr>
-            <a:spLocks noGrp="1"/>
-          </p:cNvSpPr>
-          <p:nvPr>
-            <p:ph type="title"/>
-          </p:nvPr>
+          <p:cNvPr id="14" name="Rectangle 13"/>
+          <p:cNvSpPr/>
+          <p:nvPr/>
         </p:nvSpPr>
         <p:spPr>
           <a:xfrm>
-            <a:off x="631916" y="142830"/>
-            <a:ext cx="10893337" cy="964092"/>
+            <a:off x="0" y="0"/>
+            <a:ext cx="12192000" cy="97536"/>
           </a:xfrm>
           <a:prstGeom prst="rect">
             <a:avLst/>
           </a:prstGeom>
+          <a:solidFill>
+            <a:srgbClr val="0A60A3"/>
+          </a:solidFill>
+          <a:ln>
+            <a:noFill/>
+          </a:ln>
+          <a:effectLst/>
         </p:spPr>
-        <p:txBody>
-          <a:bodyPr vert="horz" lIns="0" tIns="45717" rIns="0" bIns="45717" rtlCol="0" anchor="ctr">
-            <a:noAutofit/>
-          </a:bodyPr>
+        <p:style>
+          <a:lnRef idx="1">
+            <a:schemeClr val="accent1"/>
+          </a:lnRef>
+          <a:fillRef idx="3">
+            <a:schemeClr val="accent1"/>
+          </a:fillRef>
+          <a:effectRef idx="2">
+            <a:schemeClr val="accent1"/>
+          </a:effectRef>
+          <a:fontRef idx="minor">
+            <a:schemeClr val="lt1"/>
+          </a:fontRef>
+        </p:style>
+        <p:txBody>
+          <a:bodyPr lIns="0" rIns="0" rtlCol="0" anchor="ctr"/>
           <a:lstStyle/>
           <a:p>
-            <a:r>
-              <a:rPr lang="en-US" dirty="0"/>
-              <a:t>Master title style</a:t>
-            </a:r>
-          </a:p>
-        </p:txBody>
-      </p:sp>
-      <p:sp>
-        <p:nvSpPr>
-          <p:cNvPr id="3" name="Text Placeholder 2"/>
-          <p:cNvSpPr>
-            <a:spLocks noGrp="1"/>
-          </p:cNvSpPr>
-          <p:nvPr>
-            <p:ph type="body" idx="1"/>
-          </p:nvPr>
-        </p:nvSpPr>
-        <p:spPr>
-          <a:xfrm>
-            <a:off x="637780" y="1121384"/>
-            <a:ext cx="10887473" cy="4949008"/>
-          </a:xfrm>
-          <a:prstGeom prst="rect">
-            <a:avLst/>
-          </a:prstGeom>
-        </p:spPr>
-        <p:txBody>
-          <a:bodyPr vert="horz" lIns="0" tIns="45717" rIns="0" bIns="45717" rtlCol="0">
-            <a:noAutofit/>
-          </a:bodyPr>
-          <a:lstStyle/>
-          <a:p>
-            <a:pPr lvl="0"/>
-            <a:r>
-              <a:rPr lang="en-US" dirty="0"/>
-              <a:t>Master text styles</a:t>
-            </a:r>
-          </a:p>
-          <a:p>
-            <a:pPr lvl="1"/>
-            <a:r>
-              <a:rPr lang="en-US" dirty="0"/>
-              <a:t>Second level</a:t>
-            </a:r>
-          </a:p>
-          <a:p>
-            <a:pPr lvl="2"/>
-            <a:r>
-              <a:rPr lang="en-US" dirty="0"/>
-              <a:t>Third level</a:t>
-            </a:r>
-          </a:p>
-          <a:p>
-            <a:pPr lvl="3"/>
-            <a:r>
-              <a:rPr lang="en-US" dirty="0"/>
-              <a:t>Fourth level</a:t>
-            </a:r>
-          </a:p>
-        </p:txBody>
-      </p:sp>
-      <p:sp>
-        <p:nvSpPr>
-          <p:cNvPr id="4" name="TextBox 3"/>
-          <p:cNvSpPr txBox="1"/>
-          <p:nvPr/>
-        </p:nvSpPr>
-        <p:spPr>
-          <a:xfrm>
-            <a:off x="5858545" y="6344219"/>
-            <a:ext cx="474916" cy="276999"/>
-          </a:xfrm>
-          <a:prstGeom prst="rect">
-            <a:avLst/>
-          </a:prstGeom>
-        </p:spPr>
-        <p:txBody>
-          <a:bodyPr vert="horz" lIns="121913" tIns="60956" rIns="121913" bIns="60956" rtlCol="0" anchor="ctr"/>
-          <a:lstStyle>
-            <a:defPPr>
-              <a:defRPr lang="en-US"/>
-            </a:defPPr>
-            <a:lvl1pPr algn="ctr">
-              <a:defRPr sz="1200">
-                <a:solidFill>
-                  <a:schemeClr val="tx1">
-                    <a:tint val="75000"/>
-                  </a:schemeClr>
-                </a:solidFill>
-                <a:latin typeface="Univers LT Std 45 Light"/>
-                <a:cs typeface="Univers LT Std 45 Light"/>
-              </a:defRPr>
-            </a:lvl1pPr>
-          </a:lstStyle>
-          <a:p>
-            <a:fld id="{C53BE2A3-E884-4DA2-864E-54215D46267C}" type="slidenum">
-              <a:rPr lang="en-US" sz="1467" smtClean="0">
-                <a:solidFill>
-                  <a:schemeClr val="bg1"/>
-                </a:solidFill>
-              </a:rPr>
-              <a:pPr/>
-              <a:t>‹#›</a:t>
-            </a:fld>
-            <a:endParaRPr lang="en-US" sz="1467" dirty="0">
-              <a:solidFill>
-                <a:schemeClr val="bg1"/>
-              </a:solidFill>
+            <a:pPr algn="ctr"/>
+            <a:endParaRPr lang="en-US" sz="2400">
+              <a:latin typeface="+mn-lt"/>
             </a:endParaRPr>
-          </a:p>
-        </p:txBody>
-      </p:sp>
-      <p:sp>
-        <p:nvSpPr>
-          <p:cNvPr id="10" name="TextBox 9"/>
-          <p:cNvSpPr txBox="1"/>
-          <p:nvPr/>
-        </p:nvSpPr>
-        <p:spPr>
-          <a:xfrm>
-            <a:off x="467319" y="6330951"/>
-            <a:ext cx="861979" cy="369332"/>
-          </a:xfrm>
-          <a:prstGeom prst="rect">
-            <a:avLst/>
-          </a:prstGeom>
-          <a:noFill/>
-        </p:spPr>
-        <p:txBody>
-          <a:bodyPr wrap="none" rtlCol="0">
-            <a:noAutofit/>
-          </a:bodyPr>
-          <a:lstStyle/>
-          <a:p>
-            <a:r>
-              <a:rPr lang="en-US" sz="1600" b="0" i="0" dirty="0">
-                <a:solidFill>
-                  <a:prstClr val="black"/>
-                </a:solidFill>
-                <a:latin typeface="Univers LT Std 45 Light"/>
-                <a:cs typeface="Univers LT Std 45 Light"/>
-              </a:rPr>
-              <a:t>ni.com</a:t>
-            </a:r>
           </a:p>
         </p:txBody>
       </p:sp>
     </p:spTree>
     <p:extLst>
       <p:ext uri="{BB962C8B-B14F-4D97-AF65-F5344CB8AC3E}">
-        <p14:creationId xmlns:p14="http://schemas.microsoft.com/office/powerpoint/2010/main" val="4051462025"/>
+        <p14:creationId xmlns:p14="http://schemas.microsoft.com/office/powerpoint/2010/main" val="450002550"/>
       </p:ext>
     </p:extLst>
   </p:cSld>
   <p:clrMap bg1="lt1" tx1="dk1" bg2="lt2" tx2="dk2" accent1="accent1" accent2="accent2" accent3="accent3" accent4="accent4" accent5="accent5" accent6="accent6" hlink="hlink" folHlink="folHlink"/>
   <p:sldLayoutIdLst>
-    <p:sldLayoutId id="2147483661" r:id="rId1"/>
-    <p:sldLayoutId id="2147483662" r:id="rId2"/>
-    <p:sldLayoutId id="2147483663" r:id="rId3"/>
-    <p:sldLayoutId id="2147483664" r:id="rId4"/>
-    <p:sldLayoutId id="2147483665" r:id="rId5"/>
-    <p:sldLayoutId id="2147483666" r:id="rId6"/>
-    <p:sldLayoutId id="2147483667" r:id="rId7"/>
-    <p:sldLayoutId id="2147483668" r:id="rId8"/>
-    <p:sldLayoutId id="2147483669" r:id="rId9"/>
-    <p:sldLayoutId id="2147483670" r:id="rId10"/>
-    <p:sldLayoutId id="2147483671" r:id="rId11"/>
-    <p:sldLayoutId id="2147483672" r:id="rId12"/>
-    <p:sldLayoutId id="2147483673" r:id="rId13"/>
+    <p:sldLayoutId id="2147483675" r:id="rId1"/>
+    <p:sldLayoutId id="2147483676" r:id="rId2"/>
+    <p:sldLayoutId id="2147483677" r:id="rId3"/>
+    <p:sldLayoutId id="2147483678" r:id="rId4"/>
+    <p:sldLayoutId id="2147483679" r:id="rId5"/>
+    <p:sldLayoutId id="2147483680" r:id="rId6"/>
+    <p:sldLayoutId id="2147483681" r:id="rId7"/>
+    <p:sldLayoutId id="2147483682" r:id="rId8"/>
+    <p:sldLayoutId id="2147483683" r:id="rId9"/>
+    <p:sldLayoutId id="2147483684" r:id="rId10"/>
+    <p:sldLayoutId id="2147483685" r:id="rId11"/>
+    <p:sldLayoutId id="2147483686" r:id="rId12"/>
+    <p:sldLayoutId id="2147483687" r:id="rId13"/>
+    <p:sldLayoutId id="2147483688" r:id="rId14"/>
+    <p:sldLayoutId id="2147483689" r:id="rId15"/>
+    <p:sldLayoutId id="2147483690" r:id="rId16"/>
+    <p:sldLayoutId id="2147483691" r:id="rId17"/>
+    <p:sldLayoutId id="2147483692" r:id="rId18"/>
+    <p:sldLayoutId id="2147483693" r:id="rId19"/>
+    <p:sldLayoutId id="2147483694" r:id="rId20"/>
+    <p:sldLayoutId id="2147483695" r:id="rId21"/>
+    <p:sldLayoutId id="2147483696" r:id="rId22"/>
+    <p:sldLayoutId id="2147483697" r:id="rId23"/>
+    <p:sldLayoutId id="2147483698" r:id="rId24"/>
   </p:sldLayoutIdLst>
   <p:txStyles>
     <p:titleStyle>
-      <a:lvl1pPr algn="l" defTabSz="609550" rtl="0" eaLnBrk="1" latinLnBrk="0" hangingPunct="1">
+      <a:lvl1pPr algn="l" defTabSz="1219170" rtl="0" eaLnBrk="1" latinLnBrk="0" hangingPunct="1">
+        <a:lnSpc>
+          <a:spcPct val="90000"/>
+        </a:lnSpc>
         <a:spcBef>
           <a:spcPct val="0"/>
         </a:spcBef>
         <a:buNone/>
-        <a:defRPr sz="3733" b="0" i="0" kern="1200" spc="-67">
-          <a:solidFill>
-            <a:schemeClr val="accent1"/>
-          </a:solidFill>
-          <a:latin typeface="+mn-lt"/>
-          <a:ea typeface="+mj-ea"/>
-          <a:cs typeface="Univers LT Std 45 Light"/>
-        </a:defRPr>
-      </a:lvl1pPr>
-    </p:titleStyle>
-    <p:bodyStyle>
-      <a:lvl1pPr marL="230712" indent="-230712" algn="l" defTabSz="609550" rtl="0" eaLnBrk="1" latinLnBrk="0" hangingPunct="1">
-        <a:spcBef>
-          <a:spcPts val="764"/>
-        </a:spcBef>
-        <a:buClr>
-          <a:schemeClr val="bg1">
-            <a:lumMod val="50000"/>
-          </a:schemeClr>
-        </a:buClr>
-        <a:buSzPct val="70000"/>
-        <a:buFont typeface="Arial" pitchFamily="34" charset="0"/>
-        <a:buChar char="•"/>
-        <a:defRPr sz="2667" b="0" i="0" kern="1200">
+        <a:defRPr sz="3200" b="0" i="0" kern="1000" spc="0" baseline="0">
           <a:solidFill>
             <a:schemeClr val="bg2">
               <a:lumMod val="25000"/>
             </a:schemeClr>
           </a:solidFill>
           <a:latin typeface="+mn-lt"/>
-          <a:ea typeface="+mn-ea"/>
-          <a:cs typeface="Univers LT Std 45 Light"/>
+          <a:ea typeface="Arial" charset="0"/>
+          <a:cs typeface="Arial" charset="0"/>
         </a:defRPr>
       </a:lvl1pPr>
-      <a:lvl2pPr marL="856832" indent="-248422" algn="l" defTabSz="609550" rtl="0" eaLnBrk="1" latinLnBrk="0" hangingPunct="1">
+    </p:titleStyle>
+    <p:bodyStyle>
+      <a:lvl1pPr marL="243834" marR="0" indent="-243834" algn="l" defTabSz="1219170" rtl="0" eaLnBrk="1" fontAlgn="auto" latinLnBrk="0" hangingPunct="1">
+        <a:lnSpc>
+          <a:spcPct val="100000"/>
+        </a:lnSpc>
         <a:spcBef>
-          <a:spcPct val="20000"/>
+          <a:spcPts val="533"/>
         </a:spcBef>
+        <a:spcAft>
+          <a:spcPts val="0"/>
+        </a:spcAft>
         <a:buClr>
-          <a:schemeClr val="bg1">
+          <a:schemeClr val="bg2">
             <a:lumMod val="50000"/>
           </a:schemeClr>
         </a:buClr>
         <a:buSzPct val="70000"/>
-        <a:buFont typeface="Arial"/>
-        <a:buChar char="•"/>
-        <a:defRPr sz="2400" b="0" i="0" kern="1200">
+        <a:buFont typeface="Wingdings" charset="2"/>
+        <a:buChar char="§"/>
+        <a:tabLst>
+          <a:tab pos="243834" algn="l"/>
+        </a:tabLst>
+        <a:defRPr lang="en-US" sz="2400" b="0" i="0" kern="1200" baseline="0" dirty="0" smtClean="0">
+          <a:solidFill>
+            <a:schemeClr val="bg2">
+              <a:lumMod val="25000"/>
+            </a:schemeClr>
+          </a:solidFill>
+          <a:latin typeface="+mn-lt"/>
+          <a:ea typeface="Arial" charset="0"/>
+          <a:cs typeface="Arial" charset="0"/>
+        </a:defRPr>
+      </a:lvl1pPr>
+      <a:lvl2pPr marL="609585" indent="-243834" algn="l" defTabSz="1219170" rtl="0" eaLnBrk="1" latinLnBrk="0" hangingPunct="1">
+        <a:lnSpc>
+          <a:spcPct val="90000"/>
+        </a:lnSpc>
+        <a:spcBef>
+          <a:spcPts val="667"/>
+        </a:spcBef>
+        <a:buClr>
+          <a:schemeClr val="bg2">
+            <a:lumMod val="50000"/>
+          </a:schemeClr>
+        </a:buClr>
+        <a:buSzPct val="70000"/>
+        <a:buFont typeface="Wingdings" charset="2"/>
+        <a:buChar char="§"/>
+        <a:defRPr lang="en-US" sz="2133" b="0" i="0" kern="1200" baseline="0" dirty="0" smtClean="0">
           <a:solidFill>
             <a:schemeClr val="bg2">
               <a:lumMod val="25000"/>
@@ -12761,19 +17085,22 @@
           <a:cs typeface="Univers LT Std 45 Light"/>
         </a:defRPr>
       </a:lvl2pPr>
-      <a:lvl3pPr marL="1442929" indent="-223133" algn="l" defTabSz="609550" rtl="0" eaLnBrk="1" latinLnBrk="0" hangingPunct="1">
+      <a:lvl3pPr marL="975336" indent="-243834" algn="l" defTabSz="1219170" rtl="0" eaLnBrk="1" latinLnBrk="0" hangingPunct="1">
+        <a:lnSpc>
+          <a:spcPct val="90000"/>
+        </a:lnSpc>
         <a:spcBef>
-          <a:spcPct val="20000"/>
+          <a:spcPts val="667"/>
         </a:spcBef>
         <a:buClr>
-          <a:schemeClr val="bg1">
+          <a:schemeClr val="bg2">
             <a:lumMod val="50000"/>
           </a:schemeClr>
         </a:buClr>
         <a:buSzPct val="70000"/>
-        <a:buFont typeface="Courier New"/>
-        <a:buChar char="o"/>
-        <a:defRPr sz="2133" b="0" i="0" kern="1200">
+        <a:buFont typeface="Wingdings" charset="2"/>
+        <a:buChar char="§"/>
+        <a:defRPr lang="en-US" sz="1867" b="0" i="0" kern="1200" baseline="0" dirty="0" smtClean="0">
           <a:solidFill>
             <a:schemeClr val="bg2">
               <a:lumMod val="25000"/>
@@ -12784,19 +17111,22 @@
           <a:cs typeface="Univers LT Std 45 Light"/>
         </a:defRPr>
       </a:lvl3pPr>
-      <a:lvl4pPr marL="2133427" indent="-304775" algn="l" defTabSz="609550" rtl="0" eaLnBrk="1" latinLnBrk="0" hangingPunct="1">
+      <a:lvl4pPr marL="1219170" indent="-243834" algn="l" defTabSz="1219170" rtl="0" eaLnBrk="1" latinLnBrk="0" hangingPunct="1">
+        <a:lnSpc>
+          <a:spcPct val="90000"/>
+        </a:lnSpc>
         <a:spcBef>
-          <a:spcPct val="20000"/>
+          <a:spcPts val="667"/>
         </a:spcBef>
         <a:buClr>
-          <a:schemeClr val="bg1">
+          <a:schemeClr val="bg2">
             <a:lumMod val="50000"/>
           </a:schemeClr>
         </a:buClr>
         <a:buSzPct val="70000"/>
-        <a:buFont typeface="Arial"/>
-        <a:buChar char="–"/>
-        <a:defRPr sz="1733" b="0" i="0" kern="1200">
+        <a:buFont typeface="Wingdings" charset="2"/>
+        <a:buChar char="§"/>
+        <a:defRPr lang="en-US" sz="1600" b="0" i="0" kern="1200" baseline="0" dirty="0" smtClean="0">
           <a:solidFill>
             <a:schemeClr val="bg2">
               <a:lumMod val="25000"/>
@@ -12807,34 +17137,36 @@
           <a:cs typeface="Univers LT Std 45 Light"/>
         </a:defRPr>
       </a:lvl4pPr>
-      <a:lvl5pPr marL="2438203" indent="0" algn="l" defTabSz="609550" rtl="0" eaLnBrk="1" latinLnBrk="0" hangingPunct="1">
+      <a:lvl5pPr marL="2438339" indent="0" algn="l" defTabSz="1219170" rtl="0" eaLnBrk="1" latinLnBrk="0" hangingPunct="1">
+        <a:lnSpc>
+          <a:spcPct val="90000"/>
+        </a:lnSpc>
         <a:spcBef>
-          <a:spcPct val="20000"/>
+          <a:spcPts val="667"/>
         </a:spcBef>
-        <a:buClr>
-          <a:schemeClr val="bg1">
-            <a:lumMod val="50000"/>
-          </a:schemeClr>
-        </a:buClr>
-        <a:buSzPct val="70000"/>
         <a:buFont typeface="Arial"/>
         <a:buNone/>
-        <a:defRPr sz="2667" kern="1200">
+        <a:defRPr sz="2133" b="0" i="0" kern="1200" baseline="0">
           <a:solidFill>
-            <a:schemeClr val="tx1"/>
+            <a:schemeClr val="bg2">
+              <a:lumMod val="25000"/>
+            </a:schemeClr>
           </a:solidFill>
-          <a:latin typeface="Arial"/>
-          <a:ea typeface="+mn-ea"/>
-          <a:cs typeface="Arial"/>
+          <a:latin typeface="Helvetica Neue Light" charset="0"/>
+          <a:ea typeface="Helvetica Neue Light" charset="0"/>
+          <a:cs typeface="Helvetica Neue Light" charset="0"/>
         </a:defRPr>
       </a:lvl5pPr>
-      <a:lvl6pPr marL="3352528" indent="-304775" algn="l" defTabSz="609550" rtl="0" eaLnBrk="1" latinLnBrk="0" hangingPunct="1">
+      <a:lvl6pPr marL="3352716" indent="-304792" algn="l" defTabSz="1219170" rtl="0" eaLnBrk="1" latinLnBrk="0" hangingPunct="1">
+        <a:lnSpc>
+          <a:spcPct val="90000"/>
+        </a:lnSpc>
         <a:spcBef>
-          <a:spcPct val="20000"/>
+          <a:spcPts val="667"/>
         </a:spcBef>
         <a:buFont typeface="Arial"/>
         <a:buChar char="•"/>
-        <a:defRPr sz="2667" kern="1200">
+        <a:defRPr sz="2400" kern="1200">
           <a:solidFill>
             <a:schemeClr val="tx1"/>
           </a:solidFill>
@@ -12843,13 +17175,16 @@
           <a:cs typeface="+mn-cs"/>
         </a:defRPr>
       </a:lvl6pPr>
-      <a:lvl7pPr marL="3962078" indent="-304775" algn="l" defTabSz="609550" rtl="0" eaLnBrk="1" latinLnBrk="0" hangingPunct="1">
+      <a:lvl7pPr marL="3962301" indent="-304792" algn="l" defTabSz="1219170" rtl="0" eaLnBrk="1" latinLnBrk="0" hangingPunct="1">
+        <a:lnSpc>
+          <a:spcPct val="90000"/>
+        </a:lnSpc>
         <a:spcBef>
-          <a:spcPct val="20000"/>
+          <a:spcPts val="667"/>
         </a:spcBef>
         <a:buFont typeface="Arial"/>
         <a:buChar char="•"/>
-        <a:defRPr sz="2667" kern="1200">
+        <a:defRPr sz="2400" kern="1200">
           <a:solidFill>
             <a:schemeClr val="tx1"/>
           </a:solidFill>
@@ -12858,13 +17193,16 @@
           <a:cs typeface="+mn-cs"/>
         </a:defRPr>
       </a:lvl7pPr>
-      <a:lvl8pPr marL="4571628" indent="-304775" algn="l" defTabSz="609550" rtl="0" eaLnBrk="1" latinLnBrk="0" hangingPunct="1">
+      <a:lvl8pPr marL="4571886" indent="-304792" algn="l" defTabSz="1219170" rtl="0" eaLnBrk="1" latinLnBrk="0" hangingPunct="1">
+        <a:lnSpc>
+          <a:spcPct val="90000"/>
+        </a:lnSpc>
         <a:spcBef>
-          <a:spcPct val="20000"/>
+          <a:spcPts val="667"/>
         </a:spcBef>
         <a:buFont typeface="Arial"/>
         <a:buChar char="•"/>
-        <a:defRPr sz="2667" kern="1200">
+        <a:defRPr sz="2400" kern="1200">
           <a:solidFill>
             <a:schemeClr val="tx1"/>
           </a:solidFill>
@@ -12873,13 +17211,16 @@
           <a:cs typeface="+mn-cs"/>
         </a:defRPr>
       </a:lvl8pPr>
-      <a:lvl9pPr marL="5181178" indent="-304775" algn="l" defTabSz="609550" rtl="0" eaLnBrk="1" latinLnBrk="0" hangingPunct="1">
+      <a:lvl9pPr marL="5181470" indent="-304792" algn="l" defTabSz="1219170" rtl="0" eaLnBrk="1" latinLnBrk="0" hangingPunct="1">
+        <a:lnSpc>
+          <a:spcPct val="90000"/>
+        </a:lnSpc>
         <a:spcBef>
-          <a:spcPct val="20000"/>
+          <a:spcPts val="667"/>
         </a:spcBef>
         <a:buFont typeface="Arial"/>
         <a:buChar char="•"/>
-        <a:defRPr sz="2667" kern="1200">
+        <a:defRPr sz="2400" kern="1200">
           <a:solidFill>
             <a:schemeClr val="tx1"/>
           </a:solidFill>
@@ -12893,7 +17234,7 @@
       <a:defPPr>
         <a:defRPr lang="en-US"/>
       </a:defPPr>
-      <a:lvl1pPr marL="0" algn="l" defTabSz="609550" rtl="0" eaLnBrk="1" latinLnBrk="0" hangingPunct="1">
+      <a:lvl1pPr marL="0" algn="l" defTabSz="1219170" rtl="0" eaLnBrk="1" latinLnBrk="0" hangingPunct="1">
         <a:defRPr sz="2400" kern="1200">
           <a:solidFill>
             <a:schemeClr val="tx1"/>
@@ -12903,7 +17244,7 @@
           <a:cs typeface="+mn-cs"/>
         </a:defRPr>
       </a:lvl1pPr>
-      <a:lvl2pPr marL="609550" algn="l" defTabSz="609550" rtl="0" eaLnBrk="1" latinLnBrk="0" hangingPunct="1">
+      <a:lvl2pPr marL="609585" algn="l" defTabSz="1219170" rtl="0" eaLnBrk="1" latinLnBrk="0" hangingPunct="1">
         <a:defRPr sz="2400" kern="1200">
           <a:solidFill>
             <a:schemeClr val="tx1"/>
@@ -12913,7 +17254,7 @@
           <a:cs typeface="+mn-cs"/>
         </a:defRPr>
       </a:lvl2pPr>
-      <a:lvl3pPr marL="1219100" algn="l" defTabSz="609550" rtl="0" eaLnBrk="1" latinLnBrk="0" hangingPunct="1">
+      <a:lvl3pPr marL="1219170" algn="l" defTabSz="1219170" rtl="0" eaLnBrk="1" latinLnBrk="0" hangingPunct="1">
         <a:defRPr sz="2400" kern="1200">
           <a:solidFill>
             <a:schemeClr val="tx1"/>
@@ -12923,7 +17264,7 @@
           <a:cs typeface="+mn-cs"/>
         </a:defRPr>
       </a:lvl3pPr>
-      <a:lvl4pPr marL="1828652" algn="l" defTabSz="609550" rtl="0" eaLnBrk="1" latinLnBrk="0" hangingPunct="1">
+      <a:lvl4pPr marL="1828754" algn="l" defTabSz="1219170" rtl="0" eaLnBrk="1" latinLnBrk="0" hangingPunct="1">
         <a:defRPr sz="2400" kern="1200">
           <a:solidFill>
             <a:schemeClr val="tx1"/>
@@ -12933,7 +17274,7 @@
           <a:cs typeface="+mn-cs"/>
         </a:defRPr>
       </a:lvl4pPr>
-      <a:lvl5pPr marL="2438203" algn="l" defTabSz="609550" rtl="0" eaLnBrk="1" latinLnBrk="0" hangingPunct="1">
+      <a:lvl5pPr marL="2438339" algn="l" defTabSz="1219170" rtl="0" eaLnBrk="1" latinLnBrk="0" hangingPunct="1">
         <a:defRPr sz="2400" kern="1200">
           <a:solidFill>
             <a:schemeClr val="tx1"/>
@@ -12943,7 +17284,7 @@
           <a:cs typeface="+mn-cs"/>
         </a:defRPr>
       </a:lvl5pPr>
-      <a:lvl6pPr marL="3047753" algn="l" defTabSz="609550" rtl="0" eaLnBrk="1" latinLnBrk="0" hangingPunct="1">
+      <a:lvl6pPr marL="3047924" algn="l" defTabSz="1219170" rtl="0" eaLnBrk="1" latinLnBrk="0" hangingPunct="1">
         <a:defRPr sz="2400" kern="1200">
           <a:solidFill>
             <a:schemeClr val="tx1"/>
@@ -12953,7 +17294,7 @@
           <a:cs typeface="+mn-cs"/>
         </a:defRPr>
       </a:lvl6pPr>
-      <a:lvl7pPr marL="3657303" algn="l" defTabSz="609550" rtl="0" eaLnBrk="1" latinLnBrk="0" hangingPunct="1">
+      <a:lvl7pPr marL="3657509" algn="l" defTabSz="1219170" rtl="0" eaLnBrk="1" latinLnBrk="0" hangingPunct="1">
         <a:defRPr sz="2400" kern="1200">
           <a:solidFill>
             <a:schemeClr val="tx1"/>
@@ -12963,7 +17304,7 @@
           <a:cs typeface="+mn-cs"/>
         </a:defRPr>
       </a:lvl7pPr>
-      <a:lvl8pPr marL="4266853" algn="l" defTabSz="609550" rtl="0" eaLnBrk="1" latinLnBrk="0" hangingPunct="1">
+      <a:lvl8pPr marL="4267093" algn="l" defTabSz="1219170" rtl="0" eaLnBrk="1" latinLnBrk="0" hangingPunct="1">
         <a:defRPr sz="2400" kern="1200">
           <a:solidFill>
             <a:schemeClr val="tx1"/>
@@ -12973,7 +17314,7 @@
           <a:cs typeface="+mn-cs"/>
         </a:defRPr>
       </a:lvl8pPr>
-      <a:lvl9pPr marL="4876403" algn="l" defTabSz="609550" rtl="0" eaLnBrk="1" latinLnBrk="0" hangingPunct="1">
+      <a:lvl9pPr marL="4876678" algn="l" defTabSz="1219170" rtl="0" eaLnBrk="1" latinLnBrk="0" hangingPunct="1">
         <a:defRPr sz="2400" kern="1200">
           <a:solidFill>
             <a:schemeClr val="tx1"/>
@@ -12985,6 +17326,47 @@
       </a:lvl9pPr>
     </p:otherStyle>
   </p:txStyles>
+  <p:extLst mod="1">
+    <p:ext uri="{27BBF7A9-308A-43DC-89C8-2F10F3537804}">
+      <p15:sldGuideLst xmlns:p15="http://schemas.microsoft.com/office/powerpoint/2012/main">
+        <p15:guide id="2" pos="286">
+          <p15:clr>
+            <a:srgbClr val="F26B43"/>
+          </p15:clr>
+        </p15:guide>
+        <p15:guide id="3" pos="5473">
+          <p15:clr>
+            <a:srgbClr val="F26B43"/>
+          </p15:clr>
+        </p15:guide>
+        <p15:guide id="4" orient="horz" pos="378">
+          <p15:clr>
+            <a:srgbClr val="F26B43"/>
+          </p15:clr>
+        </p15:guide>
+        <p15:guide id="5" orient="horz" pos="630">
+          <p15:clr>
+            <a:srgbClr val="F26B43"/>
+          </p15:clr>
+        </p15:guide>
+        <p15:guide id="6" orient="horz" pos="2774">
+          <p15:clr>
+            <a:srgbClr val="F26B43"/>
+          </p15:clr>
+        </p15:guide>
+        <p15:guide id="7" orient="horz" pos="3118">
+          <p15:clr>
+            <a:srgbClr val="F26B43"/>
+          </p15:clr>
+        </p15:guide>
+        <p15:guide id="8" orient="horz" pos="2988">
+          <p15:clr>
+            <a:srgbClr val="F26B43"/>
+          </p15:clr>
+        </p15:guide>
+      </p15:sldGuideLst>
+    </p:ext>
+  </p:extLst>
 </p:sldMaster>
 </file>
 
@@ -13151,7 +17533,7 @@
             <a:spLocks noGrp="1"/>
           </p:cNvSpPr>
           <p:nvPr>
-            <p:ph sz="half" idx="2"/>
+            <p:ph sz="half" idx="1"/>
           </p:nvPr>
         </p:nvSpPr>
         <p:spPr>
@@ -14257,7 +18639,7 @@
           <a:p>
             <a:r>
               <a:rPr lang="en-US" dirty="0"/>
-              <a:t>Why to Use Classes?</a:t>
+              <a:t>Why Use Classes?</a:t>
             </a:r>
           </a:p>
         </p:txBody>
@@ -14416,7 +18798,7 @@
         </p:blipFill>
         <p:spPr>
           <a:xfrm>
-            <a:off x="6846887" y="3036887"/>
+            <a:off x="6849269" y="3013869"/>
             <a:ext cx="4086225" cy="1123950"/>
           </a:xfrm>
           <a:prstGeom prst="rect">
@@ -15277,7 +19659,7 @@
         </p:blipFill>
         <p:spPr>
           <a:xfrm>
-            <a:off x="742156" y="1389062"/>
+            <a:off x="718344" y="1366044"/>
             <a:ext cx="5162550" cy="4419600"/>
           </a:xfrm>
           <a:prstGeom prst="rect">
@@ -15303,7 +19685,7 @@
         </p:blipFill>
         <p:spPr>
           <a:xfrm>
-            <a:off x="6256337" y="1452034"/>
+            <a:off x="6258719" y="1361281"/>
             <a:ext cx="5267325" cy="4429125"/>
           </a:xfrm>
           <a:prstGeom prst="rect">
@@ -15370,7 +19752,7 @@
             <a:picLocks noGrp="1" noChangeAspect="1"/>
           </p:cNvPicPr>
           <p:nvPr>
-            <p:ph sz="half" idx="2"/>
+            <p:ph sz="half" idx="1"/>
           </p:nvPr>
         </p:nvPicPr>
         <p:blipFill>
@@ -15458,28 +19840,6 @@
           </a:p>
         </p:txBody>
       </p:sp>
-      <p:sp>
-        <p:nvSpPr>
-          <p:cNvPr id="2" name="Title 1"/>
-          <p:cNvSpPr>
-            <a:spLocks noGrp="1"/>
-          </p:cNvSpPr>
-          <p:nvPr>
-            <p:ph type="title"/>
-          </p:nvPr>
-        </p:nvSpPr>
-        <p:spPr/>
-        <p:txBody>
-          <a:bodyPr/>
-          <a:lstStyle/>
-          <a:p>
-            <a:r>
-              <a:rPr lang="en-US" dirty="0"/>
-              <a:t>More Specific and Less Specific</a:t>
-            </a:r>
-          </a:p>
-        </p:txBody>
-      </p:sp>
       <p:pic>
         <p:nvPicPr>
           <p:cNvPr id="5" name="Content Placeholder 4"/>
@@ -15506,6 +19866,28 @@
           </a:prstGeom>
         </p:spPr>
       </p:pic>
+      <p:sp>
+        <p:nvSpPr>
+          <p:cNvPr id="2" name="Title 1"/>
+          <p:cNvSpPr>
+            <a:spLocks noGrp="1"/>
+          </p:cNvSpPr>
+          <p:nvPr>
+            <p:ph type="title"/>
+          </p:nvPr>
+        </p:nvSpPr>
+        <p:spPr/>
+        <p:txBody>
+          <a:bodyPr/>
+          <a:lstStyle/>
+          <a:p>
+            <a:r>
+              <a:rPr lang="en-US" dirty="0"/>
+              <a:t>More Specific and Less Specific</a:t>
+            </a:r>
+          </a:p>
+        </p:txBody>
+      </p:sp>
     </p:spTree>
     <p:extLst>
       <p:ext uri="{BB962C8B-B14F-4D97-AF65-F5344CB8AC3E}">
@@ -15585,11 +19967,13 @@
       </p:sp>
       <p:pic>
         <p:nvPicPr>
-          <p:cNvPr id="2" name="Picture 1"/>
+          <p:cNvPr id="9" name="Content Placeholder 8"/>
           <p:cNvPicPr>
-            <a:picLocks noChangeAspect="1"/>
+            <a:picLocks noGrp="1" noChangeAspect="1"/>
           </p:cNvPicPr>
-          <p:nvPr/>
+          <p:nvPr>
+            <p:ph sz="half" idx="2"/>
+          </p:nvPr>
         </p:nvPicPr>
         <p:blipFill>
           <a:blip r:embed="rId3"/>
@@ -15599,8 +19983,8 @@
         </p:blipFill>
         <p:spPr>
           <a:xfrm>
-            <a:off x="1342598" y="3073448"/>
-            <a:ext cx="3961262" cy="1051535"/>
+            <a:off x="7114107" y="965906"/>
+            <a:ext cx="3529207" cy="4949825"/>
           </a:xfrm>
           <a:prstGeom prst="rect">
             <a:avLst/>
@@ -15609,13 +19993,11 @@
       </p:pic>
       <p:pic>
         <p:nvPicPr>
-          <p:cNvPr id="9" name="Content Placeholder 8"/>
+          <p:cNvPr id="2" name="Picture 1"/>
           <p:cNvPicPr>
-            <a:picLocks noGrp="1" noChangeAspect="1"/>
+            <a:picLocks noChangeAspect="1"/>
           </p:cNvPicPr>
-          <p:nvPr>
-            <p:ph sz="half" idx="2"/>
-          </p:nvPr>
+          <p:nvPr/>
         </p:nvPicPr>
         <p:blipFill>
           <a:blip r:embed="rId4"/>
@@ -15625,8 +20007,8 @@
         </p:blipFill>
         <p:spPr>
           <a:xfrm>
-            <a:off x="7114107" y="965906"/>
-            <a:ext cx="3529207" cy="4949825"/>
+            <a:off x="1342598" y="3073448"/>
+            <a:ext cx="3961262" cy="1051535"/>
           </a:xfrm>
           <a:prstGeom prst="rect">
             <a:avLst/>
@@ -16274,12 +20656,12 @@
       </p:sp>
       <p:pic>
         <p:nvPicPr>
-          <p:cNvPr id="6" name="Content Placeholder 5"/>
+          <p:cNvPr id="8" name="Content Placeholder 7"/>
           <p:cNvPicPr>
             <a:picLocks noGrp="1" noChangeAspect="1"/>
           </p:cNvPicPr>
           <p:nvPr>
-            <p:ph sz="half" idx="2"/>
+            <p:ph sz="half" idx="1"/>
           </p:nvPr>
         </p:nvPicPr>
         <p:blipFill>
@@ -16290,8 +20672,8 @@
         </p:blipFill>
         <p:spPr>
           <a:xfrm>
-            <a:off x="6197600" y="1576057"/>
-            <a:ext cx="5384800" cy="4045611"/>
+            <a:off x="604838" y="1550378"/>
+            <a:ext cx="5389562" cy="4050932"/>
           </a:xfrm>
           <a:prstGeom prst="rect">
             <a:avLst/>
@@ -16300,12 +20682,12 @@
       </p:pic>
       <p:pic>
         <p:nvPicPr>
-          <p:cNvPr id="8" name="Content Placeholder 7"/>
+          <p:cNvPr id="6" name="Content Placeholder 5"/>
           <p:cNvPicPr>
             <a:picLocks noGrp="1" noChangeAspect="1"/>
           </p:cNvPicPr>
           <p:nvPr>
-            <p:ph sz="half" idx="1"/>
+            <p:ph sz="half" idx="2"/>
           </p:nvPr>
         </p:nvPicPr>
         <p:blipFill>
@@ -16316,8 +20698,8 @@
         </p:blipFill>
         <p:spPr>
           <a:xfrm>
-            <a:off x="638175" y="1580555"/>
-            <a:ext cx="5370513" cy="4036614"/>
+            <a:off x="6197600" y="1551249"/>
+            <a:ext cx="5389563" cy="4049189"/>
           </a:xfrm>
           <a:prstGeom prst="rect">
             <a:avLst/>
@@ -16394,8 +20776,8 @@
         </p:blipFill>
         <p:spPr>
           <a:xfrm>
-            <a:off x="638175" y="1582321"/>
-            <a:ext cx="5370513" cy="4033082"/>
+            <a:off x="604838" y="1552150"/>
+            <a:ext cx="5389562" cy="4047387"/>
           </a:xfrm>
           <a:prstGeom prst="rect">
             <a:avLst/>
@@ -16420,8 +20802,8 @@
         </p:blipFill>
         <p:spPr>
           <a:xfrm>
-            <a:off x="6197600" y="1586822"/>
-            <a:ext cx="5384800" cy="4024080"/>
+            <a:off x="6197600" y="1562024"/>
+            <a:ext cx="5389563" cy="4027639"/>
           </a:xfrm>
           <a:prstGeom prst="rect">
             <a:avLst/>
@@ -16598,8 +20980,8 @@
         </p:blipFill>
         <p:spPr>
           <a:xfrm>
-            <a:off x="1172901" y="1123950"/>
-            <a:ext cx="4301061" cy="4949825"/>
+            <a:off x="1039423" y="974725"/>
+            <a:ext cx="4520391" cy="5202238"/>
           </a:xfrm>
           <a:prstGeom prst="rect">
             <a:avLst/>
@@ -16624,8 +21006,8 @@
         </p:blipFill>
         <p:spPr>
           <a:xfrm>
-            <a:off x="7220012" y="1123950"/>
-            <a:ext cx="3339975" cy="4949825"/>
+            <a:off x="7173119" y="1027906"/>
+            <a:ext cx="3438525" cy="5095875"/>
           </a:xfrm>
           <a:prstGeom prst="rect">
             <a:avLst/>
@@ -16686,12 +21068,12 @@
       </p:sp>
       <p:pic>
         <p:nvPicPr>
-          <p:cNvPr id="11" name="Content Placeholder 10"/>
+          <p:cNvPr id="10" name="Content Placeholder 9"/>
           <p:cNvPicPr>
             <a:picLocks noGrp="1" noChangeAspect="1"/>
           </p:cNvPicPr>
           <p:nvPr>
-            <p:ph sz="half" idx="2"/>
+            <p:ph sz="half" idx="1"/>
           </p:nvPr>
         </p:nvPicPr>
         <p:blipFill>
@@ -16702,8 +21084,8 @@
         </p:blipFill>
         <p:spPr>
           <a:xfrm>
-            <a:off x="6410633" y="1207547"/>
-            <a:ext cx="3709936" cy="4200605"/>
+            <a:off x="1053736" y="974725"/>
+            <a:ext cx="4491765" cy="5202238"/>
           </a:xfrm>
           <a:prstGeom prst="rect">
             <a:avLst/>
@@ -16712,12 +21094,12 @@
       </p:pic>
       <p:pic>
         <p:nvPicPr>
-          <p:cNvPr id="10" name="Content Placeholder 9"/>
+          <p:cNvPr id="11" name="Content Placeholder 10"/>
           <p:cNvPicPr>
             <a:picLocks noGrp="1" noChangeAspect="1"/>
           </p:cNvPicPr>
           <p:nvPr>
-            <p:ph sz="half" idx="1"/>
+            <p:ph sz="half" idx="2"/>
           </p:nvPr>
         </p:nvPicPr>
         <p:blipFill>
@@ -16728,8 +21110,8 @@
         </p:blipFill>
         <p:spPr>
           <a:xfrm>
-            <a:off x="1186519" y="1123950"/>
-            <a:ext cx="4273824" cy="4949825"/>
+            <a:off x="6410633" y="1207547"/>
+            <a:ext cx="3709936" cy="4200605"/>
           </a:xfrm>
           <a:prstGeom prst="rect">
             <a:avLst/>
@@ -17810,8 +22192,8 @@
         </p:blipFill>
         <p:spPr>
           <a:xfrm>
-            <a:off x="638175" y="1587539"/>
-            <a:ext cx="5370513" cy="4022646"/>
+            <a:off x="604838" y="1557386"/>
+            <a:ext cx="5389562" cy="4036915"/>
           </a:xfrm>
           <a:prstGeom prst="rect">
             <a:avLst/>
@@ -17836,8 +22218,8 @@
         </p:blipFill>
         <p:spPr>
           <a:xfrm>
-            <a:off x="6197600" y="1603417"/>
-            <a:ext cx="5384800" cy="3990891"/>
+            <a:off x="6197600" y="1578633"/>
+            <a:ext cx="5389563" cy="3994421"/>
           </a:xfrm>
           <a:prstGeom prst="rect">
             <a:avLst/>
@@ -17914,8 +22296,8 @@
         </p:blipFill>
         <p:spPr>
           <a:xfrm>
-            <a:off x="1186519" y="1123950"/>
-            <a:ext cx="4273824" cy="4949825"/>
+            <a:off x="1053736" y="974725"/>
+            <a:ext cx="4491765" cy="5202238"/>
           </a:xfrm>
           <a:prstGeom prst="rect">
             <a:avLst/>
@@ -18732,11 +23114,13 @@
       </p:sp>
       <p:pic>
         <p:nvPicPr>
-          <p:cNvPr id="9" name="Picture 8"/>
+          <p:cNvPr id="11" name="Content Placeholder 10"/>
           <p:cNvPicPr>
-            <a:picLocks noChangeAspect="1"/>
+            <a:picLocks noGrp="1" noChangeAspect="1"/>
           </p:cNvPicPr>
-          <p:nvPr/>
+          <p:nvPr>
+            <p:ph sz="half" idx="1"/>
+          </p:nvPr>
         </p:nvPicPr>
         <p:blipFill>
           <a:blip r:embed="rId3"/>
@@ -18746,8 +23130,8 @@
         </p:blipFill>
         <p:spPr>
           <a:xfrm>
-            <a:off x="6580822" y="978334"/>
-            <a:ext cx="2962275" cy="2552700"/>
+            <a:off x="920274" y="1014053"/>
+            <a:ext cx="4714875" cy="2609850"/>
           </a:xfrm>
           <a:prstGeom prst="rect">
             <a:avLst/>
@@ -18756,13 +23140,11 @@
       </p:pic>
       <p:pic>
         <p:nvPicPr>
-          <p:cNvPr id="11" name="Content Placeholder 10"/>
+          <p:cNvPr id="9" name="Picture 8"/>
           <p:cNvPicPr>
-            <a:picLocks noGrp="1" noChangeAspect="1"/>
+            <a:picLocks noChangeAspect="1"/>
           </p:cNvPicPr>
-          <p:nvPr>
-            <p:ph sz="half" idx="1"/>
-          </p:nvPr>
+          <p:nvPr/>
         </p:nvPicPr>
         <p:blipFill>
           <a:blip r:embed="rId4"/>
@@ -18772,8 +23154,8 @@
         </p:blipFill>
         <p:spPr>
           <a:xfrm>
-            <a:off x="920274" y="1014053"/>
-            <a:ext cx="4714875" cy="2609850"/>
+            <a:off x="6580822" y="978334"/>
+            <a:ext cx="2962275" cy="2552700"/>
           </a:xfrm>
           <a:prstGeom prst="rect">
             <a:avLst/>
@@ -18997,14 +23379,14 @@
 </file>
 
 <file path=ppt/theme/theme1.xml><?xml version="1.0" encoding="utf-8"?>
-<a:theme xmlns:a="http://schemas.openxmlformats.org/drawingml/2006/main" name="21258_NIWeek_2015_PPT_Template">
+<a:theme xmlns:a="http://schemas.openxmlformats.org/drawingml/2006/main" name="NIExTemplate">
   <a:themeElements>
-    <a:clrScheme name="National Instruments">
+    <a:clrScheme name="Corporate Colors Template">
       <a:dk1>
-        <a:sysClr val="windowText" lastClr="000000"/>
+        <a:srgbClr val="000000"/>
       </a:dk1>
       <a:lt1>
-        <a:sysClr val="window" lastClr="FFFFFF"/>
+        <a:srgbClr val="FFFFFF"/>
       </a:lt1>
       <a:dk2>
         <a:srgbClr val="0A60A3"/>
@@ -19016,37 +23398,97 @@
         <a:srgbClr val="0A60A3"/>
       </a:accent1>
       <a:accent2>
-        <a:srgbClr val="93191A"/>
+        <a:srgbClr val="F15A22"/>
       </a:accent2>
       <a:accent3>
-        <a:srgbClr val="79B04E"/>
+        <a:srgbClr val="009800"/>
       </a:accent3>
       <a:accent4>
-        <a:srgbClr val="EDB72E"/>
+        <a:srgbClr val="FEC313"/>
       </a:accent4>
       <a:accent5>
-        <a:srgbClr val="73AED9"/>
+        <a:srgbClr val="86BCDD"/>
       </a:accent5>
       <a:accent6>
-        <a:srgbClr val="DE8C2D"/>
+        <a:srgbClr val="6A4686"/>
       </a:accent6>
       <a:hlink>
-        <a:srgbClr val="0A60A3"/>
+        <a:srgbClr val="929292"/>
       </a:hlink>
       <a:folHlink>
-        <a:srgbClr val="73AED9"/>
+        <a:srgbClr val="669DD6"/>
       </a:folHlink>
     </a:clrScheme>
-    <a:fontScheme name="NationalInstruments">
+    <a:fontScheme name="Arial">
       <a:majorFont>
-        <a:latin typeface="Univers Com 55"/>
+        <a:latin typeface="Arial" panose="020B0604020202020204"/>
         <a:ea typeface=""/>
         <a:cs typeface=""/>
+        <a:font script="Jpan" typeface="ＭＳ Ｐゴシック"/>
+        <a:font script="Hang" typeface="굴림"/>
+        <a:font script="Hans" typeface="黑体"/>
+        <a:font script="Hant" typeface="微軟正黑體"/>
+        <a:font script="Arab" typeface="Arial"/>
+        <a:font script="Hebr" typeface="Arial"/>
+        <a:font script="Thai" typeface="Cordia New"/>
+        <a:font script="Ethi" typeface="Nyala"/>
+        <a:font script="Beng" typeface="Vrinda"/>
+        <a:font script="Gujr" typeface="Shruti"/>
+        <a:font script="Khmr" typeface="DaunPenh"/>
+        <a:font script="Knda" typeface="Tunga"/>
+        <a:font script="Guru" typeface="Raavi"/>
+        <a:font script="Cans" typeface="Euphemia"/>
+        <a:font script="Cher" typeface="Plantagenet Cherokee"/>
+        <a:font script="Yiii" typeface="Microsoft Yi Baiti"/>
+        <a:font script="Tibt" typeface="Microsoft Himalaya"/>
+        <a:font script="Thaa" typeface="MV Boli"/>
+        <a:font script="Deva" typeface="Mangal"/>
+        <a:font script="Telu" typeface="Gautami"/>
+        <a:font script="Taml" typeface="Latha"/>
+        <a:font script="Syrc" typeface="Estrangelo Edessa"/>
+        <a:font script="Orya" typeface="Kalinga"/>
+        <a:font script="Mlym" typeface="Kartika"/>
+        <a:font script="Laoo" typeface="DokChampa"/>
+        <a:font script="Sinh" typeface="Iskoola Pota"/>
+        <a:font script="Mong" typeface="Mongolian Baiti"/>
+        <a:font script="Viet" typeface="Arial"/>
+        <a:font script="Uigh" typeface="Microsoft Uighur"/>
+        <a:font script="Geor" typeface="Sylfaen"/>
       </a:majorFont>
       <a:minorFont>
-        <a:latin typeface="Univers Com 45 Light"/>
+        <a:latin typeface="Arial" panose="020B0604020202020204"/>
         <a:ea typeface=""/>
         <a:cs typeface=""/>
+        <a:font script="Jpan" typeface="ＭＳ Ｐゴシック"/>
+        <a:font script="Hang" typeface="굴림"/>
+        <a:font script="Hans" typeface="黑体"/>
+        <a:font script="Hant" typeface="微軟正黑體"/>
+        <a:font script="Arab" typeface="Arial"/>
+        <a:font script="Hebr" typeface="Arial"/>
+        <a:font script="Thai" typeface="Cordia New"/>
+        <a:font script="Ethi" typeface="Nyala"/>
+        <a:font script="Beng" typeface="Vrinda"/>
+        <a:font script="Gujr" typeface="Shruti"/>
+        <a:font script="Khmr" typeface="DaunPenh"/>
+        <a:font script="Knda" typeface="Tunga"/>
+        <a:font script="Guru" typeface="Raavi"/>
+        <a:font script="Cans" typeface="Euphemia"/>
+        <a:font script="Cher" typeface="Plantagenet Cherokee"/>
+        <a:font script="Yiii" typeface="Microsoft Yi Baiti"/>
+        <a:font script="Tibt" typeface="Microsoft Himalaya"/>
+        <a:font script="Thaa" typeface="MV Boli"/>
+        <a:font script="Deva" typeface="Mangal"/>
+        <a:font script="Telu" typeface="Gautami"/>
+        <a:font script="Taml" typeface="Latha"/>
+        <a:font script="Syrc" typeface="Estrangelo Edessa"/>
+        <a:font script="Orya" typeface="Kalinga"/>
+        <a:font script="Mlym" typeface="Kartika"/>
+        <a:font script="Laoo" typeface="DokChampa"/>
+        <a:font script="Sinh" typeface="Iskoola Pota"/>
+        <a:font script="Mong" typeface="Mongolian Baiti"/>
+        <a:font script="Viet" typeface="Arial"/>
+        <a:font script="Uigh" typeface="Microsoft Uighur"/>
+        <a:font script="Geor" typeface="Sylfaen"/>
       </a:minorFont>
     </a:fontScheme>
     <a:fmtScheme name="Office">
@@ -19058,156 +23500,131 @@
           <a:gsLst>
             <a:gs pos="0">
               <a:schemeClr val="phClr">
-                <a:tint val="50000"/>
-                <a:satMod val="300000"/>
+                <a:lumMod val="110000"/>
+                <a:satMod val="105000"/>
+                <a:tint val="67000"/>
               </a:schemeClr>
             </a:gs>
-            <a:gs pos="35000">
+            <a:gs pos="50000">
               <a:schemeClr val="phClr">
-                <a:tint val="37000"/>
-                <a:satMod val="300000"/>
+                <a:lumMod val="105000"/>
+                <a:satMod val="103000"/>
+                <a:tint val="73000"/>
               </a:schemeClr>
             </a:gs>
             <a:gs pos="100000">
               <a:schemeClr val="phClr">
-                <a:tint val="15000"/>
-                <a:satMod val="350000"/>
+                <a:lumMod val="105000"/>
+                <a:satMod val="109000"/>
+                <a:tint val="81000"/>
               </a:schemeClr>
             </a:gs>
           </a:gsLst>
-          <a:lin ang="16200000" scaled="1"/>
+          <a:lin ang="5400000" scaled="0"/>
         </a:gradFill>
         <a:gradFill rotWithShape="1">
           <a:gsLst>
             <a:gs pos="0">
               <a:schemeClr val="phClr">
-                <a:tint val="100000"/>
+                <a:satMod val="103000"/>
+                <a:lumMod val="102000"/>
+                <a:tint val="94000"/>
+              </a:schemeClr>
+            </a:gs>
+            <a:gs pos="50000">
+              <a:schemeClr val="phClr">
+                <a:satMod val="110000"/>
+                <a:lumMod val="100000"/>
                 <a:shade val="100000"/>
-                <a:satMod val="130000"/>
               </a:schemeClr>
             </a:gs>
             <a:gs pos="100000">
               <a:schemeClr val="phClr">
-                <a:tint val="50000"/>
-                <a:shade val="100000"/>
-                <a:satMod val="350000"/>
+                <a:lumMod val="99000"/>
+                <a:satMod val="120000"/>
+                <a:shade val="78000"/>
               </a:schemeClr>
             </a:gs>
           </a:gsLst>
-          <a:lin ang="16200000" scaled="0"/>
+          <a:lin ang="5400000" scaled="0"/>
         </a:gradFill>
       </a:fillStyleLst>
       <a:lnStyleLst>
-        <a:ln w="9525" cap="flat" cmpd="sng" algn="ctr">
-          <a:solidFill>
-            <a:schemeClr val="phClr">
-              <a:shade val="95000"/>
-              <a:satMod val="105000"/>
-            </a:schemeClr>
-          </a:solidFill>
-          <a:prstDash val="solid"/>
-        </a:ln>
-        <a:ln w="25400" cap="flat" cmpd="sng" algn="ctr">
+        <a:ln w="6350" cap="flat" cmpd="sng" algn="ctr">
           <a:solidFill>
             <a:schemeClr val="phClr"/>
           </a:solidFill>
           <a:prstDash val="solid"/>
+          <a:miter lim="800000"/>
         </a:ln>
-        <a:ln w="38100" cap="flat" cmpd="sng" algn="ctr">
+        <a:ln w="12700" cap="flat" cmpd="sng" algn="ctr">
           <a:solidFill>
             <a:schemeClr val="phClr"/>
           </a:solidFill>
           <a:prstDash val="solid"/>
+          <a:miter lim="800000"/>
+        </a:ln>
+        <a:ln w="19050" cap="flat" cmpd="sng" algn="ctr">
+          <a:solidFill>
+            <a:schemeClr val="phClr"/>
+          </a:solidFill>
+          <a:prstDash val="solid"/>
+          <a:miter lim="800000"/>
         </a:ln>
       </a:lnStyleLst>
       <a:effectStyleLst>
         <a:effectStyle>
+          <a:effectLst/>
+        </a:effectStyle>
+        <a:effectStyle>
+          <a:effectLst/>
+        </a:effectStyle>
+        <a:effectStyle>
           <a:effectLst>
-            <a:outerShdw blurRad="40000" dist="20000" dir="5400000" rotWithShape="0">
+            <a:outerShdw blurRad="57150" dist="19050" dir="5400000" algn="ctr" rotWithShape="0">
               <a:srgbClr val="000000">
-                <a:alpha val="38000"/>
+                <a:alpha val="63000"/>
               </a:srgbClr>
             </a:outerShdw>
           </a:effectLst>
-        </a:effectStyle>
-        <a:effectStyle>
-          <a:effectLst>
-            <a:outerShdw blurRad="40000" dist="23000" dir="5400000" rotWithShape="0">
-              <a:srgbClr val="000000">
-                <a:alpha val="35000"/>
-              </a:srgbClr>
-            </a:outerShdw>
-          </a:effectLst>
-        </a:effectStyle>
-        <a:effectStyle>
-          <a:effectLst>
-            <a:outerShdw blurRad="40000" dist="23000" dir="5400000" rotWithShape="0">
-              <a:srgbClr val="000000">
-                <a:alpha val="35000"/>
-              </a:srgbClr>
-            </a:outerShdw>
-          </a:effectLst>
-          <a:scene3d>
-            <a:camera prst="orthographicFront">
-              <a:rot lat="0" lon="0" rev="0"/>
-            </a:camera>
-            <a:lightRig rig="threePt" dir="t">
-              <a:rot lat="0" lon="0" rev="1200000"/>
-            </a:lightRig>
-          </a:scene3d>
-          <a:sp3d>
-            <a:bevelT w="63500" h="25400"/>
-          </a:sp3d>
         </a:effectStyle>
       </a:effectStyleLst>
       <a:bgFillStyleLst>
         <a:solidFill>
           <a:schemeClr val="phClr"/>
         </a:solidFill>
+        <a:solidFill>
+          <a:schemeClr val="phClr">
+            <a:tint val="95000"/>
+            <a:satMod val="170000"/>
+          </a:schemeClr>
+        </a:solidFill>
         <a:gradFill rotWithShape="1">
           <a:gsLst>
             <a:gs pos="0">
               <a:schemeClr val="phClr">
-                <a:tint val="40000"/>
-                <a:satMod val="350000"/>
+                <a:tint val="93000"/>
+                <a:satMod val="150000"/>
+                <a:shade val="98000"/>
+                <a:lumMod val="102000"/>
               </a:schemeClr>
             </a:gs>
-            <a:gs pos="40000">
+            <a:gs pos="50000">
               <a:schemeClr val="phClr">
-                <a:tint val="45000"/>
-                <a:shade val="99000"/>
-                <a:satMod val="350000"/>
+                <a:tint val="98000"/>
+                <a:satMod val="130000"/>
+                <a:shade val="90000"/>
+                <a:lumMod val="103000"/>
               </a:schemeClr>
             </a:gs>
             <a:gs pos="100000">
               <a:schemeClr val="phClr">
-                <a:shade val="20000"/>
-                <a:satMod val="255000"/>
+                <a:shade val="63000"/>
+                <a:satMod val="120000"/>
               </a:schemeClr>
             </a:gs>
           </a:gsLst>
-          <a:path path="circle">
-            <a:fillToRect l="50000" t="-80000" r="50000" b="180000"/>
-          </a:path>
-        </a:gradFill>
-        <a:gradFill rotWithShape="1">
-          <a:gsLst>
-            <a:gs pos="0">
-              <a:schemeClr val="phClr">
-                <a:tint val="80000"/>
-                <a:satMod val="300000"/>
-              </a:schemeClr>
-            </a:gs>
-            <a:gs pos="100000">
-              <a:schemeClr val="phClr">
-                <a:shade val="30000"/>
-                <a:satMod val="200000"/>
-              </a:schemeClr>
-            </a:gs>
-          </a:gsLst>
-          <a:path path="circle">
-            <a:fillToRect l="50000" t="50000" r="50000" b="50000"/>
-          </a:path>
+          <a:lin ang="5400000" scaled="0"/>
         </a:gradFill>
       </a:bgFillStyleLst>
     </a:fmtScheme>
@@ -19215,24 +23632,31 @@
   <a:objectDefaults>
     <a:spDef>
       <a:spPr>
-        <a:solidFill>
-          <a:schemeClr val="accent1"/>
-        </a:solidFill>
-        <a:ln>
-          <a:noFill/>
+        <a:noFill/>
+        <a:ln w="12700">
+          <a:solidFill>
+            <a:schemeClr val="bg2">
+              <a:lumMod val="25000"/>
+            </a:schemeClr>
+          </a:solidFill>
         </a:ln>
-        <a:effectLst>
-          <a:outerShdw blurRad="50800" dist="38100" dir="2700000" algn="tl" rotWithShape="0">
-            <a:prstClr val="black">
-              <a:alpha val="40000"/>
-            </a:prstClr>
-          </a:outerShdw>
-        </a:effectLst>
+        <a:effectLst/>
       </a:spPr>
-      <a:bodyPr rtlCol="0" anchor="ctr"/>
+      <a:bodyPr rot="0" spcFirstLastPara="0" vertOverflow="overflow" horzOverflow="overflow" vert="horz" wrap="square" lIns="0" tIns="45720" rIns="0" bIns="45720" numCol="1" spcCol="0" rtlCol="0" fromWordArt="0" anchor="ctr" anchorCtr="0" forceAA="0" compatLnSpc="1">
+        <a:prstTxWarp prst="textNoShape">
+          <a:avLst/>
+        </a:prstTxWarp>
+        <a:noAutofit/>
+      </a:bodyPr>
       <a:lstStyle>
         <a:defPPr algn="ctr">
-          <a:defRPr/>
+          <a:defRPr sz="1600" dirty="0" err="1" smtClean="0">
+            <a:solidFill>
+              <a:schemeClr val="bg2">
+                <a:lumMod val="25000"/>
+              </a:schemeClr>
+            </a:solidFill>
+          </a:defRPr>
         </a:defPPr>
       </a:lstStyle>
       <a:style>
@@ -19251,17 +23675,27 @@
       </a:style>
     </a:spDef>
     <a:lnDef>
-      <a:spPr/>
+      <a:spPr>
+        <a:ln w="12700">
+          <a:solidFill>
+            <a:schemeClr val="bg2">
+              <a:lumMod val="25000"/>
+            </a:schemeClr>
+          </a:solidFill>
+          <a:headEnd type="none"/>
+          <a:tailEnd type="none"/>
+        </a:ln>
+      </a:spPr>
       <a:bodyPr/>
       <a:lstStyle/>
       <a:style>
-        <a:lnRef idx="2">
+        <a:lnRef idx="1">
           <a:schemeClr val="accent1"/>
         </a:lnRef>
         <a:fillRef idx="0">
           <a:schemeClr val="accent1"/>
         </a:fillRef>
-        <a:effectRef idx="1">
+        <a:effectRef idx="0">
           <a:schemeClr val="accent1"/>
         </a:effectRef>
         <a:fontRef idx="minor">
@@ -19269,8 +23703,26 @@
         </a:fontRef>
       </a:style>
     </a:lnDef>
+    <a:txDef>
+      <a:spPr>
+        <a:noFill/>
+      </a:spPr>
+      <a:bodyPr wrap="none" lIns="0" rIns="0" rtlCol="0">
+        <a:spAutoFit/>
+      </a:bodyPr>
+      <a:lstStyle>
+        <a:defPPr>
+          <a:defRPr sz="1600" dirty="0" err="1" smtClean="0"/>
+        </a:defPPr>
+      </a:lstStyle>
+    </a:txDef>
   </a:objectDefaults>
   <a:extraClrSchemeLst/>
+  <a:extLst>
+    <a:ext uri="{05A4C25C-085E-4340-85A3-A5531E510DB2}">
+      <thm15:themeFamily xmlns:thm15="http://schemas.microsoft.com/office/thememl/2012/main" name="NIExTemplate" id="{0088F40F-6973-4826-BAFA-5E8278F50015}" vid="{40BD164D-DAC4-46E2-9B7C-B75B3A225885}"/>
+    </a:ext>
+  </a:extLst>
 </a:theme>
 </file>
 

--- a/Trunk/Getting Started Material/DCAF Training/2 Demystifying LabVIEW Object Oriented.pptx
+++ b/Trunk/Getting Started Material/DCAF Training/2 Demystifying LabVIEW Object Oriented.pptx
@@ -8,10 +8,10 @@
     <p:notesMasterId r:id="rId55"/>
   </p:notesMasterIdLst>
   <p:sldIdLst>
-    <p:sldId id="321" r:id="rId2"/>
-    <p:sldId id="322" r:id="rId3"/>
-    <p:sldId id="256" r:id="rId4"/>
-    <p:sldId id="263" r:id="rId5"/>
+    <p:sldId id="322" r:id="rId2"/>
+    <p:sldId id="263" r:id="rId3"/>
+    <p:sldId id="321" r:id="rId4"/>
+    <p:sldId id="256" r:id="rId5"/>
     <p:sldId id="257" r:id="rId6"/>
     <p:sldId id="259" r:id="rId7"/>
     <p:sldId id="314" r:id="rId8"/>
@@ -5151,7 +5151,7 @@
           <a:p>
             <a:fld id="{65D47A0C-230E-40BC-9856-13A0F7404925}" type="datetimeFigureOut">
               <a:rPr lang="en-US" smtClean="0"/>
-              <a:t>2018-07-03</a:t>
+              <a:t>2018-07-10</a:t>
             </a:fld>
             <a:endParaRPr lang="en-US" dirty="0"/>
           </a:p>
@@ -5486,7 +5486,7 @@
           <a:p>
             <a:fld id="{07B2E245-D56D-43C6-BFF0-7EB1C14DD4DA}" type="slidenum">
               <a:rPr lang="en-US" smtClean="0"/>
-              <a:t>1</a:t>
+              <a:t>3</a:t>
             </a:fld>
             <a:endParaRPr lang="en-US" dirty="0"/>
           </a:p>
@@ -14396,7 +14396,7 @@
           <a:p>
             <a:fld id="{6E45710A-4519-41B6-B07B-35488FDACA05}" type="datetimeFigureOut">
               <a:rPr lang="en-US" smtClean="0"/>
-              <a:t>2018-07-03</a:t>
+              <a:t>2018-07-10</a:t>
             </a:fld>
             <a:endParaRPr lang="en-US" dirty="0"/>
           </a:p>
@@ -17371,7 +17371,7 @@
 </file>
 
 <file path=ppt/slides/slide1.xml><?xml version="1.0" encoding="utf-8"?>
-<p:sld xmlns:a="http://schemas.openxmlformats.org/drawingml/2006/main" xmlns:r="http://schemas.openxmlformats.org/officeDocument/2006/relationships" xmlns:p="http://schemas.openxmlformats.org/presentationml/2006/main">
+<p:sld xmlns:a="http://schemas.openxmlformats.org/drawingml/2006/main" xmlns:r="http://schemas.openxmlformats.org/officeDocument/2006/relationships" xmlns:p="http://schemas.openxmlformats.org/presentationml/2006/main" show="0">
   <p:cSld>
     <p:spTree>
       <p:nvGrpSpPr>
@@ -17389,12 +17389,12 @@
       </p:grpSpPr>
       <p:sp>
         <p:nvSpPr>
-          <p:cNvPr id="2" name="Title 1"/>
+          <p:cNvPr id="6" name="Title 5"/>
           <p:cNvSpPr>
             <a:spLocks noGrp="1"/>
           </p:cNvSpPr>
           <p:nvPr>
-            <p:ph type="ctrTitle"/>
+            <p:ph type="title"/>
           </p:nvPr>
         </p:nvSpPr>
         <p:spPr/>
@@ -17404,71 +17404,36 @@
           <a:p>
             <a:r>
               <a:rPr lang="en-US" dirty="0"/>
-              <a:t>Distributed Control and Automation Framework (DCAF)</a:t>
-            </a:r>
-          </a:p>
-        </p:txBody>
-      </p:sp>
-      <p:sp>
-        <p:nvSpPr>
-          <p:cNvPr id="3" name="Subtitle 2"/>
+              <a:t>Agenda</a:t>
+            </a:r>
+          </a:p>
+        </p:txBody>
+      </p:sp>
+      <p:sp>
+        <p:nvSpPr>
+          <p:cNvPr id="7" name="Content Placeholder 6"/>
           <p:cNvSpPr>
             <a:spLocks noGrp="1"/>
           </p:cNvSpPr>
           <p:nvPr>
-            <p:ph type="subTitle" idx="1"/>
+            <p:ph idx="1"/>
           </p:nvPr>
         </p:nvSpPr>
         <p:spPr/>
         <p:txBody>
-          <a:bodyPr/>
-          <a:lstStyle/>
-          <a:p>
-            <a:r>
-              <a:rPr lang="en-US" dirty="0"/>
-              <a:t>Demystifying LabVIEW Objects</a:t>
-            </a:r>
-          </a:p>
-        </p:txBody>
-      </p:sp>
-      <p:sp>
-        <p:nvSpPr>
-          <p:cNvPr id="4" name="Text Placeholder 3"/>
-          <p:cNvSpPr>
-            <a:spLocks noGrp="1"/>
-          </p:cNvSpPr>
-          <p:nvPr>
-            <p:ph type="body" sz="quarter" idx="12"/>
-          </p:nvPr>
-        </p:nvSpPr>
-        <p:spPr/>
-        <p:txBody>
           <a:bodyPr>
-            <a:normAutofit lnSpcReduction="10000"/>
+            <a:normAutofit/>
           </a:bodyPr>
           <a:lstStyle/>
           <a:p>
             <a:r>
-              <a:rPr lang="en-US" dirty="0"/>
-              <a:t>Benjamin Celis, Mathew Pollock, Simon Perez</a:t>
-            </a:r>
-          </a:p>
-        </p:txBody>
-      </p:sp>
-      <p:sp>
-        <p:nvSpPr>
-          <p:cNvPr id="5" name="Text Placeholder 4"/>
-          <p:cNvSpPr>
-            <a:spLocks noGrp="1"/>
-          </p:cNvSpPr>
-          <p:nvPr>
-            <p:ph type="body" sz="quarter" idx="13"/>
-          </p:nvPr>
-        </p:nvSpPr>
-        <p:spPr/>
-        <p:txBody>
-          <a:bodyPr/>
-          <a:lstStyle/>
+              <a:rPr lang="en-US" sz="2000" dirty="0"/>
+              <a:t>For this session, content from Dev Days 2016 will be used. </a:t>
+            </a:r>
+          </a:p>
+          <a:p>
+            <a:endParaRPr lang="en-US" dirty="0"/>
+          </a:p>
           <a:p>
             <a:endParaRPr lang="en-US" dirty="0"/>
           </a:p>
@@ -17477,7 +17442,7 @@
     </p:spTree>
     <p:extLst>
       <p:ext uri="{BB962C8B-B14F-4D97-AF65-F5344CB8AC3E}">
-        <p14:creationId xmlns:p14="http://schemas.microsoft.com/office/powerpoint/2010/main" val="3695697852"/>
+        <p14:creationId xmlns:p14="http://schemas.microsoft.com/office/powerpoint/2010/main" val="353883698"/>
       </p:ext>
     </p:extLst>
   </p:cSld>
@@ -19042,7 +19007,7 @@
       </p:grpSpPr>
       <p:sp>
         <p:nvSpPr>
-          <p:cNvPr id="6" name="Title 5"/>
+          <p:cNvPr id="5" name="Title 4"/>
           <p:cNvSpPr>
             <a:spLocks noGrp="1"/>
           </p:cNvSpPr>
@@ -19057,45 +19022,161 @@
           <a:p>
             <a:r>
               <a:rPr lang="en-US" dirty="0"/>
-              <a:t>Agenda</a:t>
-            </a:r>
-          </a:p>
-        </p:txBody>
-      </p:sp>
-      <p:sp>
-        <p:nvSpPr>
-          <p:cNvPr id="7" name="Content Placeholder 6"/>
-          <p:cNvSpPr>
-            <a:spLocks noGrp="1"/>
-          </p:cNvSpPr>
-          <p:nvPr>
-            <p:ph idx="1"/>
-          </p:nvPr>
-        </p:nvSpPr>
-        <p:spPr/>
-        <p:txBody>
-          <a:bodyPr>
-            <a:normAutofit/>
+              <a:t>Abstract</a:t>
+            </a:r>
+          </a:p>
+        </p:txBody>
+      </p:sp>
+      <p:sp>
+        <p:nvSpPr>
+          <p:cNvPr id="2" name="Rectangle 1"/>
+          <p:cNvSpPr>
+            <a:spLocks noChangeArrowheads="1"/>
+          </p:cNvSpPr>
+          <p:nvPr/>
+        </p:nvSpPr>
+        <p:spPr bwMode="auto">
+          <a:xfrm>
+            <a:off x="383458" y="966196"/>
+            <a:ext cx="11543337" cy="3970318"/>
+          </a:xfrm>
+          <a:prstGeom prst="rect">
+            <a:avLst/>
+          </a:prstGeom>
+          <a:noFill/>
+          <a:ln>
+            <a:noFill/>
+          </a:ln>
+          <a:effectLst/>
+          <a:extLst>
+            <a:ext uri="{909E8E84-426E-40DD-AFC4-6F175D3DCCD1}">
+              <a14:hiddenFill xmlns:a14="http://schemas.microsoft.com/office/drawing/2010/main">
+                <a:solidFill>
+                  <a:schemeClr val="accent1"/>
+                </a:solidFill>
+              </a14:hiddenFill>
+            </a:ext>
+            <a:ext uri="{91240B29-F687-4F45-9708-019B960494DF}">
+              <a14:hiddenLine xmlns:a14="http://schemas.microsoft.com/office/drawing/2010/main" w="9525">
+                <a:solidFill>
+                  <a:schemeClr val="tx1"/>
+                </a:solidFill>
+                <a:miter lim="800000"/>
+                <a:headEnd/>
+                <a:tailEnd/>
+              </a14:hiddenLine>
+            </a:ext>
+            <a:ext uri="{AF507438-7753-43E0-B8FC-AC1667EBCBE1}">
+              <a14:hiddenEffects xmlns:a14="http://schemas.microsoft.com/office/drawing/2010/main">
+                <a:effectLst>
+                  <a:outerShdw dist="35921" dir="2700000" algn="ctr" rotWithShape="0">
+                    <a:schemeClr val="bg2"/>
+                  </a:outerShdw>
+                </a:effectLst>
+              </a14:hiddenEffects>
+            </a:ext>
+          </a:extLst>
+        </p:spPr>
+        <p:txBody>
+          <a:bodyPr vert="horz" wrap="square" lIns="91440" tIns="45720" rIns="91440" bIns="45720" numCol="1" anchor="ctr" anchorCtr="0" compatLnSpc="1">
+            <a:prstTxWarp prst="textNoShape">
+              <a:avLst/>
+            </a:prstTxWarp>
+            <a:spAutoFit/>
           </a:bodyPr>
           <a:lstStyle/>
           <a:p>
-            <a:r>
-              <a:rPr lang="en-US" sz="2000" dirty="0"/>
-              <a:t>For this session, content from Dev Days 2016 will be used. </a:t>
-            </a:r>
-          </a:p>
-          <a:p>
-            <a:endParaRPr lang="en-US" dirty="0"/>
-          </a:p>
-          <a:p>
-            <a:endParaRPr lang="en-US" dirty="0"/>
+            <a:pPr marL="0" marR="0" lvl="0" indent="0" algn="l" defTabSz="914400" rtl="0" eaLnBrk="0" fontAlgn="base" latinLnBrk="0" hangingPunct="0">
+              <a:lnSpc>
+                <a:spcPct val="100000"/>
+              </a:lnSpc>
+              <a:spcBef>
+                <a:spcPct val="0"/>
+              </a:spcBef>
+              <a:spcAft>
+                <a:spcPct val="0"/>
+              </a:spcAft>
+              <a:buClrTx/>
+              <a:buSzTx/>
+              <a:buFontTx/>
+              <a:buNone/>
+              <a:tabLst/>
+            </a:pPr>
+            <a:r>
+              <a:rPr kumimoji="0" lang="en-US" altLang="en-US" sz="2800" b="0" i="0" u="none" strike="noStrike" cap="none" normalizeH="0" baseline="0" dirty="0">
+                <a:ln>
+                  <a:noFill/>
+                </a:ln>
+                <a:solidFill>
+                  <a:srgbClr val="1F497D"/>
+                </a:solidFill>
+                <a:effectLst/>
+                <a:latin typeface="Arial" panose="020B0604020202020204" pitchFamily="34" charset="0"/>
+                <a:ea typeface="Calibri" panose="020F0502020204030204" pitchFamily="34" charset="0"/>
+                <a:cs typeface="Times New Roman" panose="02020603050405020304" pitchFamily="18" charset="0"/>
+              </a:rPr>
+              <a:t>A common misconception in LabVIEW  is that using objects will make an application more complex, and harder to use and  maintain. The reality is that   many applications are over complicated because they try to avoid using objects.</a:t>
+            </a:r>
+            <a:endParaRPr kumimoji="0" lang="en-US" altLang="en-US" sz="1600" b="0" i="0" u="none" strike="noStrike" cap="none" normalizeH="0" baseline="0" dirty="0">
+              <a:ln>
+                <a:noFill/>
+              </a:ln>
+              <a:solidFill>
+                <a:schemeClr val="tx1"/>
+              </a:solidFill>
+              <a:effectLst/>
+              <a:latin typeface="Arial" panose="020B0604020202020204" pitchFamily="34" charset="0"/>
+            </a:endParaRPr>
+          </a:p>
+          <a:p>
+            <a:pPr marL="0" marR="0" lvl="0" indent="0" algn="l" defTabSz="914400" rtl="0" eaLnBrk="0" fontAlgn="base" latinLnBrk="0" hangingPunct="0">
+              <a:lnSpc>
+                <a:spcPct val="100000"/>
+              </a:lnSpc>
+              <a:spcBef>
+                <a:spcPct val="0"/>
+              </a:spcBef>
+              <a:spcAft>
+                <a:spcPct val="0"/>
+              </a:spcAft>
+              <a:buClrTx/>
+              <a:buSzTx/>
+              <a:buFontTx/>
+              <a:buNone/>
+              <a:tabLst/>
+            </a:pPr>
+            <a:r>
+              <a:rPr kumimoji="0" lang="en-US" altLang="en-US" sz="2800" b="0" i="0" u="none" strike="noStrike" cap="none" normalizeH="0" baseline="0" dirty="0">
+                <a:ln>
+                  <a:noFill/>
+                </a:ln>
+                <a:solidFill>
+                  <a:srgbClr val="1F497D"/>
+                </a:solidFill>
+                <a:effectLst/>
+                <a:latin typeface="Arial" panose="020B0604020202020204" pitchFamily="34" charset="0"/>
+                <a:ea typeface="Calibri" panose="020F0502020204030204" pitchFamily="34" charset="0"/>
+                <a:cs typeface="Times New Roman" panose="02020603050405020304" pitchFamily="18" charset="0"/>
+              </a:rPr>
+              <a:t>In this session we will covering the basics of object oriented and how to deal with architectures and applications that use them. Please note, this session does not cover object oriented design. For more information, you can take NI’s Object Oriented Design and Programming in LabVIEW training course.</a:t>
+            </a:r>
+            <a:endParaRPr kumimoji="0" lang="en-US" altLang="en-US" sz="4400" b="0" i="0" u="none" strike="noStrike" cap="none" normalizeH="0" baseline="0" dirty="0">
+              <a:ln>
+                <a:noFill/>
+              </a:ln>
+              <a:solidFill>
+                <a:schemeClr val="tx1"/>
+              </a:solidFill>
+              <a:effectLst/>
+              <a:latin typeface="Arial" panose="020B0604020202020204" pitchFamily="34" charset="0"/>
+            </a:endParaRPr>
           </a:p>
         </p:txBody>
       </p:sp>
     </p:spTree>
     <p:extLst>
       <p:ext uri="{BB962C8B-B14F-4D97-AF65-F5344CB8AC3E}">
-        <p14:creationId xmlns:p14="http://schemas.microsoft.com/office/powerpoint/2010/main" val="353883698"/>
+        <p14:creationId xmlns:p14="http://schemas.microsoft.com/office/powerpoint/2010/main" val="911545365"/>
       </p:ext>
     </p:extLst>
   </p:cSld>
@@ -20151,6 +20232,28 @@
           <a:p>
             <a:r>
               <a:rPr lang="en-US" dirty="0"/>
+              <a:t>Distributed Control and Automation Framework (DCAF)</a:t>
+            </a:r>
+          </a:p>
+        </p:txBody>
+      </p:sp>
+      <p:sp>
+        <p:nvSpPr>
+          <p:cNvPr id="3" name="Subtitle 2"/>
+          <p:cNvSpPr>
+            <a:spLocks noGrp="1"/>
+          </p:cNvSpPr>
+          <p:nvPr>
+            <p:ph type="subTitle" idx="1"/>
+          </p:nvPr>
+        </p:nvSpPr>
+        <p:spPr/>
+        <p:txBody>
+          <a:bodyPr/>
+          <a:lstStyle/>
+          <a:p>
+            <a:r>
+              <a:rPr lang="en-US" dirty="0"/>
               <a:t>Demystifying LabVIEW Objects</a:t>
             </a:r>
           </a:p>
@@ -20158,12 +20261,36 @@
       </p:sp>
       <p:sp>
         <p:nvSpPr>
-          <p:cNvPr id="3" name="Subtitle 2"/>
+          <p:cNvPr id="4" name="Text Placeholder 3"/>
           <p:cNvSpPr>
             <a:spLocks noGrp="1"/>
           </p:cNvSpPr>
           <p:nvPr>
-            <p:ph type="subTitle" idx="1"/>
+            <p:ph type="body" sz="quarter" idx="12"/>
+          </p:nvPr>
+        </p:nvSpPr>
+        <p:spPr/>
+        <p:txBody>
+          <a:bodyPr>
+            <a:normAutofit lnSpcReduction="10000"/>
+          </a:bodyPr>
+          <a:lstStyle/>
+          <a:p>
+            <a:r>
+              <a:rPr lang="en-US" dirty="0"/>
+              <a:t>Benjamin Celis, Mathew Pollock, Simon Perez</a:t>
+            </a:r>
+          </a:p>
+        </p:txBody>
+      </p:sp>
+      <p:sp>
+        <p:nvSpPr>
+          <p:cNvPr id="5" name="Text Placeholder 4"/>
+          <p:cNvSpPr>
+            <a:spLocks noGrp="1"/>
+          </p:cNvSpPr>
+          <p:nvPr>
+            <p:ph type="body" sz="quarter" idx="13"/>
           </p:nvPr>
         </p:nvSpPr>
         <p:spPr/>
@@ -20178,7 +20305,7 @@
     </p:spTree>
     <p:extLst>
       <p:ext uri="{BB962C8B-B14F-4D97-AF65-F5344CB8AC3E}">
-        <p14:creationId xmlns:p14="http://schemas.microsoft.com/office/powerpoint/2010/main" val="2310096377"/>
+        <p14:creationId xmlns:p14="http://schemas.microsoft.com/office/powerpoint/2010/main" val="3695697852"/>
       </p:ext>
     </p:extLst>
   </p:cSld>
@@ -21287,7 +21414,7 @@
 </file>
 
 <file path=ppt/slides/slide4.xml><?xml version="1.0" encoding="utf-8"?>
-<p:sld xmlns:a="http://schemas.openxmlformats.org/drawingml/2006/main" xmlns:r="http://schemas.openxmlformats.org/officeDocument/2006/relationships" xmlns:p="http://schemas.openxmlformats.org/presentationml/2006/main" show="0">
+<p:sld xmlns:a="http://schemas.openxmlformats.org/drawingml/2006/main" xmlns:r="http://schemas.openxmlformats.org/officeDocument/2006/relationships" xmlns:p="http://schemas.openxmlformats.org/presentationml/2006/main">
   <p:cSld>
     <p:spTree>
       <p:nvGrpSpPr>
@@ -21305,12 +21432,12 @@
       </p:grpSpPr>
       <p:sp>
         <p:nvSpPr>
-          <p:cNvPr id="5" name="Title 4"/>
+          <p:cNvPr id="2" name="Title 1"/>
           <p:cNvSpPr>
             <a:spLocks noGrp="1"/>
           </p:cNvSpPr>
           <p:nvPr>
-            <p:ph type="title"/>
+            <p:ph type="ctrTitle"/>
           </p:nvPr>
         </p:nvSpPr>
         <p:spPr/>
@@ -21320,161 +21447,34 @@
           <a:p>
             <a:r>
               <a:rPr lang="en-US" dirty="0"/>
-              <a:t>Abstract</a:t>
-            </a:r>
-          </a:p>
-        </p:txBody>
-      </p:sp>
-      <p:sp>
-        <p:nvSpPr>
-          <p:cNvPr id="2" name="Rectangle 1"/>
-          <p:cNvSpPr>
-            <a:spLocks noChangeArrowheads="1"/>
-          </p:cNvSpPr>
-          <p:nvPr/>
-        </p:nvSpPr>
-        <p:spPr bwMode="auto">
-          <a:xfrm>
-            <a:off x="383458" y="966196"/>
-            <a:ext cx="11543337" cy="3970318"/>
-          </a:xfrm>
-          <a:prstGeom prst="rect">
-            <a:avLst/>
-          </a:prstGeom>
-          <a:noFill/>
-          <a:ln>
-            <a:noFill/>
-          </a:ln>
-          <a:effectLst/>
-          <a:extLst>
-            <a:ext uri="{909E8E84-426E-40DD-AFC4-6F175D3DCCD1}">
-              <a14:hiddenFill xmlns:a14="http://schemas.microsoft.com/office/drawing/2010/main">
-                <a:solidFill>
-                  <a:schemeClr val="accent1"/>
-                </a:solidFill>
-              </a14:hiddenFill>
-            </a:ext>
-            <a:ext uri="{91240B29-F687-4F45-9708-019B960494DF}">
-              <a14:hiddenLine xmlns:a14="http://schemas.microsoft.com/office/drawing/2010/main" w="9525">
-                <a:solidFill>
-                  <a:schemeClr val="tx1"/>
-                </a:solidFill>
-                <a:miter lim="800000"/>
-                <a:headEnd/>
-                <a:tailEnd/>
-              </a14:hiddenLine>
-            </a:ext>
-            <a:ext uri="{AF507438-7753-43E0-B8FC-AC1667EBCBE1}">
-              <a14:hiddenEffects xmlns:a14="http://schemas.microsoft.com/office/drawing/2010/main">
-                <a:effectLst>
-                  <a:outerShdw dist="35921" dir="2700000" algn="ctr" rotWithShape="0">
-                    <a:schemeClr val="bg2"/>
-                  </a:outerShdw>
-                </a:effectLst>
-              </a14:hiddenEffects>
-            </a:ext>
-          </a:extLst>
-        </p:spPr>
-        <p:txBody>
-          <a:bodyPr vert="horz" wrap="square" lIns="91440" tIns="45720" rIns="91440" bIns="45720" numCol="1" anchor="ctr" anchorCtr="0" compatLnSpc="1">
-            <a:prstTxWarp prst="textNoShape">
-              <a:avLst/>
-            </a:prstTxWarp>
-            <a:spAutoFit/>
-          </a:bodyPr>
+              <a:t>Demystifying LabVIEW Objects</a:t>
+            </a:r>
+          </a:p>
+        </p:txBody>
+      </p:sp>
+      <p:sp>
+        <p:nvSpPr>
+          <p:cNvPr id="3" name="Subtitle 2"/>
+          <p:cNvSpPr>
+            <a:spLocks noGrp="1"/>
+          </p:cNvSpPr>
+          <p:nvPr>
+            <p:ph type="subTitle" idx="1"/>
+          </p:nvPr>
+        </p:nvSpPr>
+        <p:spPr/>
+        <p:txBody>
+          <a:bodyPr/>
           <a:lstStyle/>
           <a:p>
-            <a:pPr marL="0" marR="0" lvl="0" indent="0" algn="l" defTabSz="914400" rtl="0" eaLnBrk="0" fontAlgn="base" latinLnBrk="0" hangingPunct="0">
-              <a:lnSpc>
-                <a:spcPct val="100000"/>
-              </a:lnSpc>
-              <a:spcBef>
-                <a:spcPct val="0"/>
-              </a:spcBef>
-              <a:spcAft>
-                <a:spcPct val="0"/>
-              </a:spcAft>
-              <a:buClrTx/>
-              <a:buSzTx/>
-              <a:buFontTx/>
-              <a:buNone/>
-              <a:tabLst/>
-            </a:pPr>
-            <a:r>
-              <a:rPr kumimoji="0" lang="en-US" altLang="en-US" sz="2800" b="0" i="0" u="none" strike="noStrike" cap="none" normalizeH="0" baseline="0" dirty="0">
-                <a:ln>
-                  <a:noFill/>
-                </a:ln>
-                <a:solidFill>
-                  <a:srgbClr val="1F497D"/>
-                </a:solidFill>
-                <a:effectLst/>
-                <a:latin typeface="Arial" panose="020B0604020202020204" pitchFamily="34" charset="0"/>
-                <a:ea typeface="Calibri" panose="020F0502020204030204" pitchFamily="34" charset="0"/>
-                <a:cs typeface="Times New Roman" panose="02020603050405020304" pitchFamily="18" charset="0"/>
-              </a:rPr>
-              <a:t>A common misconception in LabVIEW  is that using objects will make an application more complex, and harder to use and  maintain. The reality is that   many applications are over complicated because they try to avoid using objects.</a:t>
-            </a:r>
-            <a:endParaRPr kumimoji="0" lang="en-US" altLang="en-US" sz="1600" b="0" i="0" u="none" strike="noStrike" cap="none" normalizeH="0" baseline="0" dirty="0">
-              <a:ln>
-                <a:noFill/>
-              </a:ln>
-              <a:solidFill>
-                <a:schemeClr val="tx1"/>
-              </a:solidFill>
-              <a:effectLst/>
-              <a:latin typeface="Arial" panose="020B0604020202020204" pitchFamily="34" charset="0"/>
-            </a:endParaRPr>
-          </a:p>
-          <a:p>
-            <a:pPr marL="0" marR="0" lvl="0" indent="0" algn="l" defTabSz="914400" rtl="0" eaLnBrk="0" fontAlgn="base" latinLnBrk="0" hangingPunct="0">
-              <a:lnSpc>
-                <a:spcPct val="100000"/>
-              </a:lnSpc>
-              <a:spcBef>
-                <a:spcPct val="0"/>
-              </a:spcBef>
-              <a:spcAft>
-                <a:spcPct val="0"/>
-              </a:spcAft>
-              <a:buClrTx/>
-              <a:buSzTx/>
-              <a:buFontTx/>
-              <a:buNone/>
-              <a:tabLst/>
-            </a:pPr>
-            <a:r>
-              <a:rPr kumimoji="0" lang="en-US" altLang="en-US" sz="2800" b="0" i="0" u="none" strike="noStrike" cap="none" normalizeH="0" baseline="0" dirty="0">
-                <a:ln>
-                  <a:noFill/>
-                </a:ln>
-                <a:solidFill>
-                  <a:srgbClr val="1F497D"/>
-                </a:solidFill>
-                <a:effectLst/>
-                <a:latin typeface="Arial" panose="020B0604020202020204" pitchFamily="34" charset="0"/>
-                <a:ea typeface="Calibri" panose="020F0502020204030204" pitchFamily="34" charset="0"/>
-                <a:cs typeface="Times New Roman" panose="02020603050405020304" pitchFamily="18" charset="0"/>
-              </a:rPr>
-              <a:t>In this session we will covering the basics of object oriented and how to deal with architectures and applications that use them. Please note, this session does not cover object oriented design. For more information, you can take NI’s Object Oriented Design and Programming in LabVIEW training course.</a:t>
-            </a:r>
-            <a:endParaRPr kumimoji="0" lang="en-US" altLang="en-US" sz="4400" b="0" i="0" u="none" strike="noStrike" cap="none" normalizeH="0" baseline="0" dirty="0">
-              <a:ln>
-                <a:noFill/>
-              </a:ln>
-              <a:solidFill>
-                <a:schemeClr val="tx1"/>
-              </a:solidFill>
-              <a:effectLst/>
-              <a:latin typeface="Arial" panose="020B0604020202020204" pitchFamily="34" charset="0"/>
-            </a:endParaRPr>
+            <a:endParaRPr lang="en-US" dirty="0"/>
           </a:p>
         </p:txBody>
       </p:sp>
     </p:spTree>
     <p:extLst>
       <p:ext uri="{BB962C8B-B14F-4D97-AF65-F5344CB8AC3E}">
-        <p14:creationId xmlns:p14="http://schemas.microsoft.com/office/powerpoint/2010/main" val="911545365"/>
+        <p14:creationId xmlns:p14="http://schemas.microsoft.com/office/powerpoint/2010/main" val="2310096377"/>
       </p:ext>
     </p:extLst>
   </p:cSld>
